--- a/Powerpoints/parts.pptx
+++ b/Powerpoints/parts.pptx
@@ -7,6 +7,7 @@
   <p:sldIdLst>
     <p:sldId id="256" r:id="rId2"/>
     <p:sldId id="257" r:id="rId3"/>
+    <p:sldId id="258" r:id="rId4"/>
   </p:sldIdLst>
   <p:sldSz cx="12192000" cy="6858000"/>
   <p:notesSz cx="6858000" cy="9144000"/>
@@ -274,7 +275,7 @@
           <a:p>
             <a:fld id="{4865D920-62CB-495C-8529-9D6639115F7C}" type="datetimeFigureOut">
               <a:rPr lang="fr-BE" smtClean="0"/>
-              <a:t>08-05-20</a:t>
+              <a:t>09-05-20</a:t>
             </a:fld>
             <a:endParaRPr lang="fr-BE"/>
           </a:p>
@@ -474,7 +475,7 @@
           <a:p>
             <a:fld id="{4865D920-62CB-495C-8529-9D6639115F7C}" type="datetimeFigureOut">
               <a:rPr lang="fr-BE" smtClean="0"/>
-              <a:t>08-05-20</a:t>
+              <a:t>09-05-20</a:t>
             </a:fld>
             <a:endParaRPr lang="fr-BE"/>
           </a:p>
@@ -684,7 +685,7 @@
           <a:p>
             <a:fld id="{4865D920-62CB-495C-8529-9D6639115F7C}" type="datetimeFigureOut">
               <a:rPr lang="fr-BE" smtClean="0"/>
-              <a:t>08-05-20</a:t>
+              <a:t>09-05-20</a:t>
             </a:fld>
             <a:endParaRPr lang="fr-BE"/>
           </a:p>
@@ -884,7 +885,7 @@
           <a:p>
             <a:fld id="{4865D920-62CB-495C-8529-9D6639115F7C}" type="datetimeFigureOut">
               <a:rPr lang="fr-BE" smtClean="0"/>
-              <a:t>08-05-20</a:t>
+              <a:t>09-05-20</a:t>
             </a:fld>
             <a:endParaRPr lang="fr-BE"/>
           </a:p>
@@ -1160,7 +1161,7 @@
           <a:p>
             <a:fld id="{4865D920-62CB-495C-8529-9D6639115F7C}" type="datetimeFigureOut">
               <a:rPr lang="fr-BE" smtClean="0"/>
-              <a:t>08-05-20</a:t>
+              <a:t>09-05-20</a:t>
             </a:fld>
             <a:endParaRPr lang="fr-BE"/>
           </a:p>
@@ -1428,7 +1429,7 @@
           <a:p>
             <a:fld id="{4865D920-62CB-495C-8529-9D6639115F7C}" type="datetimeFigureOut">
               <a:rPr lang="fr-BE" smtClean="0"/>
-              <a:t>08-05-20</a:t>
+              <a:t>09-05-20</a:t>
             </a:fld>
             <a:endParaRPr lang="fr-BE"/>
           </a:p>
@@ -1843,7 +1844,7 @@
           <a:p>
             <a:fld id="{4865D920-62CB-495C-8529-9D6639115F7C}" type="datetimeFigureOut">
               <a:rPr lang="fr-BE" smtClean="0"/>
-              <a:t>08-05-20</a:t>
+              <a:t>09-05-20</a:t>
             </a:fld>
             <a:endParaRPr lang="fr-BE"/>
           </a:p>
@@ -1985,7 +1986,7 @@
           <a:p>
             <a:fld id="{4865D920-62CB-495C-8529-9D6639115F7C}" type="datetimeFigureOut">
               <a:rPr lang="fr-BE" smtClean="0"/>
-              <a:t>08-05-20</a:t>
+              <a:t>09-05-20</a:t>
             </a:fld>
             <a:endParaRPr lang="fr-BE"/>
           </a:p>
@@ -2098,7 +2099,7 @@
           <a:p>
             <a:fld id="{4865D920-62CB-495C-8529-9D6639115F7C}" type="datetimeFigureOut">
               <a:rPr lang="fr-BE" smtClean="0"/>
-              <a:t>08-05-20</a:t>
+              <a:t>09-05-20</a:t>
             </a:fld>
             <a:endParaRPr lang="fr-BE"/>
           </a:p>
@@ -2411,7 +2412,7 @@
           <a:p>
             <a:fld id="{4865D920-62CB-495C-8529-9D6639115F7C}" type="datetimeFigureOut">
               <a:rPr lang="fr-BE" smtClean="0"/>
-              <a:t>08-05-20</a:t>
+              <a:t>09-05-20</a:t>
             </a:fld>
             <a:endParaRPr lang="fr-BE"/>
           </a:p>
@@ -2700,7 +2701,7 @@
           <a:p>
             <a:fld id="{4865D920-62CB-495C-8529-9D6639115F7C}" type="datetimeFigureOut">
               <a:rPr lang="fr-BE" smtClean="0"/>
-              <a:t>08-05-20</a:t>
+              <a:t>09-05-20</a:t>
             </a:fld>
             <a:endParaRPr lang="fr-BE"/>
           </a:p>
@@ -2943,7 +2944,7 @@
           <a:p>
             <a:fld id="{4865D920-62CB-495C-8529-9D6639115F7C}" type="datetimeFigureOut">
               <a:rPr lang="fr-BE" smtClean="0"/>
-              <a:t>08-05-20</a:t>
+              <a:t>09-05-20</a:t>
             </a:fld>
             <a:endParaRPr lang="fr-BE"/>
           </a:p>
@@ -20816,6 +20817,2777 @@
 </p:sld>
 </file>
 
+<file path=ppt/slides/slide3.xml><?xml version="1.0" encoding="utf-8"?>
+<p:sld xmlns:a="http://schemas.openxmlformats.org/drawingml/2006/main" xmlns:r="http://schemas.openxmlformats.org/officeDocument/2006/relationships" xmlns:p="http://schemas.openxmlformats.org/presentationml/2006/main">
+  <p:cSld>
+    <p:spTree>
+      <p:nvGrpSpPr>
+        <p:cNvPr id="1" name=""/>
+        <p:cNvGrpSpPr/>
+        <p:nvPr/>
+      </p:nvGrpSpPr>
+      <p:grpSpPr>
+        <a:xfrm>
+          <a:off x="0" y="0"/>
+          <a:ext cx="0" cy="0"/>
+          <a:chOff x="0" y="0"/>
+          <a:chExt cx="0" cy="0"/>
+        </a:xfrm>
+      </p:grpSpPr>
+      <p:sp>
+        <p:nvSpPr>
+          <p:cNvPr id="2" name="Rectangle: Rounded Corners 1">
+            <a:extLst>
+              <a:ext uri="{FF2B5EF4-FFF2-40B4-BE49-F238E27FC236}">
+                <a16:creationId xmlns:a16="http://schemas.microsoft.com/office/drawing/2014/main" id="{1C9B923D-AB42-47D6-B767-878A5B3E32DB}"/>
+              </a:ext>
+            </a:extLst>
+          </p:cNvPr>
+          <p:cNvSpPr/>
+          <p:nvPr/>
+        </p:nvSpPr>
+        <p:spPr>
+          <a:xfrm>
+            <a:off x="10348686" y="6146238"/>
+            <a:ext cx="2191657" cy="256945"/>
+          </a:xfrm>
+          <a:prstGeom prst="roundRect">
+            <a:avLst>
+              <a:gd name="adj" fmla="val 50000"/>
+            </a:avLst>
+          </a:prstGeom>
+          <a:solidFill>
+            <a:schemeClr val="bg1">
+              <a:lumMod val="65000"/>
+            </a:schemeClr>
+          </a:solidFill>
+          <a:ln w="76200">
+            <a:solidFill>
+              <a:schemeClr val="tx1">
+                <a:lumMod val="75000"/>
+                <a:lumOff val="25000"/>
+              </a:schemeClr>
+            </a:solidFill>
+          </a:ln>
+        </p:spPr>
+        <p:style>
+          <a:lnRef idx="2">
+            <a:schemeClr val="accent1">
+              <a:shade val="50000"/>
+            </a:schemeClr>
+          </a:lnRef>
+          <a:fillRef idx="1">
+            <a:schemeClr val="accent1"/>
+          </a:fillRef>
+          <a:effectRef idx="0">
+            <a:schemeClr val="accent1"/>
+          </a:effectRef>
+          <a:fontRef idx="minor">
+            <a:schemeClr val="lt1"/>
+          </a:fontRef>
+        </p:style>
+        <p:txBody>
+          <a:bodyPr rtlCol="0" anchor="ctr"/>
+          <a:lstStyle/>
+          <a:p>
+            <a:pPr algn="ctr"/>
+            <a:endParaRPr lang="fr-BE"/>
+          </a:p>
+        </p:txBody>
+      </p:sp>
+      <p:sp>
+        <p:nvSpPr>
+          <p:cNvPr id="7" name="Oval 6">
+            <a:extLst>
+              <a:ext uri="{FF2B5EF4-FFF2-40B4-BE49-F238E27FC236}">
+                <a16:creationId xmlns:a16="http://schemas.microsoft.com/office/drawing/2014/main" id="{A0625D6A-AAB8-45FC-B559-2CDEC146AD17}"/>
+              </a:ext>
+            </a:extLst>
+          </p:cNvPr>
+          <p:cNvSpPr/>
+          <p:nvPr/>
+        </p:nvSpPr>
+        <p:spPr>
+          <a:xfrm>
+            <a:off x="12463430" y="6079561"/>
+            <a:ext cx="76913" cy="82338"/>
+          </a:xfrm>
+          <a:prstGeom prst="ellipse">
+            <a:avLst/>
+          </a:prstGeom>
+          <a:solidFill>
+            <a:schemeClr val="tx1">
+              <a:lumMod val="75000"/>
+              <a:lumOff val="25000"/>
+            </a:schemeClr>
+          </a:solidFill>
+          <a:ln w="76200">
+            <a:noFill/>
+          </a:ln>
+        </p:spPr>
+        <p:style>
+          <a:lnRef idx="2">
+            <a:schemeClr val="accent1">
+              <a:shade val="50000"/>
+            </a:schemeClr>
+          </a:lnRef>
+          <a:fillRef idx="1">
+            <a:schemeClr val="accent1"/>
+          </a:fillRef>
+          <a:effectRef idx="0">
+            <a:schemeClr val="accent1"/>
+          </a:effectRef>
+          <a:fontRef idx="minor">
+            <a:schemeClr val="lt1"/>
+          </a:fontRef>
+        </p:style>
+        <p:txBody>
+          <a:bodyPr rtlCol="0" anchor="ctr"/>
+          <a:lstStyle/>
+          <a:p>
+            <a:pPr algn="ctr"/>
+            <a:endParaRPr lang="fr-BE" dirty="0"/>
+          </a:p>
+        </p:txBody>
+      </p:sp>
+      <p:grpSp>
+        <p:nvGrpSpPr>
+          <p:cNvPr id="23" name="Group 22">
+            <a:extLst>
+              <a:ext uri="{FF2B5EF4-FFF2-40B4-BE49-F238E27FC236}">
+                <a16:creationId xmlns:a16="http://schemas.microsoft.com/office/drawing/2014/main" id="{EFB5250F-0C9A-4F9F-9D53-3A2CCFF883C7}"/>
+              </a:ext>
+            </a:extLst>
+          </p:cNvPr>
+          <p:cNvGrpSpPr/>
+          <p:nvPr/>
+        </p:nvGrpSpPr>
+        <p:grpSpPr>
+          <a:xfrm>
+            <a:off x="12082678" y="5751848"/>
+            <a:ext cx="407193" cy="352425"/>
+            <a:chOff x="8149828" y="3957638"/>
+            <a:chExt cx="407193" cy="352425"/>
+          </a:xfrm>
+        </p:grpSpPr>
+        <p:sp>
+          <p:nvSpPr>
+            <p:cNvPr id="17" name="Rectangle: Rounded Corners 16">
+              <a:extLst>
+                <a:ext uri="{FF2B5EF4-FFF2-40B4-BE49-F238E27FC236}">
+                  <a16:creationId xmlns:a16="http://schemas.microsoft.com/office/drawing/2014/main" id="{FCB5875E-BCF2-400B-BD74-34B556BCD1BF}"/>
+                </a:ext>
+              </a:extLst>
+            </p:cNvPr>
+            <p:cNvSpPr/>
+            <p:nvPr/>
+          </p:nvSpPr>
+          <p:spPr>
+            <a:xfrm>
+              <a:off x="8172450" y="3957638"/>
+              <a:ext cx="361950" cy="352425"/>
+            </a:xfrm>
+            <a:prstGeom prst="roundRect">
+              <a:avLst>
+                <a:gd name="adj" fmla="val 7207"/>
+              </a:avLst>
+            </a:prstGeom>
+            <a:solidFill>
+              <a:schemeClr val="accent4"/>
+            </a:solidFill>
+            <a:ln w="76200">
+              <a:noFill/>
+            </a:ln>
+          </p:spPr>
+          <p:style>
+            <a:lnRef idx="2">
+              <a:schemeClr val="accent1">
+                <a:shade val="50000"/>
+              </a:schemeClr>
+            </a:lnRef>
+            <a:fillRef idx="1">
+              <a:schemeClr val="accent1"/>
+            </a:fillRef>
+            <a:effectRef idx="0">
+              <a:schemeClr val="accent1"/>
+            </a:effectRef>
+            <a:fontRef idx="minor">
+              <a:schemeClr val="lt1"/>
+            </a:fontRef>
+          </p:style>
+          <p:txBody>
+            <a:bodyPr rtlCol="0" anchor="ctr"/>
+            <a:lstStyle/>
+            <a:p>
+              <a:pPr algn="ctr"/>
+              <a:endParaRPr lang="fr-BE" dirty="0"/>
+            </a:p>
+          </p:txBody>
+        </p:sp>
+        <p:grpSp>
+          <p:nvGrpSpPr>
+            <p:cNvPr id="21" name="Group 20">
+              <a:extLst>
+                <a:ext uri="{FF2B5EF4-FFF2-40B4-BE49-F238E27FC236}">
+                  <a16:creationId xmlns:a16="http://schemas.microsoft.com/office/drawing/2014/main" id="{B6B84D30-DDC8-4689-B6B5-81867F67952C}"/>
+                </a:ext>
+              </a:extLst>
+            </p:cNvPr>
+            <p:cNvGrpSpPr/>
+            <p:nvPr/>
+          </p:nvGrpSpPr>
+          <p:grpSpPr>
+            <a:xfrm rot="20841600">
+              <a:off x="8149828" y="4037855"/>
+              <a:ext cx="407193" cy="153888"/>
+              <a:chOff x="8771335" y="4035475"/>
+              <a:chExt cx="407193" cy="153888"/>
+            </a:xfrm>
+          </p:grpSpPr>
+          <p:sp>
+            <p:nvSpPr>
+              <p:cNvPr id="20" name="TextBox 19">
+                <a:extLst>
+                  <a:ext uri="{FF2B5EF4-FFF2-40B4-BE49-F238E27FC236}">
+                    <a16:creationId xmlns:a16="http://schemas.microsoft.com/office/drawing/2014/main" id="{459C5E5A-1914-4CD9-9604-3F5DC601971E}"/>
+                  </a:ext>
+                </a:extLst>
+              </p:cNvPr>
+              <p:cNvSpPr txBox="1"/>
+              <p:nvPr/>
+            </p:nvSpPr>
+            <p:spPr>
+              <a:xfrm>
+                <a:off x="8771335" y="4035475"/>
+                <a:ext cx="407193" cy="153888"/>
+              </a:xfrm>
+              <a:prstGeom prst="rect">
+                <a:avLst/>
+              </a:prstGeom>
+              <a:noFill/>
+            </p:spPr>
+            <p:txBody>
+              <a:bodyPr wrap="square" rtlCol="0">
+                <a:spAutoFit/>
+              </a:bodyPr>
+              <a:lstStyle/>
+              <a:p>
+                <a:pPr algn="ctr"/>
+                <a:r>
+                  <a:rPr lang="en-US" sz="400" dirty="0">
+                    <a:solidFill>
+                      <a:srgbClr val="C00000"/>
+                    </a:solidFill>
+                    <a:latin typeface="Roboto" panose="02000000000000000000" pitchFamily="2" charset="0"/>
+                    <a:ea typeface="Roboto" panose="02000000000000000000" pitchFamily="2" charset="0"/>
+                    <a:cs typeface="Roboto" panose="02000000000000000000" pitchFamily="2" charset="0"/>
+                  </a:rPr>
+                  <a:t>FRAGILE</a:t>
+                </a:r>
+                <a:endParaRPr lang="fr-BE" sz="500" dirty="0">
+                  <a:solidFill>
+                    <a:srgbClr val="C00000"/>
+                  </a:solidFill>
+                  <a:latin typeface="Roboto" panose="02000000000000000000" pitchFamily="2" charset="0"/>
+                  <a:ea typeface="Roboto" panose="02000000000000000000" pitchFamily="2" charset="0"/>
+                  <a:cs typeface="Roboto" panose="02000000000000000000" pitchFamily="2" charset="0"/>
+                </a:endParaRPr>
+              </a:p>
+            </p:txBody>
+          </p:sp>
+          <p:sp>
+            <p:nvSpPr>
+              <p:cNvPr id="18" name="Rectangle: Rounded Corners 17">
+                <a:extLst>
+                  <a:ext uri="{FF2B5EF4-FFF2-40B4-BE49-F238E27FC236}">
+                    <a16:creationId xmlns:a16="http://schemas.microsoft.com/office/drawing/2014/main" id="{C59DCC21-EE98-498C-ABAD-F730B0E4D7F9}"/>
+                  </a:ext>
+                </a:extLst>
+              </p:cNvPr>
+              <p:cNvSpPr/>
+              <p:nvPr/>
+            </p:nvSpPr>
+            <p:spPr>
+              <a:xfrm>
+                <a:off x="8853488" y="4071938"/>
+                <a:ext cx="242888" cy="80962"/>
+              </a:xfrm>
+              <a:prstGeom prst="roundRect">
+                <a:avLst/>
+              </a:prstGeom>
+              <a:noFill/>
+              <a:ln w="9525">
+                <a:solidFill>
+                  <a:srgbClr val="C00000"/>
+                </a:solidFill>
+              </a:ln>
+            </p:spPr>
+            <p:style>
+              <a:lnRef idx="2">
+                <a:schemeClr val="accent1">
+                  <a:shade val="50000"/>
+                </a:schemeClr>
+              </a:lnRef>
+              <a:fillRef idx="1">
+                <a:schemeClr val="accent1"/>
+              </a:fillRef>
+              <a:effectRef idx="0">
+                <a:schemeClr val="accent1"/>
+              </a:effectRef>
+              <a:fontRef idx="minor">
+                <a:schemeClr val="lt1"/>
+              </a:fontRef>
+            </p:style>
+            <p:txBody>
+              <a:bodyPr rtlCol="0" anchor="ctr"/>
+              <a:lstStyle/>
+              <a:p>
+                <a:pPr algn="ctr"/>
+                <a:endParaRPr lang="fr-BE" sz="500" dirty="0">
+                  <a:solidFill>
+                    <a:srgbClr val="C00000"/>
+                  </a:solidFill>
+                </a:endParaRPr>
+              </a:p>
+            </p:txBody>
+          </p:sp>
+        </p:grpSp>
+        <p:sp>
+          <p:nvSpPr>
+            <p:cNvPr id="22" name="Rectangle 21">
+              <a:extLst>
+                <a:ext uri="{FF2B5EF4-FFF2-40B4-BE49-F238E27FC236}">
+                  <a16:creationId xmlns:a16="http://schemas.microsoft.com/office/drawing/2014/main" id="{E4805B83-D9E3-4565-B77B-EF21B2464E3F}"/>
+                </a:ext>
+              </a:extLst>
+            </p:cNvPr>
+            <p:cNvSpPr/>
+            <p:nvPr/>
+          </p:nvSpPr>
+          <p:spPr>
+            <a:xfrm rot="352505">
+              <a:off x="8353424" y="4217193"/>
+              <a:ext cx="127360" cy="45719"/>
+            </a:xfrm>
+            <a:prstGeom prst="rect">
+              <a:avLst/>
+            </a:prstGeom>
+            <a:solidFill>
+              <a:schemeClr val="accent4">
+                <a:lumMod val="60000"/>
+                <a:lumOff val="40000"/>
+              </a:schemeClr>
+            </a:solidFill>
+            <a:ln w="76200">
+              <a:noFill/>
+            </a:ln>
+          </p:spPr>
+          <p:style>
+            <a:lnRef idx="2">
+              <a:schemeClr val="accent1">
+                <a:shade val="50000"/>
+              </a:schemeClr>
+            </a:lnRef>
+            <a:fillRef idx="1">
+              <a:schemeClr val="accent1"/>
+            </a:fillRef>
+            <a:effectRef idx="0">
+              <a:schemeClr val="accent1"/>
+            </a:effectRef>
+            <a:fontRef idx="minor">
+              <a:schemeClr val="lt1"/>
+            </a:fontRef>
+          </p:style>
+          <p:txBody>
+            <a:bodyPr rtlCol="0" anchor="ctr"/>
+            <a:lstStyle/>
+            <a:p>
+              <a:pPr algn="ctr"/>
+              <a:endParaRPr lang="fr-BE" dirty="0"/>
+            </a:p>
+          </p:txBody>
+        </p:sp>
+      </p:grpSp>
+      <p:sp>
+        <p:nvSpPr>
+          <p:cNvPr id="37" name="Oval 36">
+            <a:extLst>
+              <a:ext uri="{FF2B5EF4-FFF2-40B4-BE49-F238E27FC236}">
+                <a16:creationId xmlns:a16="http://schemas.microsoft.com/office/drawing/2014/main" id="{1767799B-E089-48E0-8C1A-E268C540BC01}"/>
+              </a:ext>
+            </a:extLst>
+          </p:cNvPr>
+          <p:cNvSpPr/>
+          <p:nvPr/>
+        </p:nvSpPr>
+        <p:spPr>
+          <a:xfrm>
+            <a:off x="10471309" y="6251850"/>
+            <a:ext cx="45719" cy="45719"/>
+          </a:xfrm>
+          <a:prstGeom prst="ellipse">
+            <a:avLst/>
+          </a:prstGeom>
+          <a:solidFill>
+            <a:srgbClr val="FFC000"/>
+          </a:solidFill>
+          <a:ln w="76200">
+            <a:solidFill>
+              <a:schemeClr val="tx1">
+                <a:lumMod val="85000"/>
+                <a:lumOff val="15000"/>
+              </a:schemeClr>
+            </a:solidFill>
+          </a:ln>
+        </p:spPr>
+        <p:style>
+          <a:lnRef idx="2">
+            <a:schemeClr val="accent1">
+              <a:shade val="50000"/>
+            </a:schemeClr>
+          </a:lnRef>
+          <a:fillRef idx="1">
+            <a:schemeClr val="accent1"/>
+          </a:fillRef>
+          <a:effectRef idx="0">
+            <a:schemeClr val="accent1"/>
+          </a:effectRef>
+          <a:fontRef idx="minor">
+            <a:schemeClr val="lt1"/>
+          </a:fontRef>
+        </p:style>
+        <p:txBody>
+          <a:bodyPr rtlCol="0" anchor="ctr"/>
+          <a:lstStyle/>
+          <a:p>
+            <a:pPr algn="ctr"/>
+            <a:endParaRPr lang="fr-BE" dirty="0"/>
+          </a:p>
+        </p:txBody>
+      </p:sp>
+      <p:sp>
+        <p:nvSpPr>
+          <p:cNvPr id="38" name="Oval 37">
+            <a:extLst>
+              <a:ext uri="{FF2B5EF4-FFF2-40B4-BE49-F238E27FC236}">
+                <a16:creationId xmlns:a16="http://schemas.microsoft.com/office/drawing/2014/main" id="{2201BA4F-8B09-4D97-A6FB-F22BEBB8E5DF}"/>
+              </a:ext>
+            </a:extLst>
+          </p:cNvPr>
+          <p:cNvSpPr/>
+          <p:nvPr/>
+        </p:nvSpPr>
+        <p:spPr>
+          <a:xfrm>
+            <a:off x="10790397" y="6251850"/>
+            <a:ext cx="45719" cy="45719"/>
+          </a:xfrm>
+          <a:prstGeom prst="ellipse">
+            <a:avLst/>
+          </a:prstGeom>
+          <a:solidFill>
+            <a:srgbClr val="FFC000"/>
+          </a:solidFill>
+          <a:ln w="76200">
+            <a:solidFill>
+              <a:schemeClr val="tx1">
+                <a:lumMod val="85000"/>
+                <a:lumOff val="15000"/>
+              </a:schemeClr>
+            </a:solidFill>
+          </a:ln>
+        </p:spPr>
+        <p:style>
+          <a:lnRef idx="2">
+            <a:schemeClr val="accent1">
+              <a:shade val="50000"/>
+            </a:schemeClr>
+          </a:lnRef>
+          <a:fillRef idx="1">
+            <a:schemeClr val="accent1"/>
+          </a:fillRef>
+          <a:effectRef idx="0">
+            <a:schemeClr val="accent1"/>
+          </a:effectRef>
+          <a:fontRef idx="minor">
+            <a:schemeClr val="lt1"/>
+          </a:fontRef>
+        </p:style>
+        <p:txBody>
+          <a:bodyPr rtlCol="0" anchor="ctr"/>
+          <a:lstStyle/>
+          <a:p>
+            <a:pPr algn="ctr"/>
+            <a:endParaRPr lang="fr-BE" dirty="0"/>
+          </a:p>
+        </p:txBody>
+      </p:sp>
+      <p:sp>
+        <p:nvSpPr>
+          <p:cNvPr id="40" name="Oval 39">
+            <a:extLst>
+              <a:ext uri="{FF2B5EF4-FFF2-40B4-BE49-F238E27FC236}">
+                <a16:creationId xmlns:a16="http://schemas.microsoft.com/office/drawing/2014/main" id="{B1542D88-D69D-47AA-90B8-D2A65A02A944}"/>
+              </a:ext>
+            </a:extLst>
+          </p:cNvPr>
+          <p:cNvSpPr/>
+          <p:nvPr/>
+        </p:nvSpPr>
+        <p:spPr>
+          <a:xfrm>
+            <a:off x="12463430" y="6082800"/>
+            <a:ext cx="76913" cy="82338"/>
+          </a:xfrm>
+          <a:prstGeom prst="ellipse">
+            <a:avLst/>
+          </a:prstGeom>
+          <a:solidFill>
+            <a:schemeClr val="tx1">
+              <a:lumMod val="75000"/>
+              <a:lumOff val="25000"/>
+            </a:schemeClr>
+          </a:solidFill>
+          <a:ln w="76200">
+            <a:noFill/>
+          </a:ln>
+        </p:spPr>
+        <p:style>
+          <a:lnRef idx="2">
+            <a:schemeClr val="accent1">
+              <a:shade val="50000"/>
+            </a:schemeClr>
+          </a:lnRef>
+          <a:fillRef idx="1">
+            <a:schemeClr val="accent1"/>
+          </a:fillRef>
+          <a:effectRef idx="0">
+            <a:schemeClr val="accent1"/>
+          </a:effectRef>
+          <a:fontRef idx="minor">
+            <a:schemeClr val="lt1"/>
+          </a:fontRef>
+        </p:style>
+        <p:txBody>
+          <a:bodyPr rtlCol="0" anchor="ctr"/>
+          <a:lstStyle/>
+          <a:p>
+            <a:pPr algn="ctr"/>
+            <a:endParaRPr lang="fr-BE" dirty="0"/>
+          </a:p>
+        </p:txBody>
+      </p:sp>
+      <p:sp>
+        <p:nvSpPr>
+          <p:cNvPr id="41" name="Oval 40">
+            <a:extLst>
+              <a:ext uri="{FF2B5EF4-FFF2-40B4-BE49-F238E27FC236}">
+                <a16:creationId xmlns:a16="http://schemas.microsoft.com/office/drawing/2014/main" id="{3F399675-19C7-45A7-B08F-EDE4533645B9}"/>
+              </a:ext>
+            </a:extLst>
+          </p:cNvPr>
+          <p:cNvSpPr/>
+          <p:nvPr/>
+        </p:nvSpPr>
+        <p:spPr>
+          <a:xfrm>
+            <a:off x="12463430" y="6079561"/>
+            <a:ext cx="76913" cy="82338"/>
+          </a:xfrm>
+          <a:prstGeom prst="ellipse">
+            <a:avLst/>
+          </a:prstGeom>
+          <a:solidFill>
+            <a:schemeClr val="tx1">
+              <a:lumMod val="75000"/>
+              <a:lumOff val="25000"/>
+            </a:schemeClr>
+          </a:solidFill>
+          <a:ln w="76200">
+            <a:noFill/>
+          </a:ln>
+        </p:spPr>
+        <p:style>
+          <a:lnRef idx="2">
+            <a:schemeClr val="accent1">
+              <a:shade val="50000"/>
+            </a:schemeClr>
+          </a:lnRef>
+          <a:fillRef idx="1">
+            <a:schemeClr val="accent1"/>
+          </a:fillRef>
+          <a:effectRef idx="0">
+            <a:schemeClr val="accent1"/>
+          </a:effectRef>
+          <a:fontRef idx="minor">
+            <a:schemeClr val="lt1"/>
+          </a:fontRef>
+        </p:style>
+        <p:txBody>
+          <a:bodyPr rtlCol="0" anchor="ctr"/>
+          <a:lstStyle/>
+          <a:p>
+            <a:pPr algn="ctr"/>
+            <a:endParaRPr lang="fr-BE" dirty="0"/>
+          </a:p>
+        </p:txBody>
+      </p:sp>
+      <p:sp>
+        <p:nvSpPr>
+          <p:cNvPr id="42" name="Oval 41">
+            <a:extLst>
+              <a:ext uri="{FF2B5EF4-FFF2-40B4-BE49-F238E27FC236}">
+                <a16:creationId xmlns:a16="http://schemas.microsoft.com/office/drawing/2014/main" id="{7DDC354D-61FB-401F-BB50-069BC95EBF31}"/>
+              </a:ext>
+            </a:extLst>
+          </p:cNvPr>
+          <p:cNvSpPr/>
+          <p:nvPr/>
+        </p:nvSpPr>
+        <p:spPr>
+          <a:xfrm>
+            <a:off x="12463429" y="6083658"/>
+            <a:ext cx="76913" cy="82338"/>
+          </a:xfrm>
+          <a:prstGeom prst="ellipse">
+            <a:avLst/>
+          </a:prstGeom>
+          <a:solidFill>
+            <a:schemeClr val="tx1">
+              <a:lumMod val="75000"/>
+              <a:lumOff val="25000"/>
+            </a:schemeClr>
+          </a:solidFill>
+          <a:ln w="76200">
+            <a:noFill/>
+          </a:ln>
+        </p:spPr>
+        <p:style>
+          <a:lnRef idx="2">
+            <a:schemeClr val="accent1">
+              <a:shade val="50000"/>
+            </a:schemeClr>
+          </a:lnRef>
+          <a:fillRef idx="1">
+            <a:schemeClr val="accent1"/>
+          </a:fillRef>
+          <a:effectRef idx="0">
+            <a:schemeClr val="accent1"/>
+          </a:effectRef>
+          <a:fontRef idx="minor">
+            <a:schemeClr val="lt1"/>
+          </a:fontRef>
+        </p:style>
+        <p:txBody>
+          <a:bodyPr rtlCol="0" anchor="ctr"/>
+          <a:lstStyle/>
+          <a:p>
+            <a:pPr algn="ctr"/>
+            <a:endParaRPr lang="fr-BE" dirty="0"/>
+          </a:p>
+        </p:txBody>
+      </p:sp>
+      <p:sp>
+        <p:nvSpPr>
+          <p:cNvPr id="43" name="Oval 42">
+            <a:extLst>
+              <a:ext uri="{FF2B5EF4-FFF2-40B4-BE49-F238E27FC236}">
+                <a16:creationId xmlns:a16="http://schemas.microsoft.com/office/drawing/2014/main" id="{52CA39C1-71F6-4447-B050-0F5A4D402F64}"/>
+              </a:ext>
+            </a:extLst>
+          </p:cNvPr>
+          <p:cNvSpPr/>
+          <p:nvPr/>
+        </p:nvSpPr>
+        <p:spPr>
+          <a:xfrm>
+            <a:off x="12463428" y="6079554"/>
+            <a:ext cx="76913" cy="82338"/>
+          </a:xfrm>
+          <a:prstGeom prst="ellipse">
+            <a:avLst/>
+          </a:prstGeom>
+          <a:solidFill>
+            <a:schemeClr val="tx1">
+              <a:lumMod val="75000"/>
+              <a:lumOff val="25000"/>
+            </a:schemeClr>
+          </a:solidFill>
+          <a:ln w="76200">
+            <a:noFill/>
+          </a:ln>
+        </p:spPr>
+        <p:style>
+          <a:lnRef idx="2">
+            <a:schemeClr val="accent1">
+              <a:shade val="50000"/>
+            </a:schemeClr>
+          </a:lnRef>
+          <a:fillRef idx="1">
+            <a:schemeClr val="accent1"/>
+          </a:fillRef>
+          <a:effectRef idx="0">
+            <a:schemeClr val="accent1"/>
+          </a:effectRef>
+          <a:fontRef idx="minor">
+            <a:schemeClr val="lt1"/>
+          </a:fontRef>
+        </p:style>
+        <p:txBody>
+          <a:bodyPr rtlCol="0" anchor="ctr"/>
+          <a:lstStyle/>
+          <a:p>
+            <a:pPr algn="ctr"/>
+            <a:endParaRPr lang="fr-BE" dirty="0"/>
+          </a:p>
+        </p:txBody>
+      </p:sp>
+      <p:sp>
+        <p:nvSpPr>
+          <p:cNvPr id="44" name="Oval 43">
+            <a:extLst>
+              <a:ext uri="{FF2B5EF4-FFF2-40B4-BE49-F238E27FC236}">
+                <a16:creationId xmlns:a16="http://schemas.microsoft.com/office/drawing/2014/main" id="{290D7958-7BBE-49B3-91F5-BF659197759A}"/>
+              </a:ext>
+            </a:extLst>
+          </p:cNvPr>
+          <p:cNvSpPr/>
+          <p:nvPr/>
+        </p:nvSpPr>
+        <p:spPr>
+          <a:xfrm>
+            <a:off x="12463428" y="6079554"/>
+            <a:ext cx="76913" cy="82338"/>
+          </a:xfrm>
+          <a:prstGeom prst="ellipse">
+            <a:avLst/>
+          </a:prstGeom>
+          <a:solidFill>
+            <a:schemeClr val="tx1">
+              <a:lumMod val="75000"/>
+              <a:lumOff val="25000"/>
+            </a:schemeClr>
+          </a:solidFill>
+          <a:ln w="76200">
+            <a:noFill/>
+          </a:ln>
+        </p:spPr>
+        <p:style>
+          <a:lnRef idx="2">
+            <a:schemeClr val="accent1">
+              <a:shade val="50000"/>
+            </a:schemeClr>
+          </a:lnRef>
+          <a:fillRef idx="1">
+            <a:schemeClr val="accent1"/>
+          </a:fillRef>
+          <a:effectRef idx="0">
+            <a:schemeClr val="accent1"/>
+          </a:effectRef>
+          <a:fontRef idx="minor">
+            <a:schemeClr val="lt1"/>
+          </a:fontRef>
+        </p:style>
+        <p:txBody>
+          <a:bodyPr rtlCol="0" anchor="ctr"/>
+          <a:lstStyle/>
+          <a:p>
+            <a:pPr algn="ctr"/>
+            <a:endParaRPr lang="fr-BE" dirty="0"/>
+          </a:p>
+        </p:txBody>
+      </p:sp>
+      <p:sp>
+        <p:nvSpPr>
+          <p:cNvPr id="45" name="Oval 44">
+            <a:extLst>
+              <a:ext uri="{FF2B5EF4-FFF2-40B4-BE49-F238E27FC236}">
+                <a16:creationId xmlns:a16="http://schemas.microsoft.com/office/drawing/2014/main" id="{1CCD4261-A7C2-4993-A00B-21BCACFD1B89}"/>
+              </a:ext>
+            </a:extLst>
+          </p:cNvPr>
+          <p:cNvSpPr/>
+          <p:nvPr/>
+        </p:nvSpPr>
+        <p:spPr>
+          <a:xfrm>
+            <a:off x="12463428" y="6079554"/>
+            <a:ext cx="76913" cy="82338"/>
+          </a:xfrm>
+          <a:prstGeom prst="ellipse">
+            <a:avLst/>
+          </a:prstGeom>
+          <a:solidFill>
+            <a:schemeClr val="tx1">
+              <a:lumMod val="75000"/>
+              <a:lumOff val="25000"/>
+            </a:schemeClr>
+          </a:solidFill>
+          <a:ln w="76200">
+            <a:noFill/>
+          </a:ln>
+        </p:spPr>
+        <p:style>
+          <a:lnRef idx="2">
+            <a:schemeClr val="accent1">
+              <a:shade val="50000"/>
+            </a:schemeClr>
+          </a:lnRef>
+          <a:fillRef idx="1">
+            <a:schemeClr val="accent1"/>
+          </a:fillRef>
+          <a:effectRef idx="0">
+            <a:schemeClr val="accent1"/>
+          </a:effectRef>
+          <a:fontRef idx="minor">
+            <a:schemeClr val="lt1"/>
+          </a:fontRef>
+        </p:style>
+        <p:txBody>
+          <a:bodyPr rtlCol="0" anchor="ctr"/>
+          <a:lstStyle/>
+          <a:p>
+            <a:pPr algn="ctr"/>
+            <a:endParaRPr lang="fr-BE" dirty="0"/>
+          </a:p>
+        </p:txBody>
+      </p:sp>
+      <p:sp>
+        <p:nvSpPr>
+          <p:cNvPr id="46" name="Oval 45">
+            <a:extLst>
+              <a:ext uri="{FF2B5EF4-FFF2-40B4-BE49-F238E27FC236}">
+                <a16:creationId xmlns:a16="http://schemas.microsoft.com/office/drawing/2014/main" id="{6569B73C-1E3F-425E-8417-EAC132440D88}"/>
+              </a:ext>
+            </a:extLst>
+          </p:cNvPr>
+          <p:cNvSpPr/>
+          <p:nvPr/>
+        </p:nvSpPr>
+        <p:spPr>
+          <a:xfrm>
+            <a:off x="12463426" y="6083658"/>
+            <a:ext cx="76913" cy="82338"/>
+          </a:xfrm>
+          <a:prstGeom prst="ellipse">
+            <a:avLst/>
+          </a:prstGeom>
+          <a:solidFill>
+            <a:schemeClr val="tx1">
+              <a:lumMod val="75000"/>
+              <a:lumOff val="25000"/>
+            </a:schemeClr>
+          </a:solidFill>
+          <a:ln w="76200">
+            <a:noFill/>
+          </a:ln>
+        </p:spPr>
+        <p:style>
+          <a:lnRef idx="2">
+            <a:schemeClr val="accent1">
+              <a:shade val="50000"/>
+            </a:schemeClr>
+          </a:lnRef>
+          <a:fillRef idx="1">
+            <a:schemeClr val="accent1"/>
+          </a:fillRef>
+          <a:effectRef idx="0">
+            <a:schemeClr val="accent1"/>
+          </a:effectRef>
+          <a:fontRef idx="minor">
+            <a:schemeClr val="lt1"/>
+          </a:fontRef>
+        </p:style>
+        <p:txBody>
+          <a:bodyPr rtlCol="0" anchor="ctr"/>
+          <a:lstStyle/>
+          <a:p>
+            <a:pPr algn="ctr"/>
+            <a:endParaRPr lang="fr-BE" dirty="0"/>
+          </a:p>
+        </p:txBody>
+      </p:sp>
+      <p:sp>
+        <p:nvSpPr>
+          <p:cNvPr id="47" name="Oval 46">
+            <a:extLst>
+              <a:ext uri="{FF2B5EF4-FFF2-40B4-BE49-F238E27FC236}">
+                <a16:creationId xmlns:a16="http://schemas.microsoft.com/office/drawing/2014/main" id="{9B506BBE-C33B-4FBA-B2E2-F539D9DD9AE4}"/>
+              </a:ext>
+            </a:extLst>
+          </p:cNvPr>
+          <p:cNvSpPr/>
+          <p:nvPr/>
+        </p:nvSpPr>
+        <p:spPr>
+          <a:xfrm>
+            <a:off x="12467084" y="6081077"/>
+            <a:ext cx="76913" cy="82338"/>
+          </a:xfrm>
+          <a:prstGeom prst="ellipse">
+            <a:avLst/>
+          </a:prstGeom>
+          <a:solidFill>
+            <a:schemeClr val="tx1">
+              <a:lumMod val="75000"/>
+              <a:lumOff val="25000"/>
+            </a:schemeClr>
+          </a:solidFill>
+          <a:ln w="76200">
+            <a:noFill/>
+          </a:ln>
+        </p:spPr>
+        <p:style>
+          <a:lnRef idx="2">
+            <a:schemeClr val="accent1">
+              <a:shade val="50000"/>
+            </a:schemeClr>
+          </a:lnRef>
+          <a:fillRef idx="1">
+            <a:schemeClr val="accent1"/>
+          </a:fillRef>
+          <a:effectRef idx="0">
+            <a:schemeClr val="accent1"/>
+          </a:effectRef>
+          <a:fontRef idx="minor">
+            <a:schemeClr val="lt1"/>
+          </a:fontRef>
+        </p:style>
+        <p:txBody>
+          <a:bodyPr rtlCol="0" anchor="ctr"/>
+          <a:lstStyle/>
+          <a:p>
+            <a:pPr algn="ctr"/>
+            <a:endParaRPr lang="fr-BE" dirty="0"/>
+          </a:p>
+        </p:txBody>
+      </p:sp>
+      <p:sp>
+        <p:nvSpPr>
+          <p:cNvPr id="48" name="Oval 47">
+            <a:extLst>
+              <a:ext uri="{FF2B5EF4-FFF2-40B4-BE49-F238E27FC236}">
+                <a16:creationId xmlns:a16="http://schemas.microsoft.com/office/drawing/2014/main" id="{A3767B5C-82BB-4817-B721-8F6AB0B4F5DA}"/>
+              </a:ext>
+            </a:extLst>
+          </p:cNvPr>
+          <p:cNvSpPr/>
+          <p:nvPr/>
+        </p:nvSpPr>
+        <p:spPr>
+          <a:xfrm>
+            <a:off x="12460109" y="6083658"/>
+            <a:ext cx="76913" cy="82338"/>
+          </a:xfrm>
+          <a:prstGeom prst="ellipse">
+            <a:avLst/>
+          </a:prstGeom>
+          <a:solidFill>
+            <a:schemeClr val="tx1">
+              <a:lumMod val="75000"/>
+              <a:lumOff val="25000"/>
+            </a:schemeClr>
+          </a:solidFill>
+          <a:ln w="76200">
+            <a:noFill/>
+          </a:ln>
+        </p:spPr>
+        <p:style>
+          <a:lnRef idx="2">
+            <a:schemeClr val="accent1">
+              <a:shade val="50000"/>
+            </a:schemeClr>
+          </a:lnRef>
+          <a:fillRef idx="1">
+            <a:schemeClr val="accent1"/>
+          </a:fillRef>
+          <a:effectRef idx="0">
+            <a:schemeClr val="accent1"/>
+          </a:effectRef>
+          <a:fontRef idx="minor">
+            <a:schemeClr val="lt1"/>
+          </a:fontRef>
+        </p:style>
+        <p:txBody>
+          <a:bodyPr rtlCol="0" anchor="ctr"/>
+          <a:lstStyle/>
+          <a:p>
+            <a:pPr algn="ctr"/>
+            <a:endParaRPr lang="fr-BE" dirty="0"/>
+          </a:p>
+        </p:txBody>
+      </p:sp>
+      <p:grpSp>
+        <p:nvGrpSpPr>
+          <p:cNvPr id="49" name="Group 48">
+            <a:extLst>
+              <a:ext uri="{FF2B5EF4-FFF2-40B4-BE49-F238E27FC236}">
+                <a16:creationId xmlns:a16="http://schemas.microsoft.com/office/drawing/2014/main" id="{1B1BC6FB-20F0-4505-AA83-CA7C4135D4CF}"/>
+              </a:ext>
+            </a:extLst>
+          </p:cNvPr>
+          <p:cNvGrpSpPr/>
+          <p:nvPr/>
+        </p:nvGrpSpPr>
+        <p:grpSpPr>
+          <a:xfrm>
+            <a:off x="12088633" y="5747744"/>
+            <a:ext cx="407193" cy="352425"/>
+            <a:chOff x="8149828" y="3957638"/>
+            <a:chExt cx="407193" cy="352425"/>
+          </a:xfrm>
+        </p:grpSpPr>
+        <p:sp>
+          <p:nvSpPr>
+            <p:cNvPr id="50" name="Rectangle: Rounded Corners 49">
+              <a:extLst>
+                <a:ext uri="{FF2B5EF4-FFF2-40B4-BE49-F238E27FC236}">
+                  <a16:creationId xmlns:a16="http://schemas.microsoft.com/office/drawing/2014/main" id="{5A87EC77-0AB1-41F9-B04D-1C8239A93603}"/>
+                </a:ext>
+              </a:extLst>
+            </p:cNvPr>
+            <p:cNvSpPr/>
+            <p:nvPr/>
+          </p:nvSpPr>
+          <p:spPr>
+            <a:xfrm>
+              <a:off x="8172450" y="3957638"/>
+              <a:ext cx="361950" cy="352425"/>
+            </a:xfrm>
+            <a:prstGeom prst="roundRect">
+              <a:avLst>
+                <a:gd name="adj" fmla="val 7207"/>
+              </a:avLst>
+            </a:prstGeom>
+            <a:solidFill>
+              <a:schemeClr val="accent4"/>
+            </a:solidFill>
+            <a:ln w="76200">
+              <a:noFill/>
+            </a:ln>
+          </p:spPr>
+          <p:style>
+            <a:lnRef idx="2">
+              <a:schemeClr val="accent1">
+                <a:shade val="50000"/>
+              </a:schemeClr>
+            </a:lnRef>
+            <a:fillRef idx="1">
+              <a:schemeClr val="accent1"/>
+            </a:fillRef>
+            <a:effectRef idx="0">
+              <a:schemeClr val="accent1"/>
+            </a:effectRef>
+            <a:fontRef idx="minor">
+              <a:schemeClr val="lt1"/>
+            </a:fontRef>
+          </p:style>
+          <p:txBody>
+            <a:bodyPr rtlCol="0" anchor="ctr"/>
+            <a:lstStyle/>
+            <a:p>
+              <a:pPr algn="ctr"/>
+              <a:endParaRPr lang="fr-BE" dirty="0"/>
+            </a:p>
+          </p:txBody>
+        </p:sp>
+        <p:grpSp>
+          <p:nvGrpSpPr>
+            <p:cNvPr id="51" name="Group 50">
+              <a:extLst>
+                <a:ext uri="{FF2B5EF4-FFF2-40B4-BE49-F238E27FC236}">
+                  <a16:creationId xmlns:a16="http://schemas.microsoft.com/office/drawing/2014/main" id="{AF1A9D8A-6EE0-46C1-8287-7ED91326B00E}"/>
+                </a:ext>
+              </a:extLst>
+            </p:cNvPr>
+            <p:cNvGrpSpPr/>
+            <p:nvPr/>
+          </p:nvGrpSpPr>
+          <p:grpSpPr>
+            <a:xfrm rot="20841600">
+              <a:off x="8149828" y="4037855"/>
+              <a:ext cx="407193" cy="153888"/>
+              <a:chOff x="8771335" y="4035475"/>
+              <a:chExt cx="407193" cy="153888"/>
+            </a:xfrm>
+          </p:grpSpPr>
+          <p:sp>
+            <p:nvSpPr>
+              <p:cNvPr id="53" name="TextBox 52">
+                <a:extLst>
+                  <a:ext uri="{FF2B5EF4-FFF2-40B4-BE49-F238E27FC236}">
+                    <a16:creationId xmlns:a16="http://schemas.microsoft.com/office/drawing/2014/main" id="{47717FF7-C04F-4EA8-9AAA-AB84BC1585C3}"/>
+                  </a:ext>
+                </a:extLst>
+              </p:cNvPr>
+              <p:cNvSpPr txBox="1"/>
+              <p:nvPr/>
+            </p:nvSpPr>
+            <p:spPr>
+              <a:xfrm>
+                <a:off x="8771335" y="4035475"/>
+                <a:ext cx="407193" cy="153888"/>
+              </a:xfrm>
+              <a:prstGeom prst="rect">
+                <a:avLst/>
+              </a:prstGeom>
+              <a:noFill/>
+            </p:spPr>
+            <p:txBody>
+              <a:bodyPr wrap="square" rtlCol="0">
+                <a:spAutoFit/>
+              </a:bodyPr>
+              <a:lstStyle/>
+              <a:p>
+                <a:pPr algn="ctr"/>
+                <a:r>
+                  <a:rPr lang="en-US" sz="400" dirty="0">
+                    <a:solidFill>
+                      <a:srgbClr val="C00000"/>
+                    </a:solidFill>
+                    <a:latin typeface="Roboto" panose="02000000000000000000" pitchFamily="2" charset="0"/>
+                    <a:ea typeface="Roboto" panose="02000000000000000000" pitchFamily="2" charset="0"/>
+                    <a:cs typeface="Roboto" panose="02000000000000000000" pitchFamily="2" charset="0"/>
+                  </a:rPr>
+                  <a:t>FRAGILE</a:t>
+                </a:r>
+                <a:endParaRPr lang="fr-BE" sz="500" dirty="0">
+                  <a:solidFill>
+                    <a:srgbClr val="C00000"/>
+                  </a:solidFill>
+                  <a:latin typeface="Roboto" panose="02000000000000000000" pitchFamily="2" charset="0"/>
+                  <a:ea typeface="Roboto" panose="02000000000000000000" pitchFamily="2" charset="0"/>
+                  <a:cs typeface="Roboto" panose="02000000000000000000" pitchFamily="2" charset="0"/>
+                </a:endParaRPr>
+              </a:p>
+            </p:txBody>
+          </p:sp>
+          <p:sp>
+            <p:nvSpPr>
+              <p:cNvPr id="54" name="Rectangle: Rounded Corners 53">
+                <a:extLst>
+                  <a:ext uri="{FF2B5EF4-FFF2-40B4-BE49-F238E27FC236}">
+                    <a16:creationId xmlns:a16="http://schemas.microsoft.com/office/drawing/2014/main" id="{0902AD08-8CCC-4E28-BECB-B1B75975CAC4}"/>
+                  </a:ext>
+                </a:extLst>
+              </p:cNvPr>
+              <p:cNvSpPr/>
+              <p:nvPr/>
+            </p:nvSpPr>
+            <p:spPr>
+              <a:xfrm>
+                <a:off x="8853488" y="4071938"/>
+                <a:ext cx="242888" cy="80962"/>
+              </a:xfrm>
+              <a:prstGeom prst="roundRect">
+                <a:avLst/>
+              </a:prstGeom>
+              <a:noFill/>
+              <a:ln w="9525">
+                <a:solidFill>
+                  <a:srgbClr val="C00000"/>
+                </a:solidFill>
+              </a:ln>
+            </p:spPr>
+            <p:style>
+              <a:lnRef idx="2">
+                <a:schemeClr val="accent1">
+                  <a:shade val="50000"/>
+                </a:schemeClr>
+              </a:lnRef>
+              <a:fillRef idx="1">
+                <a:schemeClr val="accent1"/>
+              </a:fillRef>
+              <a:effectRef idx="0">
+                <a:schemeClr val="accent1"/>
+              </a:effectRef>
+              <a:fontRef idx="minor">
+                <a:schemeClr val="lt1"/>
+              </a:fontRef>
+            </p:style>
+            <p:txBody>
+              <a:bodyPr rtlCol="0" anchor="ctr"/>
+              <a:lstStyle/>
+              <a:p>
+                <a:pPr algn="ctr"/>
+                <a:endParaRPr lang="fr-BE" sz="500" dirty="0">
+                  <a:solidFill>
+                    <a:srgbClr val="C00000"/>
+                  </a:solidFill>
+                </a:endParaRPr>
+              </a:p>
+            </p:txBody>
+          </p:sp>
+        </p:grpSp>
+        <p:sp>
+          <p:nvSpPr>
+            <p:cNvPr id="52" name="Rectangle 51">
+              <a:extLst>
+                <a:ext uri="{FF2B5EF4-FFF2-40B4-BE49-F238E27FC236}">
+                  <a16:creationId xmlns:a16="http://schemas.microsoft.com/office/drawing/2014/main" id="{F08F4A02-9A98-4EDE-B81E-ED7DFB5F535F}"/>
+                </a:ext>
+              </a:extLst>
+            </p:cNvPr>
+            <p:cNvSpPr/>
+            <p:nvPr/>
+          </p:nvSpPr>
+          <p:spPr>
+            <a:xfrm rot="352505">
+              <a:off x="8353424" y="4217193"/>
+              <a:ext cx="127360" cy="45719"/>
+            </a:xfrm>
+            <a:prstGeom prst="rect">
+              <a:avLst/>
+            </a:prstGeom>
+            <a:solidFill>
+              <a:schemeClr val="accent4">
+                <a:lumMod val="60000"/>
+                <a:lumOff val="40000"/>
+              </a:schemeClr>
+            </a:solidFill>
+            <a:ln w="76200">
+              <a:noFill/>
+            </a:ln>
+          </p:spPr>
+          <p:style>
+            <a:lnRef idx="2">
+              <a:schemeClr val="accent1">
+                <a:shade val="50000"/>
+              </a:schemeClr>
+            </a:lnRef>
+            <a:fillRef idx="1">
+              <a:schemeClr val="accent1"/>
+            </a:fillRef>
+            <a:effectRef idx="0">
+              <a:schemeClr val="accent1"/>
+            </a:effectRef>
+            <a:fontRef idx="minor">
+              <a:schemeClr val="lt1"/>
+            </a:fontRef>
+          </p:style>
+          <p:txBody>
+            <a:bodyPr rtlCol="0" anchor="ctr"/>
+            <a:lstStyle/>
+            <a:p>
+              <a:pPr algn="ctr"/>
+              <a:endParaRPr lang="fr-BE" dirty="0"/>
+            </a:p>
+          </p:txBody>
+        </p:sp>
+      </p:grpSp>
+      <p:grpSp>
+        <p:nvGrpSpPr>
+          <p:cNvPr id="55" name="Group 54">
+            <a:extLst>
+              <a:ext uri="{FF2B5EF4-FFF2-40B4-BE49-F238E27FC236}">
+                <a16:creationId xmlns:a16="http://schemas.microsoft.com/office/drawing/2014/main" id="{F7DF5023-49F9-4352-BAB1-C83496636C5A}"/>
+              </a:ext>
+            </a:extLst>
+          </p:cNvPr>
+          <p:cNvGrpSpPr/>
+          <p:nvPr/>
+        </p:nvGrpSpPr>
+        <p:grpSpPr>
+          <a:xfrm>
+            <a:off x="12084247" y="5750125"/>
+            <a:ext cx="407193" cy="352425"/>
+            <a:chOff x="8149828" y="3957638"/>
+            <a:chExt cx="407193" cy="352425"/>
+          </a:xfrm>
+        </p:grpSpPr>
+        <p:sp>
+          <p:nvSpPr>
+            <p:cNvPr id="56" name="Rectangle: Rounded Corners 55">
+              <a:extLst>
+                <a:ext uri="{FF2B5EF4-FFF2-40B4-BE49-F238E27FC236}">
+                  <a16:creationId xmlns:a16="http://schemas.microsoft.com/office/drawing/2014/main" id="{2C696C85-D6F7-4B2D-8C01-063728D71B17}"/>
+                </a:ext>
+              </a:extLst>
+            </p:cNvPr>
+            <p:cNvSpPr/>
+            <p:nvPr/>
+          </p:nvSpPr>
+          <p:spPr>
+            <a:xfrm>
+              <a:off x="8172450" y="3957638"/>
+              <a:ext cx="361950" cy="352425"/>
+            </a:xfrm>
+            <a:prstGeom prst="roundRect">
+              <a:avLst>
+                <a:gd name="adj" fmla="val 7207"/>
+              </a:avLst>
+            </a:prstGeom>
+            <a:solidFill>
+              <a:schemeClr val="accent4"/>
+            </a:solidFill>
+            <a:ln w="76200">
+              <a:noFill/>
+            </a:ln>
+          </p:spPr>
+          <p:style>
+            <a:lnRef idx="2">
+              <a:schemeClr val="accent1">
+                <a:shade val="50000"/>
+              </a:schemeClr>
+            </a:lnRef>
+            <a:fillRef idx="1">
+              <a:schemeClr val="accent1"/>
+            </a:fillRef>
+            <a:effectRef idx="0">
+              <a:schemeClr val="accent1"/>
+            </a:effectRef>
+            <a:fontRef idx="minor">
+              <a:schemeClr val="lt1"/>
+            </a:fontRef>
+          </p:style>
+          <p:txBody>
+            <a:bodyPr rtlCol="0" anchor="ctr"/>
+            <a:lstStyle/>
+            <a:p>
+              <a:pPr algn="ctr"/>
+              <a:endParaRPr lang="fr-BE" dirty="0"/>
+            </a:p>
+          </p:txBody>
+        </p:sp>
+        <p:grpSp>
+          <p:nvGrpSpPr>
+            <p:cNvPr id="57" name="Group 56">
+              <a:extLst>
+                <a:ext uri="{FF2B5EF4-FFF2-40B4-BE49-F238E27FC236}">
+                  <a16:creationId xmlns:a16="http://schemas.microsoft.com/office/drawing/2014/main" id="{9292CCB4-B4A9-4179-BBB1-4031CA0C299E}"/>
+                </a:ext>
+              </a:extLst>
+            </p:cNvPr>
+            <p:cNvGrpSpPr/>
+            <p:nvPr/>
+          </p:nvGrpSpPr>
+          <p:grpSpPr>
+            <a:xfrm rot="20841600">
+              <a:off x="8149828" y="4037855"/>
+              <a:ext cx="407193" cy="153888"/>
+              <a:chOff x="8771335" y="4035475"/>
+              <a:chExt cx="407193" cy="153888"/>
+            </a:xfrm>
+          </p:grpSpPr>
+          <p:sp>
+            <p:nvSpPr>
+              <p:cNvPr id="59" name="TextBox 58">
+                <a:extLst>
+                  <a:ext uri="{FF2B5EF4-FFF2-40B4-BE49-F238E27FC236}">
+                    <a16:creationId xmlns:a16="http://schemas.microsoft.com/office/drawing/2014/main" id="{970B8812-D38E-48A9-8866-0BEF43296702}"/>
+                  </a:ext>
+                </a:extLst>
+              </p:cNvPr>
+              <p:cNvSpPr txBox="1"/>
+              <p:nvPr/>
+            </p:nvSpPr>
+            <p:spPr>
+              <a:xfrm>
+                <a:off x="8771335" y="4035475"/>
+                <a:ext cx="407193" cy="153888"/>
+              </a:xfrm>
+              <a:prstGeom prst="rect">
+                <a:avLst/>
+              </a:prstGeom>
+              <a:noFill/>
+            </p:spPr>
+            <p:txBody>
+              <a:bodyPr wrap="square" rtlCol="0">
+                <a:spAutoFit/>
+              </a:bodyPr>
+              <a:lstStyle/>
+              <a:p>
+                <a:pPr algn="ctr"/>
+                <a:r>
+                  <a:rPr lang="en-US" sz="400" dirty="0">
+                    <a:solidFill>
+                      <a:srgbClr val="C00000"/>
+                    </a:solidFill>
+                    <a:latin typeface="Roboto" panose="02000000000000000000" pitchFamily="2" charset="0"/>
+                    <a:ea typeface="Roboto" panose="02000000000000000000" pitchFamily="2" charset="0"/>
+                    <a:cs typeface="Roboto" panose="02000000000000000000" pitchFamily="2" charset="0"/>
+                  </a:rPr>
+                  <a:t>FRAGILE</a:t>
+                </a:r>
+                <a:endParaRPr lang="fr-BE" sz="500" dirty="0">
+                  <a:solidFill>
+                    <a:srgbClr val="C00000"/>
+                  </a:solidFill>
+                  <a:latin typeface="Roboto" panose="02000000000000000000" pitchFamily="2" charset="0"/>
+                  <a:ea typeface="Roboto" panose="02000000000000000000" pitchFamily="2" charset="0"/>
+                  <a:cs typeface="Roboto" panose="02000000000000000000" pitchFamily="2" charset="0"/>
+                </a:endParaRPr>
+              </a:p>
+            </p:txBody>
+          </p:sp>
+          <p:sp>
+            <p:nvSpPr>
+              <p:cNvPr id="60" name="Rectangle: Rounded Corners 59">
+                <a:extLst>
+                  <a:ext uri="{FF2B5EF4-FFF2-40B4-BE49-F238E27FC236}">
+                    <a16:creationId xmlns:a16="http://schemas.microsoft.com/office/drawing/2014/main" id="{A8CA36DE-84C5-4772-AF72-5A10A2B18E91}"/>
+                  </a:ext>
+                </a:extLst>
+              </p:cNvPr>
+              <p:cNvSpPr/>
+              <p:nvPr/>
+            </p:nvSpPr>
+            <p:spPr>
+              <a:xfrm>
+                <a:off x="8853488" y="4071938"/>
+                <a:ext cx="242888" cy="80962"/>
+              </a:xfrm>
+              <a:prstGeom prst="roundRect">
+                <a:avLst/>
+              </a:prstGeom>
+              <a:noFill/>
+              <a:ln w="9525">
+                <a:solidFill>
+                  <a:srgbClr val="C00000"/>
+                </a:solidFill>
+              </a:ln>
+            </p:spPr>
+            <p:style>
+              <a:lnRef idx="2">
+                <a:schemeClr val="accent1">
+                  <a:shade val="50000"/>
+                </a:schemeClr>
+              </a:lnRef>
+              <a:fillRef idx="1">
+                <a:schemeClr val="accent1"/>
+              </a:fillRef>
+              <a:effectRef idx="0">
+                <a:schemeClr val="accent1"/>
+              </a:effectRef>
+              <a:fontRef idx="minor">
+                <a:schemeClr val="lt1"/>
+              </a:fontRef>
+            </p:style>
+            <p:txBody>
+              <a:bodyPr rtlCol="0" anchor="ctr"/>
+              <a:lstStyle/>
+              <a:p>
+                <a:pPr algn="ctr"/>
+                <a:endParaRPr lang="fr-BE" sz="500" dirty="0">
+                  <a:solidFill>
+                    <a:srgbClr val="C00000"/>
+                  </a:solidFill>
+                </a:endParaRPr>
+              </a:p>
+            </p:txBody>
+          </p:sp>
+        </p:grpSp>
+        <p:sp>
+          <p:nvSpPr>
+            <p:cNvPr id="58" name="Rectangle 57">
+              <a:extLst>
+                <a:ext uri="{FF2B5EF4-FFF2-40B4-BE49-F238E27FC236}">
+                  <a16:creationId xmlns:a16="http://schemas.microsoft.com/office/drawing/2014/main" id="{3F42EA8F-A6AC-4AC2-A78C-221B24FA5A93}"/>
+                </a:ext>
+              </a:extLst>
+            </p:cNvPr>
+            <p:cNvSpPr/>
+            <p:nvPr/>
+          </p:nvSpPr>
+          <p:spPr>
+            <a:xfrm rot="352505">
+              <a:off x="8353424" y="4217193"/>
+              <a:ext cx="127360" cy="45719"/>
+            </a:xfrm>
+            <a:prstGeom prst="rect">
+              <a:avLst/>
+            </a:prstGeom>
+            <a:solidFill>
+              <a:schemeClr val="accent4">
+                <a:lumMod val="60000"/>
+                <a:lumOff val="40000"/>
+              </a:schemeClr>
+            </a:solidFill>
+            <a:ln w="76200">
+              <a:noFill/>
+            </a:ln>
+          </p:spPr>
+          <p:style>
+            <a:lnRef idx="2">
+              <a:schemeClr val="accent1">
+                <a:shade val="50000"/>
+              </a:schemeClr>
+            </a:lnRef>
+            <a:fillRef idx="1">
+              <a:schemeClr val="accent1"/>
+            </a:fillRef>
+            <a:effectRef idx="0">
+              <a:schemeClr val="accent1"/>
+            </a:effectRef>
+            <a:fontRef idx="minor">
+              <a:schemeClr val="lt1"/>
+            </a:fontRef>
+          </p:style>
+          <p:txBody>
+            <a:bodyPr rtlCol="0" anchor="ctr"/>
+            <a:lstStyle/>
+            <a:p>
+              <a:pPr algn="ctr"/>
+              <a:endParaRPr lang="fr-BE" dirty="0"/>
+            </a:p>
+          </p:txBody>
+        </p:sp>
+      </p:grpSp>
+      <p:grpSp>
+        <p:nvGrpSpPr>
+          <p:cNvPr id="61" name="Group 60">
+            <a:extLst>
+              <a:ext uri="{FF2B5EF4-FFF2-40B4-BE49-F238E27FC236}">
+                <a16:creationId xmlns:a16="http://schemas.microsoft.com/office/drawing/2014/main" id="{578C6CC0-110E-4628-A73C-92F1CD12BC54}"/>
+              </a:ext>
+            </a:extLst>
+          </p:cNvPr>
+          <p:cNvGrpSpPr/>
+          <p:nvPr/>
+        </p:nvGrpSpPr>
+        <p:grpSpPr>
+          <a:xfrm>
+            <a:off x="12085778" y="5750118"/>
+            <a:ext cx="407193" cy="352425"/>
+            <a:chOff x="8149828" y="3957638"/>
+            <a:chExt cx="407193" cy="352425"/>
+          </a:xfrm>
+        </p:grpSpPr>
+        <p:sp>
+          <p:nvSpPr>
+            <p:cNvPr id="62" name="Rectangle: Rounded Corners 61">
+              <a:extLst>
+                <a:ext uri="{FF2B5EF4-FFF2-40B4-BE49-F238E27FC236}">
+                  <a16:creationId xmlns:a16="http://schemas.microsoft.com/office/drawing/2014/main" id="{6037AFF1-F5BC-49C6-8B6A-126C49010842}"/>
+                </a:ext>
+              </a:extLst>
+            </p:cNvPr>
+            <p:cNvSpPr/>
+            <p:nvPr/>
+          </p:nvSpPr>
+          <p:spPr>
+            <a:xfrm>
+              <a:off x="8172450" y="3957638"/>
+              <a:ext cx="361950" cy="352425"/>
+            </a:xfrm>
+            <a:prstGeom prst="roundRect">
+              <a:avLst>
+                <a:gd name="adj" fmla="val 7207"/>
+              </a:avLst>
+            </a:prstGeom>
+            <a:solidFill>
+              <a:schemeClr val="accent4"/>
+            </a:solidFill>
+            <a:ln w="76200">
+              <a:noFill/>
+            </a:ln>
+          </p:spPr>
+          <p:style>
+            <a:lnRef idx="2">
+              <a:schemeClr val="accent1">
+                <a:shade val="50000"/>
+              </a:schemeClr>
+            </a:lnRef>
+            <a:fillRef idx="1">
+              <a:schemeClr val="accent1"/>
+            </a:fillRef>
+            <a:effectRef idx="0">
+              <a:schemeClr val="accent1"/>
+            </a:effectRef>
+            <a:fontRef idx="minor">
+              <a:schemeClr val="lt1"/>
+            </a:fontRef>
+          </p:style>
+          <p:txBody>
+            <a:bodyPr rtlCol="0" anchor="ctr"/>
+            <a:lstStyle/>
+            <a:p>
+              <a:pPr algn="ctr"/>
+              <a:endParaRPr lang="fr-BE" dirty="0"/>
+            </a:p>
+          </p:txBody>
+        </p:sp>
+        <p:grpSp>
+          <p:nvGrpSpPr>
+            <p:cNvPr id="63" name="Group 62">
+              <a:extLst>
+                <a:ext uri="{FF2B5EF4-FFF2-40B4-BE49-F238E27FC236}">
+                  <a16:creationId xmlns:a16="http://schemas.microsoft.com/office/drawing/2014/main" id="{00353D4D-055D-44F9-8D3E-B202FE8102B1}"/>
+                </a:ext>
+              </a:extLst>
+            </p:cNvPr>
+            <p:cNvGrpSpPr/>
+            <p:nvPr/>
+          </p:nvGrpSpPr>
+          <p:grpSpPr>
+            <a:xfrm rot="20841600">
+              <a:off x="8149828" y="4037855"/>
+              <a:ext cx="407193" cy="153888"/>
+              <a:chOff x="8771335" y="4035475"/>
+              <a:chExt cx="407193" cy="153888"/>
+            </a:xfrm>
+          </p:grpSpPr>
+          <p:sp>
+            <p:nvSpPr>
+              <p:cNvPr id="65" name="TextBox 64">
+                <a:extLst>
+                  <a:ext uri="{FF2B5EF4-FFF2-40B4-BE49-F238E27FC236}">
+                    <a16:creationId xmlns:a16="http://schemas.microsoft.com/office/drawing/2014/main" id="{0D430C75-C1C9-4F50-9B85-9C7234C0015F}"/>
+                  </a:ext>
+                </a:extLst>
+              </p:cNvPr>
+              <p:cNvSpPr txBox="1"/>
+              <p:nvPr/>
+            </p:nvSpPr>
+            <p:spPr>
+              <a:xfrm>
+                <a:off x="8771335" y="4035475"/>
+                <a:ext cx="407193" cy="153888"/>
+              </a:xfrm>
+              <a:prstGeom prst="rect">
+                <a:avLst/>
+              </a:prstGeom>
+              <a:noFill/>
+            </p:spPr>
+            <p:txBody>
+              <a:bodyPr wrap="square" rtlCol="0">
+                <a:spAutoFit/>
+              </a:bodyPr>
+              <a:lstStyle/>
+              <a:p>
+                <a:pPr algn="ctr"/>
+                <a:r>
+                  <a:rPr lang="en-US" sz="400" dirty="0">
+                    <a:solidFill>
+                      <a:srgbClr val="C00000"/>
+                    </a:solidFill>
+                    <a:latin typeface="Roboto" panose="02000000000000000000" pitchFamily="2" charset="0"/>
+                    <a:ea typeface="Roboto" panose="02000000000000000000" pitchFamily="2" charset="0"/>
+                    <a:cs typeface="Roboto" panose="02000000000000000000" pitchFamily="2" charset="0"/>
+                  </a:rPr>
+                  <a:t>FRAGILE</a:t>
+                </a:r>
+                <a:endParaRPr lang="fr-BE" sz="500" dirty="0">
+                  <a:solidFill>
+                    <a:srgbClr val="C00000"/>
+                  </a:solidFill>
+                  <a:latin typeface="Roboto" panose="02000000000000000000" pitchFamily="2" charset="0"/>
+                  <a:ea typeface="Roboto" panose="02000000000000000000" pitchFamily="2" charset="0"/>
+                  <a:cs typeface="Roboto" panose="02000000000000000000" pitchFamily="2" charset="0"/>
+                </a:endParaRPr>
+              </a:p>
+            </p:txBody>
+          </p:sp>
+          <p:sp>
+            <p:nvSpPr>
+              <p:cNvPr id="66" name="Rectangle: Rounded Corners 65">
+                <a:extLst>
+                  <a:ext uri="{FF2B5EF4-FFF2-40B4-BE49-F238E27FC236}">
+                    <a16:creationId xmlns:a16="http://schemas.microsoft.com/office/drawing/2014/main" id="{05578BB2-9E88-43A3-A082-9BEEF3DB6223}"/>
+                  </a:ext>
+                </a:extLst>
+              </p:cNvPr>
+              <p:cNvSpPr/>
+              <p:nvPr/>
+            </p:nvSpPr>
+            <p:spPr>
+              <a:xfrm>
+                <a:off x="8853488" y="4071938"/>
+                <a:ext cx="242888" cy="80962"/>
+              </a:xfrm>
+              <a:prstGeom prst="roundRect">
+                <a:avLst/>
+              </a:prstGeom>
+              <a:noFill/>
+              <a:ln w="9525">
+                <a:solidFill>
+                  <a:srgbClr val="C00000"/>
+                </a:solidFill>
+              </a:ln>
+            </p:spPr>
+            <p:style>
+              <a:lnRef idx="2">
+                <a:schemeClr val="accent1">
+                  <a:shade val="50000"/>
+                </a:schemeClr>
+              </a:lnRef>
+              <a:fillRef idx="1">
+                <a:schemeClr val="accent1"/>
+              </a:fillRef>
+              <a:effectRef idx="0">
+                <a:schemeClr val="accent1"/>
+              </a:effectRef>
+              <a:fontRef idx="minor">
+                <a:schemeClr val="lt1"/>
+              </a:fontRef>
+            </p:style>
+            <p:txBody>
+              <a:bodyPr rtlCol="0" anchor="ctr"/>
+              <a:lstStyle/>
+              <a:p>
+                <a:pPr algn="ctr"/>
+                <a:endParaRPr lang="fr-BE" sz="500" dirty="0">
+                  <a:solidFill>
+                    <a:srgbClr val="C00000"/>
+                  </a:solidFill>
+                </a:endParaRPr>
+              </a:p>
+            </p:txBody>
+          </p:sp>
+        </p:grpSp>
+        <p:sp>
+          <p:nvSpPr>
+            <p:cNvPr id="64" name="Rectangle 63">
+              <a:extLst>
+                <a:ext uri="{FF2B5EF4-FFF2-40B4-BE49-F238E27FC236}">
+                  <a16:creationId xmlns:a16="http://schemas.microsoft.com/office/drawing/2014/main" id="{43FC3AFB-DAD3-4916-B177-B9DBF1CC10D8}"/>
+                </a:ext>
+              </a:extLst>
+            </p:cNvPr>
+            <p:cNvSpPr/>
+            <p:nvPr/>
+          </p:nvSpPr>
+          <p:spPr>
+            <a:xfrm rot="352505">
+              <a:off x="8353424" y="4217193"/>
+              <a:ext cx="127360" cy="45719"/>
+            </a:xfrm>
+            <a:prstGeom prst="rect">
+              <a:avLst/>
+            </a:prstGeom>
+            <a:solidFill>
+              <a:schemeClr val="accent4">
+                <a:lumMod val="60000"/>
+                <a:lumOff val="40000"/>
+              </a:schemeClr>
+            </a:solidFill>
+            <a:ln w="76200">
+              <a:noFill/>
+            </a:ln>
+          </p:spPr>
+          <p:style>
+            <a:lnRef idx="2">
+              <a:schemeClr val="accent1">
+                <a:shade val="50000"/>
+              </a:schemeClr>
+            </a:lnRef>
+            <a:fillRef idx="1">
+              <a:schemeClr val="accent1"/>
+            </a:fillRef>
+            <a:effectRef idx="0">
+              <a:schemeClr val="accent1"/>
+            </a:effectRef>
+            <a:fontRef idx="minor">
+              <a:schemeClr val="lt1"/>
+            </a:fontRef>
+          </p:style>
+          <p:txBody>
+            <a:bodyPr rtlCol="0" anchor="ctr"/>
+            <a:lstStyle/>
+            <a:p>
+              <a:pPr algn="ctr"/>
+              <a:endParaRPr lang="fr-BE" dirty="0"/>
+            </a:p>
+          </p:txBody>
+        </p:sp>
+      </p:grpSp>
+      <p:sp>
+        <p:nvSpPr>
+          <p:cNvPr id="73" name="Rectangle: Rounded Corners 72">
+            <a:extLst>
+              <a:ext uri="{FF2B5EF4-FFF2-40B4-BE49-F238E27FC236}">
+                <a16:creationId xmlns:a16="http://schemas.microsoft.com/office/drawing/2014/main" id="{92F4CCE5-068B-45FE-A8F2-D6B9775C1491}"/>
+              </a:ext>
+            </a:extLst>
+          </p:cNvPr>
+          <p:cNvSpPr/>
+          <p:nvPr/>
+        </p:nvSpPr>
+        <p:spPr>
+          <a:xfrm>
+            <a:off x="10746581" y="5655469"/>
+            <a:ext cx="621507" cy="883444"/>
+          </a:xfrm>
+          <a:prstGeom prst="roundRect">
+            <a:avLst>
+              <a:gd name="adj" fmla="val 7855"/>
+            </a:avLst>
+          </a:prstGeom>
+          <a:solidFill>
+            <a:schemeClr val="accent6"/>
+          </a:solidFill>
+          <a:ln w="12700">
+            <a:solidFill>
+              <a:schemeClr val="tx1">
+                <a:lumMod val="85000"/>
+                <a:lumOff val="15000"/>
+              </a:schemeClr>
+            </a:solidFill>
+          </a:ln>
+        </p:spPr>
+        <p:style>
+          <a:lnRef idx="2">
+            <a:schemeClr val="accent1">
+              <a:shade val="50000"/>
+            </a:schemeClr>
+          </a:lnRef>
+          <a:fillRef idx="1">
+            <a:schemeClr val="accent1"/>
+          </a:fillRef>
+          <a:effectRef idx="0">
+            <a:schemeClr val="accent1"/>
+          </a:effectRef>
+          <a:fontRef idx="minor">
+            <a:schemeClr val="lt1"/>
+          </a:fontRef>
+        </p:style>
+        <p:txBody>
+          <a:bodyPr rtlCol="0" anchor="ctr"/>
+          <a:lstStyle/>
+          <a:p>
+            <a:pPr algn="ctr"/>
+            <a:endParaRPr lang="fr-BE" dirty="0"/>
+          </a:p>
+        </p:txBody>
+      </p:sp>
+      <p:sp>
+        <p:nvSpPr>
+          <p:cNvPr id="74" name="Rectangle: Rounded Corners 73">
+            <a:extLst>
+              <a:ext uri="{FF2B5EF4-FFF2-40B4-BE49-F238E27FC236}">
+                <a16:creationId xmlns:a16="http://schemas.microsoft.com/office/drawing/2014/main" id="{495B8378-0B52-4416-8963-CAD07901CE85}"/>
+              </a:ext>
+            </a:extLst>
+          </p:cNvPr>
+          <p:cNvSpPr/>
+          <p:nvPr/>
+        </p:nvSpPr>
+        <p:spPr>
+          <a:xfrm>
+            <a:off x="10868025" y="5767388"/>
+            <a:ext cx="385763" cy="292029"/>
+          </a:xfrm>
+          <a:prstGeom prst="roundRect">
+            <a:avLst>
+              <a:gd name="adj" fmla="val 6882"/>
+            </a:avLst>
+          </a:prstGeom>
+          <a:solidFill>
+            <a:schemeClr val="tx1">
+              <a:lumMod val="65000"/>
+              <a:lumOff val="35000"/>
+            </a:schemeClr>
+          </a:solidFill>
+          <a:ln w="19050">
+            <a:solidFill>
+              <a:schemeClr val="tx1">
+                <a:lumMod val="85000"/>
+                <a:lumOff val="15000"/>
+              </a:schemeClr>
+            </a:solidFill>
+          </a:ln>
+        </p:spPr>
+        <p:style>
+          <a:lnRef idx="2">
+            <a:schemeClr val="accent1">
+              <a:shade val="50000"/>
+            </a:schemeClr>
+          </a:lnRef>
+          <a:fillRef idx="1">
+            <a:schemeClr val="accent1"/>
+          </a:fillRef>
+          <a:effectRef idx="0">
+            <a:schemeClr val="accent1"/>
+          </a:effectRef>
+          <a:fontRef idx="minor">
+            <a:schemeClr val="lt1"/>
+          </a:fontRef>
+        </p:style>
+        <p:txBody>
+          <a:bodyPr rtlCol="0" anchor="ctr"/>
+          <a:lstStyle/>
+          <a:p>
+            <a:pPr algn="ctr"/>
+            <a:endParaRPr lang="fr-BE" dirty="0"/>
+          </a:p>
+        </p:txBody>
+      </p:sp>
+      <p:sp>
+        <p:nvSpPr>
+          <p:cNvPr id="75" name="Rectangle: Rounded Corners 74">
+            <a:extLst>
+              <a:ext uri="{FF2B5EF4-FFF2-40B4-BE49-F238E27FC236}">
+                <a16:creationId xmlns:a16="http://schemas.microsoft.com/office/drawing/2014/main" id="{6EC8E844-C5F3-4907-928C-D51628FC337D}"/>
+              </a:ext>
+            </a:extLst>
+          </p:cNvPr>
+          <p:cNvSpPr/>
+          <p:nvPr/>
+        </p:nvSpPr>
+        <p:spPr>
+          <a:xfrm>
+            <a:off x="10901359" y="5800449"/>
+            <a:ext cx="206375" cy="36000"/>
+          </a:xfrm>
+          <a:prstGeom prst="roundRect">
+            <a:avLst/>
+          </a:prstGeom>
+          <a:solidFill>
+            <a:srgbClr val="FFC000"/>
+          </a:solidFill>
+          <a:ln>
+            <a:noFill/>
+          </a:ln>
+        </p:spPr>
+        <p:style>
+          <a:lnRef idx="2">
+            <a:schemeClr val="accent1">
+              <a:shade val="50000"/>
+            </a:schemeClr>
+          </a:lnRef>
+          <a:fillRef idx="1">
+            <a:schemeClr val="accent1"/>
+          </a:fillRef>
+          <a:effectRef idx="0">
+            <a:schemeClr val="accent1"/>
+          </a:effectRef>
+          <a:fontRef idx="minor">
+            <a:schemeClr val="lt1"/>
+          </a:fontRef>
+        </p:style>
+        <p:txBody>
+          <a:bodyPr rtlCol="0" anchor="ctr"/>
+          <a:lstStyle/>
+          <a:p>
+            <a:pPr algn="ctr"/>
+            <a:endParaRPr lang="fr-BE"/>
+          </a:p>
+        </p:txBody>
+      </p:sp>
+      <p:sp>
+        <p:nvSpPr>
+          <p:cNvPr id="76" name="Rectangle: Rounded Corners 75">
+            <a:extLst>
+              <a:ext uri="{FF2B5EF4-FFF2-40B4-BE49-F238E27FC236}">
+                <a16:creationId xmlns:a16="http://schemas.microsoft.com/office/drawing/2014/main" id="{5F10DCE7-4E8F-41FD-9D0F-55602A5F9820}"/>
+              </a:ext>
+            </a:extLst>
+          </p:cNvPr>
+          <p:cNvSpPr/>
+          <p:nvPr/>
+        </p:nvSpPr>
+        <p:spPr>
+          <a:xfrm>
+            <a:off x="10941817" y="5846501"/>
+            <a:ext cx="206375" cy="36000"/>
+          </a:xfrm>
+          <a:prstGeom prst="roundRect">
+            <a:avLst/>
+          </a:prstGeom>
+          <a:solidFill>
+            <a:srgbClr val="FFC000"/>
+          </a:solidFill>
+          <a:ln>
+            <a:noFill/>
+          </a:ln>
+        </p:spPr>
+        <p:style>
+          <a:lnRef idx="2">
+            <a:schemeClr val="accent1">
+              <a:shade val="50000"/>
+            </a:schemeClr>
+          </a:lnRef>
+          <a:fillRef idx="1">
+            <a:schemeClr val="accent1"/>
+          </a:fillRef>
+          <a:effectRef idx="0">
+            <a:schemeClr val="accent1"/>
+          </a:effectRef>
+          <a:fontRef idx="minor">
+            <a:schemeClr val="lt1"/>
+          </a:fontRef>
+        </p:style>
+        <p:txBody>
+          <a:bodyPr rtlCol="0" anchor="ctr"/>
+          <a:lstStyle/>
+          <a:p>
+            <a:pPr algn="ctr"/>
+            <a:endParaRPr lang="fr-BE"/>
+          </a:p>
+        </p:txBody>
+      </p:sp>
+      <p:sp>
+        <p:nvSpPr>
+          <p:cNvPr id="77" name="Rectangle: Rounded Corners 76">
+            <a:extLst>
+              <a:ext uri="{FF2B5EF4-FFF2-40B4-BE49-F238E27FC236}">
+                <a16:creationId xmlns:a16="http://schemas.microsoft.com/office/drawing/2014/main" id="{A5973890-EE8D-46E8-B2F8-CA9D6DCA5FDE}"/>
+              </a:ext>
+            </a:extLst>
+          </p:cNvPr>
+          <p:cNvSpPr/>
+          <p:nvPr/>
+        </p:nvSpPr>
+        <p:spPr>
+          <a:xfrm>
+            <a:off x="10970408" y="5892118"/>
+            <a:ext cx="252000" cy="36000"/>
+          </a:xfrm>
+          <a:prstGeom prst="roundRect">
+            <a:avLst/>
+          </a:prstGeom>
+          <a:solidFill>
+            <a:srgbClr val="FFC000"/>
+          </a:solidFill>
+          <a:ln>
+            <a:noFill/>
+          </a:ln>
+        </p:spPr>
+        <p:style>
+          <a:lnRef idx="2">
+            <a:schemeClr val="accent1">
+              <a:shade val="50000"/>
+            </a:schemeClr>
+          </a:lnRef>
+          <a:fillRef idx="1">
+            <a:schemeClr val="accent1"/>
+          </a:fillRef>
+          <a:effectRef idx="0">
+            <a:schemeClr val="accent1"/>
+          </a:effectRef>
+          <a:fontRef idx="minor">
+            <a:schemeClr val="lt1"/>
+          </a:fontRef>
+        </p:style>
+        <p:txBody>
+          <a:bodyPr rtlCol="0" anchor="ctr"/>
+          <a:lstStyle/>
+          <a:p>
+            <a:pPr algn="ctr"/>
+            <a:endParaRPr lang="fr-BE"/>
+          </a:p>
+        </p:txBody>
+      </p:sp>
+      <p:sp>
+        <p:nvSpPr>
+          <p:cNvPr id="78" name="Rectangle: Rounded Corners 77">
+            <a:extLst>
+              <a:ext uri="{FF2B5EF4-FFF2-40B4-BE49-F238E27FC236}">
+                <a16:creationId xmlns:a16="http://schemas.microsoft.com/office/drawing/2014/main" id="{2A3FEAEA-07B2-42E3-801B-D619F3E80BE4}"/>
+              </a:ext>
+            </a:extLst>
+          </p:cNvPr>
+          <p:cNvSpPr/>
+          <p:nvPr/>
+        </p:nvSpPr>
+        <p:spPr>
+          <a:xfrm>
+            <a:off x="10970408" y="5937735"/>
+            <a:ext cx="108000" cy="36000"/>
+          </a:xfrm>
+          <a:prstGeom prst="roundRect">
+            <a:avLst/>
+          </a:prstGeom>
+          <a:solidFill>
+            <a:srgbClr val="FFC000"/>
+          </a:solidFill>
+          <a:ln>
+            <a:noFill/>
+          </a:ln>
+        </p:spPr>
+        <p:style>
+          <a:lnRef idx="2">
+            <a:schemeClr val="accent1">
+              <a:shade val="50000"/>
+            </a:schemeClr>
+          </a:lnRef>
+          <a:fillRef idx="1">
+            <a:schemeClr val="accent1"/>
+          </a:fillRef>
+          <a:effectRef idx="0">
+            <a:schemeClr val="accent1"/>
+          </a:effectRef>
+          <a:fontRef idx="minor">
+            <a:schemeClr val="lt1"/>
+          </a:fontRef>
+        </p:style>
+        <p:txBody>
+          <a:bodyPr rtlCol="0" anchor="ctr"/>
+          <a:lstStyle/>
+          <a:p>
+            <a:pPr algn="ctr"/>
+            <a:endParaRPr lang="fr-BE"/>
+          </a:p>
+        </p:txBody>
+      </p:sp>
+      <p:sp>
+        <p:nvSpPr>
+          <p:cNvPr id="79" name="Rectangle: Rounded Corners 78">
+            <a:extLst>
+              <a:ext uri="{FF2B5EF4-FFF2-40B4-BE49-F238E27FC236}">
+                <a16:creationId xmlns:a16="http://schemas.microsoft.com/office/drawing/2014/main" id="{8A6ED621-C7A7-4F9D-BCAB-A08673669472}"/>
+              </a:ext>
+            </a:extLst>
+          </p:cNvPr>
+          <p:cNvSpPr/>
+          <p:nvPr/>
+        </p:nvSpPr>
+        <p:spPr>
+          <a:xfrm>
+            <a:off x="10896546" y="5987600"/>
+            <a:ext cx="252000" cy="36000"/>
+          </a:xfrm>
+          <a:prstGeom prst="roundRect">
+            <a:avLst/>
+          </a:prstGeom>
+          <a:solidFill>
+            <a:srgbClr val="FFC000"/>
+          </a:solidFill>
+          <a:ln>
+            <a:noFill/>
+          </a:ln>
+        </p:spPr>
+        <p:style>
+          <a:lnRef idx="2">
+            <a:schemeClr val="accent1">
+              <a:shade val="50000"/>
+            </a:schemeClr>
+          </a:lnRef>
+          <a:fillRef idx="1">
+            <a:schemeClr val="accent1"/>
+          </a:fillRef>
+          <a:effectRef idx="0">
+            <a:schemeClr val="accent1"/>
+          </a:effectRef>
+          <a:fontRef idx="minor">
+            <a:schemeClr val="lt1"/>
+          </a:fontRef>
+        </p:style>
+        <p:txBody>
+          <a:bodyPr rtlCol="0" anchor="ctr"/>
+          <a:lstStyle/>
+          <a:p>
+            <a:pPr algn="ctr"/>
+            <a:endParaRPr lang="fr-BE"/>
+          </a:p>
+        </p:txBody>
+      </p:sp>
+      <p:sp>
+        <p:nvSpPr>
+          <p:cNvPr id="80" name="Oval 79">
+            <a:extLst>
+              <a:ext uri="{FF2B5EF4-FFF2-40B4-BE49-F238E27FC236}">
+                <a16:creationId xmlns:a16="http://schemas.microsoft.com/office/drawing/2014/main" id="{86B54F9E-2735-4164-9391-61469A398A92}"/>
+              </a:ext>
+            </a:extLst>
+          </p:cNvPr>
+          <p:cNvSpPr/>
+          <p:nvPr/>
+        </p:nvSpPr>
+        <p:spPr>
+          <a:xfrm>
+            <a:off x="11021334" y="6170699"/>
+            <a:ext cx="72000" cy="73113"/>
+          </a:xfrm>
+          <a:prstGeom prst="ellipse">
+            <a:avLst/>
+          </a:prstGeom>
+          <a:solidFill>
+            <a:srgbClr val="C00000"/>
+          </a:solidFill>
+          <a:ln w="76200">
+            <a:noFill/>
+          </a:ln>
+        </p:spPr>
+        <p:style>
+          <a:lnRef idx="2">
+            <a:schemeClr val="accent1">
+              <a:shade val="50000"/>
+            </a:schemeClr>
+          </a:lnRef>
+          <a:fillRef idx="1">
+            <a:schemeClr val="accent1"/>
+          </a:fillRef>
+          <a:effectRef idx="0">
+            <a:schemeClr val="accent1"/>
+          </a:effectRef>
+          <a:fontRef idx="minor">
+            <a:schemeClr val="lt1"/>
+          </a:fontRef>
+        </p:style>
+        <p:txBody>
+          <a:bodyPr rtlCol="0" anchor="ctr"/>
+          <a:lstStyle/>
+          <a:p>
+            <a:pPr algn="ctr"/>
+            <a:endParaRPr lang="fr-BE" dirty="0"/>
+          </a:p>
+        </p:txBody>
+      </p:sp>
+    </p:spTree>
+    <p:extLst>
+      <p:ext uri="{BB962C8B-B14F-4D97-AF65-F5344CB8AC3E}">
+        <p14:creationId xmlns:p14="http://schemas.microsoft.com/office/powerpoint/2010/main" val="3668988671"/>
+      </p:ext>
+    </p:extLst>
+  </p:cSld>
+  <p:clrMapOvr>
+    <a:masterClrMapping/>
+  </p:clrMapOvr>
+  <p:timing>
+    <p:tnLst>
+      <p:par>
+        <p:cTn id="1" dur="indefinite" restart="never" nodeType="tmRoot">
+          <p:childTnLst>
+            <p:seq concurrent="1" nextAc="seek">
+              <p:cTn id="2" dur="indefinite" nodeType="mainSeq">
+                <p:childTnLst>
+                  <p:par>
+                    <p:cTn id="3" fill="hold">
+                      <p:stCondLst>
+                        <p:cond delay="indefinite"/>
+                        <p:cond evt="onBegin" delay="0">
+                          <p:tn val="2"/>
+                        </p:cond>
+                      </p:stCondLst>
+                      <p:childTnLst>
+                        <p:par>
+                          <p:cTn id="4" fill="hold">
+                            <p:stCondLst>
+                              <p:cond delay="0"/>
+                            </p:stCondLst>
+                            <p:childTnLst>
+                              <p:par>
+                                <p:cTn id="5" presetID="22" presetClass="entr" presetSubtype="8" fill="hold" grpId="0" nodeType="withEffect">
+                                  <p:stCondLst>
+                                    <p:cond delay="0"/>
+                                  </p:stCondLst>
+                                  <p:childTnLst>
+                                    <p:set>
+                                      <p:cBhvr>
+                                        <p:cTn id="6" dur="1" fill="hold">
+                                          <p:stCondLst>
+                                            <p:cond delay="0"/>
+                                          </p:stCondLst>
+                                        </p:cTn>
+                                        <p:tgtEl>
+                                          <p:spTgt spid="75"/>
+                                        </p:tgtEl>
+                                        <p:attrNameLst>
+                                          <p:attrName>style.visibility</p:attrName>
+                                        </p:attrNameLst>
+                                      </p:cBhvr>
+                                      <p:to>
+                                        <p:strVal val="visible"/>
+                                      </p:to>
+                                    </p:set>
+                                    <p:animEffect transition="in" filter="wipe(left)">
+                                      <p:cBhvr>
+                                        <p:cTn id="7" dur="100"/>
+                                        <p:tgtEl>
+                                          <p:spTgt spid="75"/>
+                                        </p:tgtEl>
+                                      </p:cBhvr>
+                                    </p:animEffect>
+                                  </p:childTnLst>
+                                </p:cTn>
+                              </p:par>
+                              <p:par>
+                                <p:cTn id="8" presetID="0" presetClass="path" presetSubtype="0" repeatCount="indefinite" fill="hold" nodeType="withEffect">
+                                  <p:stCondLst>
+                                    <p:cond delay="0"/>
+                                  </p:stCondLst>
+                                  <p:childTnLst>
+                                    <p:animMotion origin="layout" path="M -0.00013 -1.85185E-6 L -0.14974 -1.85185E-6 C -0.17695 0.00023 -0.17708 0.01296 -0.1776 0.03588 C -0.17786 0.07431 -0.17786 0.13681 -0.17786 0.17546 " pathEditMode="relative" rAng="0" ptsTypes="AAAA">
+                                      <p:cBhvr>
+                                        <p:cTn id="9" dur="4000" fill="hold"/>
+                                        <p:tgtEl>
+                                          <p:spTgt spid="23"/>
+                                        </p:tgtEl>
+                                        <p:attrNameLst>
+                                          <p:attrName>ppt_x</p:attrName>
+                                          <p:attrName>ppt_y</p:attrName>
+                                        </p:attrNameLst>
+                                      </p:cBhvr>
+                                      <p:rCtr x="-8893" y="8773"/>
+                                    </p:animMotion>
+                                  </p:childTnLst>
+                                </p:cTn>
+                              </p:par>
+                              <p:par>
+                                <p:cTn id="10" presetID="7" presetClass="path" presetSubtype="0" repeatCount="indefinite" fill="hold" grpId="0" nodeType="withEffect">
+                                  <p:stCondLst>
+                                    <p:cond delay="0"/>
+                                  </p:stCondLst>
+                                  <p:childTnLst>
+                                    <p:animMotion origin="layout" path="M 0.00026 -0.00023 L -0.16719 -0.00023 C -0.17643 0.00347 -0.17812 0.01482 -0.17799 0.02292 C -0.17799 0.0301 -0.17734 0.03681 -0.16914 0.04468 L 0.00026 0.04283 L 0.00026 -0.00023 Z " pathEditMode="relative" rAng="0" ptsTypes="AAAAAA">
+                                      <p:cBhvr>
+                                        <p:cTn id="11" dur="5000" fill="hold"/>
+                                        <p:tgtEl>
+                                          <p:spTgt spid="7"/>
+                                        </p:tgtEl>
+                                        <p:attrNameLst>
+                                          <p:attrName>ppt_x</p:attrName>
+                                          <p:attrName>ppt_y</p:attrName>
+                                        </p:attrNameLst>
+                                      </p:cBhvr>
+                                      <p:rCtr x="-8919" y="2245"/>
+                                    </p:animMotion>
+                                  </p:childTnLst>
+                                </p:cTn>
+                              </p:par>
+                              <p:par>
+                                <p:cTn id="12" presetID="22" presetClass="entr" presetSubtype="8" fill="hold" grpId="0" nodeType="withEffect">
+                                  <p:stCondLst>
+                                    <p:cond delay="100"/>
+                                  </p:stCondLst>
+                                  <p:childTnLst>
+                                    <p:set>
+                                      <p:cBhvr>
+                                        <p:cTn id="13" dur="1" fill="hold">
+                                          <p:stCondLst>
+                                            <p:cond delay="0"/>
+                                          </p:stCondLst>
+                                        </p:cTn>
+                                        <p:tgtEl>
+                                          <p:spTgt spid="76"/>
+                                        </p:tgtEl>
+                                        <p:attrNameLst>
+                                          <p:attrName>style.visibility</p:attrName>
+                                        </p:attrNameLst>
+                                      </p:cBhvr>
+                                      <p:to>
+                                        <p:strVal val="visible"/>
+                                      </p:to>
+                                    </p:set>
+                                    <p:animEffect transition="in" filter="wipe(left)">
+                                      <p:cBhvr>
+                                        <p:cTn id="14" dur="100"/>
+                                        <p:tgtEl>
+                                          <p:spTgt spid="76"/>
+                                        </p:tgtEl>
+                                      </p:cBhvr>
+                                    </p:animEffect>
+                                  </p:childTnLst>
+                                </p:cTn>
+                              </p:par>
+                              <p:par>
+                                <p:cTn id="15" presetID="22" presetClass="entr" presetSubtype="8" fill="hold" grpId="0" nodeType="withEffect">
+                                  <p:stCondLst>
+                                    <p:cond delay="200"/>
+                                  </p:stCondLst>
+                                  <p:childTnLst>
+                                    <p:set>
+                                      <p:cBhvr>
+                                        <p:cTn id="16" dur="1" fill="hold">
+                                          <p:stCondLst>
+                                            <p:cond delay="0"/>
+                                          </p:stCondLst>
+                                        </p:cTn>
+                                        <p:tgtEl>
+                                          <p:spTgt spid="77"/>
+                                        </p:tgtEl>
+                                        <p:attrNameLst>
+                                          <p:attrName>style.visibility</p:attrName>
+                                        </p:attrNameLst>
+                                      </p:cBhvr>
+                                      <p:to>
+                                        <p:strVal val="visible"/>
+                                      </p:to>
+                                    </p:set>
+                                    <p:animEffect transition="in" filter="wipe(left)">
+                                      <p:cBhvr>
+                                        <p:cTn id="17" dur="100"/>
+                                        <p:tgtEl>
+                                          <p:spTgt spid="77"/>
+                                        </p:tgtEl>
+                                      </p:cBhvr>
+                                    </p:animEffect>
+                                  </p:childTnLst>
+                                </p:cTn>
+                              </p:par>
+                              <p:par>
+                                <p:cTn id="18" presetID="22" presetClass="entr" presetSubtype="8" fill="hold" grpId="0" nodeType="withEffect">
+                                  <p:stCondLst>
+                                    <p:cond delay="200"/>
+                                  </p:stCondLst>
+                                  <p:childTnLst>
+                                    <p:set>
+                                      <p:cBhvr>
+                                        <p:cTn id="19" dur="1" fill="hold">
+                                          <p:stCondLst>
+                                            <p:cond delay="0"/>
+                                          </p:stCondLst>
+                                        </p:cTn>
+                                        <p:tgtEl>
+                                          <p:spTgt spid="78"/>
+                                        </p:tgtEl>
+                                        <p:attrNameLst>
+                                          <p:attrName>style.visibility</p:attrName>
+                                        </p:attrNameLst>
+                                      </p:cBhvr>
+                                      <p:to>
+                                        <p:strVal val="visible"/>
+                                      </p:to>
+                                    </p:set>
+                                    <p:animEffect transition="in" filter="wipe(left)">
+                                      <p:cBhvr>
+                                        <p:cTn id="20" dur="100"/>
+                                        <p:tgtEl>
+                                          <p:spTgt spid="78"/>
+                                        </p:tgtEl>
+                                      </p:cBhvr>
+                                    </p:animEffect>
+                                  </p:childTnLst>
+                                </p:cTn>
+                              </p:par>
+                              <p:par>
+                                <p:cTn id="21" presetID="22" presetClass="entr" presetSubtype="8" fill="hold" grpId="0" nodeType="withEffect">
+                                  <p:stCondLst>
+                                    <p:cond delay="400"/>
+                                  </p:stCondLst>
+                                  <p:childTnLst>
+                                    <p:set>
+                                      <p:cBhvr>
+                                        <p:cTn id="22" dur="1" fill="hold">
+                                          <p:stCondLst>
+                                            <p:cond delay="0"/>
+                                          </p:stCondLst>
+                                        </p:cTn>
+                                        <p:tgtEl>
+                                          <p:spTgt spid="79"/>
+                                        </p:tgtEl>
+                                        <p:attrNameLst>
+                                          <p:attrName>style.visibility</p:attrName>
+                                        </p:attrNameLst>
+                                      </p:cBhvr>
+                                      <p:to>
+                                        <p:strVal val="visible"/>
+                                      </p:to>
+                                    </p:set>
+                                    <p:animEffect transition="in" filter="wipe(left)">
+                                      <p:cBhvr>
+                                        <p:cTn id="23" dur="100"/>
+                                        <p:tgtEl>
+                                          <p:spTgt spid="79"/>
+                                        </p:tgtEl>
+                                      </p:cBhvr>
+                                    </p:animEffect>
+                                  </p:childTnLst>
+                                </p:cTn>
+                              </p:par>
+                              <p:par>
+                                <p:cTn id="24" presetID="0" presetClass="path" presetSubtype="0" repeatCount="indefinite" fill="hold" nodeType="withEffect">
+                                  <p:stCondLst>
+                                    <p:cond delay="1000"/>
+                                  </p:stCondLst>
+                                  <p:childTnLst>
+                                    <p:animMotion origin="layout" path="M -0.00013 1.11111E-6 L -0.14974 1.11111E-6 C -0.17695 0.00023 -0.17708 0.01296 -0.1776 0.03588 C -0.17786 0.0743 -0.17786 0.1368 -0.17786 0.17546 " pathEditMode="relative" rAng="0" ptsTypes="AAAA">
+                                      <p:cBhvr>
+                                        <p:cTn id="25" dur="4000" fill="hold"/>
+                                        <p:tgtEl>
+                                          <p:spTgt spid="49"/>
+                                        </p:tgtEl>
+                                        <p:attrNameLst>
+                                          <p:attrName>ppt_x</p:attrName>
+                                          <p:attrName>ppt_y</p:attrName>
+                                        </p:attrNameLst>
+                                      </p:cBhvr>
+                                      <p:rCtr x="-8893" y="8773"/>
+                                    </p:animMotion>
+                                  </p:childTnLst>
+                                </p:cTn>
+                              </p:par>
+                              <p:par>
+                                <p:cTn id="26" presetID="7" presetClass="path" presetSubtype="0" repeatCount="indefinite" fill="hold" grpId="0" nodeType="withEffect">
+                                  <p:stCondLst>
+                                    <p:cond delay="500"/>
+                                  </p:stCondLst>
+                                  <p:childTnLst>
+                                    <p:animMotion origin="layout" path="M 0.00026 -0.00024 L -0.16719 -0.00024 C -0.17643 0.00347 -0.17812 0.01481 -0.17799 0.02291 C -0.17799 0.03009 -0.17734 0.0368 -0.16914 0.04467 L 0.00026 0.04282 L 0.00026 -0.00024 Z " pathEditMode="relative" rAng="0" ptsTypes="AAAAAA">
+                                      <p:cBhvr>
+                                        <p:cTn id="27" dur="5000" fill="hold"/>
+                                        <p:tgtEl>
+                                          <p:spTgt spid="40"/>
+                                        </p:tgtEl>
+                                        <p:attrNameLst>
+                                          <p:attrName>ppt_x</p:attrName>
+                                          <p:attrName>ppt_y</p:attrName>
+                                        </p:attrNameLst>
+                                      </p:cBhvr>
+                                      <p:rCtr x="-8919" y="2245"/>
+                                    </p:animMotion>
+                                  </p:childTnLst>
+                                </p:cTn>
+                              </p:par>
+                              <p:par>
+                                <p:cTn id="28" presetID="7" presetClass="path" presetSubtype="0" repeatCount="indefinite" fill="hold" grpId="0" nodeType="withEffect">
+                                  <p:stCondLst>
+                                    <p:cond delay="1000"/>
+                                  </p:stCondLst>
+                                  <p:childTnLst>
+                                    <p:animMotion origin="layout" path="M 0.00026 -0.00023 L -0.16719 -0.00023 C -0.17643 0.00347 -0.17812 0.01482 -0.17799 0.02292 C -0.17799 0.0301 -0.17734 0.03681 -0.16914 0.04468 L 0.00026 0.04283 L 0.00026 -0.00023 Z " pathEditMode="relative" rAng="0" ptsTypes="AAAAAA">
+                                      <p:cBhvr>
+                                        <p:cTn id="29" dur="5000" fill="hold"/>
+                                        <p:tgtEl>
+                                          <p:spTgt spid="41"/>
+                                        </p:tgtEl>
+                                        <p:attrNameLst>
+                                          <p:attrName>ppt_x</p:attrName>
+                                          <p:attrName>ppt_y</p:attrName>
+                                        </p:attrNameLst>
+                                      </p:cBhvr>
+                                      <p:rCtr x="-8919" y="2245"/>
+                                    </p:animMotion>
+                                  </p:childTnLst>
+                                </p:cTn>
+                              </p:par>
+                              <p:par>
+                                <p:cTn id="30" presetID="0" presetClass="path" presetSubtype="0" repeatCount="indefinite" fill="hold" nodeType="withEffect">
+                                  <p:stCondLst>
+                                    <p:cond delay="2000"/>
+                                  </p:stCondLst>
+                                  <p:childTnLst>
+                                    <p:animMotion origin="layout" path="M -0.00013 -3.7037E-7 L -0.14974 -3.7037E-7 C -0.17695 0.00023 -0.17708 0.01296 -0.1776 0.03588 C -0.17786 0.07431 -0.17786 0.13681 -0.17786 0.17546 " pathEditMode="relative" rAng="0" ptsTypes="AAAA">
+                                      <p:cBhvr>
+                                        <p:cTn id="31" dur="4000" fill="hold"/>
+                                        <p:tgtEl>
+                                          <p:spTgt spid="55"/>
+                                        </p:tgtEl>
+                                        <p:attrNameLst>
+                                          <p:attrName>ppt_x</p:attrName>
+                                          <p:attrName>ppt_y</p:attrName>
+                                        </p:attrNameLst>
+                                      </p:cBhvr>
+                                      <p:rCtr x="-8893" y="8773"/>
+                                    </p:animMotion>
+                                  </p:childTnLst>
+                                </p:cTn>
+                              </p:par>
+                              <p:par>
+                                <p:cTn id="32" presetID="7" presetClass="path" presetSubtype="0" repeatCount="indefinite" fill="hold" grpId="0" nodeType="withEffect">
+                                  <p:stCondLst>
+                                    <p:cond delay="1500"/>
+                                  </p:stCondLst>
+                                  <p:childTnLst>
+                                    <p:animMotion origin="layout" path="M 0.00026 -0.00024 L -0.16719 -0.00024 C -0.17643 0.00347 -0.17812 0.01481 -0.17799 0.02291 C -0.17799 0.03009 -0.17734 0.0368 -0.16914 0.04467 L 0.00026 0.04282 L 0.00026 -0.00024 Z " pathEditMode="relative" rAng="0" ptsTypes="AAAAAA">
+                                      <p:cBhvr>
+                                        <p:cTn id="33" dur="5000" fill="hold"/>
+                                        <p:tgtEl>
+                                          <p:spTgt spid="42"/>
+                                        </p:tgtEl>
+                                        <p:attrNameLst>
+                                          <p:attrName>ppt_x</p:attrName>
+                                          <p:attrName>ppt_y</p:attrName>
+                                        </p:attrNameLst>
+                                      </p:cBhvr>
+                                      <p:rCtr x="-8919" y="2245"/>
+                                    </p:animMotion>
+                                  </p:childTnLst>
+                                </p:cTn>
+                              </p:par>
+                              <p:par>
+                                <p:cTn id="34" presetID="7" presetClass="path" presetSubtype="0" repeatCount="indefinite" fill="hold" grpId="0" nodeType="withEffect">
+                                  <p:stCondLst>
+                                    <p:cond delay="2000"/>
+                                  </p:stCondLst>
+                                  <p:childTnLst>
+                                    <p:animMotion origin="layout" path="M 0.00026 -0.00023 L -0.16719 -0.00023 C -0.17643 0.00347 -0.17812 0.01482 -0.17799 0.02292 C -0.17799 0.0301 -0.17734 0.03681 -0.16914 0.04468 L 0.00026 0.04283 L 0.00026 -0.00023 Z " pathEditMode="relative" rAng="0" ptsTypes="AAAAAA">
+                                      <p:cBhvr>
+                                        <p:cTn id="35" dur="5000" fill="hold"/>
+                                        <p:tgtEl>
+                                          <p:spTgt spid="43"/>
+                                        </p:tgtEl>
+                                        <p:attrNameLst>
+                                          <p:attrName>ppt_x</p:attrName>
+                                          <p:attrName>ppt_y</p:attrName>
+                                        </p:attrNameLst>
+                                      </p:cBhvr>
+                                      <p:rCtr x="-8919" y="2245"/>
+                                    </p:animMotion>
+                                  </p:childTnLst>
+                                </p:cTn>
+                              </p:par>
+                              <p:par>
+                                <p:cTn id="36" presetID="0" presetClass="path" presetSubtype="0" repeatCount="indefinite" fill="hold" nodeType="withEffect">
+                                  <p:stCondLst>
+                                    <p:cond delay="3000"/>
+                                  </p:stCondLst>
+                                  <p:childTnLst>
+                                    <p:animMotion origin="layout" path="M -0.00013 -3.7037E-7 L -0.14974 -3.7037E-7 C -0.17695 0.00023 -0.17708 0.01296 -0.1776 0.03588 C -0.17786 0.07431 -0.17786 0.13681 -0.17786 0.17546 " pathEditMode="relative" rAng="0" ptsTypes="AAAA">
+                                      <p:cBhvr>
+                                        <p:cTn id="37" dur="4000" fill="hold"/>
+                                        <p:tgtEl>
+                                          <p:spTgt spid="61"/>
+                                        </p:tgtEl>
+                                        <p:attrNameLst>
+                                          <p:attrName>ppt_x</p:attrName>
+                                          <p:attrName>ppt_y</p:attrName>
+                                        </p:attrNameLst>
+                                      </p:cBhvr>
+                                      <p:rCtr x="-8893" y="8773"/>
+                                    </p:animMotion>
+                                  </p:childTnLst>
+                                </p:cTn>
+                              </p:par>
+                              <p:par>
+                                <p:cTn id="38" presetID="7" presetClass="path" presetSubtype="0" repeatCount="indefinite" fill="hold" grpId="0" nodeType="withEffect">
+                                  <p:stCondLst>
+                                    <p:cond delay="2500"/>
+                                  </p:stCondLst>
+                                  <p:childTnLst>
+                                    <p:animMotion origin="layout" path="M 0.00026 -0.00023 L -0.16719 -0.00023 C -0.17643 0.00347 -0.17812 0.01482 -0.17799 0.02292 C -0.17799 0.0301 -0.17734 0.03681 -0.16914 0.04468 L 0.00026 0.04283 L 0.00026 -0.00023 Z " pathEditMode="relative" rAng="0" ptsTypes="AAAAAA">
+                                      <p:cBhvr>
+                                        <p:cTn id="39" dur="5000" fill="hold"/>
+                                        <p:tgtEl>
+                                          <p:spTgt spid="44"/>
+                                        </p:tgtEl>
+                                        <p:attrNameLst>
+                                          <p:attrName>ppt_x</p:attrName>
+                                          <p:attrName>ppt_y</p:attrName>
+                                        </p:attrNameLst>
+                                      </p:cBhvr>
+                                      <p:rCtr x="-8919" y="2245"/>
+                                    </p:animMotion>
+                                  </p:childTnLst>
+                                </p:cTn>
+                              </p:par>
+                              <p:par>
+                                <p:cTn id="40" presetID="7" presetClass="path" presetSubtype="0" repeatCount="indefinite" fill="hold" grpId="0" nodeType="withEffect">
+                                  <p:stCondLst>
+                                    <p:cond delay="3000"/>
+                                  </p:stCondLst>
+                                  <p:childTnLst>
+                                    <p:animMotion origin="layout" path="M 0.00026 -0.00023 L -0.16719 -0.00023 C -0.17643 0.00347 -0.17812 0.01482 -0.17799 0.02292 C -0.17799 0.0301 -0.17734 0.03681 -0.16914 0.04468 L 0.00026 0.04283 L 0.00026 -0.00023 Z " pathEditMode="relative" rAng="0" ptsTypes="AAAAAA">
+                                      <p:cBhvr>
+                                        <p:cTn id="41" dur="5000" fill="hold"/>
+                                        <p:tgtEl>
+                                          <p:spTgt spid="45"/>
+                                        </p:tgtEl>
+                                        <p:attrNameLst>
+                                          <p:attrName>ppt_x</p:attrName>
+                                          <p:attrName>ppt_y</p:attrName>
+                                        </p:attrNameLst>
+                                      </p:cBhvr>
+                                      <p:rCtr x="-8919" y="2245"/>
+                                    </p:animMotion>
+                                  </p:childTnLst>
+                                </p:cTn>
+                              </p:par>
+                              <p:par>
+                                <p:cTn id="42" presetID="7" presetClass="path" presetSubtype="0" repeatCount="indefinite" fill="hold" grpId="0" nodeType="withEffect">
+                                  <p:stCondLst>
+                                    <p:cond delay="3500"/>
+                                  </p:stCondLst>
+                                  <p:childTnLst>
+                                    <p:animMotion origin="layout" path="M 0.00026 -0.00024 L -0.16719 -0.00024 C -0.17643 0.00347 -0.17812 0.01481 -0.17799 0.02291 C -0.17799 0.03009 -0.17734 0.0368 -0.16914 0.04467 L 0.00026 0.04282 L 0.00026 -0.00024 Z " pathEditMode="relative" rAng="0" ptsTypes="AAAAAA">
+                                      <p:cBhvr>
+                                        <p:cTn id="43" dur="5000" fill="hold"/>
+                                        <p:tgtEl>
+                                          <p:spTgt spid="46"/>
+                                        </p:tgtEl>
+                                        <p:attrNameLst>
+                                          <p:attrName>ppt_x</p:attrName>
+                                          <p:attrName>ppt_y</p:attrName>
+                                        </p:attrNameLst>
+                                      </p:cBhvr>
+                                      <p:rCtr x="-8919" y="2245"/>
+                                    </p:animMotion>
+                                  </p:childTnLst>
+                                </p:cTn>
+                              </p:par>
+                              <p:par>
+                                <p:cTn id="44" presetID="7" presetClass="path" presetSubtype="0" repeatCount="indefinite" fill="hold" grpId="0" nodeType="withEffect">
+                                  <p:stCondLst>
+                                    <p:cond delay="4000"/>
+                                  </p:stCondLst>
+                                  <p:childTnLst>
+                                    <p:animMotion origin="layout" path="M 0.00026 -0.00023 L -0.16719 -0.00023 C -0.17643 0.00347 -0.17812 0.01482 -0.17799 0.02292 C -0.17799 0.0301 -0.17734 0.03681 -0.16914 0.04468 L 0.00026 0.04283 L 0.00026 -0.00023 Z " pathEditMode="relative" rAng="0" ptsTypes="AAAAAA">
+                                      <p:cBhvr>
+                                        <p:cTn id="45" dur="5000" fill="hold"/>
+                                        <p:tgtEl>
+                                          <p:spTgt spid="47"/>
+                                        </p:tgtEl>
+                                        <p:attrNameLst>
+                                          <p:attrName>ppt_x</p:attrName>
+                                          <p:attrName>ppt_y</p:attrName>
+                                        </p:attrNameLst>
+                                      </p:cBhvr>
+                                      <p:rCtr x="-8919" y="2245"/>
+                                    </p:animMotion>
+                                  </p:childTnLst>
+                                </p:cTn>
+                              </p:par>
+                              <p:par>
+                                <p:cTn id="46" presetID="7" presetClass="path" presetSubtype="0" repeatCount="indefinite" fill="hold" grpId="0" nodeType="withEffect">
+                                  <p:stCondLst>
+                                    <p:cond delay="4500"/>
+                                  </p:stCondLst>
+                                  <p:childTnLst>
+                                    <p:animMotion origin="layout" path="M 0.00026 -0.00024 L -0.16719 -0.00024 C -0.17643 0.00347 -0.17812 0.01481 -0.17799 0.02291 C -0.17799 0.03009 -0.17734 0.0368 -0.16914 0.04467 L 0.00026 0.04282 L 0.00026 -0.00024 Z " pathEditMode="relative" rAng="0" ptsTypes="AAAAAA">
+                                      <p:cBhvr>
+                                        <p:cTn id="47" dur="5000" fill="hold"/>
+                                        <p:tgtEl>
+                                          <p:spTgt spid="48"/>
+                                        </p:tgtEl>
+                                        <p:attrNameLst>
+                                          <p:attrName>ppt_x</p:attrName>
+                                          <p:attrName>ppt_y</p:attrName>
+                                        </p:attrNameLst>
+                                      </p:cBhvr>
+                                      <p:rCtr x="-8919" y="2245"/>
+                                    </p:animMotion>
+                                  </p:childTnLst>
+                                </p:cTn>
+                              </p:par>
+                            </p:childTnLst>
+                          </p:cTn>
+                        </p:par>
+                      </p:childTnLst>
+                    </p:cTn>
+                  </p:par>
+                </p:childTnLst>
+              </p:cTn>
+              <p:prevCondLst>
+                <p:cond evt="onPrev" delay="0">
+                  <p:tgtEl>
+                    <p:sldTgt/>
+                  </p:tgtEl>
+                </p:cond>
+              </p:prevCondLst>
+              <p:nextCondLst>
+                <p:cond evt="onNext" delay="0">
+                  <p:tgtEl>
+                    <p:sldTgt/>
+                  </p:tgtEl>
+                </p:cond>
+              </p:nextCondLst>
+            </p:seq>
+          </p:childTnLst>
+        </p:cTn>
+      </p:par>
+    </p:tnLst>
+    <p:bldLst>
+      <p:bldP spid="7" grpId="0" animBg="1"/>
+      <p:bldP spid="40" grpId="0" animBg="1"/>
+      <p:bldP spid="41" grpId="0" animBg="1"/>
+      <p:bldP spid="42" grpId="0" animBg="1"/>
+      <p:bldP spid="43" grpId="0" animBg="1"/>
+      <p:bldP spid="44" grpId="0" animBg="1"/>
+      <p:bldP spid="45" grpId="0" animBg="1"/>
+      <p:bldP spid="46" grpId="0" animBg="1"/>
+      <p:bldP spid="47" grpId="0" animBg="1"/>
+      <p:bldP spid="48" grpId="0" animBg="1"/>
+      <p:bldP spid="75" grpId="0" animBg="1"/>
+      <p:bldP spid="76" grpId="0" animBg="1"/>
+      <p:bldP spid="77" grpId="0" animBg="1"/>
+      <p:bldP spid="78" grpId="0" animBg="1"/>
+      <p:bldP spid="79" grpId="0" animBg="1"/>
+    </p:bldLst>
+  </p:timing>
+</p:sld>
+</file>
+
 <file path=ppt/theme/theme1.xml><?xml version="1.0" encoding="utf-8"?>
 <a:theme xmlns:a="http://schemas.openxmlformats.org/drawingml/2006/main" name="Office Theme">
   <a:themeElements>

--- a/Powerpoints/parts.pptx
+++ b/Powerpoints/parts.pptx
@@ -5,12 +5,14 @@
     <p:sldMasterId id="2147483648" r:id="rId1"/>
   </p:sldMasterIdLst>
   <p:sldIdLst>
-    <p:sldId id="256" r:id="rId2"/>
-    <p:sldId id="257" r:id="rId3"/>
-    <p:sldId id="258" r:id="rId4"/>
-    <p:sldId id="259" r:id="rId5"/>
-    <p:sldId id="260" r:id="rId6"/>
-    <p:sldId id="261" r:id="rId7"/>
+    <p:sldId id="263" r:id="rId2"/>
+    <p:sldId id="256" r:id="rId3"/>
+    <p:sldId id="257" r:id="rId4"/>
+    <p:sldId id="258" r:id="rId5"/>
+    <p:sldId id="259" r:id="rId6"/>
+    <p:sldId id="260" r:id="rId7"/>
+    <p:sldId id="261" r:id="rId8"/>
+    <p:sldId id="262" r:id="rId9"/>
   </p:sldIdLst>
   <p:sldSz cx="12192000" cy="6858000"/>
   <p:notesSz cx="6858000" cy="9144000"/>
@@ -278,7 +280,7 @@
           <a:p>
             <a:fld id="{4865D920-62CB-495C-8529-9D6639115F7C}" type="datetimeFigureOut">
               <a:rPr lang="fr-BE" smtClean="0"/>
-              <a:t>19-05-20</a:t>
+              <a:t>21-05-20</a:t>
             </a:fld>
             <a:endParaRPr lang="fr-BE"/>
           </a:p>
@@ -478,7 +480,7 @@
           <a:p>
             <a:fld id="{4865D920-62CB-495C-8529-9D6639115F7C}" type="datetimeFigureOut">
               <a:rPr lang="fr-BE" smtClean="0"/>
-              <a:t>19-05-20</a:t>
+              <a:t>21-05-20</a:t>
             </a:fld>
             <a:endParaRPr lang="fr-BE"/>
           </a:p>
@@ -688,7 +690,7 @@
           <a:p>
             <a:fld id="{4865D920-62CB-495C-8529-9D6639115F7C}" type="datetimeFigureOut">
               <a:rPr lang="fr-BE" smtClean="0"/>
-              <a:t>19-05-20</a:t>
+              <a:t>21-05-20</a:t>
             </a:fld>
             <a:endParaRPr lang="fr-BE"/>
           </a:p>
@@ -888,7 +890,7 @@
           <a:p>
             <a:fld id="{4865D920-62CB-495C-8529-9D6639115F7C}" type="datetimeFigureOut">
               <a:rPr lang="fr-BE" smtClean="0"/>
-              <a:t>19-05-20</a:t>
+              <a:t>21-05-20</a:t>
             </a:fld>
             <a:endParaRPr lang="fr-BE"/>
           </a:p>
@@ -1164,7 +1166,7 @@
           <a:p>
             <a:fld id="{4865D920-62CB-495C-8529-9D6639115F7C}" type="datetimeFigureOut">
               <a:rPr lang="fr-BE" smtClean="0"/>
-              <a:t>19-05-20</a:t>
+              <a:t>21-05-20</a:t>
             </a:fld>
             <a:endParaRPr lang="fr-BE"/>
           </a:p>
@@ -1432,7 +1434,7 @@
           <a:p>
             <a:fld id="{4865D920-62CB-495C-8529-9D6639115F7C}" type="datetimeFigureOut">
               <a:rPr lang="fr-BE" smtClean="0"/>
-              <a:t>19-05-20</a:t>
+              <a:t>21-05-20</a:t>
             </a:fld>
             <a:endParaRPr lang="fr-BE"/>
           </a:p>
@@ -1847,7 +1849,7 @@
           <a:p>
             <a:fld id="{4865D920-62CB-495C-8529-9D6639115F7C}" type="datetimeFigureOut">
               <a:rPr lang="fr-BE" smtClean="0"/>
-              <a:t>19-05-20</a:t>
+              <a:t>21-05-20</a:t>
             </a:fld>
             <a:endParaRPr lang="fr-BE"/>
           </a:p>
@@ -1989,7 +1991,7 @@
           <a:p>
             <a:fld id="{4865D920-62CB-495C-8529-9D6639115F7C}" type="datetimeFigureOut">
               <a:rPr lang="fr-BE" smtClean="0"/>
-              <a:t>19-05-20</a:t>
+              <a:t>21-05-20</a:t>
             </a:fld>
             <a:endParaRPr lang="fr-BE"/>
           </a:p>
@@ -2102,7 +2104,7 @@
           <a:p>
             <a:fld id="{4865D920-62CB-495C-8529-9D6639115F7C}" type="datetimeFigureOut">
               <a:rPr lang="fr-BE" smtClean="0"/>
-              <a:t>19-05-20</a:t>
+              <a:t>21-05-20</a:t>
             </a:fld>
             <a:endParaRPr lang="fr-BE"/>
           </a:p>
@@ -2415,7 +2417,7 @@
           <a:p>
             <a:fld id="{4865D920-62CB-495C-8529-9D6639115F7C}" type="datetimeFigureOut">
               <a:rPr lang="fr-BE" smtClean="0"/>
-              <a:t>19-05-20</a:t>
+              <a:t>21-05-20</a:t>
             </a:fld>
             <a:endParaRPr lang="fr-BE"/>
           </a:p>
@@ -2704,7 +2706,7 @@
           <a:p>
             <a:fld id="{4865D920-62CB-495C-8529-9D6639115F7C}" type="datetimeFigureOut">
               <a:rPr lang="fr-BE" smtClean="0"/>
-              <a:t>19-05-20</a:t>
+              <a:t>21-05-20</a:t>
             </a:fld>
             <a:endParaRPr lang="fr-BE"/>
           </a:p>
@@ -2947,7 +2949,7 @@
           <a:p>
             <a:fld id="{4865D920-62CB-495C-8529-9D6639115F7C}" type="datetimeFigureOut">
               <a:rPr lang="fr-BE" smtClean="0"/>
-              <a:t>19-05-20</a:t>
+              <a:t>21-05-20</a:t>
             </a:fld>
             <a:endParaRPr lang="fr-BE"/>
           </a:p>
@@ -3349,6 +3351,2999 @@
 
 <file path=ppt/slides/slide1.xml><?xml version="1.0" encoding="utf-8"?>
 <p:sld xmlns:a="http://schemas.openxmlformats.org/drawingml/2006/main" xmlns:r="http://schemas.openxmlformats.org/officeDocument/2006/relationships" xmlns:p="http://schemas.openxmlformats.org/presentationml/2006/main">
+  <p:cSld>
+    <p:spTree>
+      <p:nvGrpSpPr>
+        <p:cNvPr id="1" name=""/>
+        <p:cNvGrpSpPr/>
+        <p:nvPr/>
+      </p:nvGrpSpPr>
+      <p:grpSpPr>
+        <a:xfrm>
+          <a:off x="0" y="0"/>
+          <a:ext cx="0" cy="0"/>
+          <a:chOff x="0" y="0"/>
+          <a:chExt cx="0" cy="0"/>
+        </a:xfrm>
+      </p:grpSpPr>
+      <p:sp>
+        <p:nvSpPr>
+          <p:cNvPr id="4" name="Freeform: Shape 3">
+            <a:extLst>
+              <a:ext uri="{FF2B5EF4-FFF2-40B4-BE49-F238E27FC236}">
+                <a16:creationId xmlns:a16="http://schemas.microsoft.com/office/drawing/2014/main" id="{BB2860AF-9C58-433F-B22E-CD3D6A1497F6}"/>
+              </a:ext>
+            </a:extLst>
+          </p:cNvPr>
+          <p:cNvSpPr/>
+          <p:nvPr/>
+        </p:nvSpPr>
+        <p:spPr>
+          <a:xfrm>
+            <a:off x="3454369" y="771972"/>
+            <a:ext cx="1296000" cy="1296000"/>
+          </a:xfrm>
+          <a:custGeom>
+            <a:avLst/>
+            <a:gdLst>
+              <a:gd name="connsiteX0" fmla="*/ 112454 w 1296000"/>
+              <a:gd name="connsiteY0" fmla="*/ 0 h 1296000"/>
+              <a:gd name="connsiteX1" fmla="*/ 1183546 w 1296000"/>
+              <a:gd name="connsiteY1" fmla="*/ 0 h 1296000"/>
+              <a:gd name="connsiteX2" fmla="*/ 1296000 w 1296000"/>
+              <a:gd name="connsiteY2" fmla="*/ 112454 h 1296000"/>
+              <a:gd name="connsiteX3" fmla="*/ 1296000 w 1296000"/>
+              <a:gd name="connsiteY3" fmla="*/ 1183546 h 1296000"/>
+              <a:gd name="connsiteX4" fmla="*/ 1183546 w 1296000"/>
+              <a:gd name="connsiteY4" fmla="*/ 1296000 h 1296000"/>
+              <a:gd name="connsiteX5" fmla="*/ 112454 w 1296000"/>
+              <a:gd name="connsiteY5" fmla="*/ 1296000 h 1296000"/>
+              <a:gd name="connsiteX6" fmla="*/ 0 w 1296000"/>
+              <a:gd name="connsiteY6" fmla="*/ 1183546 h 1296000"/>
+              <a:gd name="connsiteX7" fmla="*/ 0 w 1296000"/>
+              <a:gd name="connsiteY7" fmla="*/ 112454 h 1296000"/>
+              <a:gd name="connsiteX8" fmla="*/ 112454 w 1296000"/>
+              <a:gd name="connsiteY8" fmla="*/ 0 h 1296000"/>
+            </a:gdLst>
+            <a:ahLst/>
+            <a:cxnLst>
+              <a:cxn ang="0">
+                <a:pos x="connsiteX0" y="connsiteY0"/>
+              </a:cxn>
+              <a:cxn ang="0">
+                <a:pos x="connsiteX1" y="connsiteY1"/>
+              </a:cxn>
+              <a:cxn ang="0">
+                <a:pos x="connsiteX2" y="connsiteY2"/>
+              </a:cxn>
+              <a:cxn ang="0">
+                <a:pos x="connsiteX3" y="connsiteY3"/>
+              </a:cxn>
+              <a:cxn ang="0">
+                <a:pos x="connsiteX4" y="connsiteY4"/>
+              </a:cxn>
+              <a:cxn ang="0">
+                <a:pos x="connsiteX5" y="connsiteY5"/>
+              </a:cxn>
+              <a:cxn ang="0">
+                <a:pos x="connsiteX6" y="connsiteY6"/>
+              </a:cxn>
+              <a:cxn ang="0">
+                <a:pos x="connsiteX7" y="connsiteY7"/>
+              </a:cxn>
+              <a:cxn ang="0">
+                <a:pos x="connsiteX8" y="connsiteY8"/>
+              </a:cxn>
+            </a:cxnLst>
+            <a:rect l="l" t="t" r="r" b="b"/>
+            <a:pathLst>
+              <a:path w="1296000" h="1296000">
+                <a:moveTo>
+                  <a:pt x="112454" y="0"/>
+                </a:moveTo>
+                <a:lnTo>
+                  <a:pt x="1183546" y="0"/>
+                </a:lnTo>
+                <a:cubicBezTo>
+                  <a:pt x="1245653" y="0"/>
+                  <a:pt x="1296000" y="50347"/>
+                  <a:pt x="1296000" y="112454"/>
+                </a:cubicBezTo>
+                <a:lnTo>
+                  <a:pt x="1296000" y="1183546"/>
+                </a:lnTo>
+                <a:cubicBezTo>
+                  <a:pt x="1296000" y="1245653"/>
+                  <a:pt x="1245653" y="1296000"/>
+                  <a:pt x="1183546" y="1296000"/>
+                </a:cubicBezTo>
+                <a:lnTo>
+                  <a:pt x="112454" y="1296000"/>
+                </a:lnTo>
+                <a:cubicBezTo>
+                  <a:pt x="50347" y="1296000"/>
+                  <a:pt x="0" y="1245653"/>
+                  <a:pt x="0" y="1183546"/>
+                </a:cubicBezTo>
+                <a:lnTo>
+                  <a:pt x="0" y="112454"/>
+                </a:lnTo>
+                <a:cubicBezTo>
+                  <a:pt x="0" y="50347"/>
+                  <a:pt x="50347" y="0"/>
+                  <a:pt x="112454" y="0"/>
+                </a:cubicBezTo>
+                <a:close/>
+              </a:path>
+            </a:pathLst>
+          </a:custGeom>
+          <a:solidFill>
+            <a:srgbClr val="FF5050"/>
+          </a:solidFill>
+          <a:ln w="76200">
+            <a:solidFill>
+              <a:schemeClr val="tx1">
+                <a:lumMod val="85000"/>
+                <a:lumOff val="15000"/>
+              </a:schemeClr>
+            </a:solidFill>
+          </a:ln>
+          <a:scene3d>
+            <a:camera prst="orthographicFront"/>
+            <a:lightRig rig="threePt" dir="t"/>
+          </a:scene3d>
+          <a:sp3d extrusionH="44450"/>
+        </p:spPr>
+        <p:style>
+          <a:lnRef idx="2">
+            <a:schemeClr val="accent1">
+              <a:shade val="50000"/>
+            </a:schemeClr>
+          </a:lnRef>
+          <a:fillRef idx="1">
+            <a:schemeClr val="accent1"/>
+          </a:fillRef>
+          <a:effectRef idx="0">
+            <a:schemeClr val="accent1"/>
+          </a:effectRef>
+          <a:fontRef idx="minor">
+            <a:schemeClr val="lt1"/>
+          </a:fontRef>
+        </p:style>
+        <p:txBody>
+          <a:bodyPr wrap="square" rtlCol="0" anchor="ctr">
+            <a:noAutofit/>
+          </a:bodyPr>
+          <a:lstStyle/>
+          <a:p>
+            <a:pPr algn="ctr"/>
+            <a:endParaRPr lang="fr-BE"/>
+          </a:p>
+        </p:txBody>
+      </p:sp>
+      <p:grpSp>
+        <p:nvGrpSpPr>
+          <p:cNvPr id="5" name="Group 4">
+            <a:extLst>
+              <a:ext uri="{FF2B5EF4-FFF2-40B4-BE49-F238E27FC236}">
+                <a16:creationId xmlns:a16="http://schemas.microsoft.com/office/drawing/2014/main" id="{A7E5F28A-3DE2-49D0-8FA2-335C1D922405}"/>
+              </a:ext>
+            </a:extLst>
+          </p:cNvPr>
+          <p:cNvGrpSpPr/>
+          <p:nvPr/>
+        </p:nvGrpSpPr>
+        <p:grpSpPr>
+          <a:xfrm>
+            <a:off x="3836108" y="771972"/>
+            <a:ext cx="266261" cy="249650"/>
+            <a:chOff x="3836108" y="771972"/>
+            <a:chExt cx="266261" cy="249650"/>
+          </a:xfrm>
+        </p:grpSpPr>
+        <p:cxnSp>
+          <p:nvCxnSpPr>
+            <p:cNvPr id="6" name="Straight Connector 5">
+              <a:extLst>
+                <a:ext uri="{FF2B5EF4-FFF2-40B4-BE49-F238E27FC236}">
+                  <a16:creationId xmlns:a16="http://schemas.microsoft.com/office/drawing/2014/main" id="{01B94137-FE68-4DB3-B608-54BBE279B023}"/>
+                </a:ext>
+              </a:extLst>
+            </p:cNvPr>
+            <p:cNvCxnSpPr>
+              <a:cxnSpLocks/>
+            </p:cNvCxnSpPr>
+            <p:nvPr/>
+          </p:nvCxnSpPr>
+          <p:spPr>
+            <a:xfrm flipH="1">
+              <a:off x="3931358" y="771972"/>
+              <a:ext cx="171011" cy="249650"/>
+            </a:xfrm>
+            <a:prstGeom prst="line">
+              <a:avLst/>
+            </a:prstGeom>
+            <a:ln w="76200" cap="rnd">
+              <a:solidFill>
+                <a:schemeClr val="tx1">
+                  <a:lumMod val="85000"/>
+                  <a:lumOff val="15000"/>
+                </a:schemeClr>
+              </a:solidFill>
+            </a:ln>
+          </p:spPr>
+          <p:style>
+            <a:lnRef idx="1">
+              <a:schemeClr val="accent1"/>
+            </a:lnRef>
+            <a:fillRef idx="0">
+              <a:schemeClr val="accent1"/>
+            </a:fillRef>
+            <a:effectRef idx="0">
+              <a:schemeClr val="accent1"/>
+            </a:effectRef>
+            <a:fontRef idx="minor">
+              <a:schemeClr val="tx1"/>
+            </a:fontRef>
+          </p:style>
+        </p:cxnSp>
+        <p:cxnSp>
+          <p:nvCxnSpPr>
+            <p:cNvPr id="7" name="Straight Connector 6">
+              <a:extLst>
+                <a:ext uri="{FF2B5EF4-FFF2-40B4-BE49-F238E27FC236}">
+                  <a16:creationId xmlns:a16="http://schemas.microsoft.com/office/drawing/2014/main" id="{86F1DB23-93AC-4FD3-B8B3-0C5D635CC49D}"/>
+                </a:ext>
+              </a:extLst>
+            </p:cNvPr>
+            <p:cNvCxnSpPr>
+              <a:cxnSpLocks/>
+            </p:cNvCxnSpPr>
+            <p:nvPr/>
+          </p:nvCxnSpPr>
+          <p:spPr>
+            <a:xfrm flipH="1">
+              <a:off x="3836108" y="1021622"/>
+              <a:ext cx="95250" cy="0"/>
+            </a:xfrm>
+            <a:prstGeom prst="line">
+              <a:avLst/>
+            </a:prstGeom>
+            <a:ln w="76200" cap="rnd">
+              <a:solidFill>
+                <a:schemeClr val="tx1">
+                  <a:lumMod val="85000"/>
+                  <a:lumOff val="15000"/>
+                </a:schemeClr>
+              </a:solidFill>
+            </a:ln>
+          </p:spPr>
+          <p:style>
+            <a:lnRef idx="1">
+              <a:schemeClr val="accent1"/>
+            </a:lnRef>
+            <a:fillRef idx="0">
+              <a:schemeClr val="accent1"/>
+            </a:fillRef>
+            <a:effectRef idx="0">
+              <a:schemeClr val="accent1"/>
+            </a:effectRef>
+            <a:fontRef idx="minor">
+              <a:schemeClr val="tx1"/>
+            </a:fontRef>
+          </p:style>
+        </p:cxnSp>
+      </p:grpSp>
+      <p:sp>
+        <p:nvSpPr>
+          <p:cNvPr id="8" name="Oval 7">
+            <a:extLst>
+              <a:ext uri="{FF2B5EF4-FFF2-40B4-BE49-F238E27FC236}">
+                <a16:creationId xmlns:a16="http://schemas.microsoft.com/office/drawing/2014/main" id="{EBF4F3B7-98F6-470D-9E6D-F77D520F3A07}"/>
+              </a:ext>
+            </a:extLst>
+          </p:cNvPr>
+          <p:cNvSpPr/>
+          <p:nvPr/>
+        </p:nvSpPr>
+        <p:spPr>
+          <a:xfrm>
+            <a:off x="3679358" y="948098"/>
+            <a:ext cx="147600" cy="147048"/>
+          </a:xfrm>
+          <a:prstGeom prst="ellipse">
+            <a:avLst/>
+          </a:prstGeom>
+          <a:solidFill>
+            <a:srgbClr val="FFC000"/>
+          </a:solidFill>
+          <a:ln w="76200">
+            <a:solidFill>
+              <a:schemeClr val="tx1">
+                <a:lumMod val="85000"/>
+                <a:lumOff val="15000"/>
+              </a:schemeClr>
+            </a:solidFill>
+          </a:ln>
+        </p:spPr>
+        <p:style>
+          <a:lnRef idx="2">
+            <a:schemeClr val="accent1">
+              <a:shade val="50000"/>
+            </a:schemeClr>
+          </a:lnRef>
+          <a:fillRef idx="1">
+            <a:schemeClr val="accent1"/>
+          </a:fillRef>
+          <a:effectRef idx="0">
+            <a:schemeClr val="accent1"/>
+          </a:effectRef>
+          <a:fontRef idx="minor">
+            <a:schemeClr val="lt1"/>
+          </a:fontRef>
+        </p:style>
+        <p:txBody>
+          <a:bodyPr rtlCol="0" anchor="ctr"/>
+          <a:lstStyle/>
+          <a:p>
+            <a:pPr algn="ctr"/>
+            <a:endParaRPr lang="fr-BE"/>
+          </a:p>
+        </p:txBody>
+      </p:sp>
+      <p:grpSp>
+        <p:nvGrpSpPr>
+          <p:cNvPr id="9" name="Group 8">
+            <a:extLst>
+              <a:ext uri="{FF2B5EF4-FFF2-40B4-BE49-F238E27FC236}">
+                <a16:creationId xmlns:a16="http://schemas.microsoft.com/office/drawing/2014/main" id="{E0048996-2135-4466-A293-903EF3CDDAF1}"/>
+              </a:ext>
+            </a:extLst>
+          </p:cNvPr>
+          <p:cNvGrpSpPr/>
+          <p:nvPr/>
+        </p:nvGrpSpPr>
+        <p:grpSpPr>
+          <a:xfrm>
+            <a:off x="4439732" y="1735257"/>
+            <a:ext cx="249650" cy="266260"/>
+            <a:chOff x="4439732" y="1735257"/>
+            <a:chExt cx="249650" cy="266260"/>
+          </a:xfrm>
+        </p:grpSpPr>
+        <p:cxnSp>
+          <p:nvCxnSpPr>
+            <p:cNvPr id="10" name="Straight Connector 9">
+              <a:extLst>
+                <a:ext uri="{FF2B5EF4-FFF2-40B4-BE49-F238E27FC236}">
+                  <a16:creationId xmlns:a16="http://schemas.microsoft.com/office/drawing/2014/main" id="{3AFFC4E2-B28C-4B1B-B94F-79E55A7E94C8}"/>
+                </a:ext>
+              </a:extLst>
+            </p:cNvPr>
+            <p:cNvCxnSpPr>
+              <a:cxnSpLocks/>
+            </p:cNvCxnSpPr>
+            <p:nvPr/>
+          </p:nvCxnSpPr>
+          <p:spPr>
+            <a:xfrm rot="5400000" flipH="1">
+              <a:off x="4479051" y="1791187"/>
+              <a:ext cx="171011" cy="249650"/>
+            </a:xfrm>
+            <a:prstGeom prst="line">
+              <a:avLst/>
+            </a:prstGeom>
+            <a:ln w="76200" cap="rnd">
+              <a:solidFill>
+                <a:schemeClr val="tx1">
+                  <a:lumMod val="85000"/>
+                  <a:lumOff val="15000"/>
+                </a:schemeClr>
+              </a:solidFill>
+            </a:ln>
+          </p:spPr>
+          <p:style>
+            <a:lnRef idx="1">
+              <a:schemeClr val="accent1"/>
+            </a:lnRef>
+            <a:fillRef idx="0">
+              <a:schemeClr val="accent1"/>
+            </a:fillRef>
+            <a:effectRef idx="0">
+              <a:schemeClr val="accent1"/>
+            </a:effectRef>
+            <a:fontRef idx="minor">
+              <a:schemeClr val="tx1"/>
+            </a:fontRef>
+          </p:style>
+        </p:cxnSp>
+        <p:cxnSp>
+          <p:nvCxnSpPr>
+            <p:cNvPr id="11" name="Straight Connector 10">
+              <a:extLst>
+                <a:ext uri="{FF2B5EF4-FFF2-40B4-BE49-F238E27FC236}">
+                  <a16:creationId xmlns:a16="http://schemas.microsoft.com/office/drawing/2014/main" id="{9F9039A3-3A8E-4EC2-BC39-3134ADC02287}"/>
+                </a:ext>
+              </a:extLst>
+            </p:cNvPr>
+            <p:cNvCxnSpPr>
+              <a:cxnSpLocks/>
+            </p:cNvCxnSpPr>
+            <p:nvPr/>
+          </p:nvCxnSpPr>
+          <p:spPr>
+            <a:xfrm rot="5400000" flipH="1">
+              <a:off x="4392107" y="1782882"/>
+              <a:ext cx="95250" cy="0"/>
+            </a:xfrm>
+            <a:prstGeom prst="line">
+              <a:avLst/>
+            </a:prstGeom>
+            <a:ln w="76200" cap="rnd">
+              <a:solidFill>
+                <a:schemeClr val="tx1">
+                  <a:lumMod val="85000"/>
+                  <a:lumOff val="15000"/>
+                </a:schemeClr>
+              </a:solidFill>
+            </a:ln>
+          </p:spPr>
+          <p:style>
+            <a:lnRef idx="1">
+              <a:schemeClr val="accent1"/>
+            </a:lnRef>
+            <a:fillRef idx="0">
+              <a:schemeClr val="accent1"/>
+            </a:fillRef>
+            <a:effectRef idx="0">
+              <a:schemeClr val="accent1"/>
+            </a:effectRef>
+            <a:fontRef idx="minor">
+              <a:schemeClr val="tx1"/>
+            </a:fontRef>
+          </p:style>
+        </p:cxnSp>
+      </p:grpSp>
+      <p:sp>
+        <p:nvSpPr>
+          <p:cNvPr id="12" name="Oval 11">
+            <a:extLst>
+              <a:ext uri="{FF2B5EF4-FFF2-40B4-BE49-F238E27FC236}">
+                <a16:creationId xmlns:a16="http://schemas.microsoft.com/office/drawing/2014/main" id="{3ECD2835-95FD-4BDC-8382-09CB06E1356B}"/>
+              </a:ext>
+            </a:extLst>
+          </p:cNvPr>
+          <p:cNvSpPr/>
+          <p:nvPr/>
+        </p:nvSpPr>
+        <p:spPr>
+          <a:xfrm rot="5400000">
+            <a:off x="4365932" y="1578783"/>
+            <a:ext cx="147600" cy="147048"/>
+          </a:xfrm>
+          <a:prstGeom prst="ellipse">
+            <a:avLst/>
+          </a:prstGeom>
+          <a:solidFill>
+            <a:srgbClr val="FFC000"/>
+          </a:solidFill>
+          <a:ln w="76200">
+            <a:solidFill>
+              <a:schemeClr val="tx1">
+                <a:lumMod val="85000"/>
+                <a:lumOff val="15000"/>
+              </a:schemeClr>
+            </a:solidFill>
+          </a:ln>
+        </p:spPr>
+        <p:style>
+          <a:lnRef idx="2">
+            <a:schemeClr val="accent1">
+              <a:shade val="50000"/>
+            </a:schemeClr>
+          </a:lnRef>
+          <a:fillRef idx="1">
+            <a:schemeClr val="accent1"/>
+          </a:fillRef>
+          <a:effectRef idx="0">
+            <a:schemeClr val="accent1"/>
+          </a:effectRef>
+          <a:fontRef idx="minor">
+            <a:schemeClr val="lt1"/>
+          </a:fontRef>
+        </p:style>
+        <p:txBody>
+          <a:bodyPr rtlCol="0" anchor="ctr"/>
+          <a:lstStyle/>
+          <a:p>
+            <a:pPr algn="ctr"/>
+            <a:endParaRPr lang="fr-BE" dirty="0"/>
+          </a:p>
+        </p:txBody>
+      </p:sp>
+      <p:grpSp>
+        <p:nvGrpSpPr>
+          <p:cNvPr id="13" name="Group 12">
+            <a:extLst>
+              <a:ext uri="{FF2B5EF4-FFF2-40B4-BE49-F238E27FC236}">
+                <a16:creationId xmlns:a16="http://schemas.microsoft.com/office/drawing/2014/main" id="{2DBAAEFD-0D19-4D2C-B293-1D1AE1B4DE16}"/>
+              </a:ext>
+            </a:extLst>
+          </p:cNvPr>
+          <p:cNvGrpSpPr/>
+          <p:nvPr/>
+        </p:nvGrpSpPr>
+        <p:grpSpPr>
+          <a:xfrm>
+            <a:off x="4268071" y="1075055"/>
+            <a:ext cx="482298" cy="197661"/>
+            <a:chOff x="4268071" y="1075055"/>
+            <a:chExt cx="482298" cy="197661"/>
+          </a:xfrm>
+        </p:grpSpPr>
+        <p:cxnSp>
+          <p:nvCxnSpPr>
+            <p:cNvPr id="14" name="Straight Connector 13">
+              <a:extLst>
+                <a:ext uri="{FF2B5EF4-FFF2-40B4-BE49-F238E27FC236}">
+                  <a16:creationId xmlns:a16="http://schemas.microsoft.com/office/drawing/2014/main" id="{9FD64C6F-66C5-4F03-8FF1-7A68518FD3AA}"/>
+                </a:ext>
+              </a:extLst>
+            </p:cNvPr>
+            <p:cNvCxnSpPr>
+              <a:cxnSpLocks/>
+            </p:cNvCxnSpPr>
+            <p:nvPr/>
+          </p:nvCxnSpPr>
+          <p:spPr>
+            <a:xfrm flipH="1">
+              <a:off x="4429947" y="1075055"/>
+              <a:ext cx="320422" cy="0"/>
+            </a:xfrm>
+            <a:prstGeom prst="line">
+              <a:avLst/>
+            </a:prstGeom>
+            <a:ln w="76200" cap="rnd">
+              <a:solidFill>
+                <a:schemeClr val="tx1">
+                  <a:lumMod val="85000"/>
+                  <a:lumOff val="15000"/>
+                </a:schemeClr>
+              </a:solidFill>
+            </a:ln>
+          </p:spPr>
+          <p:style>
+            <a:lnRef idx="1">
+              <a:schemeClr val="accent1"/>
+            </a:lnRef>
+            <a:fillRef idx="0">
+              <a:schemeClr val="accent1"/>
+            </a:fillRef>
+            <a:effectRef idx="0">
+              <a:schemeClr val="accent1"/>
+            </a:effectRef>
+            <a:fontRef idx="minor">
+              <a:schemeClr val="tx1"/>
+            </a:fontRef>
+          </p:style>
+        </p:cxnSp>
+        <p:cxnSp>
+          <p:nvCxnSpPr>
+            <p:cNvPr id="15" name="Straight Connector 14">
+              <a:extLst>
+                <a:ext uri="{FF2B5EF4-FFF2-40B4-BE49-F238E27FC236}">
+                  <a16:creationId xmlns:a16="http://schemas.microsoft.com/office/drawing/2014/main" id="{DF43DB23-4254-4D41-A1F7-F83B454E5D2C}"/>
+                </a:ext>
+              </a:extLst>
+            </p:cNvPr>
+            <p:cNvCxnSpPr>
+              <a:cxnSpLocks/>
+              <a:endCxn id="16" idx="7"/>
+            </p:cNvCxnSpPr>
+            <p:nvPr/>
+          </p:nvCxnSpPr>
+          <p:spPr>
+            <a:xfrm flipH="1">
+              <a:off x="4268071" y="1075055"/>
+              <a:ext cx="161876" cy="197661"/>
+            </a:xfrm>
+            <a:prstGeom prst="line">
+              <a:avLst/>
+            </a:prstGeom>
+            <a:ln w="76200" cap="rnd">
+              <a:solidFill>
+                <a:schemeClr val="tx1">
+                  <a:lumMod val="85000"/>
+                  <a:lumOff val="15000"/>
+                </a:schemeClr>
+              </a:solidFill>
+            </a:ln>
+          </p:spPr>
+          <p:style>
+            <a:lnRef idx="1">
+              <a:schemeClr val="accent1"/>
+            </a:lnRef>
+            <a:fillRef idx="0">
+              <a:schemeClr val="accent1"/>
+            </a:fillRef>
+            <a:effectRef idx="0">
+              <a:schemeClr val="accent1"/>
+            </a:effectRef>
+            <a:fontRef idx="minor">
+              <a:schemeClr val="tx1"/>
+            </a:fontRef>
+          </p:style>
+        </p:cxnSp>
+      </p:grpSp>
+      <p:sp>
+        <p:nvSpPr>
+          <p:cNvPr id="16" name="Oval 15">
+            <a:extLst>
+              <a:ext uri="{FF2B5EF4-FFF2-40B4-BE49-F238E27FC236}">
+                <a16:creationId xmlns:a16="http://schemas.microsoft.com/office/drawing/2014/main" id="{AD668049-5B35-44D3-AA59-C6020CA42045}"/>
+              </a:ext>
+            </a:extLst>
+          </p:cNvPr>
+          <p:cNvSpPr/>
+          <p:nvPr/>
+        </p:nvSpPr>
+        <p:spPr>
+          <a:xfrm>
+            <a:off x="4142087" y="1251181"/>
+            <a:ext cx="147600" cy="147048"/>
+          </a:xfrm>
+          <a:prstGeom prst="ellipse">
+            <a:avLst/>
+          </a:prstGeom>
+          <a:solidFill>
+            <a:srgbClr val="FFC000"/>
+          </a:solidFill>
+          <a:ln w="76200">
+            <a:solidFill>
+              <a:schemeClr val="tx1">
+                <a:lumMod val="85000"/>
+                <a:lumOff val="15000"/>
+              </a:schemeClr>
+            </a:solidFill>
+          </a:ln>
+        </p:spPr>
+        <p:style>
+          <a:lnRef idx="2">
+            <a:schemeClr val="accent1">
+              <a:shade val="50000"/>
+            </a:schemeClr>
+          </a:lnRef>
+          <a:fillRef idx="1">
+            <a:schemeClr val="accent1"/>
+          </a:fillRef>
+          <a:effectRef idx="0">
+            <a:schemeClr val="accent1"/>
+          </a:effectRef>
+          <a:fontRef idx="minor">
+            <a:schemeClr val="lt1"/>
+          </a:fontRef>
+        </p:style>
+        <p:txBody>
+          <a:bodyPr rtlCol="0" anchor="ctr"/>
+          <a:lstStyle/>
+          <a:p>
+            <a:pPr algn="ctr"/>
+            <a:endParaRPr lang="fr-BE" dirty="0"/>
+          </a:p>
+        </p:txBody>
+      </p:sp>
+      <p:sp>
+        <p:nvSpPr>
+          <p:cNvPr id="17" name="Oval 16">
+            <a:extLst>
+              <a:ext uri="{FF2B5EF4-FFF2-40B4-BE49-F238E27FC236}">
+                <a16:creationId xmlns:a16="http://schemas.microsoft.com/office/drawing/2014/main" id="{6D8238C1-D2FE-4D95-AF56-9A2D73B45A61}"/>
+              </a:ext>
+            </a:extLst>
+          </p:cNvPr>
+          <p:cNvSpPr/>
+          <p:nvPr/>
+        </p:nvSpPr>
+        <p:spPr>
+          <a:xfrm rot="10800000">
+            <a:off x="3981495" y="1576886"/>
+            <a:ext cx="147600" cy="147048"/>
+          </a:xfrm>
+          <a:prstGeom prst="ellipse">
+            <a:avLst/>
+          </a:prstGeom>
+          <a:solidFill>
+            <a:srgbClr val="FFC000"/>
+          </a:solidFill>
+          <a:ln w="76200">
+            <a:solidFill>
+              <a:schemeClr val="tx1">
+                <a:lumMod val="85000"/>
+                <a:lumOff val="15000"/>
+              </a:schemeClr>
+            </a:solidFill>
+          </a:ln>
+        </p:spPr>
+        <p:style>
+          <a:lnRef idx="2">
+            <a:schemeClr val="accent1">
+              <a:shade val="50000"/>
+            </a:schemeClr>
+          </a:lnRef>
+          <a:fillRef idx="1">
+            <a:schemeClr val="accent1"/>
+          </a:fillRef>
+          <a:effectRef idx="0">
+            <a:schemeClr val="accent1"/>
+          </a:effectRef>
+          <a:fontRef idx="minor">
+            <a:schemeClr val="lt1"/>
+          </a:fontRef>
+        </p:style>
+        <p:txBody>
+          <a:bodyPr rtlCol="0" anchor="ctr"/>
+          <a:lstStyle/>
+          <a:p>
+            <a:pPr algn="ctr"/>
+            <a:endParaRPr lang="fr-BE"/>
+          </a:p>
+        </p:txBody>
+      </p:sp>
+      <p:grpSp>
+        <p:nvGrpSpPr>
+          <p:cNvPr id="18" name="Group 17">
+            <a:extLst>
+              <a:ext uri="{FF2B5EF4-FFF2-40B4-BE49-F238E27FC236}">
+                <a16:creationId xmlns:a16="http://schemas.microsoft.com/office/drawing/2014/main" id="{364AE526-D694-403C-829B-1ECD372D97FE}"/>
+              </a:ext>
+            </a:extLst>
+          </p:cNvPr>
+          <p:cNvGrpSpPr/>
+          <p:nvPr/>
+        </p:nvGrpSpPr>
+        <p:grpSpPr>
+          <a:xfrm>
+            <a:off x="3494087" y="1512707"/>
+            <a:ext cx="460682" cy="143545"/>
+            <a:chOff x="3494087" y="1512707"/>
+            <a:chExt cx="460682" cy="143545"/>
+          </a:xfrm>
+        </p:grpSpPr>
+        <p:cxnSp>
+          <p:nvCxnSpPr>
+            <p:cNvPr id="19" name="Straight Connector 18">
+              <a:extLst>
+                <a:ext uri="{FF2B5EF4-FFF2-40B4-BE49-F238E27FC236}">
+                  <a16:creationId xmlns:a16="http://schemas.microsoft.com/office/drawing/2014/main" id="{D0145415-FE2F-469D-B5DA-9AED528C79AB}"/>
+                </a:ext>
+              </a:extLst>
+            </p:cNvPr>
+            <p:cNvCxnSpPr>
+              <a:cxnSpLocks/>
+            </p:cNvCxnSpPr>
+            <p:nvPr/>
+          </p:nvCxnSpPr>
+          <p:spPr>
+            <a:xfrm rot="10800000" flipH="1">
+              <a:off x="3494087" y="1512707"/>
+              <a:ext cx="320422" cy="0"/>
+            </a:xfrm>
+            <a:prstGeom prst="line">
+              <a:avLst/>
+            </a:prstGeom>
+            <a:ln w="76200" cap="rnd">
+              <a:solidFill>
+                <a:schemeClr val="tx1">
+                  <a:lumMod val="85000"/>
+                  <a:lumOff val="15000"/>
+                </a:schemeClr>
+              </a:solidFill>
+            </a:ln>
+          </p:spPr>
+          <p:style>
+            <a:lnRef idx="1">
+              <a:schemeClr val="accent1"/>
+            </a:lnRef>
+            <a:fillRef idx="0">
+              <a:schemeClr val="accent1"/>
+            </a:fillRef>
+            <a:effectRef idx="0">
+              <a:schemeClr val="accent1"/>
+            </a:effectRef>
+            <a:fontRef idx="minor">
+              <a:schemeClr val="tx1"/>
+            </a:fontRef>
+          </p:style>
+        </p:cxnSp>
+        <p:cxnSp>
+          <p:nvCxnSpPr>
+            <p:cNvPr id="20" name="Straight Connector 19">
+              <a:extLst>
+                <a:ext uri="{FF2B5EF4-FFF2-40B4-BE49-F238E27FC236}">
+                  <a16:creationId xmlns:a16="http://schemas.microsoft.com/office/drawing/2014/main" id="{54169E86-CBF0-45D2-A9CC-310EE9CA3C09}"/>
+                </a:ext>
+              </a:extLst>
+            </p:cNvPr>
+            <p:cNvCxnSpPr>
+              <a:cxnSpLocks/>
+            </p:cNvCxnSpPr>
+            <p:nvPr/>
+          </p:nvCxnSpPr>
+          <p:spPr>
+            <a:xfrm>
+              <a:off x="3814509" y="1512708"/>
+              <a:ext cx="0" cy="143544"/>
+            </a:xfrm>
+            <a:prstGeom prst="line">
+              <a:avLst/>
+            </a:prstGeom>
+            <a:ln w="76200" cap="rnd">
+              <a:solidFill>
+                <a:schemeClr val="tx1">
+                  <a:lumMod val="85000"/>
+                  <a:lumOff val="15000"/>
+                </a:schemeClr>
+              </a:solidFill>
+            </a:ln>
+          </p:spPr>
+          <p:style>
+            <a:lnRef idx="1">
+              <a:schemeClr val="accent1"/>
+            </a:lnRef>
+            <a:fillRef idx="0">
+              <a:schemeClr val="accent1"/>
+            </a:fillRef>
+            <a:effectRef idx="0">
+              <a:schemeClr val="accent1"/>
+            </a:effectRef>
+            <a:fontRef idx="minor">
+              <a:schemeClr val="tx1"/>
+            </a:fontRef>
+          </p:style>
+        </p:cxnSp>
+        <p:cxnSp>
+          <p:nvCxnSpPr>
+            <p:cNvPr id="21" name="Straight Connector 20">
+              <a:extLst>
+                <a:ext uri="{FF2B5EF4-FFF2-40B4-BE49-F238E27FC236}">
+                  <a16:creationId xmlns:a16="http://schemas.microsoft.com/office/drawing/2014/main" id="{2754972A-7B14-4266-BC85-EE633AB65AF0}"/>
+                </a:ext>
+              </a:extLst>
+            </p:cNvPr>
+            <p:cNvCxnSpPr>
+              <a:cxnSpLocks/>
+            </p:cNvCxnSpPr>
+            <p:nvPr/>
+          </p:nvCxnSpPr>
+          <p:spPr>
+            <a:xfrm>
+              <a:off x="3814509" y="1656252"/>
+              <a:ext cx="140260" cy="0"/>
+            </a:xfrm>
+            <a:prstGeom prst="line">
+              <a:avLst/>
+            </a:prstGeom>
+            <a:ln w="76200" cap="rnd">
+              <a:solidFill>
+                <a:schemeClr val="tx1">
+                  <a:lumMod val="85000"/>
+                  <a:lumOff val="15000"/>
+                </a:schemeClr>
+              </a:solidFill>
+            </a:ln>
+          </p:spPr>
+          <p:style>
+            <a:lnRef idx="1">
+              <a:schemeClr val="accent1"/>
+            </a:lnRef>
+            <a:fillRef idx="0">
+              <a:schemeClr val="accent1"/>
+            </a:fillRef>
+            <a:effectRef idx="0">
+              <a:schemeClr val="accent1"/>
+            </a:effectRef>
+            <a:fontRef idx="minor">
+              <a:schemeClr val="tx1"/>
+            </a:fontRef>
+          </p:style>
+        </p:cxnSp>
+      </p:grpSp>
+      <p:sp>
+        <p:nvSpPr>
+          <p:cNvPr id="22" name="Oval 21">
+            <a:extLst>
+              <a:ext uri="{FF2B5EF4-FFF2-40B4-BE49-F238E27FC236}">
+                <a16:creationId xmlns:a16="http://schemas.microsoft.com/office/drawing/2014/main" id="{EE36FAAF-80C6-4BBB-B132-B335DCAD4F0B}"/>
+              </a:ext>
+            </a:extLst>
+          </p:cNvPr>
+          <p:cNvSpPr/>
+          <p:nvPr/>
+        </p:nvSpPr>
+        <p:spPr>
+          <a:xfrm>
+            <a:off x="3678094" y="1264374"/>
+            <a:ext cx="83376" cy="86450"/>
+          </a:xfrm>
+          <a:prstGeom prst="ellipse">
+            <a:avLst/>
+          </a:prstGeom>
+          <a:solidFill>
+            <a:schemeClr val="tx1">
+              <a:lumMod val="85000"/>
+              <a:lumOff val="15000"/>
+            </a:schemeClr>
+          </a:solidFill>
+          <a:ln>
+            <a:noFill/>
+          </a:ln>
+        </p:spPr>
+        <p:style>
+          <a:lnRef idx="2">
+            <a:schemeClr val="accent1">
+              <a:shade val="50000"/>
+            </a:schemeClr>
+          </a:lnRef>
+          <a:fillRef idx="1">
+            <a:schemeClr val="accent1"/>
+          </a:fillRef>
+          <a:effectRef idx="0">
+            <a:schemeClr val="accent1"/>
+          </a:effectRef>
+          <a:fontRef idx="minor">
+            <a:schemeClr val="lt1"/>
+          </a:fontRef>
+        </p:style>
+        <p:txBody>
+          <a:bodyPr rtlCol="0" anchor="ctr"/>
+          <a:lstStyle/>
+          <a:p>
+            <a:pPr algn="ctr"/>
+            <a:endParaRPr lang="fr-BE"/>
+          </a:p>
+        </p:txBody>
+      </p:sp>
+      <p:sp>
+        <p:nvSpPr>
+          <p:cNvPr id="23" name="Oval 22">
+            <a:extLst>
+              <a:ext uri="{FF2B5EF4-FFF2-40B4-BE49-F238E27FC236}">
+                <a16:creationId xmlns:a16="http://schemas.microsoft.com/office/drawing/2014/main" id="{889BAC1A-C017-4D1B-87A7-A14842C262AF}"/>
+              </a:ext>
+            </a:extLst>
+          </p:cNvPr>
+          <p:cNvSpPr/>
+          <p:nvPr/>
+        </p:nvSpPr>
+        <p:spPr>
+          <a:xfrm>
+            <a:off x="3731133" y="1843819"/>
+            <a:ext cx="83376" cy="86450"/>
+          </a:xfrm>
+          <a:prstGeom prst="ellipse">
+            <a:avLst/>
+          </a:prstGeom>
+          <a:solidFill>
+            <a:schemeClr val="tx1">
+              <a:lumMod val="85000"/>
+              <a:lumOff val="15000"/>
+            </a:schemeClr>
+          </a:solidFill>
+          <a:ln>
+            <a:noFill/>
+          </a:ln>
+        </p:spPr>
+        <p:style>
+          <a:lnRef idx="2">
+            <a:schemeClr val="accent1">
+              <a:shade val="50000"/>
+            </a:schemeClr>
+          </a:lnRef>
+          <a:fillRef idx="1">
+            <a:schemeClr val="accent1"/>
+          </a:fillRef>
+          <a:effectRef idx="0">
+            <a:schemeClr val="accent1"/>
+          </a:effectRef>
+          <a:fontRef idx="minor">
+            <a:schemeClr val="lt1"/>
+          </a:fontRef>
+        </p:style>
+        <p:txBody>
+          <a:bodyPr rtlCol="0" anchor="ctr"/>
+          <a:lstStyle/>
+          <a:p>
+            <a:pPr algn="ctr"/>
+            <a:endParaRPr lang="fr-BE"/>
+          </a:p>
+        </p:txBody>
+      </p:sp>
+      <p:sp>
+        <p:nvSpPr>
+          <p:cNvPr id="24" name="Oval 23">
+            <a:extLst>
+              <a:ext uri="{FF2B5EF4-FFF2-40B4-BE49-F238E27FC236}">
+                <a16:creationId xmlns:a16="http://schemas.microsoft.com/office/drawing/2014/main" id="{40E9C53F-EF0D-41DC-8C51-679FC1C073D7}"/>
+              </a:ext>
+            </a:extLst>
+          </p:cNvPr>
+          <p:cNvSpPr/>
+          <p:nvPr/>
+        </p:nvSpPr>
+        <p:spPr>
+          <a:xfrm>
+            <a:off x="4183358" y="978397"/>
+            <a:ext cx="83376" cy="86450"/>
+          </a:xfrm>
+          <a:prstGeom prst="ellipse">
+            <a:avLst/>
+          </a:prstGeom>
+          <a:solidFill>
+            <a:schemeClr val="tx1">
+              <a:lumMod val="85000"/>
+              <a:lumOff val="15000"/>
+            </a:schemeClr>
+          </a:solidFill>
+          <a:ln>
+            <a:noFill/>
+          </a:ln>
+        </p:spPr>
+        <p:style>
+          <a:lnRef idx="2">
+            <a:schemeClr val="accent1">
+              <a:shade val="50000"/>
+            </a:schemeClr>
+          </a:lnRef>
+          <a:fillRef idx="1">
+            <a:schemeClr val="accent1"/>
+          </a:fillRef>
+          <a:effectRef idx="0">
+            <a:schemeClr val="accent1"/>
+          </a:effectRef>
+          <a:fontRef idx="minor">
+            <a:schemeClr val="lt1"/>
+          </a:fontRef>
+        </p:style>
+        <p:txBody>
+          <a:bodyPr rtlCol="0" anchor="ctr"/>
+          <a:lstStyle/>
+          <a:p>
+            <a:pPr algn="ctr"/>
+            <a:endParaRPr lang="fr-BE"/>
+          </a:p>
+        </p:txBody>
+      </p:sp>
+      <p:sp>
+        <p:nvSpPr>
+          <p:cNvPr id="25" name="Oval 24">
+            <a:extLst>
+              <a:ext uri="{FF2B5EF4-FFF2-40B4-BE49-F238E27FC236}">
+                <a16:creationId xmlns:a16="http://schemas.microsoft.com/office/drawing/2014/main" id="{67029981-437E-411B-9693-06CB91DE2A7F}"/>
+              </a:ext>
+            </a:extLst>
+          </p:cNvPr>
+          <p:cNvSpPr/>
+          <p:nvPr/>
+        </p:nvSpPr>
+        <p:spPr>
+          <a:xfrm>
+            <a:off x="4496270" y="1299962"/>
+            <a:ext cx="83376" cy="86450"/>
+          </a:xfrm>
+          <a:prstGeom prst="ellipse">
+            <a:avLst/>
+          </a:prstGeom>
+          <a:solidFill>
+            <a:schemeClr val="tx1">
+              <a:lumMod val="85000"/>
+              <a:lumOff val="15000"/>
+            </a:schemeClr>
+          </a:solidFill>
+          <a:ln>
+            <a:noFill/>
+          </a:ln>
+        </p:spPr>
+        <p:style>
+          <a:lnRef idx="2">
+            <a:schemeClr val="accent1">
+              <a:shade val="50000"/>
+            </a:schemeClr>
+          </a:lnRef>
+          <a:fillRef idx="1">
+            <a:schemeClr val="accent1"/>
+          </a:fillRef>
+          <a:effectRef idx="0">
+            <a:schemeClr val="accent1"/>
+          </a:effectRef>
+          <a:fontRef idx="minor">
+            <a:schemeClr val="lt1"/>
+          </a:fontRef>
+        </p:style>
+        <p:txBody>
+          <a:bodyPr rtlCol="0" anchor="ctr"/>
+          <a:lstStyle/>
+          <a:p>
+            <a:pPr algn="ctr"/>
+            <a:endParaRPr lang="fr-BE"/>
+          </a:p>
+        </p:txBody>
+      </p:sp>
+      <p:grpSp>
+        <p:nvGrpSpPr>
+          <p:cNvPr id="26" name="Group 25">
+            <a:extLst>
+              <a:ext uri="{FF2B5EF4-FFF2-40B4-BE49-F238E27FC236}">
+                <a16:creationId xmlns:a16="http://schemas.microsoft.com/office/drawing/2014/main" id="{A5782E35-FEFA-489A-91F2-9FA340A6CD9B}"/>
+              </a:ext>
+            </a:extLst>
+          </p:cNvPr>
+          <p:cNvGrpSpPr/>
+          <p:nvPr/>
+        </p:nvGrpSpPr>
+        <p:grpSpPr>
+          <a:xfrm>
+            <a:off x="3041677" y="360406"/>
+            <a:ext cx="2121384" cy="2119132"/>
+            <a:chOff x="4322454" y="2326306"/>
+            <a:chExt cx="2121384" cy="2119132"/>
+          </a:xfrm>
+          <a:solidFill>
+            <a:srgbClr val="FF3737"/>
+          </a:solidFill>
+        </p:grpSpPr>
+        <p:grpSp>
+          <p:nvGrpSpPr>
+            <p:cNvPr id="27" name="Group 26">
+              <a:extLst>
+                <a:ext uri="{FF2B5EF4-FFF2-40B4-BE49-F238E27FC236}">
+                  <a16:creationId xmlns:a16="http://schemas.microsoft.com/office/drawing/2014/main" id="{C514F663-3000-4A47-B4C5-2BA88985A869}"/>
+                </a:ext>
+              </a:extLst>
+            </p:cNvPr>
+            <p:cNvGrpSpPr/>
+            <p:nvPr/>
+          </p:nvGrpSpPr>
+          <p:grpSpPr>
+            <a:xfrm>
+              <a:off x="4871096" y="2326306"/>
+              <a:ext cx="1080000" cy="156845"/>
+              <a:chOff x="4860000" y="2304000"/>
+              <a:chExt cx="1080000" cy="156845"/>
+            </a:xfrm>
+            <a:grpFill/>
+          </p:grpSpPr>
+          <p:cxnSp>
+            <p:nvCxnSpPr>
+              <p:cNvPr id="53" name="Straight Connector 52">
+                <a:extLst>
+                  <a:ext uri="{FF2B5EF4-FFF2-40B4-BE49-F238E27FC236}">
+                    <a16:creationId xmlns:a16="http://schemas.microsoft.com/office/drawing/2014/main" id="{D7679284-FA51-4C0D-BCF0-488643578FEA}"/>
+                  </a:ext>
+                </a:extLst>
+              </p:cNvPr>
+              <p:cNvCxnSpPr/>
+              <p:nvPr/>
+            </p:nvCxnSpPr>
+            <p:spPr>
+              <a:xfrm flipV="1">
+                <a:off x="4860000" y="2304000"/>
+                <a:ext cx="0" cy="156845"/>
+              </a:xfrm>
+              <a:prstGeom prst="line">
+                <a:avLst/>
+              </a:prstGeom>
+              <a:grpFill/>
+              <a:ln w="76200" cap="rnd">
+                <a:solidFill>
+                  <a:schemeClr val="tx1">
+                    <a:lumMod val="85000"/>
+                    <a:lumOff val="15000"/>
+                  </a:schemeClr>
+                </a:solidFill>
+              </a:ln>
+            </p:spPr>
+            <p:style>
+              <a:lnRef idx="1">
+                <a:schemeClr val="accent1"/>
+              </a:lnRef>
+              <a:fillRef idx="0">
+                <a:schemeClr val="accent1"/>
+              </a:fillRef>
+              <a:effectRef idx="0">
+                <a:schemeClr val="accent1"/>
+              </a:effectRef>
+              <a:fontRef idx="minor">
+                <a:schemeClr val="tx1"/>
+              </a:fontRef>
+            </p:style>
+          </p:cxnSp>
+          <p:cxnSp>
+            <p:nvCxnSpPr>
+              <p:cNvPr id="54" name="Straight Connector 53">
+                <a:extLst>
+                  <a:ext uri="{FF2B5EF4-FFF2-40B4-BE49-F238E27FC236}">
+                    <a16:creationId xmlns:a16="http://schemas.microsoft.com/office/drawing/2014/main" id="{3C9DEDBC-03E9-4B3A-976C-E9286F06B9B4}"/>
+                  </a:ext>
+                </a:extLst>
+              </p:cNvPr>
+              <p:cNvCxnSpPr/>
+              <p:nvPr/>
+            </p:nvCxnSpPr>
+            <p:spPr>
+              <a:xfrm flipV="1">
+                <a:off x="5040000" y="2304000"/>
+                <a:ext cx="0" cy="156845"/>
+              </a:xfrm>
+              <a:prstGeom prst="line">
+                <a:avLst/>
+              </a:prstGeom>
+              <a:grpFill/>
+              <a:ln w="76200" cap="rnd">
+                <a:solidFill>
+                  <a:schemeClr val="tx1">
+                    <a:lumMod val="85000"/>
+                    <a:lumOff val="15000"/>
+                  </a:schemeClr>
+                </a:solidFill>
+              </a:ln>
+            </p:spPr>
+            <p:style>
+              <a:lnRef idx="1">
+                <a:schemeClr val="accent1"/>
+              </a:lnRef>
+              <a:fillRef idx="0">
+                <a:schemeClr val="accent1"/>
+              </a:fillRef>
+              <a:effectRef idx="0">
+                <a:schemeClr val="accent1"/>
+              </a:effectRef>
+              <a:fontRef idx="minor">
+                <a:schemeClr val="tx1"/>
+              </a:fontRef>
+            </p:style>
+          </p:cxnSp>
+          <p:cxnSp>
+            <p:nvCxnSpPr>
+              <p:cNvPr id="55" name="Straight Connector 54">
+                <a:extLst>
+                  <a:ext uri="{FF2B5EF4-FFF2-40B4-BE49-F238E27FC236}">
+                    <a16:creationId xmlns:a16="http://schemas.microsoft.com/office/drawing/2014/main" id="{0A2A9C0A-B0CC-4EAE-A6E2-F9479EC2F93B}"/>
+                  </a:ext>
+                </a:extLst>
+              </p:cNvPr>
+              <p:cNvCxnSpPr/>
+              <p:nvPr/>
+            </p:nvCxnSpPr>
+            <p:spPr>
+              <a:xfrm flipV="1">
+                <a:off x="5220000" y="2304000"/>
+                <a:ext cx="0" cy="156845"/>
+              </a:xfrm>
+              <a:prstGeom prst="line">
+                <a:avLst/>
+              </a:prstGeom>
+              <a:grpFill/>
+              <a:ln w="76200" cap="rnd">
+                <a:solidFill>
+                  <a:schemeClr val="tx1">
+                    <a:lumMod val="85000"/>
+                    <a:lumOff val="15000"/>
+                  </a:schemeClr>
+                </a:solidFill>
+              </a:ln>
+            </p:spPr>
+            <p:style>
+              <a:lnRef idx="1">
+                <a:schemeClr val="accent1"/>
+              </a:lnRef>
+              <a:fillRef idx="0">
+                <a:schemeClr val="accent1"/>
+              </a:fillRef>
+              <a:effectRef idx="0">
+                <a:schemeClr val="accent1"/>
+              </a:effectRef>
+              <a:fontRef idx="minor">
+                <a:schemeClr val="tx1"/>
+              </a:fontRef>
+            </p:style>
+          </p:cxnSp>
+          <p:cxnSp>
+            <p:nvCxnSpPr>
+              <p:cNvPr id="56" name="Straight Connector 55">
+                <a:extLst>
+                  <a:ext uri="{FF2B5EF4-FFF2-40B4-BE49-F238E27FC236}">
+                    <a16:creationId xmlns:a16="http://schemas.microsoft.com/office/drawing/2014/main" id="{5767DBFB-2B7B-4B46-980A-B4DB71954BE2}"/>
+                  </a:ext>
+                </a:extLst>
+              </p:cNvPr>
+              <p:cNvCxnSpPr/>
+              <p:nvPr/>
+            </p:nvCxnSpPr>
+            <p:spPr>
+              <a:xfrm flipV="1">
+                <a:off x="5400000" y="2304000"/>
+                <a:ext cx="0" cy="156845"/>
+              </a:xfrm>
+              <a:prstGeom prst="line">
+                <a:avLst/>
+              </a:prstGeom>
+              <a:grpFill/>
+              <a:ln w="76200" cap="rnd">
+                <a:solidFill>
+                  <a:schemeClr val="tx1">
+                    <a:lumMod val="85000"/>
+                    <a:lumOff val="15000"/>
+                  </a:schemeClr>
+                </a:solidFill>
+              </a:ln>
+            </p:spPr>
+            <p:style>
+              <a:lnRef idx="1">
+                <a:schemeClr val="accent1"/>
+              </a:lnRef>
+              <a:fillRef idx="0">
+                <a:schemeClr val="accent1"/>
+              </a:fillRef>
+              <a:effectRef idx="0">
+                <a:schemeClr val="accent1"/>
+              </a:effectRef>
+              <a:fontRef idx="minor">
+                <a:schemeClr val="tx1"/>
+              </a:fontRef>
+            </p:style>
+          </p:cxnSp>
+          <p:cxnSp>
+            <p:nvCxnSpPr>
+              <p:cNvPr id="57" name="Straight Connector 56">
+                <a:extLst>
+                  <a:ext uri="{FF2B5EF4-FFF2-40B4-BE49-F238E27FC236}">
+                    <a16:creationId xmlns:a16="http://schemas.microsoft.com/office/drawing/2014/main" id="{92FA3A1A-66F9-420F-AE9D-9FABA8C3B121}"/>
+                  </a:ext>
+                </a:extLst>
+              </p:cNvPr>
+              <p:cNvCxnSpPr/>
+              <p:nvPr/>
+            </p:nvCxnSpPr>
+            <p:spPr>
+              <a:xfrm flipV="1">
+                <a:off x="5580000" y="2304000"/>
+                <a:ext cx="0" cy="156845"/>
+              </a:xfrm>
+              <a:prstGeom prst="line">
+                <a:avLst/>
+              </a:prstGeom>
+              <a:grpFill/>
+              <a:ln w="76200" cap="rnd">
+                <a:solidFill>
+                  <a:schemeClr val="tx1">
+                    <a:lumMod val="85000"/>
+                    <a:lumOff val="15000"/>
+                  </a:schemeClr>
+                </a:solidFill>
+              </a:ln>
+            </p:spPr>
+            <p:style>
+              <a:lnRef idx="1">
+                <a:schemeClr val="accent1"/>
+              </a:lnRef>
+              <a:fillRef idx="0">
+                <a:schemeClr val="accent1"/>
+              </a:fillRef>
+              <a:effectRef idx="0">
+                <a:schemeClr val="accent1"/>
+              </a:effectRef>
+              <a:fontRef idx="minor">
+                <a:schemeClr val="tx1"/>
+              </a:fontRef>
+            </p:style>
+          </p:cxnSp>
+          <p:cxnSp>
+            <p:nvCxnSpPr>
+              <p:cNvPr id="58" name="Straight Connector 57">
+                <a:extLst>
+                  <a:ext uri="{FF2B5EF4-FFF2-40B4-BE49-F238E27FC236}">
+                    <a16:creationId xmlns:a16="http://schemas.microsoft.com/office/drawing/2014/main" id="{7BBA0141-EA68-4B45-9E1C-3CCEF6B17AD9}"/>
+                  </a:ext>
+                </a:extLst>
+              </p:cNvPr>
+              <p:cNvCxnSpPr/>
+              <p:nvPr/>
+            </p:nvCxnSpPr>
+            <p:spPr>
+              <a:xfrm flipV="1">
+                <a:off x="5760000" y="2304000"/>
+                <a:ext cx="0" cy="156845"/>
+              </a:xfrm>
+              <a:prstGeom prst="line">
+                <a:avLst/>
+              </a:prstGeom>
+              <a:grpFill/>
+              <a:ln w="76200" cap="rnd">
+                <a:solidFill>
+                  <a:schemeClr val="tx1">
+                    <a:lumMod val="85000"/>
+                    <a:lumOff val="15000"/>
+                  </a:schemeClr>
+                </a:solidFill>
+              </a:ln>
+            </p:spPr>
+            <p:style>
+              <a:lnRef idx="1">
+                <a:schemeClr val="accent1"/>
+              </a:lnRef>
+              <a:fillRef idx="0">
+                <a:schemeClr val="accent1"/>
+              </a:fillRef>
+              <a:effectRef idx="0">
+                <a:schemeClr val="accent1"/>
+              </a:effectRef>
+              <a:fontRef idx="minor">
+                <a:schemeClr val="tx1"/>
+              </a:fontRef>
+            </p:style>
+          </p:cxnSp>
+          <p:cxnSp>
+            <p:nvCxnSpPr>
+              <p:cNvPr id="59" name="Straight Connector 58">
+                <a:extLst>
+                  <a:ext uri="{FF2B5EF4-FFF2-40B4-BE49-F238E27FC236}">
+                    <a16:creationId xmlns:a16="http://schemas.microsoft.com/office/drawing/2014/main" id="{B5960733-3360-472E-9105-D74950B0CFB8}"/>
+                  </a:ext>
+                </a:extLst>
+              </p:cNvPr>
+              <p:cNvCxnSpPr/>
+              <p:nvPr/>
+            </p:nvCxnSpPr>
+            <p:spPr>
+              <a:xfrm flipV="1">
+                <a:off x="5940000" y="2304000"/>
+                <a:ext cx="0" cy="156845"/>
+              </a:xfrm>
+              <a:prstGeom prst="line">
+                <a:avLst/>
+              </a:prstGeom>
+              <a:grpFill/>
+              <a:ln w="76200" cap="rnd">
+                <a:solidFill>
+                  <a:schemeClr val="tx1">
+                    <a:lumMod val="85000"/>
+                    <a:lumOff val="15000"/>
+                  </a:schemeClr>
+                </a:solidFill>
+              </a:ln>
+            </p:spPr>
+            <p:style>
+              <a:lnRef idx="1">
+                <a:schemeClr val="accent1"/>
+              </a:lnRef>
+              <a:fillRef idx="0">
+                <a:schemeClr val="accent1"/>
+              </a:fillRef>
+              <a:effectRef idx="0">
+                <a:schemeClr val="accent1"/>
+              </a:effectRef>
+              <a:fontRef idx="minor">
+                <a:schemeClr val="tx1"/>
+              </a:fontRef>
+            </p:style>
+          </p:cxnSp>
+        </p:grpSp>
+        <p:grpSp>
+          <p:nvGrpSpPr>
+            <p:cNvPr id="28" name="Group 27">
+              <a:extLst>
+                <a:ext uri="{FF2B5EF4-FFF2-40B4-BE49-F238E27FC236}">
+                  <a16:creationId xmlns:a16="http://schemas.microsoft.com/office/drawing/2014/main" id="{E9091837-1AD3-449B-8655-81A6FF5F7067}"/>
+                </a:ext>
+              </a:extLst>
+            </p:cNvPr>
+            <p:cNvGrpSpPr/>
+            <p:nvPr/>
+          </p:nvGrpSpPr>
+          <p:grpSpPr>
+            <a:xfrm rot="5400000">
+              <a:off x="5825416" y="3285860"/>
+              <a:ext cx="1080000" cy="156845"/>
+              <a:chOff x="4860000" y="2304000"/>
+              <a:chExt cx="1080000" cy="156845"/>
+            </a:xfrm>
+            <a:grpFill/>
+          </p:grpSpPr>
+          <p:cxnSp>
+            <p:nvCxnSpPr>
+              <p:cNvPr id="46" name="Straight Connector 45">
+                <a:extLst>
+                  <a:ext uri="{FF2B5EF4-FFF2-40B4-BE49-F238E27FC236}">
+                    <a16:creationId xmlns:a16="http://schemas.microsoft.com/office/drawing/2014/main" id="{21E70EBE-04E3-4C68-ABE3-C8C4191B50A5}"/>
+                  </a:ext>
+                </a:extLst>
+              </p:cNvPr>
+              <p:cNvCxnSpPr/>
+              <p:nvPr/>
+            </p:nvCxnSpPr>
+            <p:spPr>
+              <a:xfrm flipV="1">
+                <a:off x="4860000" y="2304000"/>
+                <a:ext cx="0" cy="156845"/>
+              </a:xfrm>
+              <a:prstGeom prst="line">
+                <a:avLst/>
+              </a:prstGeom>
+              <a:grpFill/>
+              <a:ln w="76200" cap="rnd">
+                <a:solidFill>
+                  <a:schemeClr val="tx1">
+                    <a:lumMod val="85000"/>
+                    <a:lumOff val="15000"/>
+                  </a:schemeClr>
+                </a:solidFill>
+              </a:ln>
+            </p:spPr>
+            <p:style>
+              <a:lnRef idx="1">
+                <a:schemeClr val="accent1"/>
+              </a:lnRef>
+              <a:fillRef idx="0">
+                <a:schemeClr val="accent1"/>
+              </a:fillRef>
+              <a:effectRef idx="0">
+                <a:schemeClr val="accent1"/>
+              </a:effectRef>
+              <a:fontRef idx="minor">
+                <a:schemeClr val="tx1"/>
+              </a:fontRef>
+            </p:style>
+          </p:cxnSp>
+          <p:cxnSp>
+            <p:nvCxnSpPr>
+              <p:cNvPr id="47" name="Straight Connector 46">
+                <a:extLst>
+                  <a:ext uri="{FF2B5EF4-FFF2-40B4-BE49-F238E27FC236}">
+                    <a16:creationId xmlns:a16="http://schemas.microsoft.com/office/drawing/2014/main" id="{FDD13173-74AD-4F35-8A82-B5B63A8F65D1}"/>
+                  </a:ext>
+                </a:extLst>
+              </p:cNvPr>
+              <p:cNvCxnSpPr/>
+              <p:nvPr/>
+            </p:nvCxnSpPr>
+            <p:spPr>
+              <a:xfrm flipV="1">
+                <a:off x="5040000" y="2304000"/>
+                <a:ext cx="0" cy="156845"/>
+              </a:xfrm>
+              <a:prstGeom prst="line">
+                <a:avLst/>
+              </a:prstGeom>
+              <a:grpFill/>
+              <a:ln w="76200" cap="rnd">
+                <a:solidFill>
+                  <a:schemeClr val="tx1">
+                    <a:lumMod val="85000"/>
+                    <a:lumOff val="15000"/>
+                  </a:schemeClr>
+                </a:solidFill>
+              </a:ln>
+            </p:spPr>
+            <p:style>
+              <a:lnRef idx="1">
+                <a:schemeClr val="accent1"/>
+              </a:lnRef>
+              <a:fillRef idx="0">
+                <a:schemeClr val="accent1"/>
+              </a:fillRef>
+              <a:effectRef idx="0">
+                <a:schemeClr val="accent1"/>
+              </a:effectRef>
+              <a:fontRef idx="minor">
+                <a:schemeClr val="tx1"/>
+              </a:fontRef>
+            </p:style>
+          </p:cxnSp>
+          <p:cxnSp>
+            <p:nvCxnSpPr>
+              <p:cNvPr id="48" name="Straight Connector 47">
+                <a:extLst>
+                  <a:ext uri="{FF2B5EF4-FFF2-40B4-BE49-F238E27FC236}">
+                    <a16:creationId xmlns:a16="http://schemas.microsoft.com/office/drawing/2014/main" id="{81E3633E-5848-482D-A8C9-2161B0EC4D48}"/>
+                  </a:ext>
+                </a:extLst>
+              </p:cNvPr>
+              <p:cNvCxnSpPr/>
+              <p:nvPr/>
+            </p:nvCxnSpPr>
+            <p:spPr>
+              <a:xfrm flipV="1">
+                <a:off x="5220000" y="2304000"/>
+                <a:ext cx="0" cy="156845"/>
+              </a:xfrm>
+              <a:prstGeom prst="line">
+                <a:avLst/>
+              </a:prstGeom>
+              <a:grpFill/>
+              <a:ln w="76200" cap="rnd">
+                <a:solidFill>
+                  <a:schemeClr val="tx1">
+                    <a:lumMod val="85000"/>
+                    <a:lumOff val="15000"/>
+                  </a:schemeClr>
+                </a:solidFill>
+              </a:ln>
+            </p:spPr>
+            <p:style>
+              <a:lnRef idx="1">
+                <a:schemeClr val="accent1"/>
+              </a:lnRef>
+              <a:fillRef idx="0">
+                <a:schemeClr val="accent1"/>
+              </a:fillRef>
+              <a:effectRef idx="0">
+                <a:schemeClr val="accent1"/>
+              </a:effectRef>
+              <a:fontRef idx="minor">
+                <a:schemeClr val="tx1"/>
+              </a:fontRef>
+            </p:style>
+          </p:cxnSp>
+          <p:cxnSp>
+            <p:nvCxnSpPr>
+              <p:cNvPr id="49" name="Straight Connector 48">
+                <a:extLst>
+                  <a:ext uri="{FF2B5EF4-FFF2-40B4-BE49-F238E27FC236}">
+                    <a16:creationId xmlns:a16="http://schemas.microsoft.com/office/drawing/2014/main" id="{385357D7-6D12-4928-9926-540DDCCDB93C}"/>
+                  </a:ext>
+                </a:extLst>
+              </p:cNvPr>
+              <p:cNvCxnSpPr/>
+              <p:nvPr/>
+            </p:nvCxnSpPr>
+            <p:spPr>
+              <a:xfrm flipV="1">
+                <a:off x="5400000" y="2304000"/>
+                <a:ext cx="0" cy="156845"/>
+              </a:xfrm>
+              <a:prstGeom prst="line">
+                <a:avLst/>
+              </a:prstGeom>
+              <a:grpFill/>
+              <a:ln w="76200" cap="rnd">
+                <a:solidFill>
+                  <a:schemeClr val="tx1">
+                    <a:lumMod val="85000"/>
+                    <a:lumOff val="15000"/>
+                  </a:schemeClr>
+                </a:solidFill>
+              </a:ln>
+            </p:spPr>
+            <p:style>
+              <a:lnRef idx="1">
+                <a:schemeClr val="accent1"/>
+              </a:lnRef>
+              <a:fillRef idx="0">
+                <a:schemeClr val="accent1"/>
+              </a:fillRef>
+              <a:effectRef idx="0">
+                <a:schemeClr val="accent1"/>
+              </a:effectRef>
+              <a:fontRef idx="minor">
+                <a:schemeClr val="tx1"/>
+              </a:fontRef>
+            </p:style>
+          </p:cxnSp>
+          <p:cxnSp>
+            <p:nvCxnSpPr>
+              <p:cNvPr id="50" name="Straight Connector 49">
+                <a:extLst>
+                  <a:ext uri="{FF2B5EF4-FFF2-40B4-BE49-F238E27FC236}">
+                    <a16:creationId xmlns:a16="http://schemas.microsoft.com/office/drawing/2014/main" id="{8A07CC1D-BEFC-45A4-AD05-75C140DA53FC}"/>
+                  </a:ext>
+                </a:extLst>
+              </p:cNvPr>
+              <p:cNvCxnSpPr/>
+              <p:nvPr/>
+            </p:nvCxnSpPr>
+            <p:spPr>
+              <a:xfrm flipV="1">
+                <a:off x="5580000" y="2304000"/>
+                <a:ext cx="0" cy="156845"/>
+              </a:xfrm>
+              <a:prstGeom prst="line">
+                <a:avLst/>
+              </a:prstGeom>
+              <a:grpFill/>
+              <a:ln w="76200" cap="rnd">
+                <a:solidFill>
+                  <a:schemeClr val="tx1">
+                    <a:lumMod val="85000"/>
+                    <a:lumOff val="15000"/>
+                  </a:schemeClr>
+                </a:solidFill>
+              </a:ln>
+            </p:spPr>
+            <p:style>
+              <a:lnRef idx="1">
+                <a:schemeClr val="accent1"/>
+              </a:lnRef>
+              <a:fillRef idx="0">
+                <a:schemeClr val="accent1"/>
+              </a:fillRef>
+              <a:effectRef idx="0">
+                <a:schemeClr val="accent1"/>
+              </a:effectRef>
+              <a:fontRef idx="minor">
+                <a:schemeClr val="tx1"/>
+              </a:fontRef>
+            </p:style>
+          </p:cxnSp>
+          <p:cxnSp>
+            <p:nvCxnSpPr>
+              <p:cNvPr id="51" name="Straight Connector 50">
+                <a:extLst>
+                  <a:ext uri="{FF2B5EF4-FFF2-40B4-BE49-F238E27FC236}">
+                    <a16:creationId xmlns:a16="http://schemas.microsoft.com/office/drawing/2014/main" id="{821197E5-D522-4546-A14A-9221978C9B91}"/>
+                  </a:ext>
+                </a:extLst>
+              </p:cNvPr>
+              <p:cNvCxnSpPr/>
+              <p:nvPr/>
+            </p:nvCxnSpPr>
+            <p:spPr>
+              <a:xfrm flipV="1">
+                <a:off x="5760000" y="2304000"/>
+                <a:ext cx="0" cy="156845"/>
+              </a:xfrm>
+              <a:prstGeom prst="line">
+                <a:avLst/>
+              </a:prstGeom>
+              <a:grpFill/>
+              <a:ln w="76200" cap="rnd">
+                <a:solidFill>
+                  <a:schemeClr val="tx1">
+                    <a:lumMod val="85000"/>
+                    <a:lumOff val="15000"/>
+                  </a:schemeClr>
+                </a:solidFill>
+              </a:ln>
+            </p:spPr>
+            <p:style>
+              <a:lnRef idx="1">
+                <a:schemeClr val="accent1"/>
+              </a:lnRef>
+              <a:fillRef idx="0">
+                <a:schemeClr val="accent1"/>
+              </a:fillRef>
+              <a:effectRef idx="0">
+                <a:schemeClr val="accent1"/>
+              </a:effectRef>
+              <a:fontRef idx="minor">
+                <a:schemeClr val="tx1"/>
+              </a:fontRef>
+            </p:style>
+          </p:cxnSp>
+          <p:cxnSp>
+            <p:nvCxnSpPr>
+              <p:cNvPr id="52" name="Straight Connector 51">
+                <a:extLst>
+                  <a:ext uri="{FF2B5EF4-FFF2-40B4-BE49-F238E27FC236}">
+                    <a16:creationId xmlns:a16="http://schemas.microsoft.com/office/drawing/2014/main" id="{260BA6A9-556F-4A9D-B466-97142F687C92}"/>
+                  </a:ext>
+                </a:extLst>
+              </p:cNvPr>
+              <p:cNvCxnSpPr/>
+              <p:nvPr/>
+            </p:nvCxnSpPr>
+            <p:spPr>
+              <a:xfrm flipV="1">
+                <a:off x="5940000" y="2304000"/>
+                <a:ext cx="0" cy="156845"/>
+              </a:xfrm>
+              <a:prstGeom prst="line">
+                <a:avLst/>
+              </a:prstGeom>
+              <a:grpFill/>
+              <a:ln w="76200" cap="rnd">
+                <a:solidFill>
+                  <a:schemeClr val="tx1">
+                    <a:lumMod val="85000"/>
+                    <a:lumOff val="15000"/>
+                  </a:schemeClr>
+                </a:solidFill>
+              </a:ln>
+            </p:spPr>
+            <p:style>
+              <a:lnRef idx="1">
+                <a:schemeClr val="accent1"/>
+              </a:lnRef>
+              <a:fillRef idx="0">
+                <a:schemeClr val="accent1"/>
+              </a:fillRef>
+              <a:effectRef idx="0">
+                <a:schemeClr val="accent1"/>
+              </a:effectRef>
+              <a:fontRef idx="minor">
+                <a:schemeClr val="tx1"/>
+              </a:fontRef>
+            </p:style>
+          </p:cxnSp>
+        </p:grpSp>
+        <p:grpSp>
+          <p:nvGrpSpPr>
+            <p:cNvPr id="29" name="Group 28">
+              <a:extLst>
+                <a:ext uri="{FF2B5EF4-FFF2-40B4-BE49-F238E27FC236}">
+                  <a16:creationId xmlns:a16="http://schemas.microsoft.com/office/drawing/2014/main" id="{DB79A785-9364-4580-8CB4-6468D7D42191}"/>
+                </a:ext>
+              </a:extLst>
+            </p:cNvPr>
+            <p:cNvGrpSpPr/>
+            <p:nvPr/>
+          </p:nvGrpSpPr>
+          <p:grpSpPr>
+            <a:xfrm>
+              <a:off x="4844370" y="4288593"/>
+              <a:ext cx="1080000" cy="156845"/>
+              <a:chOff x="4860000" y="2304000"/>
+              <a:chExt cx="1080000" cy="156845"/>
+            </a:xfrm>
+            <a:grpFill/>
+          </p:grpSpPr>
+          <p:cxnSp>
+            <p:nvCxnSpPr>
+              <p:cNvPr id="39" name="Straight Connector 38">
+                <a:extLst>
+                  <a:ext uri="{FF2B5EF4-FFF2-40B4-BE49-F238E27FC236}">
+                    <a16:creationId xmlns:a16="http://schemas.microsoft.com/office/drawing/2014/main" id="{3A0865E5-0DAD-4992-BC79-CEECC84493BF}"/>
+                  </a:ext>
+                </a:extLst>
+              </p:cNvPr>
+              <p:cNvCxnSpPr/>
+              <p:nvPr/>
+            </p:nvCxnSpPr>
+            <p:spPr>
+              <a:xfrm flipV="1">
+                <a:off x="4860000" y="2304000"/>
+                <a:ext cx="0" cy="156845"/>
+              </a:xfrm>
+              <a:prstGeom prst="line">
+                <a:avLst/>
+              </a:prstGeom>
+              <a:grpFill/>
+              <a:ln w="76200" cap="rnd">
+                <a:solidFill>
+                  <a:schemeClr val="tx1">
+                    <a:lumMod val="85000"/>
+                    <a:lumOff val="15000"/>
+                  </a:schemeClr>
+                </a:solidFill>
+              </a:ln>
+            </p:spPr>
+            <p:style>
+              <a:lnRef idx="1">
+                <a:schemeClr val="accent1"/>
+              </a:lnRef>
+              <a:fillRef idx="0">
+                <a:schemeClr val="accent1"/>
+              </a:fillRef>
+              <a:effectRef idx="0">
+                <a:schemeClr val="accent1"/>
+              </a:effectRef>
+              <a:fontRef idx="minor">
+                <a:schemeClr val="tx1"/>
+              </a:fontRef>
+            </p:style>
+          </p:cxnSp>
+          <p:cxnSp>
+            <p:nvCxnSpPr>
+              <p:cNvPr id="40" name="Straight Connector 39">
+                <a:extLst>
+                  <a:ext uri="{FF2B5EF4-FFF2-40B4-BE49-F238E27FC236}">
+                    <a16:creationId xmlns:a16="http://schemas.microsoft.com/office/drawing/2014/main" id="{ACCEEDC8-2373-4F38-9CC9-B78D17D9F3D8}"/>
+                  </a:ext>
+                </a:extLst>
+              </p:cNvPr>
+              <p:cNvCxnSpPr/>
+              <p:nvPr/>
+            </p:nvCxnSpPr>
+            <p:spPr>
+              <a:xfrm flipV="1">
+                <a:off x="5040000" y="2304000"/>
+                <a:ext cx="0" cy="156845"/>
+              </a:xfrm>
+              <a:prstGeom prst="line">
+                <a:avLst/>
+              </a:prstGeom>
+              <a:grpFill/>
+              <a:ln w="76200" cap="rnd">
+                <a:solidFill>
+                  <a:schemeClr val="tx1">
+                    <a:lumMod val="85000"/>
+                    <a:lumOff val="15000"/>
+                  </a:schemeClr>
+                </a:solidFill>
+              </a:ln>
+            </p:spPr>
+            <p:style>
+              <a:lnRef idx="1">
+                <a:schemeClr val="accent1"/>
+              </a:lnRef>
+              <a:fillRef idx="0">
+                <a:schemeClr val="accent1"/>
+              </a:fillRef>
+              <a:effectRef idx="0">
+                <a:schemeClr val="accent1"/>
+              </a:effectRef>
+              <a:fontRef idx="minor">
+                <a:schemeClr val="tx1"/>
+              </a:fontRef>
+            </p:style>
+          </p:cxnSp>
+          <p:cxnSp>
+            <p:nvCxnSpPr>
+              <p:cNvPr id="41" name="Straight Connector 40">
+                <a:extLst>
+                  <a:ext uri="{FF2B5EF4-FFF2-40B4-BE49-F238E27FC236}">
+                    <a16:creationId xmlns:a16="http://schemas.microsoft.com/office/drawing/2014/main" id="{22733B78-44B8-46A7-A8AD-387947D7187C}"/>
+                  </a:ext>
+                </a:extLst>
+              </p:cNvPr>
+              <p:cNvCxnSpPr/>
+              <p:nvPr/>
+            </p:nvCxnSpPr>
+            <p:spPr>
+              <a:xfrm flipV="1">
+                <a:off x="5220000" y="2304000"/>
+                <a:ext cx="0" cy="156845"/>
+              </a:xfrm>
+              <a:prstGeom prst="line">
+                <a:avLst/>
+              </a:prstGeom>
+              <a:grpFill/>
+              <a:ln w="76200" cap="rnd">
+                <a:solidFill>
+                  <a:schemeClr val="tx1">
+                    <a:lumMod val="85000"/>
+                    <a:lumOff val="15000"/>
+                  </a:schemeClr>
+                </a:solidFill>
+              </a:ln>
+            </p:spPr>
+            <p:style>
+              <a:lnRef idx="1">
+                <a:schemeClr val="accent1"/>
+              </a:lnRef>
+              <a:fillRef idx="0">
+                <a:schemeClr val="accent1"/>
+              </a:fillRef>
+              <a:effectRef idx="0">
+                <a:schemeClr val="accent1"/>
+              </a:effectRef>
+              <a:fontRef idx="minor">
+                <a:schemeClr val="tx1"/>
+              </a:fontRef>
+            </p:style>
+          </p:cxnSp>
+          <p:cxnSp>
+            <p:nvCxnSpPr>
+              <p:cNvPr id="42" name="Straight Connector 41">
+                <a:extLst>
+                  <a:ext uri="{FF2B5EF4-FFF2-40B4-BE49-F238E27FC236}">
+                    <a16:creationId xmlns:a16="http://schemas.microsoft.com/office/drawing/2014/main" id="{EBA9BA75-29EB-4334-A85B-0CE6B74D9527}"/>
+                  </a:ext>
+                </a:extLst>
+              </p:cNvPr>
+              <p:cNvCxnSpPr/>
+              <p:nvPr/>
+            </p:nvCxnSpPr>
+            <p:spPr>
+              <a:xfrm flipV="1">
+                <a:off x="5400000" y="2304000"/>
+                <a:ext cx="0" cy="156845"/>
+              </a:xfrm>
+              <a:prstGeom prst="line">
+                <a:avLst/>
+              </a:prstGeom>
+              <a:grpFill/>
+              <a:ln w="76200" cap="rnd">
+                <a:solidFill>
+                  <a:schemeClr val="tx1">
+                    <a:lumMod val="85000"/>
+                    <a:lumOff val="15000"/>
+                  </a:schemeClr>
+                </a:solidFill>
+              </a:ln>
+            </p:spPr>
+            <p:style>
+              <a:lnRef idx="1">
+                <a:schemeClr val="accent1"/>
+              </a:lnRef>
+              <a:fillRef idx="0">
+                <a:schemeClr val="accent1"/>
+              </a:fillRef>
+              <a:effectRef idx="0">
+                <a:schemeClr val="accent1"/>
+              </a:effectRef>
+              <a:fontRef idx="minor">
+                <a:schemeClr val="tx1"/>
+              </a:fontRef>
+            </p:style>
+          </p:cxnSp>
+          <p:cxnSp>
+            <p:nvCxnSpPr>
+              <p:cNvPr id="43" name="Straight Connector 42">
+                <a:extLst>
+                  <a:ext uri="{FF2B5EF4-FFF2-40B4-BE49-F238E27FC236}">
+                    <a16:creationId xmlns:a16="http://schemas.microsoft.com/office/drawing/2014/main" id="{45761160-02D9-4376-9106-87DE1B13C109}"/>
+                  </a:ext>
+                </a:extLst>
+              </p:cNvPr>
+              <p:cNvCxnSpPr/>
+              <p:nvPr/>
+            </p:nvCxnSpPr>
+            <p:spPr>
+              <a:xfrm flipV="1">
+                <a:off x="5580000" y="2304000"/>
+                <a:ext cx="0" cy="156845"/>
+              </a:xfrm>
+              <a:prstGeom prst="line">
+                <a:avLst/>
+              </a:prstGeom>
+              <a:grpFill/>
+              <a:ln w="76200" cap="rnd">
+                <a:solidFill>
+                  <a:schemeClr val="tx1">
+                    <a:lumMod val="85000"/>
+                    <a:lumOff val="15000"/>
+                  </a:schemeClr>
+                </a:solidFill>
+              </a:ln>
+            </p:spPr>
+            <p:style>
+              <a:lnRef idx="1">
+                <a:schemeClr val="accent1"/>
+              </a:lnRef>
+              <a:fillRef idx="0">
+                <a:schemeClr val="accent1"/>
+              </a:fillRef>
+              <a:effectRef idx="0">
+                <a:schemeClr val="accent1"/>
+              </a:effectRef>
+              <a:fontRef idx="minor">
+                <a:schemeClr val="tx1"/>
+              </a:fontRef>
+            </p:style>
+          </p:cxnSp>
+          <p:cxnSp>
+            <p:nvCxnSpPr>
+              <p:cNvPr id="44" name="Straight Connector 43">
+                <a:extLst>
+                  <a:ext uri="{FF2B5EF4-FFF2-40B4-BE49-F238E27FC236}">
+                    <a16:creationId xmlns:a16="http://schemas.microsoft.com/office/drawing/2014/main" id="{250E3EDC-E4C7-4D8E-B6A6-B9691DA52E34}"/>
+                  </a:ext>
+                </a:extLst>
+              </p:cNvPr>
+              <p:cNvCxnSpPr/>
+              <p:nvPr/>
+            </p:nvCxnSpPr>
+            <p:spPr>
+              <a:xfrm flipV="1">
+                <a:off x="5760000" y="2304000"/>
+                <a:ext cx="0" cy="156845"/>
+              </a:xfrm>
+              <a:prstGeom prst="line">
+                <a:avLst/>
+              </a:prstGeom>
+              <a:grpFill/>
+              <a:ln w="76200" cap="rnd">
+                <a:solidFill>
+                  <a:schemeClr val="tx1">
+                    <a:lumMod val="85000"/>
+                    <a:lumOff val="15000"/>
+                  </a:schemeClr>
+                </a:solidFill>
+              </a:ln>
+            </p:spPr>
+            <p:style>
+              <a:lnRef idx="1">
+                <a:schemeClr val="accent1"/>
+              </a:lnRef>
+              <a:fillRef idx="0">
+                <a:schemeClr val="accent1"/>
+              </a:fillRef>
+              <a:effectRef idx="0">
+                <a:schemeClr val="accent1"/>
+              </a:effectRef>
+              <a:fontRef idx="minor">
+                <a:schemeClr val="tx1"/>
+              </a:fontRef>
+            </p:style>
+          </p:cxnSp>
+          <p:cxnSp>
+            <p:nvCxnSpPr>
+              <p:cNvPr id="45" name="Straight Connector 44">
+                <a:extLst>
+                  <a:ext uri="{FF2B5EF4-FFF2-40B4-BE49-F238E27FC236}">
+                    <a16:creationId xmlns:a16="http://schemas.microsoft.com/office/drawing/2014/main" id="{58B48913-96EE-44EF-9C43-1DE450B790B6}"/>
+                  </a:ext>
+                </a:extLst>
+              </p:cNvPr>
+              <p:cNvCxnSpPr/>
+              <p:nvPr/>
+            </p:nvCxnSpPr>
+            <p:spPr>
+              <a:xfrm flipV="1">
+                <a:off x="5940000" y="2304000"/>
+                <a:ext cx="0" cy="156845"/>
+              </a:xfrm>
+              <a:prstGeom prst="line">
+                <a:avLst/>
+              </a:prstGeom>
+              <a:grpFill/>
+              <a:ln w="76200" cap="rnd">
+                <a:solidFill>
+                  <a:schemeClr val="tx1">
+                    <a:lumMod val="85000"/>
+                    <a:lumOff val="15000"/>
+                  </a:schemeClr>
+                </a:solidFill>
+              </a:ln>
+            </p:spPr>
+            <p:style>
+              <a:lnRef idx="1">
+                <a:schemeClr val="accent1"/>
+              </a:lnRef>
+              <a:fillRef idx="0">
+                <a:schemeClr val="accent1"/>
+              </a:fillRef>
+              <a:effectRef idx="0">
+                <a:schemeClr val="accent1"/>
+              </a:effectRef>
+              <a:fontRef idx="minor">
+                <a:schemeClr val="tx1"/>
+              </a:fontRef>
+            </p:style>
+          </p:cxnSp>
+        </p:grpSp>
+        <p:grpSp>
+          <p:nvGrpSpPr>
+            <p:cNvPr id="30" name="Group 29">
+              <a:extLst>
+                <a:ext uri="{FF2B5EF4-FFF2-40B4-BE49-F238E27FC236}">
+                  <a16:creationId xmlns:a16="http://schemas.microsoft.com/office/drawing/2014/main" id="{716E8738-5B6E-4DDD-A2F3-FF229A5855B4}"/>
+                </a:ext>
+              </a:extLst>
+            </p:cNvPr>
+            <p:cNvGrpSpPr/>
+            <p:nvPr/>
+          </p:nvGrpSpPr>
+          <p:grpSpPr>
+            <a:xfrm rot="5400000">
+              <a:off x="3860877" y="3307603"/>
+              <a:ext cx="1080000" cy="156845"/>
+              <a:chOff x="4860000" y="2304000"/>
+              <a:chExt cx="1080000" cy="156845"/>
+            </a:xfrm>
+            <a:grpFill/>
+          </p:grpSpPr>
+          <p:cxnSp>
+            <p:nvCxnSpPr>
+              <p:cNvPr id="32" name="Straight Connector 31">
+                <a:extLst>
+                  <a:ext uri="{FF2B5EF4-FFF2-40B4-BE49-F238E27FC236}">
+                    <a16:creationId xmlns:a16="http://schemas.microsoft.com/office/drawing/2014/main" id="{A4B174D6-4CFA-4D84-BC4F-7EE13F77759C}"/>
+                  </a:ext>
+                </a:extLst>
+              </p:cNvPr>
+              <p:cNvCxnSpPr/>
+              <p:nvPr/>
+            </p:nvCxnSpPr>
+            <p:spPr>
+              <a:xfrm flipV="1">
+                <a:off x="4860000" y="2304000"/>
+                <a:ext cx="0" cy="156845"/>
+              </a:xfrm>
+              <a:prstGeom prst="line">
+                <a:avLst/>
+              </a:prstGeom>
+              <a:grpFill/>
+              <a:ln w="76200" cap="rnd">
+                <a:solidFill>
+                  <a:schemeClr val="tx1">
+                    <a:lumMod val="85000"/>
+                    <a:lumOff val="15000"/>
+                  </a:schemeClr>
+                </a:solidFill>
+              </a:ln>
+            </p:spPr>
+            <p:style>
+              <a:lnRef idx="1">
+                <a:schemeClr val="accent1"/>
+              </a:lnRef>
+              <a:fillRef idx="0">
+                <a:schemeClr val="accent1"/>
+              </a:fillRef>
+              <a:effectRef idx="0">
+                <a:schemeClr val="accent1"/>
+              </a:effectRef>
+              <a:fontRef idx="minor">
+                <a:schemeClr val="tx1"/>
+              </a:fontRef>
+            </p:style>
+          </p:cxnSp>
+          <p:cxnSp>
+            <p:nvCxnSpPr>
+              <p:cNvPr id="33" name="Straight Connector 32">
+                <a:extLst>
+                  <a:ext uri="{FF2B5EF4-FFF2-40B4-BE49-F238E27FC236}">
+                    <a16:creationId xmlns:a16="http://schemas.microsoft.com/office/drawing/2014/main" id="{2CF833FF-6A2D-4709-9ECC-245264E98545}"/>
+                  </a:ext>
+                </a:extLst>
+              </p:cNvPr>
+              <p:cNvCxnSpPr/>
+              <p:nvPr/>
+            </p:nvCxnSpPr>
+            <p:spPr>
+              <a:xfrm flipV="1">
+                <a:off x="5040000" y="2304000"/>
+                <a:ext cx="0" cy="156845"/>
+              </a:xfrm>
+              <a:prstGeom prst="line">
+                <a:avLst/>
+              </a:prstGeom>
+              <a:grpFill/>
+              <a:ln w="76200" cap="rnd">
+                <a:solidFill>
+                  <a:schemeClr val="tx1">
+                    <a:lumMod val="85000"/>
+                    <a:lumOff val="15000"/>
+                  </a:schemeClr>
+                </a:solidFill>
+              </a:ln>
+            </p:spPr>
+            <p:style>
+              <a:lnRef idx="1">
+                <a:schemeClr val="accent1"/>
+              </a:lnRef>
+              <a:fillRef idx="0">
+                <a:schemeClr val="accent1"/>
+              </a:fillRef>
+              <a:effectRef idx="0">
+                <a:schemeClr val="accent1"/>
+              </a:effectRef>
+              <a:fontRef idx="minor">
+                <a:schemeClr val="tx1"/>
+              </a:fontRef>
+            </p:style>
+          </p:cxnSp>
+          <p:cxnSp>
+            <p:nvCxnSpPr>
+              <p:cNvPr id="34" name="Straight Connector 33">
+                <a:extLst>
+                  <a:ext uri="{FF2B5EF4-FFF2-40B4-BE49-F238E27FC236}">
+                    <a16:creationId xmlns:a16="http://schemas.microsoft.com/office/drawing/2014/main" id="{72105E26-3BF9-4A1A-A4D0-21BBC2BA88F1}"/>
+                  </a:ext>
+                </a:extLst>
+              </p:cNvPr>
+              <p:cNvCxnSpPr/>
+              <p:nvPr/>
+            </p:nvCxnSpPr>
+            <p:spPr>
+              <a:xfrm flipV="1">
+                <a:off x="5220000" y="2304000"/>
+                <a:ext cx="0" cy="156845"/>
+              </a:xfrm>
+              <a:prstGeom prst="line">
+                <a:avLst/>
+              </a:prstGeom>
+              <a:grpFill/>
+              <a:ln w="76200" cap="rnd">
+                <a:solidFill>
+                  <a:schemeClr val="tx1">
+                    <a:lumMod val="85000"/>
+                    <a:lumOff val="15000"/>
+                  </a:schemeClr>
+                </a:solidFill>
+              </a:ln>
+            </p:spPr>
+            <p:style>
+              <a:lnRef idx="1">
+                <a:schemeClr val="accent1"/>
+              </a:lnRef>
+              <a:fillRef idx="0">
+                <a:schemeClr val="accent1"/>
+              </a:fillRef>
+              <a:effectRef idx="0">
+                <a:schemeClr val="accent1"/>
+              </a:effectRef>
+              <a:fontRef idx="minor">
+                <a:schemeClr val="tx1"/>
+              </a:fontRef>
+            </p:style>
+          </p:cxnSp>
+          <p:cxnSp>
+            <p:nvCxnSpPr>
+              <p:cNvPr id="35" name="Straight Connector 34">
+                <a:extLst>
+                  <a:ext uri="{FF2B5EF4-FFF2-40B4-BE49-F238E27FC236}">
+                    <a16:creationId xmlns:a16="http://schemas.microsoft.com/office/drawing/2014/main" id="{6F9C1A2D-DC2A-4919-81FF-1325EB5B9541}"/>
+                  </a:ext>
+                </a:extLst>
+              </p:cNvPr>
+              <p:cNvCxnSpPr/>
+              <p:nvPr/>
+            </p:nvCxnSpPr>
+            <p:spPr>
+              <a:xfrm flipV="1">
+                <a:off x="5400000" y="2304000"/>
+                <a:ext cx="0" cy="156845"/>
+              </a:xfrm>
+              <a:prstGeom prst="line">
+                <a:avLst/>
+              </a:prstGeom>
+              <a:grpFill/>
+              <a:ln w="76200" cap="rnd">
+                <a:solidFill>
+                  <a:schemeClr val="tx1">
+                    <a:lumMod val="85000"/>
+                    <a:lumOff val="15000"/>
+                  </a:schemeClr>
+                </a:solidFill>
+              </a:ln>
+            </p:spPr>
+            <p:style>
+              <a:lnRef idx="1">
+                <a:schemeClr val="accent1"/>
+              </a:lnRef>
+              <a:fillRef idx="0">
+                <a:schemeClr val="accent1"/>
+              </a:fillRef>
+              <a:effectRef idx="0">
+                <a:schemeClr val="accent1"/>
+              </a:effectRef>
+              <a:fontRef idx="minor">
+                <a:schemeClr val="tx1"/>
+              </a:fontRef>
+            </p:style>
+          </p:cxnSp>
+          <p:cxnSp>
+            <p:nvCxnSpPr>
+              <p:cNvPr id="36" name="Straight Connector 35">
+                <a:extLst>
+                  <a:ext uri="{FF2B5EF4-FFF2-40B4-BE49-F238E27FC236}">
+                    <a16:creationId xmlns:a16="http://schemas.microsoft.com/office/drawing/2014/main" id="{46785188-CCB0-4A80-8DD9-3CFF05467AED}"/>
+                  </a:ext>
+                </a:extLst>
+              </p:cNvPr>
+              <p:cNvCxnSpPr/>
+              <p:nvPr/>
+            </p:nvCxnSpPr>
+            <p:spPr>
+              <a:xfrm flipV="1">
+                <a:off x="5580000" y="2304000"/>
+                <a:ext cx="0" cy="156845"/>
+              </a:xfrm>
+              <a:prstGeom prst="line">
+                <a:avLst/>
+              </a:prstGeom>
+              <a:grpFill/>
+              <a:ln w="76200" cap="rnd">
+                <a:solidFill>
+                  <a:schemeClr val="tx1">
+                    <a:lumMod val="85000"/>
+                    <a:lumOff val="15000"/>
+                  </a:schemeClr>
+                </a:solidFill>
+              </a:ln>
+            </p:spPr>
+            <p:style>
+              <a:lnRef idx="1">
+                <a:schemeClr val="accent1"/>
+              </a:lnRef>
+              <a:fillRef idx="0">
+                <a:schemeClr val="accent1"/>
+              </a:fillRef>
+              <a:effectRef idx="0">
+                <a:schemeClr val="accent1"/>
+              </a:effectRef>
+              <a:fontRef idx="minor">
+                <a:schemeClr val="tx1"/>
+              </a:fontRef>
+            </p:style>
+          </p:cxnSp>
+          <p:cxnSp>
+            <p:nvCxnSpPr>
+              <p:cNvPr id="37" name="Straight Connector 36">
+                <a:extLst>
+                  <a:ext uri="{FF2B5EF4-FFF2-40B4-BE49-F238E27FC236}">
+                    <a16:creationId xmlns:a16="http://schemas.microsoft.com/office/drawing/2014/main" id="{E8BB4EBF-F813-4A9E-8BB3-13065B7435BE}"/>
+                  </a:ext>
+                </a:extLst>
+              </p:cNvPr>
+              <p:cNvCxnSpPr/>
+              <p:nvPr/>
+            </p:nvCxnSpPr>
+            <p:spPr>
+              <a:xfrm flipV="1">
+                <a:off x="5760000" y="2304000"/>
+                <a:ext cx="0" cy="156845"/>
+              </a:xfrm>
+              <a:prstGeom prst="line">
+                <a:avLst/>
+              </a:prstGeom>
+              <a:grpFill/>
+              <a:ln w="76200" cap="rnd">
+                <a:solidFill>
+                  <a:schemeClr val="tx1">
+                    <a:lumMod val="85000"/>
+                    <a:lumOff val="15000"/>
+                  </a:schemeClr>
+                </a:solidFill>
+              </a:ln>
+            </p:spPr>
+            <p:style>
+              <a:lnRef idx="1">
+                <a:schemeClr val="accent1"/>
+              </a:lnRef>
+              <a:fillRef idx="0">
+                <a:schemeClr val="accent1"/>
+              </a:fillRef>
+              <a:effectRef idx="0">
+                <a:schemeClr val="accent1"/>
+              </a:effectRef>
+              <a:fontRef idx="minor">
+                <a:schemeClr val="tx1"/>
+              </a:fontRef>
+            </p:style>
+          </p:cxnSp>
+          <p:cxnSp>
+            <p:nvCxnSpPr>
+              <p:cNvPr id="38" name="Straight Connector 37">
+                <a:extLst>
+                  <a:ext uri="{FF2B5EF4-FFF2-40B4-BE49-F238E27FC236}">
+                    <a16:creationId xmlns:a16="http://schemas.microsoft.com/office/drawing/2014/main" id="{25019E87-DEBA-4787-849C-AD9CC75AAC26}"/>
+                  </a:ext>
+                </a:extLst>
+              </p:cNvPr>
+              <p:cNvCxnSpPr/>
+              <p:nvPr/>
+            </p:nvCxnSpPr>
+            <p:spPr>
+              <a:xfrm flipV="1">
+                <a:off x="5940000" y="2304000"/>
+                <a:ext cx="0" cy="156845"/>
+              </a:xfrm>
+              <a:prstGeom prst="line">
+                <a:avLst/>
+              </a:prstGeom>
+              <a:grpFill/>
+              <a:ln w="76200" cap="rnd">
+                <a:solidFill>
+                  <a:schemeClr val="tx1">
+                    <a:lumMod val="85000"/>
+                    <a:lumOff val="15000"/>
+                  </a:schemeClr>
+                </a:solidFill>
+              </a:ln>
+            </p:spPr>
+            <p:style>
+              <a:lnRef idx="1">
+                <a:schemeClr val="accent1"/>
+              </a:lnRef>
+              <a:fillRef idx="0">
+                <a:schemeClr val="accent1"/>
+              </a:fillRef>
+              <a:effectRef idx="0">
+                <a:schemeClr val="accent1"/>
+              </a:effectRef>
+              <a:fontRef idx="minor">
+                <a:schemeClr val="tx1"/>
+              </a:fontRef>
+            </p:style>
+          </p:cxnSp>
+        </p:grpSp>
+        <p:sp>
+          <p:nvSpPr>
+            <p:cNvPr id="31" name="Freeform: Shape 30">
+              <a:extLst>
+                <a:ext uri="{FF2B5EF4-FFF2-40B4-BE49-F238E27FC236}">
+                  <a16:creationId xmlns:a16="http://schemas.microsoft.com/office/drawing/2014/main" id="{B29D5B3E-5196-4F5D-ACAB-240D6621CEDD}"/>
+                </a:ext>
+              </a:extLst>
+            </p:cNvPr>
+            <p:cNvSpPr/>
+            <p:nvPr/>
+          </p:nvSpPr>
+          <p:spPr>
+            <a:xfrm>
+              <a:off x="4484370" y="2486025"/>
+              <a:ext cx="1800000" cy="1800000"/>
+            </a:xfrm>
+            <a:custGeom>
+              <a:avLst/>
+              <a:gdLst>
+                <a:gd name="connsiteX0" fmla="*/ 300006 w 1800000"/>
+                <a:gd name="connsiteY0" fmla="*/ 0 h 1800000"/>
+                <a:gd name="connsiteX1" fmla="*/ 1499994 w 1800000"/>
+                <a:gd name="connsiteY1" fmla="*/ 0 h 1800000"/>
+                <a:gd name="connsiteX2" fmla="*/ 1800000 w 1800000"/>
+                <a:gd name="connsiteY2" fmla="*/ 300006 h 1800000"/>
+                <a:gd name="connsiteX3" fmla="*/ 1800000 w 1800000"/>
+                <a:gd name="connsiteY3" fmla="*/ 1499994 h 1800000"/>
+                <a:gd name="connsiteX4" fmla="*/ 1499994 w 1800000"/>
+                <a:gd name="connsiteY4" fmla="*/ 1800000 h 1800000"/>
+                <a:gd name="connsiteX5" fmla="*/ 300006 w 1800000"/>
+                <a:gd name="connsiteY5" fmla="*/ 1800000 h 1800000"/>
+                <a:gd name="connsiteX6" fmla="*/ 0 w 1800000"/>
+                <a:gd name="connsiteY6" fmla="*/ 1499994 h 1800000"/>
+                <a:gd name="connsiteX7" fmla="*/ 0 w 1800000"/>
+                <a:gd name="connsiteY7" fmla="*/ 300006 h 1800000"/>
+                <a:gd name="connsiteX8" fmla="*/ 300006 w 1800000"/>
+                <a:gd name="connsiteY8" fmla="*/ 0 h 1800000"/>
+                <a:gd name="connsiteX9" fmla="*/ 364454 w 1800000"/>
+                <a:gd name="connsiteY9" fmla="*/ 252000 h 1800000"/>
+                <a:gd name="connsiteX10" fmla="*/ 252000 w 1800000"/>
+                <a:gd name="connsiteY10" fmla="*/ 364454 h 1800000"/>
+                <a:gd name="connsiteX11" fmla="*/ 252000 w 1800000"/>
+                <a:gd name="connsiteY11" fmla="*/ 1435546 h 1800000"/>
+                <a:gd name="connsiteX12" fmla="*/ 364454 w 1800000"/>
+                <a:gd name="connsiteY12" fmla="*/ 1548000 h 1800000"/>
+                <a:gd name="connsiteX13" fmla="*/ 1435546 w 1800000"/>
+                <a:gd name="connsiteY13" fmla="*/ 1548000 h 1800000"/>
+                <a:gd name="connsiteX14" fmla="*/ 1548000 w 1800000"/>
+                <a:gd name="connsiteY14" fmla="*/ 1435546 h 1800000"/>
+                <a:gd name="connsiteX15" fmla="*/ 1548000 w 1800000"/>
+                <a:gd name="connsiteY15" fmla="*/ 364454 h 1800000"/>
+                <a:gd name="connsiteX16" fmla="*/ 1435546 w 1800000"/>
+                <a:gd name="connsiteY16" fmla="*/ 252000 h 1800000"/>
+                <a:gd name="connsiteX17" fmla="*/ 364454 w 1800000"/>
+                <a:gd name="connsiteY17" fmla="*/ 252000 h 1800000"/>
+              </a:gdLst>
+              <a:ahLst/>
+              <a:cxnLst>
+                <a:cxn ang="0">
+                  <a:pos x="connsiteX0" y="connsiteY0"/>
+                </a:cxn>
+                <a:cxn ang="0">
+                  <a:pos x="connsiteX1" y="connsiteY1"/>
+                </a:cxn>
+                <a:cxn ang="0">
+                  <a:pos x="connsiteX2" y="connsiteY2"/>
+                </a:cxn>
+                <a:cxn ang="0">
+                  <a:pos x="connsiteX3" y="connsiteY3"/>
+                </a:cxn>
+                <a:cxn ang="0">
+                  <a:pos x="connsiteX4" y="connsiteY4"/>
+                </a:cxn>
+                <a:cxn ang="0">
+                  <a:pos x="connsiteX5" y="connsiteY5"/>
+                </a:cxn>
+                <a:cxn ang="0">
+                  <a:pos x="connsiteX6" y="connsiteY6"/>
+                </a:cxn>
+                <a:cxn ang="0">
+                  <a:pos x="connsiteX7" y="connsiteY7"/>
+                </a:cxn>
+                <a:cxn ang="0">
+                  <a:pos x="connsiteX8" y="connsiteY8"/>
+                </a:cxn>
+                <a:cxn ang="0">
+                  <a:pos x="connsiteX9" y="connsiteY9"/>
+                </a:cxn>
+                <a:cxn ang="0">
+                  <a:pos x="connsiteX10" y="connsiteY10"/>
+                </a:cxn>
+                <a:cxn ang="0">
+                  <a:pos x="connsiteX11" y="connsiteY11"/>
+                </a:cxn>
+                <a:cxn ang="0">
+                  <a:pos x="connsiteX12" y="connsiteY12"/>
+                </a:cxn>
+                <a:cxn ang="0">
+                  <a:pos x="connsiteX13" y="connsiteY13"/>
+                </a:cxn>
+                <a:cxn ang="0">
+                  <a:pos x="connsiteX14" y="connsiteY14"/>
+                </a:cxn>
+                <a:cxn ang="0">
+                  <a:pos x="connsiteX15" y="connsiteY15"/>
+                </a:cxn>
+                <a:cxn ang="0">
+                  <a:pos x="connsiteX16" y="connsiteY16"/>
+                </a:cxn>
+                <a:cxn ang="0">
+                  <a:pos x="connsiteX17" y="connsiteY17"/>
+                </a:cxn>
+              </a:cxnLst>
+              <a:rect l="l" t="t" r="r" b="b"/>
+              <a:pathLst>
+                <a:path w="1800000" h="1800000">
+                  <a:moveTo>
+                    <a:pt x="300006" y="0"/>
+                  </a:moveTo>
+                  <a:lnTo>
+                    <a:pt x="1499994" y="0"/>
+                  </a:lnTo>
+                  <a:cubicBezTo>
+                    <a:pt x="1665683" y="0"/>
+                    <a:pt x="1800000" y="134317"/>
+                    <a:pt x="1800000" y="300006"/>
+                  </a:cubicBezTo>
+                  <a:lnTo>
+                    <a:pt x="1800000" y="1499994"/>
+                  </a:lnTo>
+                  <a:cubicBezTo>
+                    <a:pt x="1800000" y="1665683"/>
+                    <a:pt x="1665683" y="1800000"/>
+                    <a:pt x="1499994" y="1800000"/>
+                  </a:cubicBezTo>
+                  <a:lnTo>
+                    <a:pt x="300006" y="1800000"/>
+                  </a:lnTo>
+                  <a:cubicBezTo>
+                    <a:pt x="134317" y="1800000"/>
+                    <a:pt x="0" y="1665683"/>
+                    <a:pt x="0" y="1499994"/>
+                  </a:cubicBezTo>
+                  <a:lnTo>
+                    <a:pt x="0" y="300006"/>
+                  </a:lnTo>
+                  <a:cubicBezTo>
+                    <a:pt x="0" y="134317"/>
+                    <a:pt x="134317" y="0"/>
+                    <a:pt x="300006" y="0"/>
+                  </a:cubicBezTo>
+                  <a:close/>
+                  <a:moveTo>
+                    <a:pt x="364454" y="252000"/>
+                  </a:moveTo>
+                  <a:cubicBezTo>
+                    <a:pt x="302347" y="252000"/>
+                    <a:pt x="252000" y="302347"/>
+                    <a:pt x="252000" y="364454"/>
+                  </a:cubicBezTo>
+                  <a:lnTo>
+                    <a:pt x="252000" y="1435546"/>
+                  </a:lnTo>
+                  <a:cubicBezTo>
+                    <a:pt x="252000" y="1497653"/>
+                    <a:pt x="302347" y="1548000"/>
+                    <a:pt x="364454" y="1548000"/>
+                  </a:cubicBezTo>
+                  <a:lnTo>
+                    <a:pt x="1435546" y="1548000"/>
+                  </a:lnTo>
+                  <a:cubicBezTo>
+                    <a:pt x="1497653" y="1548000"/>
+                    <a:pt x="1548000" y="1497653"/>
+                    <a:pt x="1548000" y="1435546"/>
+                  </a:cubicBezTo>
+                  <a:lnTo>
+                    <a:pt x="1548000" y="364454"/>
+                  </a:lnTo>
+                  <a:cubicBezTo>
+                    <a:pt x="1548000" y="302347"/>
+                    <a:pt x="1497653" y="252000"/>
+                    <a:pt x="1435546" y="252000"/>
+                  </a:cubicBezTo>
+                  <a:lnTo>
+                    <a:pt x="364454" y="252000"/>
+                  </a:lnTo>
+                  <a:close/>
+                </a:path>
+              </a:pathLst>
+            </a:custGeom>
+            <a:grpFill/>
+            <a:ln w="76200">
+              <a:solidFill>
+                <a:schemeClr val="tx1">
+                  <a:lumMod val="85000"/>
+                  <a:lumOff val="15000"/>
+                </a:schemeClr>
+              </a:solidFill>
+            </a:ln>
+            <a:scene3d>
+              <a:camera prst="orthographicFront"/>
+              <a:lightRig rig="threePt" dir="t"/>
+            </a:scene3d>
+            <a:sp3d extrusionH="44450"/>
+          </p:spPr>
+          <p:style>
+            <a:lnRef idx="2">
+              <a:schemeClr val="accent1">
+                <a:shade val="50000"/>
+              </a:schemeClr>
+            </a:lnRef>
+            <a:fillRef idx="1">
+              <a:schemeClr val="accent1"/>
+            </a:fillRef>
+            <a:effectRef idx="0">
+              <a:schemeClr val="accent1"/>
+            </a:effectRef>
+            <a:fontRef idx="minor">
+              <a:schemeClr val="lt1"/>
+            </a:fontRef>
+          </p:style>
+          <p:txBody>
+            <a:bodyPr wrap="square" rtlCol="0" anchor="ctr">
+              <a:noAutofit/>
+            </a:bodyPr>
+            <a:lstStyle/>
+            <a:p>
+              <a:pPr algn="ctr"/>
+              <a:endParaRPr lang="fr-BE"/>
+            </a:p>
+          </p:txBody>
+        </p:sp>
+      </p:grpSp>
+    </p:spTree>
+    <p:extLst>
+      <p:ext uri="{BB962C8B-B14F-4D97-AF65-F5344CB8AC3E}">
+        <p14:creationId xmlns:p14="http://schemas.microsoft.com/office/powerpoint/2010/main" val="2980530247"/>
+      </p:ext>
+    </p:extLst>
+  </p:cSld>
+  <p:clrMapOvr>
+    <a:masterClrMapping/>
+  </p:clrMapOvr>
+  <p:timing>
+    <p:tnLst>
+      <p:par>
+        <p:cTn id="1" dur="indefinite" restart="never" nodeType="tmRoot">
+          <p:childTnLst>
+            <p:seq concurrent="1" nextAc="seek">
+              <p:cTn id="2" dur="indefinite" nodeType="mainSeq">
+                <p:childTnLst>
+                  <p:par>
+                    <p:cTn id="3" fill="hold">
+                      <p:stCondLst>
+                        <p:cond delay="indefinite"/>
+                        <p:cond evt="onBegin" delay="0">
+                          <p:tn val="2"/>
+                        </p:cond>
+                      </p:stCondLst>
+                      <p:childTnLst>
+                        <p:par>
+                          <p:cTn id="4" fill="hold">
+                            <p:stCondLst>
+                              <p:cond delay="0"/>
+                            </p:stCondLst>
+                            <p:childTnLst>
+                              <p:par>
+                                <p:cTn id="5" presetID="1" presetClass="emph" presetSubtype="10" repeatCount="indefinite" accel="9000" decel="26000" fill="remove" nodeType="withEffect">
+                                  <p:stCondLst>
+                                    <p:cond delay="0"/>
+                                  </p:stCondLst>
+                                  <p:childTnLst>
+                                    <p:animClr clrSpc="hsl" dir="ccw">
+                                      <p:cBhvr>
+                                        <p:cTn id="6" dur="900" fill="hold"/>
+                                        <p:tgtEl>
+                                          <p:spTgt spid="16"/>
+                                        </p:tgtEl>
+                                        <p:attrNameLst>
+                                          <p:attrName>fillcolor</p:attrName>
+                                        </p:attrNameLst>
+                                      </p:cBhvr>
+                                      <p:to>
+                                        <a:srgbClr val="67D04E"/>
+                                      </p:to>
+                                    </p:animClr>
+                                    <p:set>
+                                      <p:cBhvr>
+                                        <p:cTn id="7" dur="900" fill="hold"/>
+                                        <p:tgtEl>
+                                          <p:spTgt spid="16"/>
+                                        </p:tgtEl>
+                                        <p:attrNameLst>
+                                          <p:attrName>fill.type</p:attrName>
+                                        </p:attrNameLst>
+                                      </p:cBhvr>
+                                      <p:to>
+                                        <p:strVal val="solid"/>
+                                      </p:to>
+                                    </p:set>
+                                    <p:set>
+                                      <p:cBhvr>
+                                        <p:cTn id="8" dur="900" fill="hold"/>
+                                        <p:tgtEl>
+                                          <p:spTgt spid="16"/>
+                                        </p:tgtEl>
+                                        <p:attrNameLst>
+                                          <p:attrName>fill.on</p:attrName>
+                                        </p:attrNameLst>
+                                      </p:cBhvr>
+                                      <p:to>
+                                        <p:strVal val="true"/>
+                                      </p:to>
+                                    </p:set>
+                                  </p:childTnLst>
+                                </p:cTn>
+                              </p:par>
+                              <p:par>
+                                <p:cTn id="9" presetID="1" presetClass="emph" presetSubtype="10" repeatCount="indefinite" accel="9000" decel="26000" fill="remove" nodeType="withEffect">
+                                  <p:stCondLst>
+                                    <p:cond delay="0"/>
+                                  </p:stCondLst>
+                                  <p:childTnLst>
+                                    <p:animClr clrSpc="hsl" dir="ccw">
+                                      <p:cBhvr>
+                                        <p:cTn id="10" dur="2200" fill="hold"/>
+                                        <p:tgtEl>
+                                          <p:spTgt spid="8"/>
+                                        </p:tgtEl>
+                                        <p:attrNameLst>
+                                          <p:attrName>fillcolor</p:attrName>
+                                        </p:attrNameLst>
+                                      </p:cBhvr>
+                                      <p:to>
+                                        <a:srgbClr val="67D04E"/>
+                                      </p:to>
+                                    </p:animClr>
+                                    <p:set>
+                                      <p:cBhvr>
+                                        <p:cTn id="11" dur="2200" fill="hold"/>
+                                        <p:tgtEl>
+                                          <p:spTgt spid="8"/>
+                                        </p:tgtEl>
+                                        <p:attrNameLst>
+                                          <p:attrName>fill.type</p:attrName>
+                                        </p:attrNameLst>
+                                      </p:cBhvr>
+                                      <p:to>
+                                        <p:strVal val="solid"/>
+                                      </p:to>
+                                    </p:set>
+                                    <p:set>
+                                      <p:cBhvr>
+                                        <p:cTn id="12" dur="2200" fill="hold"/>
+                                        <p:tgtEl>
+                                          <p:spTgt spid="8"/>
+                                        </p:tgtEl>
+                                        <p:attrNameLst>
+                                          <p:attrName>fill.on</p:attrName>
+                                        </p:attrNameLst>
+                                      </p:cBhvr>
+                                      <p:to>
+                                        <p:strVal val="true"/>
+                                      </p:to>
+                                    </p:set>
+                                  </p:childTnLst>
+                                </p:cTn>
+                              </p:par>
+                              <p:par>
+                                <p:cTn id="13" presetID="1" presetClass="emph" presetSubtype="10" repeatCount="indefinite" accel="9000" decel="26000" fill="remove" nodeType="withEffect">
+                                  <p:stCondLst>
+                                    <p:cond delay="0"/>
+                                  </p:stCondLst>
+                                  <p:childTnLst>
+                                    <p:animClr clrSpc="hsl" dir="ccw">
+                                      <p:cBhvr>
+                                        <p:cTn id="14" dur="1300" fill="hold"/>
+                                        <p:tgtEl>
+                                          <p:spTgt spid="12"/>
+                                        </p:tgtEl>
+                                        <p:attrNameLst>
+                                          <p:attrName>fillcolor</p:attrName>
+                                        </p:attrNameLst>
+                                      </p:cBhvr>
+                                      <p:to>
+                                        <a:srgbClr val="67D04E"/>
+                                      </p:to>
+                                    </p:animClr>
+                                    <p:set>
+                                      <p:cBhvr>
+                                        <p:cTn id="15" dur="1300" fill="hold"/>
+                                        <p:tgtEl>
+                                          <p:spTgt spid="12"/>
+                                        </p:tgtEl>
+                                        <p:attrNameLst>
+                                          <p:attrName>fill.type</p:attrName>
+                                        </p:attrNameLst>
+                                      </p:cBhvr>
+                                      <p:to>
+                                        <p:strVal val="solid"/>
+                                      </p:to>
+                                    </p:set>
+                                    <p:set>
+                                      <p:cBhvr>
+                                        <p:cTn id="16" dur="1300" fill="hold"/>
+                                        <p:tgtEl>
+                                          <p:spTgt spid="12"/>
+                                        </p:tgtEl>
+                                        <p:attrNameLst>
+                                          <p:attrName>fill.on</p:attrName>
+                                        </p:attrNameLst>
+                                      </p:cBhvr>
+                                      <p:to>
+                                        <p:strVal val="true"/>
+                                      </p:to>
+                                    </p:set>
+                                  </p:childTnLst>
+                                </p:cTn>
+                              </p:par>
+                              <p:par>
+                                <p:cTn id="17" presetID="1" presetClass="emph" presetSubtype="10" repeatCount="indefinite" accel="9000" decel="26000" fill="remove" nodeType="withEffect">
+                                  <p:stCondLst>
+                                    <p:cond delay="0"/>
+                                  </p:stCondLst>
+                                  <p:childTnLst>
+                                    <p:animClr clrSpc="hsl" dir="ccw">
+                                      <p:cBhvr>
+                                        <p:cTn id="18" dur="1600" fill="hold"/>
+                                        <p:tgtEl>
+                                          <p:spTgt spid="17"/>
+                                        </p:tgtEl>
+                                        <p:attrNameLst>
+                                          <p:attrName>fillcolor</p:attrName>
+                                        </p:attrNameLst>
+                                      </p:cBhvr>
+                                      <p:to>
+                                        <a:srgbClr val="67D04E"/>
+                                      </p:to>
+                                    </p:animClr>
+                                    <p:set>
+                                      <p:cBhvr>
+                                        <p:cTn id="19" dur="1600" fill="hold"/>
+                                        <p:tgtEl>
+                                          <p:spTgt spid="17"/>
+                                        </p:tgtEl>
+                                        <p:attrNameLst>
+                                          <p:attrName>fill.type</p:attrName>
+                                        </p:attrNameLst>
+                                      </p:cBhvr>
+                                      <p:to>
+                                        <p:strVal val="solid"/>
+                                      </p:to>
+                                    </p:set>
+                                    <p:set>
+                                      <p:cBhvr>
+                                        <p:cTn id="20" dur="1600" fill="hold"/>
+                                        <p:tgtEl>
+                                          <p:spTgt spid="17"/>
+                                        </p:tgtEl>
+                                        <p:attrNameLst>
+                                          <p:attrName>fill.on</p:attrName>
+                                        </p:attrNameLst>
+                                      </p:cBhvr>
+                                      <p:to>
+                                        <p:strVal val="true"/>
+                                      </p:to>
+                                    </p:set>
+                                  </p:childTnLst>
+                                </p:cTn>
+                              </p:par>
+                            </p:childTnLst>
+                          </p:cTn>
+                        </p:par>
+                      </p:childTnLst>
+                    </p:cTn>
+                  </p:par>
+                </p:childTnLst>
+              </p:cTn>
+              <p:prevCondLst>
+                <p:cond evt="onPrev" delay="0">
+                  <p:tgtEl>
+                    <p:sldTgt/>
+                  </p:tgtEl>
+                </p:cond>
+              </p:prevCondLst>
+              <p:nextCondLst>
+                <p:cond evt="onNext" delay="0">
+                  <p:tgtEl>
+                    <p:sldTgt/>
+                  </p:tgtEl>
+                </p:cond>
+              </p:nextCondLst>
+            </p:seq>
+          </p:childTnLst>
+        </p:cTn>
+      </p:par>
+    </p:tnLst>
+  </p:timing>
+</p:sld>
+</file>
+
+<file path=ppt/slides/slide2.xml><?xml version="1.0" encoding="utf-8"?>
+<p:sld xmlns:a="http://schemas.openxmlformats.org/drawingml/2006/main" xmlns:r="http://schemas.openxmlformats.org/officeDocument/2006/relationships" xmlns:p="http://schemas.openxmlformats.org/presentationml/2006/main" show="0">
   <p:cSld>
     <p:spTree>
       <p:nvGrpSpPr>
@@ -9460,7 +12455,7 @@
         </p:nvGrpSpPr>
         <p:grpSpPr>
           <a:xfrm>
-            <a:off x="9574335" y="3302740"/>
+            <a:off x="8463938" y="3320910"/>
             <a:ext cx="1077932" cy="1076788"/>
             <a:chOff x="4322454" y="2326306"/>
             <a:chExt cx="2121384" cy="2119132"/>
@@ -19023,8 +22018,8 @@
 </p:sld>
 </file>
 
-<file path=ppt/slides/slide2.xml><?xml version="1.0" encoding="utf-8"?>
-<p:sld xmlns:a="http://schemas.openxmlformats.org/drawingml/2006/main" xmlns:r="http://schemas.openxmlformats.org/officeDocument/2006/relationships" xmlns:p="http://schemas.openxmlformats.org/presentationml/2006/main">
+<file path=ppt/slides/slide3.xml><?xml version="1.0" encoding="utf-8"?>
+<p:sld xmlns:a="http://schemas.openxmlformats.org/drawingml/2006/main" xmlns:r="http://schemas.openxmlformats.org/officeDocument/2006/relationships" xmlns:p="http://schemas.openxmlformats.org/presentationml/2006/main" show="0">
   <p:cSld>
     <p:spTree>
       <p:nvGrpSpPr>
@@ -20820,8 +23815,8 @@
 </p:sld>
 </file>
 
-<file path=ppt/slides/slide3.xml><?xml version="1.0" encoding="utf-8"?>
-<p:sld xmlns:a="http://schemas.openxmlformats.org/drawingml/2006/main" xmlns:r="http://schemas.openxmlformats.org/officeDocument/2006/relationships" xmlns:p="http://schemas.openxmlformats.org/presentationml/2006/main">
+<file path=ppt/slides/slide4.xml><?xml version="1.0" encoding="utf-8"?>
+<p:sld xmlns:a="http://schemas.openxmlformats.org/drawingml/2006/main" xmlns:r="http://schemas.openxmlformats.org/officeDocument/2006/relationships" xmlns:p="http://schemas.openxmlformats.org/presentationml/2006/main" show="0">
   <p:cSld>
     <p:spTree>
       <p:nvGrpSpPr>
@@ -23591,8 +26586,8 @@
 </p:sld>
 </file>
 
-<file path=ppt/slides/slide4.xml><?xml version="1.0" encoding="utf-8"?>
-<p:sld xmlns:a="http://schemas.openxmlformats.org/drawingml/2006/main" xmlns:r="http://schemas.openxmlformats.org/officeDocument/2006/relationships" xmlns:p="http://schemas.openxmlformats.org/presentationml/2006/main">
+<file path=ppt/slides/slide5.xml><?xml version="1.0" encoding="utf-8"?>
+<p:sld xmlns:a="http://schemas.openxmlformats.org/drawingml/2006/main" xmlns:r="http://schemas.openxmlformats.org/officeDocument/2006/relationships" xmlns:p="http://schemas.openxmlformats.org/presentationml/2006/main" show="0">
   <p:cSld>
     <p:spTree>
       <p:nvGrpSpPr>
@@ -33459,8 +36454,8 @@
 </p:sld>
 </file>
 
-<file path=ppt/slides/slide5.xml><?xml version="1.0" encoding="utf-8"?>
-<p:sld xmlns:a="http://schemas.openxmlformats.org/drawingml/2006/main" xmlns:r="http://schemas.openxmlformats.org/officeDocument/2006/relationships" xmlns:p="http://schemas.openxmlformats.org/presentationml/2006/main">
+<file path=ppt/slides/slide6.xml><?xml version="1.0" encoding="utf-8"?>
+<p:sld xmlns:a="http://schemas.openxmlformats.org/drawingml/2006/main" xmlns:r="http://schemas.openxmlformats.org/officeDocument/2006/relationships" xmlns:p="http://schemas.openxmlformats.org/presentationml/2006/main" show="0">
   <p:cSld>
     <p:spTree>
       <p:nvGrpSpPr>
@@ -39335,8 +42330,8 @@
 </p:sld>
 </file>
 
-<file path=ppt/slides/slide6.xml><?xml version="1.0" encoding="utf-8"?>
-<p:sld xmlns:a="http://schemas.openxmlformats.org/drawingml/2006/main" xmlns:r="http://schemas.openxmlformats.org/officeDocument/2006/relationships" xmlns:p="http://schemas.openxmlformats.org/presentationml/2006/main">
+<file path=ppt/slides/slide7.xml><?xml version="1.0" encoding="utf-8"?>
+<p:sld xmlns:a="http://schemas.openxmlformats.org/drawingml/2006/main" xmlns:r="http://schemas.openxmlformats.org/officeDocument/2006/relationships" xmlns:p="http://schemas.openxmlformats.org/presentationml/2006/main" show="0">
   <p:cSld>
     <p:spTree>
       <p:nvGrpSpPr>
@@ -39401,6 +42396,2965 @@
   <p:clrMapOvr>
     <a:masterClrMapping/>
   </p:clrMapOvr>
+</p:sld>
+</file>
+
+<file path=ppt/slides/slide8.xml><?xml version="1.0" encoding="utf-8"?>
+<p:sld xmlns:a="http://schemas.openxmlformats.org/drawingml/2006/main" xmlns:r="http://schemas.openxmlformats.org/officeDocument/2006/relationships" xmlns:p="http://schemas.openxmlformats.org/presentationml/2006/main" show="0">
+  <p:cSld>
+    <p:spTree>
+      <p:nvGrpSpPr>
+        <p:cNvPr id="1" name=""/>
+        <p:cNvGrpSpPr/>
+        <p:nvPr/>
+      </p:nvGrpSpPr>
+      <p:grpSpPr>
+        <a:xfrm>
+          <a:off x="0" y="0"/>
+          <a:ext cx="0" cy="0"/>
+          <a:chOff x="0" y="0"/>
+          <a:chExt cx="0" cy="0"/>
+        </a:xfrm>
+      </p:grpSpPr>
+      <p:grpSp>
+        <p:nvGrpSpPr>
+          <p:cNvPr id="2" name="Group 1">
+            <a:extLst>
+              <a:ext uri="{FF2B5EF4-FFF2-40B4-BE49-F238E27FC236}">
+                <a16:creationId xmlns:a16="http://schemas.microsoft.com/office/drawing/2014/main" id="{FE503D12-17B8-4715-9F0A-E6FC62FCDC01}"/>
+              </a:ext>
+            </a:extLst>
+          </p:cNvPr>
+          <p:cNvGrpSpPr/>
+          <p:nvPr/>
+        </p:nvGrpSpPr>
+        <p:grpSpPr>
+          <a:xfrm>
+            <a:off x="5545478" y="2947530"/>
+            <a:ext cx="1077932" cy="1076788"/>
+            <a:chOff x="4322454" y="2326306"/>
+            <a:chExt cx="2121384" cy="2119132"/>
+          </a:xfrm>
+        </p:grpSpPr>
+        <p:grpSp>
+          <p:nvGrpSpPr>
+            <p:cNvPr id="3" name="Group 2">
+              <a:extLst>
+                <a:ext uri="{FF2B5EF4-FFF2-40B4-BE49-F238E27FC236}">
+                  <a16:creationId xmlns:a16="http://schemas.microsoft.com/office/drawing/2014/main" id="{BBED15AD-BB8F-4C40-BC1C-146DC4146208}"/>
+                </a:ext>
+              </a:extLst>
+            </p:cNvPr>
+            <p:cNvGrpSpPr/>
+            <p:nvPr/>
+          </p:nvGrpSpPr>
+          <p:grpSpPr>
+            <a:xfrm>
+              <a:off x="4871096" y="2326306"/>
+              <a:ext cx="1080000" cy="156845"/>
+              <a:chOff x="4860000" y="2304000"/>
+              <a:chExt cx="1080000" cy="156845"/>
+            </a:xfrm>
+          </p:grpSpPr>
+          <p:cxnSp>
+            <p:nvCxnSpPr>
+              <p:cNvPr id="29" name="Straight Connector 28">
+                <a:extLst>
+                  <a:ext uri="{FF2B5EF4-FFF2-40B4-BE49-F238E27FC236}">
+                    <a16:creationId xmlns:a16="http://schemas.microsoft.com/office/drawing/2014/main" id="{E5E262C3-74C6-4528-9212-EBCF44481DD5}"/>
+                  </a:ext>
+                </a:extLst>
+              </p:cNvPr>
+              <p:cNvCxnSpPr/>
+              <p:nvPr/>
+            </p:nvCxnSpPr>
+            <p:spPr>
+              <a:xfrm flipV="1">
+                <a:off x="4860000" y="2304000"/>
+                <a:ext cx="0" cy="156845"/>
+              </a:xfrm>
+              <a:prstGeom prst="line">
+                <a:avLst/>
+              </a:prstGeom>
+              <a:ln w="38100" cap="rnd">
+                <a:solidFill>
+                  <a:schemeClr val="tx1">
+                    <a:lumMod val="85000"/>
+                    <a:lumOff val="15000"/>
+                  </a:schemeClr>
+                </a:solidFill>
+              </a:ln>
+            </p:spPr>
+            <p:style>
+              <a:lnRef idx="1">
+                <a:schemeClr val="accent1"/>
+              </a:lnRef>
+              <a:fillRef idx="0">
+                <a:schemeClr val="accent1"/>
+              </a:fillRef>
+              <a:effectRef idx="0">
+                <a:schemeClr val="accent1"/>
+              </a:effectRef>
+              <a:fontRef idx="minor">
+                <a:schemeClr val="tx1"/>
+              </a:fontRef>
+            </p:style>
+          </p:cxnSp>
+          <p:cxnSp>
+            <p:nvCxnSpPr>
+              <p:cNvPr id="30" name="Straight Connector 29">
+                <a:extLst>
+                  <a:ext uri="{FF2B5EF4-FFF2-40B4-BE49-F238E27FC236}">
+                    <a16:creationId xmlns:a16="http://schemas.microsoft.com/office/drawing/2014/main" id="{03FFE25E-54A5-4F64-9C03-AE7539DB0897}"/>
+                  </a:ext>
+                </a:extLst>
+              </p:cNvPr>
+              <p:cNvCxnSpPr/>
+              <p:nvPr/>
+            </p:nvCxnSpPr>
+            <p:spPr>
+              <a:xfrm flipV="1">
+                <a:off x="5040000" y="2304000"/>
+                <a:ext cx="0" cy="156845"/>
+              </a:xfrm>
+              <a:prstGeom prst="line">
+                <a:avLst/>
+              </a:prstGeom>
+              <a:ln w="38100" cap="rnd">
+                <a:solidFill>
+                  <a:schemeClr val="tx1">
+                    <a:lumMod val="85000"/>
+                    <a:lumOff val="15000"/>
+                  </a:schemeClr>
+                </a:solidFill>
+              </a:ln>
+            </p:spPr>
+            <p:style>
+              <a:lnRef idx="1">
+                <a:schemeClr val="accent1"/>
+              </a:lnRef>
+              <a:fillRef idx="0">
+                <a:schemeClr val="accent1"/>
+              </a:fillRef>
+              <a:effectRef idx="0">
+                <a:schemeClr val="accent1"/>
+              </a:effectRef>
+              <a:fontRef idx="minor">
+                <a:schemeClr val="tx1"/>
+              </a:fontRef>
+            </p:style>
+          </p:cxnSp>
+          <p:cxnSp>
+            <p:nvCxnSpPr>
+              <p:cNvPr id="31" name="Straight Connector 30">
+                <a:extLst>
+                  <a:ext uri="{FF2B5EF4-FFF2-40B4-BE49-F238E27FC236}">
+                    <a16:creationId xmlns:a16="http://schemas.microsoft.com/office/drawing/2014/main" id="{E40B8E7B-833D-44F4-A5EC-88A29C7B5FD6}"/>
+                  </a:ext>
+                </a:extLst>
+              </p:cNvPr>
+              <p:cNvCxnSpPr/>
+              <p:nvPr/>
+            </p:nvCxnSpPr>
+            <p:spPr>
+              <a:xfrm flipV="1">
+                <a:off x="5220000" y="2304000"/>
+                <a:ext cx="0" cy="156845"/>
+              </a:xfrm>
+              <a:prstGeom prst="line">
+                <a:avLst/>
+              </a:prstGeom>
+              <a:ln w="38100" cap="rnd">
+                <a:solidFill>
+                  <a:schemeClr val="tx1">
+                    <a:lumMod val="85000"/>
+                    <a:lumOff val="15000"/>
+                  </a:schemeClr>
+                </a:solidFill>
+              </a:ln>
+            </p:spPr>
+            <p:style>
+              <a:lnRef idx="1">
+                <a:schemeClr val="accent1"/>
+              </a:lnRef>
+              <a:fillRef idx="0">
+                <a:schemeClr val="accent1"/>
+              </a:fillRef>
+              <a:effectRef idx="0">
+                <a:schemeClr val="accent1"/>
+              </a:effectRef>
+              <a:fontRef idx="minor">
+                <a:schemeClr val="tx1"/>
+              </a:fontRef>
+            </p:style>
+          </p:cxnSp>
+          <p:cxnSp>
+            <p:nvCxnSpPr>
+              <p:cNvPr id="32" name="Straight Connector 31">
+                <a:extLst>
+                  <a:ext uri="{FF2B5EF4-FFF2-40B4-BE49-F238E27FC236}">
+                    <a16:creationId xmlns:a16="http://schemas.microsoft.com/office/drawing/2014/main" id="{38A7F4DD-1547-4CB9-968C-89E072EDFBC7}"/>
+                  </a:ext>
+                </a:extLst>
+              </p:cNvPr>
+              <p:cNvCxnSpPr/>
+              <p:nvPr/>
+            </p:nvCxnSpPr>
+            <p:spPr>
+              <a:xfrm flipV="1">
+                <a:off x="5400000" y="2304000"/>
+                <a:ext cx="0" cy="156845"/>
+              </a:xfrm>
+              <a:prstGeom prst="line">
+                <a:avLst/>
+              </a:prstGeom>
+              <a:ln w="38100" cap="rnd">
+                <a:solidFill>
+                  <a:schemeClr val="tx1">
+                    <a:lumMod val="85000"/>
+                    <a:lumOff val="15000"/>
+                  </a:schemeClr>
+                </a:solidFill>
+              </a:ln>
+            </p:spPr>
+            <p:style>
+              <a:lnRef idx="1">
+                <a:schemeClr val="accent1"/>
+              </a:lnRef>
+              <a:fillRef idx="0">
+                <a:schemeClr val="accent1"/>
+              </a:fillRef>
+              <a:effectRef idx="0">
+                <a:schemeClr val="accent1"/>
+              </a:effectRef>
+              <a:fontRef idx="minor">
+                <a:schemeClr val="tx1"/>
+              </a:fontRef>
+            </p:style>
+          </p:cxnSp>
+          <p:cxnSp>
+            <p:nvCxnSpPr>
+              <p:cNvPr id="33" name="Straight Connector 32">
+                <a:extLst>
+                  <a:ext uri="{FF2B5EF4-FFF2-40B4-BE49-F238E27FC236}">
+                    <a16:creationId xmlns:a16="http://schemas.microsoft.com/office/drawing/2014/main" id="{96A44C35-5F39-4337-B51A-783561781196}"/>
+                  </a:ext>
+                </a:extLst>
+              </p:cNvPr>
+              <p:cNvCxnSpPr/>
+              <p:nvPr/>
+            </p:nvCxnSpPr>
+            <p:spPr>
+              <a:xfrm flipV="1">
+                <a:off x="5580000" y="2304000"/>
+                <a:ext cx="0" cy="156845"/>
+              </a:xfrm>
+              <a:prstGeom prst="line">
+                <a:avLst/>
+              </a:prstGeom>
+              <a:ln w="38100" cap="rnd">
+                <a:solidFill>
+                  <a:schemeClr val="tx1">
+                    <a:lumMod val="85000"/>
+                    <a:lumOff val="15000"/>
+                  </a:schemeClr>
+                </a:solidFill>
+              </a:ln>
+            </p:spPr>
+            <p:style>
+              <a:lnRef idx="1">
+                <a:schemeClr val="accent1"/>
+              </a:lnRef>
+              <a:fillRef idx="0">
+                <a:schemeClr val="accent1"/>
+              </a:fillRef>
+              <a:effectRef idx="0">
+                <a:schemeClr val="accent1"/>
+              </a:effectRef>
+              <a:fontRef idx="minor">
+                <a:schemeClr val="tx1"/>
+              </a:fontRef>
+            </p:style>
+          </p:cxnSp>
+          <p:cxnSp>
+            <p:nvCxnSpPr>
+              <p:cNvPr id="34" name="Straight Connector 33">
+                <a:extLst>
+                  <a:ext uri="{FF2B5EF4-FFF2-40B4-BE49-F238E27FC236}">
+                    <a16:creationId xmlns:a16="http://schemas.microsoft.com/office/drawing/2014/main" id="{A66069F7-B61E-4E14-83DF-F69E985706AC}"/>
+                  </a:ext>
+                </a:extLst>
+              </p:cNvPr>
+              <p:cNvCxnSpPr/>
+              <p:nvPr/>
+            </p:nvCxnSpPr>
+            <p:spPr>
+              <a:xfrm flipV="1">
+                <a:off x="5760000" y="2304000"/>
+                <a:ext cx="0" cy="156845"/>
+              </a:xfrm>
+              <a:prstGeom prst="line">
+                <a:avLst/>
+              </a:prstGeom>
+              <a:ln w="38100" cap="rnd">
+                <a:solidFill>
+                  <a:schemeClr val="tx1">
+                    <a:lumMod val="85000"/>
+                    <a:lumOff val="15000"/>
+                  </a:schemeClr>
+                </a:solidFill>
+              </a:ln>
+            </p:spPr>
+            <p:style>
+              <a:lnRef idx="1">
+                <a:schemeClr val="accent1"/>
+              </a:lnRef>
+              <a:fillRef idx="0">
+                <a:schemeClr val="accent1"/>
+              </a:fillRef>
+              <a:effectRef idx="0">
+                <a:schemeClr val="accent1"/>
+              </a:effectRef>
+              <a:fontRef idx="minor">
+                <a:schemeClr val="tx1"/>
+              </a:fontRef>
+            </p:style>
+          </p:cxnSp>
+          <p:cxnSp>
+            <p:nvCxnSpPr>
+              <p:cNvPr id="35" name="Straight Connector 34">
+                <a:extLst>
+                  <a:ext uri="{FF2B5EF4-FFF2-40B4-BE49-F238E27FC236}">
+                    <a16:creationId xmlns:a16="http://schemas.microsoft.com/office/drawing/2014/main" id="{9A749DAC-EF5A-440E-8222-6F8D49BA54AF}"/>
+                  </a:ext>
+                </a:extLst>
+              </p:cNvPr>
+              <p:cNvCxnSpPr/>
+              <p:nvPr/>
+            </p:nvCxnSpPr>
+            <p:spPr>
+              <a:xfrm flipV="1">
+                <a:off x="5940000" y="2304000"/>
+                <a:ext cx="0" cy="156845"/>
+              </a:xfrm>
+              <a:prstGeom prst="line">
+                <a:avLst/>
+              </a:prstGeom>
+              <a:ln w="38100" cap="rnd">
+                <a:solidFill>
+                  <a:schemeClr val="tx1">
+                    <a:lumMod val="85000"/>
+                    <a:lumOff val="15000"/>
+                  </a:schemeClr>
+                </a:solidFill>
+              </a:ln>
+            </p:spPr>
+            <p:style>
+              <a:lnRef idx="1">
+                <a:schemeClr val="accent1"/>
+              </a:lnRef>
+              <a:fillRef idx="0">
+                <a:schemeClr val="accent1"/>
+              </a:fillRef>
+              <a:effectRef idx="0">
+                <a:schemeClr val="accent1"/>
+              </a:effectRef>
+              <a:fontRef idx="minor">
+                <a:schemeClr val="tx1"/>
+              </a:fontRef>
+            </p:style>
+          </p:cxnSp>
+        </p:grpSp>
+        <p:grpSp>
+          <p:nvGrpSpPr>
+            <p:cNvPr id="4" name="Group 3">
+              <a:extLst>
+                <a:ext uri="{FF2B5EF4-FFF2-40B4-BE49-F238E27FC236}">
+                  <a16:creationId xmlns:a16="http://schemas.microsoft.com/office/drawing/2014/main" id="{5C7A9621-7E38-451B-85CA-ED302481CD95}"/>
+                </a:ext>
+              </a:extLst>
+            </p:cNvPr>
+            <p:cNvGrpSpPr/>
+            <p:nvPr/>
+          </p:nvGrpSpPr>
+          <p:grpSpPr>
+            <a:xfrm rot="5400000">
+              <a:off x="5825416" y="3285860"/>
+              <a:ext cx="1080000" cy="156845"/>
+              <a:chOff x="4860000" y="2304000"/>
+              <a:chExt cx="1080000" cy="156845"/>
+            </a:xfrm>
+          </p:grpSpPr>
+          <p:cxnSp>
+            <p:nvCxnSpPr>
+              <p:cNvPr id="22" name="Straight Connector 21">
+                <a:extLst>
+                  <a:ext uri="{FF2B5EF4-FFF2-40B4-BE49-F238E27FC236}">
+                    <a16:creationId xmlns:a16="http://schemas.microsoft.com/office/drawing/2014/main" id="{727A7E63-8244-4AA9-A682-9365EA256064}"/>
+                  </a:ext>
+                </a:extLst>
+              </p:cNvPr>
+              <p:cNvCxnSpPr/>
+              <p:nvPr/>
+            </p:nvCxnSpPr>
+            <p:spPr>
+              <a:xfrm flipV="1">
+                <a:off x="4860000" y="2304000"/>
+                <a:ext cx="0" cy="156845"/>
+              </a:xfrm>
+              <a:prstGeom prst="line">
+                <a:avLst/>
+              </a:prstGeom>
+              <a:ln w="38100" cap="rnd">
+                <a:solidFill>
+                  <a:schemeClr val="tx1">
+                    <a:lumMod val="85000"/>
+                    <a:lumOff val="15000"/>
+                  </a:schemeClr>
+                </a:solidFill>
+              </a:ln>
+            </p:spPr>
+            <p:style>
+              <a:lnRef idx="1">
+                <a:schemeClr val="accent1"/>
+              </a:lnRef>
+              <a:fillRef idx="0">
+                <a:schemeClr val="accent1"/>
+              </a:fillRef>
+              <a:effectRef idx="0">
+                <a:schemeClr val="accent1"/>
+              </a:effectRef>
+              <a:fontRef idx="minor">
+                <a:schemeClr val="tx1"/>
+              </a:fontRef>
+            </p:style>
+          </p:cxnSp>
+          <p:cxnSp>
+            <p:nvCxnSpPr>
+              <p:cNvPr id="23" name="Straight Connector 22">
+                <a:extLst>
+                  <a:ext uri="{FF2B5EF4-FFF2-40B4-BE49-F238E27FC236}">
+                    <a16:creationId xmlns:a16="http://schemas.microsoft.com/office/drawing/2014/main" id="{1BB7C343-DC88-43ED-8A6E-A3211356ECD2}"/>
+                  </a:ext>
+                </a:extLst>
+              </p:cNvPr>
+              <p:cNvCxnSpPr/>
+              <p:nvPr/>
+            </p:nvCxnSpPr>
+            <p:spPr>
+              <a:xfrm flipV="1">
+                <a:off x="5040000" y="2304000"/>
+                <a:ext cx="0" cy="156845"/>
+              </a:xfrm>
+              <a:prstGeom prst="line">
+                <a:avLst/>
+              </a:prstGeom>
+              <a:ln w="38100" cap="rnd">
+                <a:solidFill>
+                  <a:schemeClr val="tx1">
+                    <a:lumMod val="85000"/>
+                    <a:lumOff val="15000"/>
+                  </a:schemeClr>
+                </a:solidFill>
+              </a:ln>
+            </p:spPr>
+            <p:style>
+              <a:lnRef idx="1">
+                <a:schemeClr val="accent1"/>
+              </a:lnRef>
+              <a:fillRef idx="0">
+                <a:schemeClr val="accent1"/>
+              </a:fillRef>
+              <a:effectRef idx="0">
+                <a:schemeClr val="accent1"/>
+              </a:effectRef>
+              <a:fontRef idx="minor">
+                <a:schemeClr val="tx1"/>
+              </a:fontRef>
+            </p:style>
+          </p:cxnSp>
+          <p:cxnSp>
+            <p:nvCxnSpPr>
+              <p:cNvPr id="24" name="Straight Connector 23">
+                <a:extLst>
+                  <a:ext uri="{FF2B5EF4-FFF2-40B4-BE49-F238E27FC236}">
+                    <a16:creationId xmlns:a16="http://schemas.microsoft.com/office/drawing/2014/main" id="{1C3E752D-CA56-4FA3-8940-118E6B0294BD}"/>
+                  </a:ext>
+                </a:extLst>
+              </p:cNvPr>
+              <p:cNvCxnSpPr/>
+              <p:nvPr/>
+            </p:nvCxnSpPr>
+            <p:spPr>
+              <a:xfrm flipV="1">
+                <a:off x="5220000" y="2304000"/>
+                <a:ext cx="0" cy="156845"/>
+              </a:xfrm>
+              <a:prstGeom prst="line">
+                <a:avLst/>
+              </a:prstGeom>
+              <a:ln w="38100" cap="rnd">
+                <a:solidFill>
+                  <a:schemeClr val="tx1">
+                    <a:lumMod val="85000"/>
+                    <a:lumOff val="15000"/>
+                  </a:schemeClr>
+                </a:solidFill>
+              </a:ln>
+            </p:spPr>
+            <p:style>
+              <a:lnRef idx="1">
+                <a:schemeClr val="accent1"/>
+              </a:lnRef>
+              <a:fillRef idx="0">
+                <a:schemeClr val="accent1"/>
+              </a:fillRef>
+              <a:effectRef idx="0">
+                <a:schemeClr val="accent1"/>
+              </a:effectRef>
+              <a:fontRef idx="minor">
+                <a:schemeClr val="tx1"/>
+              </a:fontRef>
+            </p:style>
+          </p:cxnSp>
+          <p:cxnSp>
+            <p:nvCxnSpPr>
+              <p:cNvPr id="25" name="Straight Connector 24">
+                <a:extLst>
+                  <a:ext uri="{FF2B5EF4-FFF2-40B4-BE49-F238E27FC236}">
+                    <a16:creationId xmlns:a16="http://schemas.microsoft.com/office/drawing/2014/main" id="{A809EFEA-E0A4-4526-9C99-9CE8B622CFF0}"/>
+                  </a:ext>
+                </a:extLst>
+              </p:cNvPr>
+              <p:cNvCxnSpPr/>
+              <p:nvPr/>
+            </p:nvCxnSpPr>
+            <p:spPr>
+              <a:xfrm flipV="1">
+                <a:off x="5400000" y="2304000"/>
+                <a:ext cx="0" cy="156845"/>
+              </a:xfrm>
+              <a:prstGeom prst="line">
+                <a:avLst/>
+              </a:prstGeom>
+              <a:ln w="38100" cap="rnd">
+                <a:solidFill>
+                  <a:schemeClr val="tx1">
+                    <a:lumMod val="85000"/>
+                    <a:lumOff val="15000"/>
+                  </a:schemeClr>
+                </a:solidFill>
+              </a:ln>
+            </p:spPr>
+            <p:style>
+              <a:lnRef idx="1">
+                <a:schemeClr val="accent1"/>
+              </a:lnRef>
+              <a:fillRef idx="0">
+                <a:schemeClr val="accent1"/>
+              </a:fillRef>
+              <a:effectRef idx="0">
+                <a:schemeClr val="accent1"/>
+              </a:effectRef>
+              <a:fontRef idx="minor">
+                <a:schemeClr val="tx1"/>
+              </a:fontRef>
+            </p:style>
+          </p:cxnSp>
+          <p:cxnSp>
+            <p:nvCxnSpPr>
+              <p:cNvPr id="26" name="Straight Connector 25">
+                <a:extLst>
+                  <a:ext uri="{FF2B5EF4-FFF2-40B4-BE49-F238E27FC236}">
+                    <a16:creationId xmlns:a16="http://schemas.microsoft.com/office/drawing/2014/main" id="{7F43BB89-F159-43F3-8141-AB1533902545}"/>
+                  </a:ext>
+                </a:extLst>
+              </p:cNvPr>
+              <p:cNvCxnSpPr/>
+              <p:nvPr/>
+            </p:nvCxnSpPr>
+            <p:spPr>
+              <a:xfrm flipV="1">
+                <a:off x="5580000" y="2304000"/>
+                <a:ext cx="0" cy="156845"/>
+              </a:xfrm>
+              <a:prstGeom prst="line">
+                <a:avLst/>
+              </a:prstGeom>
+              <a:ln w="38100" cap="rnd">
+                <a:solidFill>
+                  <a:schemeClr val="tx1">
+                    <a:lumMod val="85000"/>
+                    <a:lumOff val="15000"/>
+                  </a:schemeClr>
+                </a:solidFill>
+              </a:ln>
+            </p:spPr>
+            <p:style>
+              <a:lnRef idx="1">
+                <a:schemeClr val="accent1"/>
+              </a:lnRef>
+              <a:fillRef idx="0">
+                <a:schemeClr val="accent1"/>
+              </a:fillRef>
+              <a:effectRef idx="0">
+                <a:schemeClr val="accent1"/>
+              </a:effectRef>
+              <a:fontRef idx="minor">
+                <a:schemeClr val="tx1"/>
+              </a:fontRef>
+            </p:style>
+          </p:cxnSp>
+          <p:cxnSp>
+            <p:nvCxnSpPr>
+              <p:cNvPr id="27" name="Straight Connector 26">
+                <a:extLst>
+                  <a:ext uri="{FF2B5EF4-FFF2-40B4-BE49-F238E27FC236}">
+                    <a16:creationId xmlns:a16="http://schemas.microsoft.com/office/drawing/2014/main" id="{98C18E5C-D931-4387-9D29-9AE2CCA56C48}"/>
+                  </a:ext>
+                </a:extLst>
+              </p:cNvPr>
+              <p:cNvCxnSpPr/>
+              <p:nvPr/>
+            </p:nvCxnSpPr>
+            <p:spPr>
+              <a:xfrm flipV="1">
+                <a:off x="5760000" y="2304000"/>
+                <a:ext cx="0" cy="156845"/>
+              </a:xfrm>
+              <a:prstGeom prst="line">
+                <a:avLst/>
+              </a:prstGeom>
+              <a:ln w="38100" cap="rnd">
+                <a:solidFill>
+                  <a:schemeClr val="tx1">
+                    <a:lumMod val="85000"/>
+                    <a:lumOff val="15000"/>
+                  </a:schemeClr>
+                </a:solidFill>
+              </a:ln>
+            </p:spPr>
+            <p:style>
+              <a:lnRef idx="1">
+                <a:schemeClr val="accent1"/>
+              </a:lnRef>
+              <a:fillRef idx="0">
+                <a:schemeClr val="accent1"/>
+              </a:fillRef>
+              <a:effectRef idx="0">
+                <a:schemeClr val="accent1"/>
+              </a:effectRef>
+              <a:fontRef idx="minor">
+                <a:schemeClr val="tx1"/>
+              </a:fontRef>
+            </p:style>
+          </p:cxnSp>
+          <p:cxnSp>
+            <p:nvCxnSpPr>
+              <p:cNvPr id="28" name="Straight Connector 27">
+                <a:extLst>
+                  <a:ext uri="{FF2B5EF4-FFF2-40B4-BE49-F238E27FC236}">
+                    <a16:creationId xmlns:a16="http://schemas.microsoft.com/office/drawing/2014/main" id="{00FA5CF4-16E3-4933-B8A0-7004E2649771}"/>
+                  </a:ext>
+                </a:extLst>
+              </p:cNvPr>
+              <p:cNvCxnSpPr/>
+              <p:nvPr/>
+            </p:nvCxnSpPr>
+            <p:spPr>
+              <a:xfrm flipV="1">
+                <a:off x="5940000" y="2304000"/>
+                <a:ext cx="0" cy="156845"/>
+              </a:xfrm>
+              <a:prstGeom prst="line">
+                <a:avLst/>
+              </a:prstGeom>
+              <a:ln w="38100" cap="rnd">
+                <a:solidFill>
+                  <a:schemeClr val="tx1">
+                    <a:lumMod val="85000"/>
+                    <a:lumOff val="15000"/>
+                  </a:schemeClr>
+                </a:solidFill>
+              </a:ln>
+            </p:spPr>
+            <p:style>
+              <a:lnRef idx="1">
+                <a:schemeClr val="accent1"/>
+              </a:lnRef>
+              <a:fillRef idx="0">
+                <a:schemeClr val="accent1"/>
+              </a:fillRef>
+              <a:effectRef idx="0">
+                <a:schemeClr val="accent1"/>
+              </a:effectRef>
+              <a:fontRef idx="minor">
+                <a:schemeClr val="tx1"/>
+              </a:fontRef>
+            </p:style>
+          </p:cxnSp>
+        </p:grpSp>
+        <p:grpSp>
+          <p:nvGrpSpPr>
+            <p:cNvPr id="5" name="Group 4">
+              <a:extLst>
+                <a:ext uri="{FF2B5EF4-FFF2-40B4-BE49-F238E27FC236}">
+                  <a16:creationId xmlns:a16="http://schemas.microsoft.com/office/drawing/2014/main" id="{30933008-254B-4031-AB35-482AA7A1489E}"/>
+                </a:ext>
+              </a:extLst>
+            </p:cNvPr>
+            <p:cNvGrpSpPr/>
+            <p:nvPr/>
+          </p:nvGrpSpPr>
+          <p:grpSpPr>
+            <a:xfrm>
+              <a:off x="4844370" y="4288593"/>
+              <a:ext cx="1080000" cy="156845"/>
+              <a:chOff x="4860000" y="2304000"/>
+              <a:chExt cx="1080000" cy="156845"/>
+            </a:xfrm>
+          </p:grpSpPr>
+          <p:cxnSp>
+            <p:nvCxnSpPr>
+              <p:cNvPr id="15" name="Straight Connector 14">
+                <a:extLst>
+                  <a:ext uri="{FF2B5EF4-FFF2-40B4-BE49-F238E27FC236}">
+                    <a16:creationId xmlns:a16="http://schemas.microsoft.com/office/drawing/2014/main" id="{22D8D1AE-98EC-4E82-BA25-4B48AD818BA5}"/>
+                  </a:ext>
+                </a:extLst>
+              </p:cNvPr>
+              <p:cNvCxnSpPr/>
+              <p:nvPr/>
+            </p:nvCxnSpPr>
+            <p:spPr>
+              <a:xfrm flipV="1">
+                <a:off x="4860000" y="2304000"/>
+                <a:ext cx="0" cy="156845"/>
+              </a:xfrm>
+              <a:prstGeom prst="line">
+                <a:avLst/>
+              </a:prstGeom>
+              <a:ln w="38100" cap="rnd">
+                <a:solidFill>
+                  <a:schemeClr val="tx1">
+                    <a:lumMod val="85000"/>
+                    <a:lumOff val="15000"/>
+                  </a:schemeClr>
+                </a:solidFill>
+              </a:ln>
+            </p:spPr>
+            <p:style>
+              <a:lnRef idx="1">
+                <a:schemeClr val="accent1"/>
+              </a:lnRef>
+              <a:fillRef idx="0">
+                <a:schemeClr val="accent1"/>
+              </a:fillRef>
+              <a:effectRef idx="0">
+                <a:schemeClr val="accent1"/>
+              </a:effectRef>
+              <a:fontRef idx="minor">
+                <a:schemeClr val="tx1"/>
+              </a:fontRef>
+            </p:style>
+          </p:cxnSp>
+          <p:cxnSp>
+            <p:nvCxnSpPr>
+              <p:cNvPr id="16" name="Straight Connector 15">
+                <a:extLst>
+                  <a:ext uri="{FF2B5EF4-FFF2-40B4-BE49-F238E27FC236}">
+                    <a16:creationId xmlns:a16="http://schemas.microsoft.com/office/drawing/2014/main" id="{1E024807-0793-4A5B-A18B-40B6A8EB034A}"/>
+                  </a:ext>
+                </a:extLst>
+              </p:cNvPr>
+              <p:cNvCxnSpPr/>
+              <p:nvPr/>
+            </p:nvCxnSpPr>
+            <p:spPr>
+              <a:xfrm flipV="1">
+                <a:off x="5040000" y="2304000"/>
+                <a:ext cx="0" cy="156845"/>
+              </a:xfrm>
+              <a:prstGeom prst="line">
+                <a:avLst/>
+              </a:prstGeom>
+              <a:ln w="38100" cap="rnd">
+                <a:solidFill>
+                  <a:schemeClr val="tx1">
+                    <a:lumMod val="85000"/>
+                    <a:lumOff val="15000"/>
+                  </a:schemeClr>
+                </a:solidFill>
+              </a:ln>
+            </p:spPr>
+            <p:style>
+              <a:lnRef idx="1">
+                <a:schemeClr val="accent1"/>
+              </a:lnRef>
+              <a:fillRef idx="0">
+                <a:schemeClr val="accent1"/>
+              </a:fillRef>
+              <a:effectRef idx="0">
+                <a:schemeClr val="accent1"/>
+              </a:effectRef>
+              <a:fontRef idx="minor">
+                <a:schemeClr val="tx1"/>
+              </a:fontRef>
+            </p:style>
+          </p:cxnSp>
+          <p:cxnSp>
+            <p:nvCxnSpPr>
+              <p:cNvPr id="17" name="Straight Connector 16">
+                <a:extLst>
+                  <a:ext uri="{FF2B5EF4-FFF2-40B4-BE49-F238E27FC236}">
+                    <a16:creationId xmlns:a16="http://schemas.microsoft.com/office/drawing/2014/main" id="{9F586A88-8B0A-44F0-944C-0DFC79A190EA}"/>
+                  </a:ext>
+                </a:extLst>
+              </p:cNvPr>
+              <p:cNvCxnSpPr/>
+              <p:nvPr/>
+            </p:nvCxnSpPr>
+            <p:spPr>
+              <a:xfrm flipV="1">
+                <a:off x="5220000" y="2304000"/>
+                <a:ext cx="0" cy="156845"/>
+              </a:xfrm>
+              <a:prstGeom prst="line">
+                <a:avLst/>
+              </a:prstGeom>
+              <a:ln w="38100" cap="rnd">
+                <a:solidFill>
+                  <a:schemeClr val="tx1">
+                    <a:lumMod val="85000"/>
+                    <a:lumOff val="15000"/>
+                  </a:schemeClr>
+                </a:solidFill>
+              </a:ln>
+            </p:spPr>
+            <p:style>
+              <a:lnRef idx="1">
+                <a:schemeClr val="accent1"/>
+              </a:lnRef>
+              <a:fillRef idx="0">
+                <a:schemeClr val="accent1"/>
+              </a:fillRef>
+              <a:effectRef idx="0">
+                <a:schemeClr val="accent1"/>
+              </a:effectRef>
+              <a:fontRef idx="minor">
+                <a:schemeClr val="tx1"/>
+              </a:fontRef>
+            </p:style>
+          </p:cxnSp>
+          <p:cxnSp>
+            <p:nvCxnSpPr>
+              <p:cNvPr id="18" name="Straight Connector 17">
+                <a:extLst>
+                  <a:ext uri="{FF2B5EF4-FFF2-40B4-BE49-F238E27FC236}">
+                    <a16:creationId xmlns:a16="http://schemas.microsoft.com/office/drawing/2014/main" id="{1A08E7BC-4065-42AC-8E69-14956EB30FE0}"/>
+                  </a:ext>
+                </a:extLst>
+              </p:cNvPr>
+              <p:cNvCxnSpPr/>
+              <p:nvPr/>
+            </p:nvCxnSpPr>
+            <p:spPr>
+              <a:xfrm flipV="1">
+                <a:off x="5400000" y="2304000"/>
+                <a:ext cx="0" cy="156845"/>
+              </a:xfrm>
+              <a:prstGeom prst="line">
+                <a:avLst/>
+              </a:prstGeom>
+              <a:ln w="38100" cap="rnd">
+                <a:solidFill>
+                  <a:schemeClr val="tx1">
+                    <a:lumMod val="85000"/>
+                    <a:lumOff val="15000"/>
+                  </a:schemeClr>
+                </a:solidFill>
+              </a:ln>
+            </p:spPr>
+            <p:style>
+              <a:lnRef idx="1">
+                <a:schemeClr val="accent1"/>
+              </a:lnRef>
+              <a:fillRef idx="0">
+                <a:schemeClr val="accent1"/>
+              </a:fillRef>
+              <a:effectRef idx="0">
+                <a:schemeClr val="accent1"/>
+              </a:effectRef>
+              <a:fontRef idx="minor">
+                <a:schemeClr val="tx1"/>
+              </a:fontRef>
+            </p:style>
+          </p:cxnSp>
+          <p:cxnSp>
+            <p:nvCxnSpPr>
+              <p:cNvPr id="19" name="Straight Connector 18">
+                <a:extLst>
+                  <a:ext uri="{FF2B5EF4-FFF2-40B4-BE49-F238E27FC236}">
+                    <a16:creationId xmlns:a16="http://schemas.microsoft.com/office/drawing/2014/main" id="{E3BBE91D-DD1B-4539-B616-D08C97C88C6F}"/>
+                  </a:ext>
+                </a:extLst>
+              </p:cNvPr>
+              <p:cNvCxnSpPr/>
+              <p:nvPr/>
+            </p:nvCxnSpPr>
+            <p:spPr>
+              <a:xfrm flipV="1">
+                <a:off x="5580000" y="2304000"/>
+                <a:ext cx="0" cy="156845"/>
+              </a:xfrm>
+              <a:prstGeom prst="line">
+                <a:avLst/>
+              </a:prstGeom>
+              <a:ln w="38100" cap="rnd">
+                <a:solidFill>
+                  <a:schemeClr val="tx1">
+                    <a:lumMod val="85000"/>
+                    <a:lumOff val="15000"/>
+                  </a:schemeClr>
+                </a:solidFill>
+              </a:ln>
+            </p:spPr>
+            <p:style>
+              <a:lnRef idx="1">
+                <a:schemeClr val="accent1"/>
+              </a:lnRef>
+              <a:fillRef idx="0">
+                <a:schemeClr val="accent1"/>
+              </a:fillRef>
+              <a:effectRef idx="0">
+                <a:schemeClr val="accent1"/>
+              </a:effectRef>
+              <a:fontRef idx="minor">
+                <a:schemeClr val="tx1"/>
+              </a:fontRef>
+            </p:style>
+          </p:cxnSp>
+          <p:cxnSp>
+            <p:nvCxnSpPr>
+              <p:cNvPr id="20" name="Straight Connector 19">
+                <a:extLst>
+                  <a:ext uri="{FF2B5EF4-FFF2-40B4-BE49-F238E27FC236}">
+                    <a16:creationId xmlns:a16="http://schemas.microsoft.com/office/drawing/2014/main" id="{A0C31835-3B2C-4214-9606-CD996F01AD1E}"/>
+                  </a:ext>
+                </a:extLst>
+              </p:cNvPr>
+              <p:cNvCxnSpPr/>
+              <p:nvPr/>
+            </p:nvCxnSpPr>
+            <p:spPr>
+              <a:xfrm flipV="1">
+                <a:off x="5760000" y="2304000"/>
+                <a:ext cx="0" cy="156845"/>
+              </a:xfrm>
+              <a:prstGeom prst="line">
+                <a:avLst/>
+              </a:prstGeom>
+              <a:ln w="38100" cap="rnd">
+                <a:solidFill>
+                  <a:schemeClr val="tx1">
+                    <a:lumMod val="85000"/>
+                    <a:lumOff val="15000"/>
+                  </a:schemeClr>
+                </a:solidFill>
+              </a:ln>
+            </p:spPr>
+            <p:style>
+              <a:lnRef idx="1">
+                <a:schemeClr val="accent1"/>
+              </a:lnRef>
+              <a:fillRef idx="0">
+                <a:schemeClr val="accent1"/>
+              </a:fillRef>
+              <a:effectRef idx="0">
+                <a:schemeClr val="accent1"/>
+              </a:effectRef>
+              <a:fontRef idx="minor">
+                <a:schemeClr val="tx1"/>
+              </a:fontRef>
+            </p:style>
+          </p:cxnSp>
+          <p:cxnSp>
+            <p:nvCxnSpPr>
+              <p:cNvPr id="21" name="Straight Connector 20">
+                <a:extLst>
+                  <a:ext uri="{FF2B5EF4-FFF2-40B4-BE49-F238E27FC236}">
+                    <a16:creationId xmlns:a16="http://schemas.microsoft.com/office/drawing/2014/main" id="{E2A3BE24-F59B-4FBB-A3E2-15A48DC21D77}"/>
+                  </a:ext>
+                </a:extLst>
+              </p:cNvPr>
+              <p:cNvCxnSpPr/>
+              <p:nvPr/>
+            </p:nvCxnSpPr>
+            <p:spPr>
+              <a:xfrm flipV="1">
+                <a:off x="5940000" y="2304000"/>
+                <a:ext cx="0" cy="156845"/>
+              </a:xfrm>
+              <a:prstGeom prst="line">
+                <a:avLst/>
+              </a:prstGeom>
+              <a:ln w="38100" cap="rnd">
+                <a:solidFill>
+                  <a:schemeClr val="tx1">
+                    <a:lumMod val="85000"/>
+                    <a:lumOff val="15000"/>
+                  </a:schemeClr>
+                </a:solidFill>
+              </a:ln>
+            </p:spPr>
+            <p:style>
+              <a:lnRef idx="1">
+                <a:schemeClr val="accent1"/>
+              </a:lnRef>
+              <a:fillRef idx="0">
+                <a:schemeClr val="accent1"/>
+              </a:fillRef>
+              <a:effectRef idx="0">
+                <a:schemeClr val="accent1"/>
+              </a:effectRef>
+              <a:fontRef idx="minor">
+                <a:schemeClr val="tx1"/>
+              </a:fontRef>
+            </p:style>
+          </p:cxnSp>
+        </p:grpSp>
+        <p:grpSp>
+          <p:nvGrpSpPr>
+            <p:cNvPr id="6" name="Group 5">
+              <a:extLst>
+                <a:ext uri="{FF2B5EF4-FFF2-40B4-BE49-F238E27FC236}">
+                  <a16:creationId xmlns:a16="http://schemas.microsoft.com/office/drawing/2014/main" id="{AF2516FD-9292-4A40-B82A-1ECC1051C76E}"/>
+                </a:ext>
+              </a:extLst>
+            </p:cNvPr>
+            <p:cNvGrpSpPr/>
+            <p:nvPr/>
+          </p:nvGrpSpPr>
+          <p:grpSpPr>
+            <a:xfrm rot="5400000">
+              <a:off x="3860877" y="3307603"/>
+              <a:ext cx="1080000" cy="156845"/>
+              <a:chOff x="4860000" y="2304000"/>
+              <a:chExt cx="1080000" cy="156845"/>
+            </a:xfrm>
+          </p:grpSpPr>
+          <p:cxnSp>
+            <p:nvCxnSpPr>
+              <p:cNvPr id="8" name="Straight Connector 7">
+                <a:extLst>
+                  <a:ext uri="{FF2B5EF4-FFF2-40B4-BE49-F238E27FC236}">
+                    <a16:creationId xmlns:a16="http://schemas.microsoft.com/office/drawing/2014/main" id="{CE0961D6-ECB1-4745-86CC-06C6C855DD58}"/>
+                  </a:ext>
+                </a:extLst>
+              </p:cNvPr>
+              <p:cNvCxnSpPr/>
+              <p:nvPr/>
+            </p:nvCxnSpPr>
+            <p:spPr>
+              <a:xfrm flipV="1">
+                <a:off x="4860000" y="2304000"/>
+                <a:ext cx="0" cy="156845"/>
+              </a:xfrm>
+              <a:prstGeom prst="line">
+                <a:avLst/>
+              </a:prstGeom>
+              <a:ln w="38100" cap="rnd">
+                <a:solidFill>
+                  <a:schemeClr val="tx1">
+                    <a:lumMod val="85000"/>
+                    <a:lumOff val="15000"/>
+                  </a:schemeClr>
+                </a:solidFill>
+              </a:ln>
+            </p:spPr>
+            <p:style>
+              <a:lnRef idx="1">
+                <a:schemeClr val="accent1"/>
+              </a:lnRef>
+              <a:fillRef idx="0">
+                <a:schemeClr val="accent1"/>
+              </a:fillRef>
+              <a:effectRef idx="0">
+                <a:schemeClr val="accent1"/>
+              </a:effectRef>
+              <a:fontRef idx="minor">
+                <a:schemeClr val="tx1"/>
+              </a:fontRef>
+            </p:style>
+          </p:cxnSp>
+          <p:cxnSp>
+            <p:nvCxnSpPr>
+              <p:cNvPr id="9" name="Straight Connector 8">
+                <a:extLst>
+                  <a:ext uri="{FF2B5EF4-FFF2-40B4-BE49-F238E27FC236}">
+                    <a16:creationId xmlns:a16="http://schemas.microsoft.com/office/drawing/2014/main" id="{02C7DBC0-C68A-4AE3-9906-242EBA26099E}"/>
+                  </a:ext>
+                </a:extLst>
+              </p:cNvPr>
+              <p:cNvCxnSpPr/>
+              <p:nvPr/>
+            </p:nvCxnSpPr>
+            <p:spPr>
+              <a:xfrm flipV="1">
+                <a:off x="5040000" y="2304000"/>
+                <a:ext cx="0" cy="156845"/>
+              </a:xfrm>
+              <a:prstGeom prst="line">
+                <a:avLst/>
+              </a:prstGeom>
+              <a:ln w="38100" cap="rnd">
+                <a:solidFill>
+                  <a:schemeClr val="tx1">
+                    <a:lumMod val="85000"/>
+                    <a:lumOff val="15000"/>
+                  </a:schemeClr>
+                </a:solidFill>
+              </a:ln>
+            </p:spPr>
+            <p:style>
+              <a:lnRef idx="1">
+                <a:schemeClr val="accent1"/>
+              </a:lnRef>
+              <a:fillRef idx="0">
+                <a:schemeClr val="accent1"/>
+              </a:fillRef>
+              <a:effectRef idx="0">
+                <a:schemeClr val="accent1"/>
+              </a:effectRef>
+              <a:fontRef idx="minor">
+                <a:schemeClr val="tx1"/>
+              </a:fontRef>
+            </p:style>
+          </p:cxnSp>
+          <p:cxnSp>
+            <p:nvCxnSpPr>
+              <p:cNvPr id="10" name="Straight Connector 9">
+                <a:extLst>
+                  <a:ext uri="{FF2B5EF4-FFF2-40B4-BE49-F238E27FC236}">
+                    <a16:creationId xmlns:a16="http://schemas.microsoft.com/office/drawing/2014/main" id="{CBD11633-28E3-4B98-BD4D-B39AA506323A}"/>
+                  </a:ext>
+                </a:extLst>
+              </p:cNvPr>
+              <p:cNvCxnSpPr/>
+              <p:nvPr/>
+            </p:nvCxnSpPr>
+            <p:spPr>
+              <a:xfrm flipV="1">
+                <a:off x="5220000" y="2304000"/>
+                <a:ext cx="0" cy="156845"/>
+              </a:xfrm>
+              <a:prstGeom prst="line">
+                <a:avLst/>
+              </a:prstGeom>
+              <a:ln w="38100" cap="rnd">
+                <a:solidFill>
+                  <a:schemeClr val="tx1">
+                    <a:lumMod val="85000"/>
+                    <a:lumOff val="15000"/>
+                  </a:schemeClr>
+                </a:solidFill>
+              </a:ln>
+            </p:spPr>
+            <p:style>
+              <a:lnRef idx="1">
+                <a:schemeClr val="accent1"/>
+              </a:lnRef>
+              <a:fillRef idx="0">
+                <a:schemeClr val="accent1"/>
+              </a:fillRef>
+              <a:effectRef idx="0">
+                <a:schemeClr val="accent1"/>
+              </a:effectRef>
+              <a:fontRef idx="minor">
+                <a:schemeClr val="tx1"/>
+              </a:fontRef>
+            </p:style>
+          </p:cxnSp>
+          <p:cxnSp>
+            <p:nvCxnSpPr>
+              <p:cNvPr id="11" name="Straight Connector 10">
+                <a:extLst>
+                  <a:ext uri="{FF2B5EF4-FFF2-40B4-BE49-F238E27FC236}">
+                    <a16:creationId xmlns:a16="http://schemas.microsoft.com/office/drawing/2014/main" id="{381BA323-D968-4E73-9DC8-42684A0800E2}"/>
+                  </a:ext>
+                </a:extLst>
+              </p:cNvPr>
+              <p:cNvCxnSpPr/>
+              <p:nvPr/>
+            </p:nvCxnSpPr>
+            <p:spPr>
+              <a:xfrm flipV="1">
+                <a:off x="5400000" y="2304000"/>
+                <a:ext cx="0" cy="156845"/>
+              </a:xfrm>
+              <a:prstGeom prst="line">
+                <a:avLst/>
+              </a:prstGeom>
+              <a:ln w="38100" cap="rnd">
+                <a:solidFill>
+                  <a:schemeClr val="tx1">
+                    <a:lumMod val="85000"/>
+                    <a:lumOff val="15000"/>
+                  </a:schemeClr>
+                </a:solidFill>
+              </a:ln>
+            </p:spPr>
+            <p:style>
+              <a:lnRef idx="1">
+                <a:schemeClr val="accent1"/>
+              </a:lnRef>
+              <a:fillRef idx="0">
+                <a:schemeClr val="accent1"/>
+              </a:fillRef>
+              <a:effectRef idx="0">
+                <a:schemeClr val="accent1"/>
+              </a:effectRef>
+              <a:fontRef idx="minor">
+                <a:schemeClr val="tx1"/>
+              </a:fontRef>
+            </p:style>
+          </p:cxnSp>
+          <p:cxnSp>
+            <p:nvCxnSpPr>
+              <p:cNvPr id="12" name="Straight Connector 11">
+                <a:extLst>
+                  <a:ext uri="{FF2B5EF4-FFF2-40B4-BE49-F238E27FC236}">
+                    <a16:creationId xmlns:a16="http://schemas.microsoft.com/office/drawing/2014/main" id="{1A6434AA-84CA-4B26-B67C-DAD48E8AC446}"/>
+                  </a:ext>
+                </a:extLst>
+              </p:cNvPr>
+              <p:cNvCxnSpPr/>
+              <p:nvPr/>
+            </p:nvCxnSpPr>
+            <p:spPr>
+              <a:xfrm flipV="1">
+                <a:off x="5580000" y="2304000"/>
+                <a:ext cx="0" cy="156845"/>
+              </a:xfrm>
+              <a:prstGeom prst="line">
+                <a:avLst/>
+              </a:prstGeom>
+              <a:ln w="38100" cap="rnd">
+                <a:solidFill>
+                  <a:schemeClr val="tx1">
+                    <a:lumMod val="85000"/>
+                    <a:lumOff val="15000"/>
+                  </a:schemeClr>
+                </a:solidFill>
+              </a:ln>
+            </p:spPr>
+            <p:style>
+              <a:lnRef idx="1">
+                <a:schemeClr val="accent1"/>
+              </a:lnRef>
+              <a:fillRef idx="0">
+                <a:schemeClr val="accent1"/>
+              </a:fillRef>
+              <a:effectRef idx="0">
+                <a:schemeClr val="accent1"/>
+              </a:effectRef>
+              <a:fontRef idx="minor">
+                <a:schemeClr val="tx1"/>
+              </a:fontRef>
+            </p:style>
+          </p:cxnSp>
+          <p:cxnSp>
+            <p:nvCxnSpPr>
+              <p:cNvPr id="13" name="Straight Connector 12">
+                <a:extLst>
+                  <a:ext uri="{FF2B5EF4-FFF2-40B4-BE49-F238E27FC236}">
+                    <a16:creationId xmlns:a16="http://schemas.microsoft.com/office/drawing/2014/main" id="{D02857B2-51FC-4B47-8AAF-33525898BF37}"/>
+                  </a:ext>
+                </a:extLst>
+              </p:cNvPr>
+              <p:cNvCxnSpPr/>
+              <p:nvPr/>
+            </p:nvCxnSpPr>
+            <p:spPr>
+              <a:xfrm flipV="1">
+                <a:off x="5760000" y="2304000"/>
+                <a:ext cx="0" cy="156845"/>
+              </a:xfrm>
+              <a:prstGeom prst="line">
+                <a:avLst/>
+              </a:prstGeom>
+              <a:ln w="38100" cap="rnd">
+                <a:solidFill>
+                  <a:schemeClr val="tx1">
+                    <a:lumMod val="85000"/>
+                    <a:lumOff val="15000"/>
+                  </a:schemeClr>
+                </a:solidFill>
+              </a:ln>
+            </p:spPr>
+            <p:style>
+              <a:lnRef idx="1">
+                <a:schemeClr val="accent1"/>
+              </a:lnRef>
+              <a:fillRef idx="0">
+                <a:schemeClr val="accent1"/>
+              </a:fillRef>
+              <a:effectRef idx="0">
+                <a:schemeClr val="accent1"/>
+              </a:effectRef>
+              <a:fontRef idx="minor">
+                <a:schemeClr val="tx1"/>
+              </a:fontRef>
+            </p:style>
+          </p:cxnSp>
+          <p:cxnSp>
+            <p:nvCxnSpPr>
+              <p:cNvPr id="14" name="Straight Connector 13">
+                <a:extLst>
+                  <a:ext uri="{FF2B5EF4-FFF2-40B4-BE49-F238E27FC236}">
+                    <a16:creationId xmlns:a16="http://schemas.microsoft.com/office/drawing/2014/main" id="{ACCA766A-6F0F-4AEF-B954-8F916FEC32FB}"/>
+                  </a:ext>
+                </a:extLst>
+              </p:cNvPr>
+              <p:cNvCxnSpPr/>
+              <p:nvPr/>
+            </p:nvCxnSpPr>
+            <p:spPr>
+              <a:xfrm flipV="1">
+                <a:off x="5940000" y="2304000"/>
+                <a:ext cx="0" cy="156845"/>
+              </a:xfrm>
+              <a:prstGeom prst="line">
+                <a:avLst/>
+              </a:prstGeom>
+              <a:ln w="38100" cap="rnd">
+                <a:solidFill>
+                  <a:schemeClr val="tx1">
+                    <a:lumMod val="85000"/>
+                    <a:lumOff val="15000"/>
+                  </a:schemeClr>
+                </a:solidFill>
+              </a:ln>
+            </p:spPr>
+            <p:style>
+              <a:lnRef idx="1">
+                <a:schemeClr val="accent1"/>
+              </a:lnRef>
+              <a:fillRef idx="0">
+                <a:schemeClr val="accent1"/>
+              </a:fillRef>
+              <a:effectRef idx="0">
+                <a:schemeClr val="accent1"/>
+              </a:effectRef>
+              <a:fontRef idx="minor">
+                <a:schemeClr val="tx1"/>
+              </a:fontRef>
+            </p:style>
+          </p:cxnSp>
+        </p:grpSp>
+        <p:sp>
+          <p:nvSpPr>
+            <p:cNvPr id="7" name="Freeform: Shape 6">
+              <a:extLst>
+                <a:ext uri="{FF2B5EF4-FFF2-40B4-BE49-F238E27FC236}">
+                  <a16:creationId xmlns:a16="http://schemas.microsoft.com/office/drawing/2014/main" id="{B42DD9E5-BFC4-45D3-B44E-DFDF954ABFC9}"/>
+                </a:ext>
+              </a:extLst>
+            </p:cNvPr>
+            <p:cNvSpPr/>
+            <p:nvPr/>
+          </p:nvSpPr>
+          <p:spPr>
+            <a:xfrm>
+              <a:off x="4484370" y="2486025"/>
+              <a:ext cx="1800000" cy="1800000"/>
+            </a:xfrm>
+            <a:custGeom>
+              <a:avLst/>
+              <a:gdLst>
+                <a:gd name="connsiteX0" fmla="*/ 300006 w 1800000"/>
+                <a:gd name="connsiteY0" fmla="*/ 0 h 1800000"/>
+                <a:gd name="connsiteX1" fmla="*/ 1499994 w 1800000"/>
+                <a:gd name="connsiteY1" fmla="*/ 0 h 1800000"/>
+                <a:gd name="connsiteX2" fmla="*/ 1800000 w 1800000"/>
+                <a:gd name="connsiteY2" fmla="*/ 300006 h 1800000"/>
+                <a:gd name="connsiteX3" fmla="*/ 1800000 w 1800000"/>
+                <a:gd name="connsiteY3" fmla="*/ 1499994 h 1800000"/>
+                <a:gd name="connsiteX4" fmla="*/ 1499994 w 1800000"/>
+                <a:gd name="connsiteY4" fmla="*/ 1800000 h 1800000"/>
+                <a:gd name="connsiteX5" fmla="*/ 300006 w 1800000"/>
+                <a:gd name="connsiteY5" fmla="*/ 1800000 h 1800000"/>
+                <a:gd name="connsiteX6" fmla="*/ 0 w 1800000"/>
+                <a:gd name="connsiteY6" fmla="*/ 1499994 h 1800000"/>
+                <a:gd name="connsiteX7" fmla="*/ 0 w 1800000"/>
+                <a:gd name="connsiteY7" fmla="*/ 300006 h 1800000"/>
+                <a:gd name="connsiteX8" fmla="*/ 300006 w 1800000"/>
+                <a:gd name="connsiteY8" fmla="*/ 0 h 1800000"/>
+                <a:gd name="connsiteX9" fmla="*/ 364454 w 1800000"/>
+                <a:gd name="connsiteY9" fmla="*/ 252000 h 1800000"/>
+                <a:gd name="connsiteX10" fmla="*/ 252000 w 1800000"/>
+                <a:gd name="connsiteY10" fmla="*/ 364454 h 1800000"/>
+                <a:gd name="connsiteX11" fmla="*/ 252000 w 1800000"/>
+                <a:gd name="connsiteY11" fmla="*/ 1435546 h 1800000"/>
+                <a:gd name="connsiteX12" fmla="*/ 364454 w 1800000"/>
+                <a:gd name="connsiteY12" fmla="*/ 1548000 h 1800000"/>
+                <a:gd name="connsiteX13" fmla="*/ 1435546 w 1800000"/>
+                <a:gd name="connsiteY13" fmla="*/ 1548000 h 1800000"/>
+                <a:gd name="connsiteX14" fmla="*/ 1548000 w 1800000"/>
+                <a:gd name="connsiteY14" fmla="*/ 1435546 h 1800000"/>
+                <a:gd name="connsiteX15" fmla="*/ 1548000 w 1800000"/>
+                <a:gd name="connsiteY15" fmla="*/ 364454 h 1800000"/>
+                <a:gd name="connsiteX16" fmla="*/ 1435546 w 1800000"/>
+                <a:gd name="connsiteY16" fmla="*/ 252000 h 1800000"/>
+                <a:gd name="connsiteX17" fmla="*/ 364454 w 1800000"/>
+                <a:gd name="connsiteY17" fmla="*/ 252000 h 1800000"/>
+              </a:gdLst>
+              <a:ahLst/>
+              <a:cxnLst>
+                <a:cxn ang="0">
+                  <a:pos x="connsiteX0" y="connsiteY0"/>
+                </a:cxn>
+                <a:cxn ang="0">
+                  <a:pos x="connsiteX1" y="connsiteY1"/>
+                </a:cxn>
+                <a:cxn ang="0">
+                  <a:pos x="connsiteX2" y="connsiteY2"/>
+                </a:cxn>
+                <a:cxn ang="0">
+                  <a:pos x="connsiteX3" y="connsiteY3"/>
+                </a:cxn>
+                <a:cxn ang="0">
+                  <a:pos x="connsiteX4" y="connsiteY4"/>
+                </a:cxn>
+                <a:cxn ang="0">
+                  <a:pos x="connsiteX5" y="connsiteY5"/>
+                </a:cxn>
+                <a:cxn ang="0">
+                  <a:pos x="connsiteX6" y="connsiteY6"/>
+                </a:cxn>
+                <a:cxn ang="0">
+                  <a:pos x="connsiteX7" y="connsiteY7"/>
+                </a:cxn>
+                <a:cxn ang="0">
+                  <a:pos x="connsiteX8" y="connsiteY8"/>
+                </a:cxn>
+                <a:cxn ang="0">
+                  <a:pos x="connsiteX9" y="connsiteY9"/>
+                </a:cxn>
+                <a:cxn ang="0">
+                  <a:pos x="connsiteX10" y="connsiteY10"/>
+                </a:cxn>
+                <a:cxn ang="0">
+                  <a:pos x="connsiteX11" y="connsiteY11"/>
+                </a:cxn>
+                <a:cxn ang="0">
+                  <a:pos x="connsiteX12" y="connsiteY12"/>
+                </a:cxn>
+                <a:cxn ang="0">
+                  <a:pos x="connsiteX13" y="connsiteY13"/>
+                </a:cxn>
+                <a:cxn ang="0">
+                  <a:pos x="connsiteX14" y="connsiteY14"/>
+                </a:cxn>
+                <a:cxn ang="0">
+                  <a:pos x="connsiteX15" y="connsiteY15"/>
+                </a:cxn>
+                <a:cxn ang="0">
+                  <a:pos x="connsiteX16" y="connsiteY16"/>
+                </a:cxn>
+                <a:cxn ang="0">
+                  <a:pos x="connsiteX17" y="connsiteY17"/>
+                </a:cxn>
+              </a:cxnLst>
+              <a:rect l="l" t="t" r="r" b="b"/>
+              <a:pathLst>
+                <a:path w="1800000" h="1800000">
+                  <a:moveTo>
+                    <a:pt x="300006" y="0"/>
+                  </a:moveTo>
+                  <a:lnTo>
+                    <a:pt x="1499994" y="0"/>
+                  </a:lnTo>
+                  <a:cubicBezTo>
+                    <a:pt x="1665683" y="0"/>
+                    <a:pt x="1800000" y="134317"/>
+                    <a:pt x="1800000" y="300006"/>
+                  </a:cubicBezTo>
+                  <a:lnTo>
+                    <a:pt x="1800000" y="1499994"/>
+                  </a:lnTo>
+                  <a:cubicBezTo>
+                    <a:pt x="1800000" y="1665683"/>
+                    <a:pt x="1665683" y="1800000"/>
+                    <a:pt x="1499994" y="1800000"/>
+                  </a:cubicBezTo>
+                  <a:lnTo>
+                    <a:pt x="300006" y="1800000"/>
+                  </a:lnTo>
+                  <a:cubicBezTo>
+                    <a:pt x="134317" y="1800000"/>
+                    <a:pt x="0" y="1665683"/>
+                    <a:pt x="0" y="1499994"/>
+                  </a:cubicBezTo>
+                  <a:lnTo>
+                    <a:pt x="0" y="300006"/>
+                  </a:lnTo>
+                  <a:cubicBezTo>
+                    <a:pt x="0" y="134317"/>
+                    <a:pt x="134317" y="0"/>
+                    <a:pt x="300006" y="0"/>
+                  </a:cubicBezTo>
+                  <a:close/>
+                  <a:moveTo>
+                    <a:pt x="364454" y="252000"/>
+                  </a:moveTo>
+                  <a:cubicBezTo>
+                    <a:pt x="302347" y="252000"/>
+                    <a:pt x="252000" y="302347"/>
+                    <a:pt x="252000" y="364454"/>
+                  </a:cubicBezTo>
+                  <a:lnTo>
+                    <a:pt x="252000" y="1435546"/>
+                  </a:lnTo>
+                  <a:cubicBezTo>
+                    <a:pt x="252000" y="1497653"/>
+                    <a:pt x="302347" y="1548000"/>
+                    <a:pt x="364454" y="1548000"/>
+                  </a:cubicBezTo>
+                  <a:lnTo>
+                    <a:pt x="1435546" y="1548000"/>
+                  </a:lnTo>
+                  <a:cubicBezTo>
+                    <a:pt x="1497653" y="1548000"/>
+                    <a:pt x="1548000" y="1497653"/>
+                    <a:pt x="1548000" y="1435546"/>
+                  </a:cubicBezTo>
+                  <a:lnTo>
+                    <a:pt x="1548000" y="364454"/>
+                  </a:lnTo>
+                  <a:cubicBezTo>
+                    <a:pt x="1548000" y="302347"/>
+                    <a:pt x="1497653" y="252000"/>
+                    <a:pt x="1435546" y="252000"/>
+                  </a:cubicBezTo>
+                  <a:lnTo>
+                    <a:pt x="364454" y="252000"/>
+                  </a:lnTo>
+                  <a:close/>
+                </a:path>
+              </a:pathLst>
+            </a:custGeom>
+            <a:solidFill>
+              <a:srgbClr val="2980B9"/>
+            </a:solidFill>
+            <a:ln w="38100">
+              <a:solidFill>
+                <a:schemeClr val="tx1">
+                  <a:lumMod val="85000"/>
+                  <a:lumOff val="15000"/>
+                </a:schemeClr>
+              </a:solidFill>
+            </a:ln>
+            <a:scene3d>
+              <a:camera prst="orthographicFront"/>
+              <a:lightRig rig="threePt" dir="t"/>
+            </a:scene3d>
+            <a:sp3d extrusionH="44450"/>
+          </p:spPr>
+          <p:style>
+            <a:lnRef idx="2">
+              <a:schemeClr val="accent1">
+                <a:shade val="50000"/>
+              </a:schemeClr>
+            </a:lnRef>
+            <a:fillRef idx="1">
+              <a:schemeClr val="accent1"/>
+            </a:fillRef>
+            <a:effectRef idx="0">
+              <a:schemeClr val="accent1"/>
+            </a:effectRef>
+            <a:fontRef idx="minor">
+              <a:schemeClr val="lt1"/>
+            </a:fontRef>
+          </p:style>
+          <p:txBody>
+            <a:bodyPr wrap="square" rtlCol="0" anchor="ctr">
+              <a:noAutofit/>
+            </a:bodyPr>
+            <a:lstStyle/>
+            <a:p>
+              <a:pPr algn="ctr"/>
+              <a:endParaRPr lang="fr-BE"/>
+            </a:p>
+          </p:txBody>
+        </p:sp>
+      </p:grpSp>
+      <p:sp>
+        <p:nvSpPr>
+          <p:cNvPr id="36" name="Freeform: Shape 35">
+            <a:extLst>
+              <a:ext uri="{FF2B5EF4-FFF2-40B4-BE49-F238E27FC236}">
+                <a16:creationId xmlns:a16="http://schemas.microsoft.com/office/drawing/2014/main" id="{6C701834-8A11-437F-8652-BC99F9132088}"/>
+              </a:ext>
+            </a:extLst>
+          </p:cNvPr>
+          <p:cNvSpPr/>
+          <p:nvPr/>
+        </p:nvSpPr>
+        <p:spPr>
+          <a:xfrm>
+            <a:off x="5755508" y="3155285"/>
+            <a:ext cx="659567" cy="659567"/>
+          </a:xfrm>
+          <a:custGeom>
+            <a:avLst/>
+            <a:gdLst>
+              <a:gd name="connsiteX0" fmla="*/ 112454 w 1296000"/>
+              <a:gd name="connsiteY0" fmla="*/ 0 h 1296000"/>
+              <a:gd name="connsiteX1" fmla="*/ 1183546 w 1296000"/>
+              <a:gd name="connsiteY1" fmla="*/ 0 h 1296000"/>
+              <a:gd name="connsiteX2" fmla="*/ 1296000 w 1296000"/>
+              <a:gd name="connsiteY2" fmla="*/ 112454 h 1296000"/>
+              <a:gd name="connsiteX3" fmla="*/ 1296000 w 1296000"/>
+              <a:gd name="connsiteY3" fmla="*/ 1183546 h 1296000"/>
+              <a:gd name="connsiteX4" fmla="*/ 1183546 w 1296000"/>
+              <a:gd name="connsiteY4" fmla="*/ 1296000 h 1296000"/>
+              <a:gd name="connsiteX5" fmla="*/ 112454 w 1296000"/>
+              <a:gd name="connsiteY5" fmla="*/ 1296000 h 1296000"/>
+              <a:gd name="connsiteX6" fmla="*/ 0 w 1296000"/>
+              <a:gd name="connsiteY6" fmla="*/ 1183546 h 1296000"/>
+              <a:gd name="connsiteX7" fmla="*/ 0 w 1296000"/>
+              <a:gd name="connsiteY7" fmla="*/ 112454 h 1296000"/>
+              <a:gd name="connsiteX8" fmla="*/ 112454 w 1296000"/>
+              <a:gd name="connsiteY8" fmla="*/ 0 h 1296000"/>
+            </a:gdLst>
+            <a:ahLst/>
+            <a:cxnLst>
+              <a:cxn ang="0">
+                <a:pos x="connsiteX0" y="connsiteY0"/>
+              </a:cxn>
+              <a:cxn ang="0">
+                <a:pos x="connsiteX1" y="connsiteY1"/>
+              </a:cxn>
+              <a:cxn ang="0">
+                <a:pos x="connsiteX2" y="connsiteY2"/>
+              </a:cxn>
+              <a:cxn ang="0">
+                <a:pos x="connsiteX3" y="connsiteY3"/>
+              </a:cxn>
+              <a:cxn ang="0">
+                <a:pos x="connsiteX4" y="connsiteY4"/>
+              </a:cxn>
+              <a:cxn ang="0">
+                <a:pos x="connsiteX5" y="connsiteY5"/>
+              </a:cxn>
+              <a:cxn ang="0">
+                <a:pos x="connsiteX6" y="connsiteY6"/>
+              </a:cxn>
+              <a:cxn ang="0">
+                <a:pos x="connsiteX7" y="connsiteY7"/>
+              </a:cxn>
+              <a:cxn ang="0">
+                <a:pos x="connsiteX8" y="connsiteY8"/>
+              </a:cxn>
+            </a:cxnLst>
+            <a:rect l="l" t="t" r="r" b="b"/>
+            <a:pathLst>
+              <a:path w="1296000" h="1296000">
+                <a:moveTo>
+                  <a:pt x="112454" y="0"/>
+                </a:moveTo>
+                <a:lnTo>
+                  <a:pt x="1183546" y="0"/>
+                </a:lnTo>
+                <a:cubicBezTo>
+                  <a:pt x="1245653" y="0"/>
+                  <a:pt x="1296000" y="50347"/>
+                  <a:pt x="1296000" y="112454"/>
+                </a:cubicBezTo>
+                <a:lnTo>
+                  <a:pt x="1296000" y="1183546"/>
+                </a:lnTo>
+                <a:cubicBezTo>
+                  <a:pt x="1296000" y="1245653"/>
+                  <a:pt x="1245653" y="1296000"/>
+                  <a:pt x="1183546" y="1296000"/>
+                </a:cubicBezTo>
+                <a:lnTo>
+                  <a:pt x="112454" y="1296000"/>
+                </a:lnTo>
+                <a:cubicBezTo>
+                  <a:pt x="50347" y="1296000"/>
+                  <a:pt x="0" y="1245653"/>
+                  <a:pt x="0" y="1183546"/>
+                </a:cubicBezTo>
+                <a:lnTo>
+                  <a:pt x="0" y="112454"/>
+                </a:lnTo>
+                <a:cubicBezTo>
+                  <a:pt x="0" y="50347"/>
+                  <a:pt x="50347" y="0"/>
+                  <a:pt x="112454" y="0"/>
+                </a:cubicBezTo>
+                <a:close/>
+              </a:path>
+            </a:pathLst>
+          </a:custGeom>
+          <a:solidFill>
+            <a:srgbClr val="3498DB"/>
+          </a:solidFill>
+          <a:ln w="38100">
+            <a:solidFill>
+              <a:schemeClr val="tx1">
+                <a:lumMod val="85000"/>
+                <a:lumOff val="15000"/>
+              </a:schemeClr>
+            </a:solidFill>
+          </a:ln>
+          <a:scene3d>
+            <a:camera prst="orthographicFront"/>
+            <a:lightRig rig="threePt" dir="t"/>
+          </a:scene3d>
+          <a:sp3d extrusionH="44450"/>
+        </p:spPr>
+        <p:style>
+          <a:lnRef idx="2">
+            <a:schemeClr val="accent1">
+              <a:shade val="50000"/>
+            </a:schemeClr>
+          </a:lnRef>
+          <a:fillRef idx="1">
+            <a:schemeClr val="accent1"/>
+          </a:fillRef>
+          <a:effectRef idx="0">
+            <a:schemeClr val="accent1"/>
+          </a:effectRef>
+          <a:fontRef idx="minor">
+            <a:schemeClr val="lt1"/>
+          </a:fontRef>
+        </p:style>
+        <p:txBody>
+          <a:bodyPr wrap="square" rtlCol="0" anchor="ctr">
+            <a:noAutofit/>
+          </a:bodyPr>
+          <a:lstStyle/>
+          <a:p>
+            <a:pPr algn="ctr"/>
+            <a:endParaRPr lang="fr-BE"/>
+          </a:p>
+        </p:txBody>
+      </p:sp>
+      <p:grpSp>
+        <p:nvGrpSpPr>
+          <p:cNvPr id="37" name="Group 36">
+            <a:extLst>
+              <a:ext uri="{FF2B5EF4-FFF2-40B4-BE49-F238E27FC236}">
+                <a16:creationId xmlns:a16="http://schemas.microsoft.com/office/drawing/2014/main" id="{B503838B-0B58-4C67-B957-C75EAFB8A29E}"/>
+              </a:ext>
+            </a:extLst>
+          </p:cNvPr>
+          <p:cNvGrpSpPr/>
+          <p:nvPr/>
+        </p:nvGrpSpPr>
+        <p:grpSpPr>
+          <a:xfrm>
+            <a:off x="5776471" y="3587696"/>
+            <a:ext cx="240902" cy="45719"/>
+            <a:chOff x="3494087" y="1512707"/>
+            <a:chExt cx="460682" cy="143545"/>
+          </a:xfrm>
+        </p:grpSpPr>
+        <p:cxnSp>
+          <p:nvCxnSpPr>
+            <p:cNvPr id="38" name="Straight Connector 37">
+              <a:extLst>
+                <a:ext uri="{FF2B5EF4-FFF2-40B4-BE49-F238E27FC236}">
+                  <a16:creationId xmlns:a16="http://schemas.microsoft.com/office/drawing/2014/main" id="{8175F3E0-F6EF-4374-86CF-C9AEC0DBC00D}"/>
+                </a:ext>
+              </a:extLst>
+            </p:cNvPr>
+            <p:cNvCxnSpPr>
+              <a:cxnSpLocks/>
+            </p:cNvCxnSpPr>
+            <p:nvPr/>
+          </p:nvCxnSpPr>
+          <p:spPr>
+            <a:xfrm rot="10800000" flipH="1">
+              <a:off x="3494087" y="1512707"/>
+              <a:ext cx="320422" cy="0"/>
+            </a:xfrm>
+            <a:prstGeom prst="line">
+              <a:avLst/>
+            </a:prstGeom>
+            <a:ln w="28575" cap="rnd">
+              <a:solidFill>
+                <a:schemeClr val="tx1">
+                  <a:lumMod val="85000"/>
+                  <a:lumOff val="15000"/>
+                </a:schemeClr>
+              </a:solidFill>
+            </a:ln>
+          </p:spPr>
+          <p:style>
+            <a:lnRef idx="1">
+              <a:schemeClr val="accent1"/>
+            </a:lnRef>
+            <a:fillRef idx="0">
+              <a:schemeClr val="accent1"/>
+            </a:fillRef>
+            <a:effectRef idx="0">
+              <a:schemeClr val="accent1"/>
+            </a:effectRef>
+            <a:fontRef idx="minor">
+              <a:schemeClr val="tx1"/>
+            </a:fontRef>
+          </p:style>
+        </p:cxnSp>
+        <p:cxnSp>
+          <p:nvCxnSpPr>
+            <p:cNvPr id="39" name="Straight Connector 38">
+              <a:extLst>
+                <a:ext uri="{FF2B5EF4-FFF2-40B4-BE49-F238E27FC236}">
+                  <a16:creationId xmlns:a16="http://schemas.microsoft.com/office/drawing/2014/main" id="{52F16555-4CAF-44B4-AE03-C4C080FFCA33}"/>
+                </a:ext>
+              </a:extLst>
+            </p:cNvPr>
+            <p:cNvCxnSpPr>
+              <a:cxnSpLocks/>
+            </p:cNvCxnSpPr>
+            <p:nvPr/>
+          </p:nvCxnSpPr>
+          <p:spPr>
+            <a:xfrm>
+              <a:off x="3814509" y="1512708"/>
+              <a:ext cx="0" cy="143544"/>
+            </a:xfrm>
+            <a:prstGeom prst="line">
+              <a:avLst/>
+            </a:prstGeom>
+            <a:ln w="28575" cap="rnd">
+              <a:solidFill>
+                <a:schemeClr val="tx1">
+                  <a:lumMod val="85000"/>
+                  <a:lumOff val="15000"/>
+                </a:schemeClr>
+              </a:solidFill>
+            </a:ln>
+          </p:spPr>
+          <p:style>
+            <a:lnRef idx="1">
+              <a:schemeClr val="accent1"/>
+            </a:lnRef>
+            <a:fillRef idx="0">
+              <a:schemeClr val="accent1"/>
+            </a:fillRef>
+            <a:effectRef idx="0">
+              <a:schemeClr val="accent1"/>
+            </a:effectRef>
+            <a:fontRef idx="minor">
+              <a:schemeClr val="tx1"/>
+            </a:fontRef>
+          </p:style>
+        </p:cxnSp>
+        <p:cxnSp>
+          <p:nvCxnSpPr>
+            <p:cNvPr id="40" name="Straight Connector 39">
+              <a:extLst>
+                <a:ext uri="{FF2B5EF4-FFF2-40B4-BE49-F238E27FC236}">
+                  <a16:creationId xmlns:a16="http://schemas.microsoft.com/office/drawing/2014/main" id="{D213DADE-43F0-4C14-92FE-F0C14823A880}"/>
+                </a:ext>
+              </a:extLst>
+            </p:cNvPr>
+            <p:cNvCxnSpPr>
+              <a:cxnSpLocks/>
+            </p:cNvCxnSpPr>
+            <p:nvPr/>
+          </p:nvCxnSpPr>
+          <p:spPr>
+            <a:xfrm>
+              <a:off x="3814509" y="1656252"/>
+              <a:ext cx="140260" cy="0"/>
+            </a:xfrm>
+            <a:prstGeom prst="line">
+              <a:avLst/>
+            </a:prstGeom>
+            <a:ln w="28575" cap="rnd">
+              <a:solidFill>
+                <a:schemeClr val="tx1">
+                  <a:lumMod val="85000"/>
+                  <a:lumOff val="15000"/>
+                </a:schemeClr>
+              </a:solidFill>
+            </a:ln>
+          </p:spPr>
+          <p:style>
+            <a:lnRef idx="1">
+              <a:schemeClr val="accent1"/>
+            </a:lnRef>
+            <a:fillRef idx="0">
+              <a:schemeClr val="accent1"/>
+            </a:fillRef>
+            <a:effectRef idx="0">
+              <a:schemeClr val="accent1"/>
+            </a:effectRef>
+            <a:fontRef idx="minor">
+              <a:schemeClr val="tx1"/>
+            </a:fontRef>
+          </p:style>
+        </p:cxnSp>
+      </p:grpSp>
+      <p:sp>
+        <p:nvSpPr>
+          <p:cNvPr id="41" name="Oval 40">
+            <a:extLst>
+              <a:ext uri="{FF2B5EF4-FFF2-40B4-BE49-F238E27FC236}">
+                <a16:creationId xmlns:a16="http://schemas.microsoft.com/office/drawing/2014/main" id="{FAE81D0C-0685-4463-B9B5-02C4A14D10B0}"/>
+              </a:ext>
+            </a:extLst>
+          </p:cNvPr>
+          <p:cNvSpPr/>
+          <p:nvPr/>
+        </p:nvSpPr>
+        <p:spPr>
+          <a:xfrm rot="10800000">
+            <a:off x="6017402" y="3589223"/>
+            <a:ext cx="90000" cy="90000"/>
+          </a:xfrm>
+          <a:prstGeom prst="ellipse">
+            <a:avLst/>
+          </a:prstGeom>
+          <a:solidFill>
+            <a:srgbClr val="FFC000"/>
+          </a:solidFill>
+          <a:ln w="28575">
+            <a:solidFill>
+              <a:schemeClr val="tx1">
+                <a:lumMod val="85000"/>
+                <a:lumOff val="15000"/>
+              </a:schemeClr>
+            </a:solidFill>
+          </a:ln>
+        </p:spPr>
+        <p:style>
+          <a:lnRef idx="2">
+            <a:schemeClr val="accent1">
+              <a:shade val="50000"/>
+            </a:schemeClr>
+          </a:lnRef>
+          <a:fillRef idx="1">
+            <a:schemeClr val="accent1"/>
+          </a:fillRef>
+          <a:effectRef idx="0">
+            <a:schemeClr val="accent1"/>
+          </a:effectRef>
+          <a:fontRef idx="minor">
+            <a:schemeClr val="lt1"/>
+          </a:fontRef>
+        </p:style>
+        <p:txBody>
+          <a:bodyPr rtlCol="0" anchor="ctr"/>
+          <a:lstStyle/>
+          <a:p>
+            <a:pPr algn="ctr"/>
+            <a:endParaRPr lang="fr-BE"/>
+          </a:p>
+        </p:txBody>
+      </p:sp>
+      <p:grpSp>
+        <p:nvGrpSpPr>
+          <p:cNvPr id="42" name="Group 41">
+            <a:extLst>
+              <a:ext uri="{FF2B5EF4-FFF2-40B4-BE49-F238E27FC236}">
+                <a16:creationId xmlns:a16="http://schemas.microsoft.com/office/drawing/2014/main" id="{7198C6FA-4CC9-4C8A-8F9D-8401DB37E781}"/>
+              </a:ext>
+            </a:extLst>
+          </p:cNvPr>
+          <p:cNvGrpSpPr/>
+          <p:nvPr/>
+        </p:nvGrpSpPr>
+        <p:grpSpPr>
+          <a:xfrm>
+            <a:off x="6307452" y="3640787"/>
+            <a:ext cx="91463" cy="140928"/>
+            <a:chOff x="4439732" y="1735257"/>
+            <a:chExt cx="249650" cy="266260"/>
+          </a:xfrm>
+        </p:grpSpPr>
+        <p:cxnSp>
+          <p:nvCxnSpPr>
+            <p:cNvPr id="43" name="Straight Connector 42">
+              <a:extLst>
+                <a:ext uri="{FF2B5EF4-FFF2-40B4-BE49-F238E27FC236}">
+                  <a16:creationId xmlns:a16="http://schemas.microsoft.com/office/drawing/2014/main" id="{EE948724-769B-4921-8527-D738A35378AD}"/>
+                </a:ext>
+              </a:extLst>
+            </p:cNvPr>
+            <p:cNvCxnSpPr>
+              <a:cxnSpLocks/>
+            </p:cNvCxnSpPr>
+            <p:nvPr/>
+          </p:nvCxnSpPr>
+          <p:spPr>
+            <a:xfrm rot="5400000" flipH="1">
+              <a:off x="4479051" y="1791187"/>
+              <a:ext cx="171011" cy="249650"/>
+            </a:xfrm>
+            <a:prstGeom prst="line">
+              <a:avLst/>
+            </a:prstGeom>
+            <a:ln w="28575" cap="rnd">
+              <a:solidFill>
+                <a:schemeClr val="tx1">
+                  <a:lumMod val="85000"/>
+                  <a:lumOff val="15000"/>
+                </a:schemeClr>
+              </a:solidFill>
+            </a:ln>
+          </p:spPr>
+          <p:style>
+            <a:lnRef idx="1">
+              <a:schemeClr val="accent1"/>
+            </a:lnRef>
+            <a:fillRef idx="0">
+              <a:schemeClr val="accent1"/>
+            </a:fillRef>
+            <a:effectRef idx="0">
+              <a:schemeClr val="accent1"/>
+            </a:effectRef>
+            <a:fontRef idx="minor">
+              <a:schemeClr val="tx1"/>
+            </a:fontRef>
+          </p:style>
+        </p:cxnSp>
+        <p:cxnSp>
+          <p:nvCxnSpPr>
+            <p:cNvPr id="44" name="Straight Connector 43">
+              <a:extLst>
+                <a:ext uri="{FF2B5EF4-FFF2-40B4-BE49-F238E27FC236}">
+                  <a16:creationId xmlns:a16="http://schemas.microsoft.com/office/drawing/2014/main" id="{7CE4D298-1F8F-4CBE-ACF7-573C6FF472A1}"/>
+                </a:ext>
+              </a:extLst>
+            </p:cNvPr>
+            <p:cNvCxnSpPr>
+              <a:cxnSpLocks/>
+            </p:cNvCxnSpPr>
+            <p:nvPr/>
+          </p:nvCxnSpPr>
+          <p:spPr>
+            <a:xfrm rot="5400000" flipH="1">
+              <a:off x="4392107" y="1782882"/>
+              <a:ext cx="95250" cy="0"/>
+            </a:xfrm>
+            <a:prstGeom prst="line">
+              <a:avLst/>
+            </a:prstGeom>
+            <a:ln w="28575" cap="rnd">
+              <a:solidFill>
+                <a:schemeClr val="tx1">
+                  <a:lumMod val="85000"/>
+                  <a:lumOff val="15000"/>
+                </a:schemeClr>
+              </a:solidFill>
+            </a:ln>
+          </p:spPr>
+          <p:style>
+            <a:lnRef idx="1">
+              <a:schemeClr val="accent1"/>
+            </a:lnRef>
+            <a:fillRef idx="0">
+              <a:schemeClr val="accent1"/>
+            </a:fillRef>
+            <a:effectRef idx="0">
+              <a:schemeClr val="accent1"/>
+            </a:effectRef>
+            <a:fontRef idx="minor">
+              <a:schemeClr val="tx1"/>
+            </a:fontRef>
+          </p:style>
+        </p:cxnSp>
+      </p:grpSp>
+      <p:sp>
+        <p:nvSpPr>
+          <p:cNvPr id="45" name="Oval 44">
+            <a:extLst>
+              <a:ext uri="{FF2B5EF4-FFF2-40B4-BE49-F238E27FC236}">
+                <a16:creationId xmlns:a16="http://schemas.microsoft.com/office/drawing/2014/main" id="{9E2447F7-35B9-4C79-9716-267B30A7F9C1}"/>
+              </a:ext>
+            </a:extLst>
+          </p:cNvPr>
+          <p:cNvSpPr/>
+          <p:nvPr/>
+        </p:nvSpPr>
+        <p:spPr>
+          <a:xfrm rot="5400000">
+            <a:off x="6262193" y="3555124"/>
+            <a:ext cx="90515" cy="91465"/>
+          </a:xfrm>
+          <a:prstGeom prst="ellipse">
+            <a:avLst/>
+          </a:prstGeom>
+          <a:solidFill>
+            <a:srgbClr val="FFC000"/>
+          </a:solidFill>
+          <a:ln w="28575">
+            <a:solidFill>
+              <a:schemeClr val="tx1">
+                <a:lumMod val="85000"/>
+                <a:lumOff val="15000"/>
+              </a:schemeClr>
+            </a:solidFill>
+          </a:ln>
+        </p:spPr>
+        <p:style>
+          <a:lnRef idx="2">
+            <a:schemeClr val="accent1">
+              <a:shade val="50000"/>
+            </a:schemeClr>
+          </a:lnRef>
+          <a:fillRef idx="1">
+            <a:schemeClr val="accent1"/>
+          </a:fillRef>
+          <a:effectRef idx="0">
+            <a:schemeClr val="accent1"/>
+          </a:effectRef>
+          <a:fontRef idx="minor">
+            <a:schemeClr val="lt1"/>
+          </a:fontRef>
+        </p:style>
+        <p:txBody>
+          <a:bodyPr rtlCol="0" anchor="ctr"/>
+          <a:lstStyle/>
+          <a:p>
+            <a:pPr algn="ctr"/>
+            <a:endParaRPr lang="fr-BE" dirty="0"/>
+          </a:p>
+        </p:txBody>
+      </p:sp>
+      <p:grpSp>
+        <p:nvGrpSpPr>
+          <p:cNvPr id="46" name="Group 45">
+            <a:extLst>
+              <a:ext uri="{FF2B5EF4-FFF2-40B4-BE49-F238E27FC236}">
+                <a16:creationId xmlns:a16="http://schemas.microsoft.com/office/drawing/2014/main" id="{B3258BF0-D48A-4382-9028-D4BC2D31B17F}"/>
+              </a:ext>
+            </a:extLst>
+          </p:cNvPr>
+          <p:cNvGrpSpPr/>
+          <p:nvPr/>
+        </p:nvGrpSpPr>
+        <p:grpSpPr>
+          <a:xfrm rot="16200000">
+            <a:off x="5997997" y="3169337"/>
+            <a:ext cx="150485" cy="140928"/>
+            <a:chOff x="4439732" y="1735257"/>
+            <a:chExt cx="249650" cy="266260"/>
+          </a:xfrm>
+        </p:grpSpPr>
+        <p:cxnSp>
+          <p:nvCxnSpPr>
+            <p:cNvPr id="47" name="Straight Connector 46">
+              <a:extLst>
+                <a:ext uri="{FF2B5EF4-FFF2-40B4-BE49-F238E27FC236}">
+                  <a16:creationId xmlns:a16="http://schemas.microsoft.com/office/drawing/2014/main" id="{247AE373-7A6A-4156-BD3E-92E9E0CA0D5A}"/>
+                </a:ext>
+              </a:extLst>
+            </p:cNvPr>
+            <p:cNvCxnSpPr>
+              <a:cxnSpLocks/>
+            </p:cNvCxnSpPr>
+            <p:nvPr/>
+          </p:nvCxnSpPr>
+          <p:spPr>
+            <a:xfrm rot="5400000" flipH="1">
+              <a:off x="4479051" y="1791187"/>
+              <a:ext cx="171011" cy="249650"/>
+            </a:xfrm>
+            <a:prstGeom prst="line">
+              <a:avLst/>
+            </a:prstGeom>
+            <a:ln w="28575" cap="rnd">
+              <a:solidFill>
+                <a:schemeClr val="tx1">
+                  <a:lumMod val="85000"/>
+                  <a:lumOff val="15000"/>
+                </a:schemeClr>
+              </a:solidFill>
+            </a:ln>
+          </p:spPr>
+          <p:style>
+            <a:lnRef idx="1">
+              <a:schemeClr val="accent1"/>
+            </a:lnRef>
+            <a:fillRef idx="0">
+              <a:schemeClr val="accent1"/>
+            </a:fillRef>
+            <a:effectRef idx="0">
+              <a:schemeClr val="accent1"/>
+            </a:effectRef>
+            <a:fontRef idx="minor">
+              <a:schemeClr val="tx1"/>
+            </a:fontRef>
+          </p:style>
+        </p:cxnSp>
+        <p:cxnSp>
+          <p:nvCxnSpPr>
+            <p:cNvPr id="48" name="Straight Connector 47">
+              <a:extLst>
+                <a:ext uri="{FF2B5EF4-FFF2-40B4-BE49-F238E27FC236}">
+                  <a16:creationId xmlns:a16="http://schemas.microsoft.com/office/drawing/2014/main" id="{23F6C4E2-4A67-47CC-B857-B166220FC763}"/>
+                </a:ext>
+              </a:extLst>
+            </p:cNvPr>
+            <p:cNvCxnSpPr>
+              <a:cxnSpLocks/>
+            </p:cNvCxnSpPr>
+            <p:nvPr/>
+          </p:nvCxnSpPr>
+          <p:spPr>
+            <a:xfrm rot="5400000" flipH="1">
+              <a:off x="4392107" y="1782882"/>
+              <a:ext cx="95250" cy="0"/>
+            </a:xfrm>
+            <a:prstGeom prst="line">
+              <a:avLst/>
+            </a:prstGeom>
+            <a:ln w="28575" cap="rnd">
+              <a:solidFill>
+                <a:schemeClr val="tx1">
+                  <a:lumMod val="85000"/>
+                  <a:lumOff val="15000"/>
+                </a:schemeClr>
+              </a:solidFill>
+            </a:ln>
+          </p:spPr>
+          <p:style>
+            <a:lnRef idx="1">
+              <a:schemeClr val="accent1"/>
+            </a:lnRef>
+            <a:fillRef idx="0">
+              <a:schemeClr val="accent1"/>
+            </a:fillRef>
+            <a:effectRef idx="0">
+              <a:schemeClr val="accent1"/>
+            </a:effectRef>
+            <a:fontRef idx="minor">
+              <a:schemeClr val="tx1"/>
+            </a:fontRef>
+          </p:style>
+        </p:cxnSp>
+      </p:grpSp>
+      <p:sp>
+        <p:nvSpPr>
+          <p:cNvPr id="49" name="Oval 48">
+            <a:extLst>
+              <a:ext uri="{FF2B5EF4-FFF2-40B4-BE49-F238E27FC236}">
+                <a16:creationId xmlns:a16="http://schemas.microsoft.com/office/drawing/2014/main" id="{1C09A957-89A7-4DCD-8F51-692E9150310C}"/>
+              </a:ext>
+            </a:extLst>
+          </p:cNvPr>
+          <p:cNvSpPr/>
+          <p:nvPr/>
+        </p:nvSpPr>
+        <p:spPr>
+          <a:xfrm>
+            <a:off x="5916645" y="3271871"/>
+            <a:ext cx="90000" cy="90000"/>
+          </a:xfrm>
+          <a:prstGeom prst="ellipse">
+            <a:avLst/>
+          </a:prstGeom>
+          <a:solidFill>
+            <a:srgbClr val="FFC000"/>
+          </a:solidFill>
+          <a:ln w="28575">
+            <a:solidFill>
+              <a:schemeClr val="tx1">
+                <a:lumMod val="85000"/>
+                <a:lumOff val="15000"/>
+              </a:schemeClr>
+            </a:solidFill>
+          </a:ln>
+        </p:spPr>
+        <p:style>
+          <a:lnRef idx="2">
+            <a:schemeClr val="accent1">
+              <a:shade val="50000"/>
+            </a:schemeClr>
+          </a:lnRef>
+          <a:fillRef idx="1">
+            <a:schemeClr val="accent1"/>
+          </a:fillRef>
+          <a:effectRef idx="0">
+            <a:schemeClr val="accent1"/>
+          </a:effectRef>
+          <a:fontRef idx="minor">
+            <a:schemeClr val="lt1"/>
+          </a:fontRef>
+        </p:style>
+        <p:txBody>
+          <a:bodyPr rtlCol="0" anchor="ctr"/>
+          <a:lstStyle/>
+          <a:p>
+            <a:pPr algn="ctr"/>
+            <a:endParaRPr lang="fr-BE"/>
+          </a:p>
+        </p:txBody>
+      </p:sp>
+      <p:grpSp>
+        <p:nvGrpSpPr>
+          <p:cNvPr id="50" name="Group 49">
+            <a:extLst>
+              <a:ext uri="{FF2B5EF4-FFF2-40B4-BE49-F238E27FC236}">
+                <a16:creationId xmlns:a16="http://schemas.microsoft.com/office/drawing/2014/main" id="{334AD29E-EC00-4AFE-A6BB-1E082B653708}"/>
+              </a:ext>
+            </a:extLst>
+          </p:cNvPr>
+          <p:cNvGrpSpPr/>
+          <p:nvPr/>
+        </p:nvGrpSpPr>
+        <p:grpSpPr>
+          <a:xfrm>
+            <a:off x="6143704" y="3339643"/>
+            <a:ext cx="258856" cy="90000"/>
+            <a:chOff x="4268071" y="1075055"/>
+            <a:chExt cx="482298" cy="197661"/>
+          </a:xfrm>
+        </p:grpSpPr>
+        <p:cxnSp>
+          <p:nvCxnSpPr>
+            <p:cNvPr id="51" name="Straight Connector 50">
+              <a:extLst>
+                <a:ext uri="{FF2B5EF4-FFF2-40B4-BE49-F238E27FC236}">
+                  <a16:creationId xmlns:a16="http://schemas.microsoft.com/office/drawing/2014/main" id="{15D3215D-0CA3-49F7-BF96-3C24907F59D7}"/>
+                </a:ext>
+              </a:extLst>
+            </p:cNvPr>
+            <p:cNvCxnSpPr>
+              <a:cxnSpLocks/>
+            </p:cNvCxnSpPr>
+            <p:nvPr/>
+          </p:nvCxnSpPr>
+          <p:spPr>
+            <a:xfrm flipH="1">
+              <a:off x="4429947" y="1075055"/>
+              <a:ext cx="320422" cy="0"/>
+            </a:xfrm>
+            <a:prstGeom prst="line">
+              <a:avLst/>
+            </a:prstGeom>
+            <a:ln w="28575" cap="rnd">
+              <a:solidFill>
+                <a:schemeClr val="tx1">
+                  <a:lumMod val="85000"/>
+                  <a:lumOff val="15000"/>
+                </a:schemeClr>
+              </a:solidFill>
+            </a:ln>
+          </p:spPr>
+          <p:style>
+            <a:lnRef idx="1">
+              <a:schemeClr val="accent1"/>
+            </a:lnRef>
+            <a:fillRef idx="0">
+              <a:schemeClr val="accent1"/>
+            </a:fillRef>
+            <a:effectRef idx="0">
+              <a:schemeClr val="accent1"/>
+            </a:effectRef>
+            <a:fontRef idx="minor">
+              <a:schemeClr val="tx1"/>
+            </a:fontRef>
+          </p:style>
+        </p:cxnSp>
+        <p:cxnSp>
+          <p:nvCxnSpPr>
+            <p:cNvPr id="52" name="Straight Connector 51">
+              <a:extLst>
+                <a:ext uri="{FF2B5EF4-FFF2-40B4-BE49-F238E27FC236}">
+                  <a16:creationId xmlns:a16="http://schemas.microsoft.com/office/drawing/2014/main" id="{676D64C5-968D-476B-B1A0-D97E1B06AC43}"/>
+                </a:ext>
+              </a:extLst>
+            </p:cNvPr>
+            <p:cNvCxnSpPr>
+              <a:cxnSpLocks/>
+            </p:cNvCxnSpPr>
+            <p:nvPr/>
+          </p:nvCxnSpPr>
+          <p:spPr>
+            <a:xfrm flipH="1">
+              <a:off x="4268071" y="1075055"/>
+              <a:ext cx="161876" cy="197661"/>
+            </a:xfrm>
+            <a:prstGeom prst="line">
+              <a:avLst/>
+            </a:prstGeom>
+            <a:ln w="28575" cap="rnd">
+              <a:solidFill>
+                <a:schemeClr val="tx1">
+                  <a:lumMod val="85000"/>
+                  <a:lumOff val="15000"/>
+                </a:schemeClr>
+              </a:solidFill>
+            </a:ln>
+          </p:spPr>
+          <p:style>
+            <a:lnRef idx="1">
+              <a:schemeClr val="accent1"/>
+            </a:lnRef>
+            <a:fillRef idx="0">
+              <a:schemeClr val="accent1"/>
+            </a:fillRef>
+            <a:effectRef idx="0">
+              <a:schemeClr val="accent1"/>
+            </a:effectRef>
+            <a:fontRef idx="minor">
+              <a:schemeClr val="tx1"/>
+            </a:fontRef>
+          </p:style>
+        </p:cxnSp>
+      </p:grpSp>
+      <p:sp>
+        <p:nvSpPr>
+          <p:cNvPr id="53" name="Oval 52">
+            <a:extLst>
+              <a:ext uri="{FF2B5EF4-FFF2-40B4-BE49-F238E27FC236}">
+                <a16:creationId xmlns:a16="http://schemas.microsoft.com/office/drawing/2014/main" id="{BB64F582-A520-4141-A341-A6FC5737861A}"/>
+              </a:ext>
+            </a:extLst>
+          </p:cNvPr>
+          <p:cNvSpPr/>
+          <p:nvPr/>
+        </p:nvSpPr>
+        <p:spPr>
+          <a:xfrm>
+            <a:off x="6077301" y="3400686"/>
+            <a:ext cx="90000" cy="90000"/>
+          </a:xfrm>
+          <a:prstGeom prst="ellipse">
+            <a:avLst/>
+          </a:prstGeom>
+          <a:solidFill>
+            <a:srgbClr val="FFC000"/>
+          </a:solidFill>
+          <a:ln w="28575">
+            <a:solidFill>
+              <a:schemeClr val="tx1">
+                <a:lumMod val="85000"/>
+                <a:lumOff val="15000"/>
+              </a:schemeClr>
+            </a:solidFill>
+          </a:ln>
+        </p:spPr>
+        <p:style>
+          <a:lnRef idx="2">
+            <a:schemeClr val="accent1">
+              <a:shade val="50000"/>
+            </a:schemeClr>
+          </a:lnRef>
+          <a:fillRef idx="1">
+            <a:schemeClr val="accent1"/>
+          </a:fillRef>
+          <a:effectRef idx="0">
+            <a:schemeClr val="accent1"/>
+          </a:effectRef>
+          <a:fontRef idx="minor">
+            <a:schemeClr val="lt1"/>
+          </a:fontRef>
+        </p:style>
+        <p:txBody>
+          <a:bodyPr rtlCol="0" anchor="ctr"/>
+          <a:lstStyle/>
+          <a:p>
+            <a:pPr algn="ctr"/>
+            <a:endParaRPr lang="fr-BE" dirty="0"/>
+          </a:p>
+        </p:txBody>
+      </p:sp>
+      <p:sp>
+        <p:nvSpPr>
+          <p:cNvPr id="54" name="Oval 53">
+            <a:extLst>
+              <a:ext uri="{FF2B5EF4-FFF2-40B4-BE49-F238E27FC236}">
+                <a16:creationId xmlns:a16="http://schemas.microsoft.com/office/drawing/2014/main" id="{54040B82-2E1D-4496-AA6E-72E9B93D6683}"/>
+              </a:ext>
+            </a:extLst>
+          </p:cNvPr>
+          <p:cNvSpPr/>
+          <p:nvPr/>
+        </p:nvSpPr>
+        <p:spPr>
+          <a:xfrm>
+            <a:off x="5846825" y="3467754"/>
+            <a:ext cx="36000" cy="36000"/>
+          </a:xfrm>
+          <a:prstGeom prst="ellipse">
+            <a:avLst/>
+          </a:prstGeom>
+          <a:solidFill>
+            <a:schemeClr val="tx1">
+              <a:lumMod val="85000"/>
+              <a:lumOff val="15000"/>
+            </a:schemeClr>
+          </a:solidFill>
+          <a:ln>
+            <a:noFill/>
+          </a:ln>
+        </p:spPr>
+        <p:style>
+          <a:lnRef idx="2">
+            <a:schemeClr val="accent1">
+              <a:shade val="50000"/>
+            </a:schemeClr>
+          </a:lnRef>
+          <a:fillRef idx="1">
+            <a:schemeClr val="accent1"/>
+          </a:fillRef>
+          <a:effectRef idx="0">
+            <a:schemeClr val="accent1"/>
+          </a:effectRef>
+          <a:fontRef idx="minor">
+            <a:schemeClr val="lt1"/>
+          </a:fontRef>
+        </p:style>
+        <p:txBody>
+          <a:bodyPr rtlCol="0" anchor="ctr"/>
+          <a:lstStyle/>
+          <a:p>
+            <a:pPr algn="ctr"/>
+            <a:endParaRPr lang="fr-BE"/>
+          </a:p>
+        </p:txBody>
+      </p:sp>
+      <p:sp>
+        <p:nvSpPr>
+          <p:cNvPr id="55" name="Oval 54">
+            <a:extLst>
+              <a:ext uri="{FF2B5EF4-FFF2-40B4-BE49-F238E27FC236}">
+                <a16:creationId xmlns:a16="http://schemas.microsoft.com/office/drawing/2014/main" id="{6550618B-4AC8-4B85-B6D9-EBACC74FD36E}"/>
+              </a:ext>
+            </a:extLst>
+          </p:cNvPr>
+          <p:cNvSpPr/>
+          <p:nvPr/>
+        </p:nvSpPr>
+        <p:spPr>
+          <a:xfrm>
+            <a:off x="6230585" y="3238655"/>
+            <a:ext cx="36000" cy="36000"/>
+          </a:xfrm>
+          <a:prstGeom prst="ellipse">
+            <a:avLst/>
+          </a:prstGeom>
+          <a:solidFill>
+            <a:schemeClr val="tx1">
+              <a:lumMod val="85000"/>
+              <a:lumOff val="15000"/>
+            </a:schemeClr>
+          </a:solidFill>
+          <a:ln>
+            <a:noFill/>
+          </a:ln>
+        </p:spPr>
+        <p:style>
+          <a:lnRef idx="2">
+            <a:schemeClr val="accent1">
+              <a:shade val="50000"/>
+            </a:schemeClr>
+          </a:lnRef>
+          <a:fillRef idx="1">
+            <a:schemeClr val="accent1"/>
+          </a:fillRef>
+          <a:effectRef idx="0">
+            <a:schemeClr val="accent1"/>
+          </a:effectRef>
+          <a:fontRef idx="minor">
+            <a:schemeClr val="lt1"/>
+          </a:fontRef>
+        </p:style>
+        <p:txBody>
+          <a:bodyPr rtlCol="0" anchor="ctr"/>
+          <a:lstStyle/>
+          <a:p>
+            <a:pPr algn="ctr"/>
+            <a:endParaRPr lang="fr-BE"/>
+          </a:p>
+        </p:txBody>
+      </p:sp>
+      <p:sp>
+        <p:nvSpPr>
+          <p:cNvPr id="56" name="Oval 55">
+            <a:extLst>
+              <a:ext uri="{FF2B5EF4-FFF2-40B4-BE49-F238E27FC236}">
+                <a16:creationId xmlns:a16="http://schemas.microsoft.com/office/drawing/2014/main" id="{7DA0F91C-5617-46B7-9E13-9BA40144A6DE}"/>
+              </a:ext>
+            </a:extLst>
+          </p:cNvPr>
+          <p:cNvSpPr/>
+          <p:nvPr/>
+        </p:nvSpPr>
+        <p:spPr>
+          <a:xfrm>
+            <a:off x="6280572" y="3439166"/>
+            <a:ext cx="36000" cy="36000"/>
+          </a:xfrm>
+          <a:prstGeom prst="ellipse">
+            <a:avLst/>
+          </a:prstGeom>
+          <a:solidFill>
+            <a:schemeClr val="tx1">
+              <a:lumMod val="85000"/>
+              <a:lumOff val="15000"/>
+            </a:schemeClr>
+          </a:solidFill>
+          <a:ln>
+            <a:noFill/>
+          </a:ln>
+        </p:spPr>
+        <p:style>
+          <a:lnRef idx="2">
+            <a:schemeClr val="accent1">
+              <a:shade val="50000"/>
+            </a:schemeClr>
+          </a:lnRef>
+          <a:fillRef idx="1">
+            <a:schemeClr val="accent1"/>
+          </a:fillRef>
+          <a:effectRef idx="0">
+            <a:schemeClr val="accent1"/>
+          </a:effectRef>
+          <a:fontRef idx="minor">
+            <a:schemeClr val="lt1"/>
+          </a:fontRef>
+        </p:style>
+        <p:txBody>
+          <a:bodyPr rtlCol="0" anchor="ctr"/>
+          <a:lstStyle/>
+          <a:p>
+            <a:pPr algn="ctr"/>
+            <a:endParaRPr lang="fr-BE"/>
+          </a:p>
+        </p:txBody>
+      </p:sp>
+      <p:sp>
+        <p:nvSpPr>
+          <p:cNvPr id="57" name="Oval 56">
+            <a:extLst>
+              <a:ext uri="{FF2B5EF4-FFF2-40B4-BE49-F238E27FC236}">
+                <a16:creationId xmlns:a16="http://schemas.microsoft.com/office/drawing/2014/main" id="{45A8DCE0-6B64-41E5-995E-86AAADA1479E}"/>
+              </a:ext>
+            </a:extLst>
+          </p:cNvPr>
+          <p:cNvSpPr/>
+          <p:nvPr/>
+        </p:nvSpPr>
+        <p:spPr>
+          <a:xfrm>
+            <a:off x="5914970" y="3724965"/>
+            <a:ext cx="36000" cy="36000"/>
+          </a:xfrm>
+          <a:prstGeom prst="ellipse">
+            <a:avLst/>
+          </a:prstGeom>
+          <a:solidFill>
+            <a:schemeClr val="tx1">
+              <a:lumMod val="85000"/>
+              <a:lumOff val="15000"/>
+            </a:schemeClr>
+          </a:solidFill>
+          <a:ln>
+            <a:noFill/>
+          </a:ln>
+        </p:spPr>
+        <p:style>
+          <a:lnRef idx="2">
+            <a:schemeClr val="accent1">
+              <a:shade val="50000"/>
+            </a:schemeClr>
+          </a:lnRef>
+          <a:fillRef idx="1">
+            <a:schemeClr val="accent1"/>
+          </a:fillRef>
+          <a:effectRef idx="0">
+            <a:schemeClr val="accent1"/>
+          </a:effectRef>
+          <a:fontRef idx="minor">
+            <a:schemeClr val="lt1"/>
+          </a:fontRef>
+        </p:style>
+        <p:txBody>
+          <a:bodyPr rtlCol="0" anchor="ctr"/>
+          <a:lstStyle/>
+          <a:p>
+            <a:pPr algn="ctr"/>
+            <a:endParaRPr lang="fr-BE"/>
+          </a:p>
+        </p:txBody>
+      </p:sp>
+    </p:spTree>
+    <p:extLst>
+      <p:ext uri="{BB962C8B-B14F-4D97-AF65-F5344CB8AC3E}">
+        <p14:creationId xmlns:p14="http://schemas.microsoft.com/office/powerpoint/2010/main" val="1401267935"/>
+      </p:ext>
+    </p:extLst>
+  </p:cSld>
+  <p:clrMapOvr>
+    <a:masterClrMapping/>
+  </p:clrMapOvr>
+  <p:timing>
+    <p:tnLst>
+      <p:par>
+        <p:cTn id="1" dur="indefinite" restart="never" nodeType="tmRoot">
+          <p:childTnLst>
+            <p:seq concurrent="1" nextAc="seek">
+              <p:cTn id="2" dur="indefinite" nodeType="mainSeq">
+                <p:childTnLst>
+                  <p:par>
+                    <p:cTn id="3" fill="hold">
+                      <p:stCondLst>
+                        <p:cond delay="indefinite"/>
+                        <p:cond evt="onBegin" delay="0">
+                          <p:tn val="2"/>
+                        </p:cond>
+                      </p:stCondLst>
+                      <p:childTnLst>
+                        <p:par>
+                          <p:cTn id="4" fill="hold">
+                            <p:stCondLst>
+                              <p:cond delay="0"/>
+                            </p:stCondLst>
+                            <p:childTnLst>
+                              <p:par>
+                                <p:cTn id="5" presetID="1" presetClass="emph" presetSubtype="10" repeatCount="indefinite" accel="9000" decel="26000" fill="remove" nodeType="withEffect">
+                                  <p:stCondLst>
+                                    <p:cond delay="0"/>
+                                  </p:stCondLst>
+                                  <p:childTnLst>
+                                    <p:animClr clrSpc="hsl" dir="ccw">
+                                      <p:cBhvr>
+                                        <p:cTn id="6" dur="1600" fill="hold"/>
+                                        <p:tgtEl>
+                                          <p:spTgt spid="41"/>
+                                        </p:tgtEl>
+                                        <p:attrNameLst>
+                                          <p:attrName>fillcolor</p:attrName>
+                                        </p:attrNameLst>
+                                      </p:cBhvr>
+                                      <p:to>
+                                        <a:srgbClr val="67D04E"/>
+                                      </p:to>
+                                    </p:animClr>
+                                    <p:set>
+                                      <p:cBhvr>
+                                        <p:cTn id="7" dur="1600" fill="hold"/>
+                                        <p:tgtEl>
+                                          <p:spTgt spid="41"/>
+                                        </p:tgtEl>
+                                        <p:attrNameLst>
+                                          <p:attrName>fill.type</p:attrName>
+                                        </p:attrNameLst>
+                                      </p:cBhvr>
+                                      <p:to>
+                                        <p:strVal val="solid"/>
+                                      </p:to>
+                                    </p:set>
+                                    <p:set>
+                                      <p:cBhvr>
+                                        <p:cTn id="8" dur="1600" fill="hold"/>
+                                        <p:tgtEl>
+                                          <p:spTgt spid="41"/>
+                                        </p:tgtEl>
+                                        <p:attrNameLst>
+                                          <p:attrName>fill.on</p:attrName>
+                                        </p:attrNameLst>
+                                      </p:cBhvr>
+                                      <p:to>
+                                        <p:strVal val="true"/>
+                                      </p:to>
+                                    </p:set>
+                                  </p:childTnLst>
+                                </p:cTn>
+                              </p:par>
+                              <p:par>
+                                <p:cTn id="9" presetID="1" presetClass="emph" presetSubtype="10" repeatCount="indefinite" accel="9000" decel="26000" fill="remove" nodeType="withEffect">
+                                  <p:stCondLst>
+                                    <p:cond delay="0"/>
+                                  </p:stCondLst>
+                                  <p:childTnLst>
+                                    <p:animClr clrSpc="hsl" dir="ccw">
+                                      <p:cBhvr>
+                                        <p:cTn id="10" dur="1300" fill="hold"/>
+                                        <p:tgtEl>
+                                          <p:spTgt spid="45"/>
+                                        </p:tgtEl>
+                                        <p:attrNameLst>
+                                          <p:attrName>fillcolor</p:attrName>
+                                        </p:attrNameLst>
+                                      </p:cBhvr>
+                                      <p:to>
+                                        <a:srgbClr val="67D04E"/>
+                                      </p:to>
+                                    </p:animClr>
+                                    <p:set>
+                                      <p:cBhvr>
+                                        <p:cTn id="11" dur="1300" fill="hold"/>
+                                        <p:tgtEl>
+                                          <p:spTgt spid="45"/>
+                                        </p:tgtEl>
+                                        <p:attrNameLst>
+                                          <p:attrName>fill.type</p:attrName>
+                                        </p:attrNameLst>
+                                      </p:cBhvr>
+                                      <p:to>
+                                        <p:strVal val="solid"/>
+                                      </p:to>
+                                    </p:set>
+                                    <p:set>
+                                      <p:cBhvr>
+                                        <p:cTn id="12" dur="1300" fill="hold"/>
+                                        <p:tgtEl>
+                                          <p:spTgt spid="45"/>
+                                        </p:tgtEl>
+                                        <p:attrNameLst>
+                                          <p:attrName>fill.on</p:attrName>
+                                        </p:attrNameLst>
+                                      </p:cBhvr>
+                                      <p:to>
+                                        <p:strVal val="true"/>
+                                      </p:to>
+                                    </p:set>
+                                  </p:childTnLst>
+                                </p:cTn>
+                              </p:par>
+                              <p:par>
+                                <p:cTn id="13" presetID="1" presetClass="emph" presetSubtype="10" repeatCount="indefinite" accel="9000" decel="26000" fill="remove" nodeType="withEffect">
+                                  <p:stCondLst>
+                                    <p:cond delay="0"/>
+                                  </p:stCondLst>
+                                  <p:childTnLst>
+                                    <p:animClr clrSpc="hsl" dir="ccw">
+                                      <p:cBhvr>
+                                        <p:cTn id="14" dur="2200" fill="hold"/>
+                                        <p:tgtEl>
+                                          <p:spTgt spid="49"/>
+                                        </p:tgtEl>
+                                        <p:attrNameLst>
+                                          <p:attrName>fillcolor</p:attrName>
+                                        </p:attrNameLst>
+                                      </p:cBhvr>
+                                      <p:to>
+                                        <a:srgbClr val="67D04E"/>
+                                      </p:to>
+                                    </p:animClr>
+                                    <p:set>
+                                      <p:cBhvr>
+                                        <p:cTn id="15" dur="2200" fill="hold"/>
+                                        <p:tgtEl>
+                                          <p:spTgt spid="49"/>
+                                        </p:tgtEl>
+                                        <p:attrNameLst>
+                                          <p:attrName>fill.type</p:attrName>
+                                        </p:attrNameLst>
+                                      </p:cBhvr>
+                                      <p:to>
+                                        <p:strVal val="solid"/>
+                                      </p:to>
+                                    </p:set>
+                                    <p:set>
+                                      <p:cBhvr>
+                                        <p:cTn id="16" dur="2200" fill="hold"/>
+                                        <p:tgtEl>
+                                          <p:spTgt spid="49"/>
+                                        </p:tgtEl>
+                                        <p:attrNameLst>
+                                          <p:attrName>fill.on</p:attrName>
+                                        </p:attrNameLst>
+                                      </p:cBhvr>
+                                      <p:to>
+                                        <p:strVal val="true"/>
+                                      </p:to>
+                                    </p:set>
+                                  </p:childTnLst>
+                                </p:cTn>
+                              </p:par>
+                              <p:par>
+                                <p:cTn id="17" presetID="1" presetClass="emph" presetSubtype="10" repeatCount="indefinite" accel="9000" decel="26000" fill="remove" nodeType="withEffect">
+                                  <p:stCondLst>
+                                    <p:cond delay="0"/>
+                                  </p:stCondLst>
+                                  <p:childTnLst>
+                                    <p:animClr clrSpc="hsl" dir="ccw">
+                                      <p:cBhvr>
+                                        <p:cTn id="18" dur="900" fill="hold"/>
+                                        <p:tgtEl>
+                                          <p:spTgt spid="53"/>
+                                        </p:tgtEl>
+                                        <p:attrNameLst>
+                                          <p:attrName>fillcolor</p:attrName>
+                                        </p:attrNameLst>
+                                      </p:cBhvr>
+                                      <p:to>
+                                        <a:srgbClr val="67D04E"/>
+                                      </p:to>
+                                    </p:animClr>
+                                    <p:set>
+                                      <p:cBhvr>
+                                        <p:cTn id="19" dur="900" fill="hold"/>
+                                        <p:tgtEl>
+                                          <p:spTgt spid="53"/>
+                                        </p:tgtEl>
+                                        <p:attrNameLst>
+                                          <p:attrName>fill.type</p:attrName>
+                                        </p:attrNameLst>
+                                      </p:cBhvr>
+                                      <p:to>
+                                        <p:strVal val="solid"/>
+                                      </p:to>
+                                    </p:set>
+                                    <p:set>
+                                      <p:cBhvr>
+                                        <p:cTn id="20" dur="900" fill="hold"/>
+                                        <p:tgtEl>
+                                          <p:spTgt spid="53"/>
+                                        </p:tgtEl>
+                                        <p:attrNameLst>
+                                          <p:attrName>fill.on</p:attrName>
+                                        </p:attrNameLst>
+                                      </p:cBhvr>
+                                      <p:to>
+                                        <p:strVal val="true"/>
+                                      </p:to>
+                                    </p:set>
+                                  </p:childTnLst>
+                                </p:cTn>
+                              </p:par>
+                            </p:childTnLst>
+                          </p:cTn>
+                        </p:par>
+                      </p:childTnLst>
+                    </p:cTn>
+                  </p:par>
+                </p:childTnLst>
+              </p:cTn>
+              <p:prevCondLst>
+                <p:cond evt="onPrev" delay="0">
+                  <p:tgtEl>
+                    <p:sldTgt/>
+                  </p:tgtEl>
+                </p:cond>
+              </p:prevCondLst>
+              <p:nextCondLst>
+                <p:cond evt="onNext" delay="0">
+                  <p:tgtEl>
+                    <p:sldTgt/>
+                  </p:tgtEl>
+                </p:cond>
+              </p:nextCondLst>
+            </p:seq>
+          </p:childTnLst>
+        </p:cTn>
+      </p:par>
+    </p:tnLst>
+  </p:timing>
 </p:sld>
 </file>
 

--- a/Powerpoints/parts.pptx
+++ b/Powerpoints/parts.pptx
@@ -13,6 +13,7 @@
     <p:sldId id="260" r:id="rId7"/>
     <p:sldId id="261" r:id="rId8"/>
     <p:sldId id="262" r:id="rId9"/>
+    <p:sldId id="264" r:id="rId10"/>
   </p:sldIdLst>
   <p:sldSz cx="12192000" cy="6858000"/>
   <p:notesSz cx="6858000" cy="9144000"/>
@@ -280,7 +281,7 @@
           <a:p>
             <a:fld id="{4865D920-62CB-495C-8529-9D6639115F7C}" type="datetimeFigureOut">
               <a:rPr lang="fr-BE" smtClean="0"/>
-              <a:t>21-05-20</a:t>
+              <a:t>09-06-20</a:t>
             </a:fld>
             <a:endParaRPr lang="fr-BE"/>
           </a:p>
@@ -480,7 +481,7 @@
           <a:p>
             <a:fld id="{4865D920-62CB-495C-8529-9D6639115F7C}" type="datetimeFigureOut">
               <a:rPr lang="fr-BE" smtClean="0"/>
-              <a:t>21-05-20</a:t>
+              <a:t>09-06-20</a:t>
             </a:fld>
             <a:endParaRPr lang="fr-BE"/>
           </a:p>
@@ -690,7 +691,7 @@
           <a:p>
             <a:fld id="{4865D920-62CB-495C-8529-9D6639115F7C}" type="datetimeFigureOut">
               <a:rPr lang="fr-BE" smtClean="0"/>
-              <a:t>21-05-20</a:t>
+              <a:t>09-06-20</a:t>
             </a:fld>
             <a:endParaRPr lang="fr-BE"/>
           </a:p>
@@ -890,7 +891,7 @@
           <a:p>
             <a:fld id="{4865D920-62CB-495C-8529-9D6639115F7C}" type="datetimeFigureOut">
               <a:rPr lang="fr-BE" smtClean="0"/>
-              <a:t>21-05-20</a:t>
+              <a:t>09-06-20</a:t>
             </a:fld>
             <a:endParaRPr lang="fr-BE"/>
           </a:p>
@@ -1166,7 +1167,7 @@
           <a:p>
             <a:fld id="{4865D920-62CB-495C-8529-9D6639115F7C}" type="datetimeFigureOut">
               <a:rPr lang="fr-BE" smtClean="0"/>
-              <a:t>21-05-20</a:t>
+              <a:t>09-06-20</a:t>
             </a:fld>
             <a:endParaRPr lang="fr-BE"/>
           </a:p>
@@ -1434,7 +1435,7 @@
           <a:p>
             <a:fld id="{4865D920-62CB-495C-8529-9D6639115F7C}" type="datetimeFigureOut">
               <a:rPr lang="fr-BE" smtClean="0"/>
-              <a:t>21-05-20</a:t>
+              <a:t>09-06-20</a:t>
             </a:fld>
             <a:endParaRPr lang="fr-BE"/>
           </a:p>
@@ -1849,7 +1850,7 @@
           <a:p>
             <a:fld id="{4865D920-62CB-495C-8529-9D6639115F7C}" type="datetimeFigureOut">
               <a:rPr lang="fr-BE" smtClean="0"/>
-              <a:t>21-05-20</a:t>
+              <a:t>09-06-20</a:t>
             </a:fld>
             <a:endParaRPr lang="fr-BE"/>
           </a:p>
@@ -1991,7 +1992,7 @@
           <a:p>
             <a:fld id="{4865D920-62CB-495C-8529-9D6639115F7C}" type="datetimeFigureOut">
               <a:rPr lang="fr-BE" smtClean="0"/>
-              <a:t>21-05-20</a:t>
+              <a:t>09-06-20</a:t>
             </a:fld>
             <a:endParaRPr lang="fr-BE"/>
           </a:p>
@@ -2104,7 +2105,7 @@
           <a:p>
             <a:fld id="{4865D920-62CB-495C-8529-9D6639115F7C}" type="datetimeFigureOut">
               <a:rPr lang="fr-BE" smtClean="0"/>
-              <a:t>21-05-20</a:t>
+              <a:t>09-06-20</a:t>
             </a:fld>
             <a:endParaRPr lang="fr-BE"/>
           </a:p>
@@ -2417,7 +2418,7 @@
           <a:p>
             <a:fld id="{4865D920-62CB-495C-8529-9D6639115F7C}" type="datetimeFigureOut">
               <a:rPr lang="fr-BE" smtClean="0"/>
-              <a:t>21-05-20</a:t>
+              <a:t>09-06-20</a:t>
             </a:fld>
             <a:endParaRPr lang="fr-BE"/>
           </a:p>
@@ -2706,7 +2707,7 @@
           <a:p>
             <a:fld id="{4865D920-62CB-495C-8529-9D6639115F7C}" type="datetimeFigureOut">
               <a:rPr lang="fr-BE" smtClean="0"/>
-              <a:t>21-05-20</a:t>
+              <a:t>09-06-20</a:t>
             </a:fld>
             <a:endParaRPr lang="fr-BE"/>
           </a:p>
@@ -2949,7 +2950,7 @@
           <a:p>
             <a:fld id="{4865D920-62CB-495C-8529-9D6639115F7C}" type="datetimeFigureOut">
               <a:rPr lang="fr-BE" smtClean="0"/>
-              <a:t>21-05-20</a:t>
+              <a:t>09-06-20</a:t>
             </a:fld>
             <a:endParaRPr lang="fr-BE"/>
           </a:p>
@@ -6074,6 +6075,2716 @@
           </p:txBody>
         </p:sp>
       </p:grpSp>
+      <p:sp>
+        <p:nvSpPr>
+          <p:cNvPr id="60" name="Freeform: Shape 59">
+            <a:extLst>
+              <a:ext uri="{FF2B5EF4-FFF2-40B4-BE49-F238E27FC236}">
+                <a16:creationId xmlns:a16="http://schemas.microsoft.com/office/drawing/2014/main" id="{FED28184-210E-4F52-8062-5DD19B950CF1}"/>
+              </a:ext>
+            </a:extLst>
+          </p:cNvPr>
+          <p:cNvSpPr/>
+          <p:nvPr/>
+        </p:nvSpPr>
+        <p:spPr>
+          <a:xfrm>
+            <a:off x="7620408" y="2020987"/>
+            <a:ext cx="1296000" cy="1296000"/>
+          </a:xfrm>
+          <a:custGeom>
+            <a:avLst/>
+            <a:gdLst>
+              <a:gd name="connsiteX0" fmla="*/ 112454 w 1296000"/>
+              <a:gd name="connsiteY0" fmla="*/ 0 h 1296000"/>
+              <a:gd name="connsiteX1" fmla="*/ 1183546 w 1296000"/>
+              <a:gd name="connsiteY1" fmla="*/ 0 h 1296000"/>
+              <a:gd name="connsiteX2" fmla="*/ 1296000 w 1296000"/>
+              <a:gd name="connsiteY2" fmla="*/ 112454 h 1296000"/>
+              <a:gd name="connsiteX3" fmla="*/ 1296000 w 1296000"/>
+              <a:gd name="connsiteY3" fmla="*/ 1183546 h 1296000"/>
+              <a:gd name="connsiteX4" fmla="*/ 1183546 w 1296000"/>
+              <a:gd name="connsiteY4" fmla="*/ 1296000 h 1296000"/>
+              <a:gd name="connsiteX5" fmla="*/ 112454 w 1296000"/>
+              <a:gd name="connsiteY5" fmla="*/ 1296000 h 1296000"/>
+              <a:gd name="connsiteX6" fmla="*/ 0 w 1296000"/>
+              <a:gd name="connsiteY6" fmla="*/ 1183546 h 1296000"/>
+              <a:gd name="connsiteX7" fmla="*/ 0 w 1296000"/>
+              <a:gd name="connsiteY7" fmla="*/ 112454 h 1296000"/>
+              <a:gd name="connsiteX8" fmla="*/ 112454 w 1296000"/>
+              <a:gd name="connsiteY8" fmla="*/ 0 h 1296000"/>
+            </a:gdLst>
+            <a:ahLst/>
+            <a:cxnLst>
+              <a:cxn ang="0">
+                <a:pos x="connsiteX0" y="connsiteY0"/>
+              </a:cxn>
+              <a:cxn ang="0">
+                <a:pos x="connsiteX1" y="connsiteY1"/>
+              </a:cxn>
+              <a:cxn ang="0">
+                <a:pos x="connsiteX2" y="connsiteY2"/>
+              </a:cxn>
+              <a:cxn ang="0">
+                <a:pos x="connsiteX3" y="connsiteY3"/>
+              </a:cxn>
+              <a:cxn ang="0">
+                <a:pos x="connsiteX4" y="connsiteY4"/>
+              </a:cxn>
+              <a:cxn ang="0">
+                <a:pos x="connsiteX5" y="connsiteY5"/>
+              </a:cxn>
+              <a:cxn ang="0">
+                <a:pos x="connsiteX6" y="connsiteY6"/>
+              </a:cxn>
+              <a:cxn ang="0">
+                <a:pos x="connsiteX7" y="connsiteY7"/>
+              </a:cxn>
+              <a:cxn ang="0">
+                <a:pos x="connsiteX8" y="connsiteY8"/>
+              </a:cxn>
+            </a:cxnLst>
+            <a:rect l="l" t="t" r="r" b="b"/>
+            <a:pathLst>
+              <a:path w="1296000" h="1296000">
+                <a:moveTo>
+                  <a:pt x="112454" y="0"/>
+                </a:moveTo>
+                <a:lnTo>
+                  <a:pt x="1183546" y="0"/>
+                </a:lnTo>
+                <a:cubicBezTo>
+                  <a:pt x="1245653" y="0"/>
+                  <a:pt x="1296000" y="50347"/>
+                  <a:pt x="1296000" y="112454"/>
+                </a:cubicBezTo>
+                <a:lnTo>
+                  <a:pt x="1296000" y="1183546"/>
+                </a:lnTo>
+                <a:cubicBezTo>
+                  <a:pt x="1296000" y="1245653"/>
+                  <a:pt x="1245653" y="1296000"/>
+                  <a:pt x="1183546" y="1296000"/>
+                </a:cubicBezTo>
+                <a:lnTo>
+                  <a:pt x="112454" y="1296000"/>
+                </a:lnTo>
+                <a:cubicBezTo>
+                  <a:pt x="50347" y="1296000"/>
+                  <a:pt x="0" y="1245653"/>
+                  <a:pt x="0" y="1183546"/>
+                </a:cubicBezTo>
+                <a:lnTo>
+                  <a:pt x="0" y="112454"/>
+                </a:lnTo>
+                <a:cubicBezTo>
+                  <a:pt x="0" y="50347"/>
+                  <a:pt x="50347" y="0"/>
+                  <a:pt x="112454" y="0"/>
+                </a:cubicBezTo>
+                <a:close/>
+              </a:path>
+            </a:pathLst>
+          </a:custGeom>
+          <a:solidFill>
+            <a:srgbClr val="A347FF"/>
+          </a:solidFill>
+          <a:ln w="76200">
+            <a:solidFill>
+              <a:schemeClr val="tx1">
+                <a:lumMod val="85000"/>
+                <a:lumOff val="15000"/>
+              </a:schemeClr>
+            </a:solidFill>
+          </a:ln>
+          <a:scene3d>
+            <a:camera prst="orthographicFront"/>
+            <a:lightRig rig="threePt" dir="t"/>
+          </a:scene3d>
+          <a:sp3d extrusionH="44450"/>
+        </p:spPr>
+        <p:style>
+          <a:lnRef idx="2">
+            <a:schemeClr val="accent1">
+              <a:shade val="50000"/>
+            </a:schemeClr>
+          </a:lnRef>
+          <a:fillRef idx="1">
+            <a:schemeClr val="accent1"/>
+          </a:fillRef>
+          <a:effectRef idx="0">
+            <a:schemeClr val="accent1"/>
+          </a:effectRef>
+          <a:fontRef idx="minor">
+            <a:schemeClr val="lt1"/>
+          </a:fontRef>
+        </p:style>
+        <p:txBody>
+          <a:bodyPr wrap="square" rtlCol="0" anchor="ctr">
+            <a:noAutofit/>
+          </a:bodyPr>
+          <a:lstStyle/>
+          <a:p>
+            <a:pPr algn="ctr"/>
+            <a:endParaRPr lang="fr-BE"/>
+          </a:p>
+        </p:txBody>
+      </p:sp>
+      <p:grpSp>
+        <p:nvGrpSpPr>
+          <p:cNvPr id="61" name="Group 60">
+            <a:extLst>
+              <a:ext uri="{FF2B5EF4-FFF2-40B4-BE49-F238E27FC236}">
+                <a16:creationId xmlns:a16="http://schemas.microsoft.com/office/drawing/2014/main" id="{3D504286-659C-43FF-84C8-A00E142A2D3D}"/>
+              </a:ext>
+            </a:extLst>
+          </p:cNvPr>
+          <p:cNvGrpSpPr/>
+          <p:nvPr/>
+        </p:nvGrpSpPr>
+        <p:grpSpPr>
+          <a:xfrm>
+            <a:off x="8002147" y="2020987"/>
+            <a:ext cx="266261" cy="249650"/>
+            <a:chOff x="3836108" y="771972"/>
+            <a:chExt cx="266261" cy="249650"/>
+          </a:xfrm>
+        </p:grpSpPr>
+        <p:cxnSp>
+          <p:nvCxnSpPr>
+            <p:cNvPr id="62" name="Straight Connector 61">
+              <a:extLst>
+                <a:ext uri="{FF2B5EF4-FFF2-40B4-BE49-F238E27FC236}">
+                  <a16:creationId xmlns:a16="http://schemas.microsoft.com/office/drawing/2014/main" id="{BE6C6660-4B14-4033-8AB3-8AACF4D67044}"/>
+                </a:ext>
+              </a:extLst>
+            </p:cNvPr>
+            <p:cNvCxnSpPr>
+              <a:cxnSpLocks/>
+            </p:cNvCxnSpPr>
+            <p:nvPr/>
+          </p:nvCxnSpPr>
+          <p:spPr>
+            <a:xfrm flipH="1">
+              <a:off x="3931358" y="771972"/>
+              <a:ext cx="171011" cy="249650"/>
+            </a:xfrm>
+            <a:prstGeom prst="line">
+              <a:avLst/>
+            </a:prstGeom>
+            <a:ln w="76200" cap="rnd">
+              <a:solidFill>
+                <a:schemeClr val="tx1">
+                  <a:lumMod val="85000"/>
+                  <a:lumOff val="15000"/>
+                </a:schemeClr>
+              </a:solidFill>
+            </a:ln>
+          </p:spPr>
+          <p:style>
+            <a:lnRef idx="1">
+              <a:schemeClr val="accent1"/>
+            </a:lnRef>
+            <a:fillRef idx="0">
+              <a:schemeClr val="accent1"/>
+            </a:fillRef>
+            <a:effectRef idx="0">
+              <a:schemeClr val="accent1"/>
+            </a:effectRef>
+            <a:fontRef idx="minor">
+              <a:schemeClr val="tx1"/>
+            </a:fontRef>
+          </p:style>
+        </p:cxnSp>
+        <p:cxnSp>
+          <p:nvCxnSpPr>
+            <p:cNvPr id="63" name="Straight Connector 62">
+              <a:extLst>
+                <a:ext uri="{FF2B5EF4-FFF2-40B4-BE49-F238E27FC236}">
+                  <a16:creationId xmlns:a16="http://schemas.microsoft.com/office/drawing/2014/main" id="{4A15B130-29FA-40F1-AC7B-8EE67402546E}"/>
+                </a:ext>
+              </a:extLst>
+            </p:cNvPr>
+            <p:cNvCxnSpPr>
+              <a:cxnSpLocks/>
+            </p:cNvCxnSpPr>
+            <p:nvPr/>
+          </p:nvCxnSpPr>
+          <p:spPr>
+            <a:xfrm flipH="1">
+              <a:off x="3836108" y="1021622"/>
+              <a:ext cx="95250" cy="0"/>
+            </a:xfrm>
+            <a:prstGeom prst="line">
+              <a:avLst/>
+            </a:prstGeom>
+            <a:ln w="76200" cap="rnd">
+              <a:solidFill>
+                <a:schemeClr val="tx1">
+                  <a:lumMod val="85000"/>
+                  <a:lumOff val="15000"/>
+                </a:schemeClr>
+              </a:solidFill>
+            </a:ln>
+          </p:spPr>
+          <p:style>
+            <a:lnRef idx="1">
+              <a:schemeClr val="accent1"/>
+            </a:lnRef>
+            <a:fillRef idx="0">
+              <a:schemeClr val="accent1"/>
+            </a:fillRef>
+            <a:effectRef idx="0">
+              <a:schemeClr val="accent1"/>
+            </a:effectRef>
+            <a:fontRef idx="minor">
+              <a:schemeClr val="tx1"/>
+            </a:fontRef>
+          </p:style>
+        </p:cxnSp>
+      </p:grpSp>
+      <p:sp>
+        <p:nvSpPr>
+          <p:cNvPr id="64" name="Oval 63">
+            <a:extLst>
+              <a:ext uri="{FF2B5EF4-FFF2-40B4-BE49-F238E27FC236}">
+                <a16:creationId xmlns:a16="http://schemas.microsoft.com/office/drawing/2014/main" id="{A8D74B4C-E59F-44FD-804D-88A0AB610ED6}"/>
+              </a:ext>
+            </a:extLst>
+          </p:cNvPr>
+          <p:cNvSpPr/>
+          <p:nvPr/>
+        </p:nvSpPr>
+        <p:spPr>
+          <a:xfrm>
+            <a:off x="7845397" y="2197113"/>
+            <a:ext cx="147600" cy="147048"/>
+          </a:xfrm>
+          <a:prstGeom prst="ellipse">
+            <a:avLst/>
+          </a:prstGeom>
+          <a:solidFill>
+            <a:srgbClr val="FFC000"/>
+          </a:solidFill>
+          <a:ln w="76200">
+            <a:solidFill>
+              <a:schemeClr val="tx1">
+                <a:lumMod val="85000"/>
+                <a:lumOff val="15000"/>
+              </a:schemeClr>
+            </a:solidFill>
+          </a:ln>
+        </p:spPr>
+        <p:style>
+          <a:lnRef idx="2">
+            <a:schemeClr val="accent1">
+              <a:shade val="50000"/>
+            </a:schemeClr>
+          </a:lnRef>
+          <a:fillRef idx="1">
+            <a:schemeClr val="accent1"/>
+          </a:fillRef>
+          <a:effectRef idx="0">
+            <a:schemeClr val="accent1"/>
+          </a:effectRef>
+          <a:fontRef idx="minor">
+            <a:schemeClr val="lt1"/>
+          </a:fontRef>
+        </p:style>
+        <p:txBody>
+          <a:bodyPr rtlCol="0" anchor="ctr"/>
+          <a:lstStyle/>
+          <a:p>
+            <a:pPr algn="ctr"/>
+            <a:endParaRPr lang="fr-BE"/>
+          </a:p>
+        </p:txBody>
+      </p:sp>
+      <p:grpSp>
+        <p:nvGrpSpPr>
+          <p:cNvPr id="65" name="Group 64">
+            <a:extLst>
+              <a:ext uri="{FF2B5EF4-FFF2-40B4-BE49-F238E27FC236}">
+                <a16:creationId xmlns:a16="http://schemas.microsoft.com/office/drawing/2014/main" id="{60B488A5-6391-4C2E-92FF-5AFB662222D7}"/>
+              </a:ext>
+            </a:extLst>
+          </p:cNvPr>
+          <p:cNvGrpSpPr/>
+          <p:nvPr/>
+        </p:nvGrpSpPr>
+        <p:grpSpPr>
+          <a:xfrm>
+            <a:off x="8605771" y="2984272"/>
+            <a:ext cx="249650" cy="266260"/>
+            <a:chOff x="4439732" y="1735257"/>
+            <a:chExt cx="249650" cy="266260"/>
+          </a:xfrm>
+        </p:grpSpPr>
+        <p:cxnSp>
+          <p:nvCxnSpPr>
+            <p:cNvPr id="66" name="Straight Connector 65">
+              <a:extLst>
+                <a:ext uri="{FF2B5EF4-FFF2-40B4-BE49-F238E27FC236}">
+                  <a16:creationId xmlns:a16="http://schemas.microsoft.com/office/drawing/2014/main" id="{E1637452-8081-4304-8C99-21A8624CA369}"/>
+                </a:ext>
+              </a:extLst>
+            </p:cNvPr>
+            <p:cNvCxnSpPr>
+              <a:cxnSpLocks/>
+            </p:cNvCxnSpPr>
+            <p:nvPr/>
+          </p:nvCxnSpPr>
+          <p:spPr>
+            <a:xfrm rot="5400000" flipH="1">
+              <a:off x="4479051" y="1791187"/>
+              <a:ext cx="171011" cy="249650"/>
+            </a:xfrm>
+            <a:prstGeom prst="line">
+              <a:avLst/>
+            </a:prstGeom>
+            <a:ln w="76200" cap="rnd">
+              <a:solidFill>
+                <a:schemeClr val="tx1">
+                  <a:lumMod val="85000"/>
+                  <a:lumOff val="15000"/>
+                </a:schemeClr>
+              </a:solidFill>
+            </a:ln>
+          </p:spPr>
+          <p:style>
+            <a:lnRef idx="1">
+              <a:schemeClr val="accent1"/>
+            </a:lnRef>
+            <a:fillRef idx="0">
+              <a:schemeClr val="accent1"/>
+            </a:fillRef>
+            <a:effectRef idx="0">
+              <a:schemeClr val="accent1"/>
+            </a:effectRef>
+            <a:fontRef idx="minor">
+              <a:schemeClr val="tx1"/>
+            </a:fontRef>
+          </p:style>
+        </p:cxnSp>
+        <p:cxnSp>
+          <p:nvCxnSpPr>
+            <p:cNvPr id="67" name="Straight Connector 66">
+              <a:extLst>
+                <a:ext uri="{FF2B5EF4-FFF2-40B4-BE49-F238E27FC236}">
+                  <a16:creationId xmlns:a16="http://schemas.microsoft.com/office/drawing/2014/main" id="{D1ABE8A1-D5F5-4049-948A-A93181F0D817}"/>
+                </a:ext>
+              </a:extLst>
+            </p:cNvPr>
+            <p:cNvCxnSpPr>
+              <a:cxnSpLocks/>
+            </p:cNvCxnSpPr>
+            <p:nvPr/>
+          </p:nvCxnSpPr>
+          <p:spPr>
+            <a:xfrm rot="5400000" flipH="1">
+              <a:off x="4392107" y="1782882"/>
+              <a:ext cx="95250" cy="0"/>
+            </a:xfrm>
+            <a:prstGeom prst="line">
+              <a:avLst/>
+            </a:prstGeom>
+            <a:ln w="76200" cap="rnd">
+              <a:solidFill>
+                <a:schemeClr val="tx1">
+                  <a:lumMod val="85000"/>
+                  <a:lumOff val="15000"/>
+                </a:schemeClr>
+              </a:solidFill>
+            </a:ln>
+          </p:spPr>
+          <p:style>
+            <a:lnRef idx="1">
+              <a:schemeClr val="accent1"/>
+            </a:lnRef>
+            <a:fillRef idx="0">
+              <a:schemeClr val="accent1"/>
+            </a:fillRef>
+            <a:effectRef idx="0">
+              <a:schemeClr val="accent1"/>
+            </a:effectRef>
+            <a:fontRef idx="minor">
+              <a:schemeClr val="tx1"/>
+            </a:fontRef>
+          </p:style>
+        </p:cxnSp>
+      </p:grpSp>
+      <p:sp>
+        <p:nvSpPr>
+          <p:cNvPr id="68" name="Oval 67">
+            <a:extLst>
+              <a:ext uri="{FF2B5EF4-FFF2-40B4-BE49-F238E27FC236}">
+                <a16:creationId xmlns:a16="http://schemas.microsoft.com/office/drawing/2014/main" id="{764232EC-6D5A-435A-ADF1-C1A993EDF384}"/>
+              </a:ext>
+            </a:extLst>
+          </p:cNvPr>
+          <p:cNvSpPr/>
+          <p:nvPr/>
+        </p:nvSpPr>
+        <p:spPr>
+          <a:xfrm rot="5400000">
+            <a:off x="8531971" y="2827798"/>
+            <a:ext cx="147600" cy="147048"/>
+          </a:xfrm>
+          <a:prstGeom prst="ellipse">
+            <a:avLst/>
+          </a:prstGeom>
+          <a:solidFill>
+            <a:srgbClr val="FFC000"/>
+          </a:solidFill>
+          <a:ln w="76200">
+            <a:solidFill>
+              <a:schemeClr val="tx1">
+                <a:lumMod val="85000"/>
+                <a:lumOff val="15000"/>
+              </a:schemeClr>
+            </a:solidFill>
+          </a:ln>
+        </p:spPr>
+        <p:style>
+          <a:lnRef idx="2">
+            <a:schemeClr val="accent1">
+              <a:shade val="50000"/>
+            </a:schemeClr>
+          </a:lnRef>
+          <a:fillRef idx="1">
+            <a:schemeClr val="accent1"/>
+          </a:fillRef>
+          <a:effectRef idx="0">
+            <a:schemeClr val="accent1"/>
+          </a:effectRef>
+          <a:fontRef idx="minor">
+            <a:schemeClr val="lt1"/>
+          </a:fontRef>
+        </p:style>
+        <p:txBody>
+          <a:bodyPr rtlCol="0" anchor="ctr"/>
+          <a:lstStyle/>
+          <a:p>
+            <a:pPr algn="ctr"/>
+            <a:endParaRPr lang="fr-BE" dirty="0"/>
+          </a:p>
+        </p:txBody>
+      </p:sp>
+      <p:grpSp>
+        <p:nvGrpSpPr>
+          <p:cNvPr id="69" name="Group 68">
+            <a:extLst>
+              <a:ext uri="{FF2B5EF4-FFF2-40B4-BE49-F238E27FC236}">
+                <a16:creationId xmlns:a16="http://schemas.microsoft.com/office/drawing/2014/main" id="{1A55E8FC-57FF-4A3B-8C8E-156848ED6AFE}"/>
+              </a:ext>
+            </a:extLst>
+          </p:cNvPr>
+          <p:cNvGrpSpPr/>
+          <p:nvPr/>
+        </p:nvGrpSpPr>
+        <p:grpSpPr>
+          <a:xfrm>
+            <a:off x="8595986" y="2324070"/>
+            <a:ext cx="4013639" cy="1294276"/>
+            <a:chOff x="4429947" y="1075055"/>
+            <a:chExt cx="4013639" cy="1294276"/>
+          </a:xfrm>
+        </p:grpSpPr>
+        <p:cxnSp>
+          <p:nvCxnSpPr>
+            <p:cNvPr id="70" name="Straight Connector 69">
+              <a:extLst>
+                <a:ext uri="{FF2B5EF4-FFF2-40B4-BE49-F238E27FC236}">
+                  <a16:creationId xmlns:a16="http://schemas.microsoft.com/office/drawing/2014/main" id="{5136605D-4552-48EB-8B86-7ED8AB1811F9}"/>
+                </a:ext>
+              </a:extLst>
+            </p:cNvPr>
+            <p:cNvCxnSpPr>
+              <a:cxnSpLocks/>
+            </p:cNvCxnSpPr>
+            <p:nvPr/>
+          </p:nvCxnSpPr>
+          <p:spPr>
+            <a:xfrm flipH="1">
+              <a:off x="4429947" y="1075055"/>
+              <a:ext cx="320422" cy="0"/>
+            </a:xfrm>
+            <a:prstGeom prst="line">
+              <a:avLst/>
+            </a:prstGeom>
+            <a:ln w="76200" cap="rnd">
+              <a:solidFill>
+                <a:schemeClr val="tx1">
+                  <a:lumMod val="85000"/>
+                  <a:lumOff val="15000"/>
+                </a:schemeClr>
+              </a:solidFill>
+            </a:ln>
+          </p:spPr>
+          <p:style>
+            <a:lnRef idx="1">
+              <a:schemeClr val="accent1"/>
+            </a:lnRef>
+            <a:fillRef idx="0">
+              <a:schemeClr val="accent1"/>
+            </a:fillRef>
+            <a:effectRef idx="0">
+              <a:schemeClr val="accent1"/>
+            </a:effectRef>
+            <a:fontRef idx="minor">
+              <a:schemeClr val="tx1"/>
+            </a:fontRef>
+          </p:style>
+        </p:cxnSp>
+        <p:cxnSp>
+          <p:nvCxnSpPr>
+            <p:cNvPr id="71" name="Straight Connector 70">
+              <a:extLst>
+                <a:ext uri="{FF2B5EF4-FFF2-40B4-BE49-F238E27FC236}">
+                  <a16:creationId xmlns:a16="http://schemas.microsoft.com/office/drawing/2014/main" id="{1233B92C-89F1-452F-B0F8-1BCBF9E6A634}"/>
+                </a:ext>
+              </a:extLst>
+            </p:cNvPr>
+            <p:cNvCxnSpPr>
+              <a:cxnSpLocks/>
+              <a:endCxn id="72" idx="7"/>
+            </p:cNvCxnSpPr>
+            <p:nvPr/>
+          </p:nvCxnSpPr>
+          <p:spPr>
+            <a:xfrm flipH="1">
+              <a:off x="8281710" y="2171670"/>
+              <a:ext cx="161876" cy="197661"/>
+            </a:xfrm>
+            <a:prstGeom prst="line">
+              <a:avLst/>
+            </a:prstGeom>
+            <a:ln w="76200" cap="rnd">
+              <a:solidFill>
+                <a:schemeClr val="tx1">
+                  <a:lumMod val="85000"/>
+                  <a:lumOff val="15000"/>
+                </a:schemeClr>
+              </a:solidFill>
+            </a:ln>
+          </p:spPr>
+          <p:style>
+            <a:lnRef idx="1">
+              <a:schemeClr val="accent1"/>
+            </a:lnRef>
+            <a:fillRef idx="0">
+              <a:schemeClr val="accent1"/>
+            </a:fillRef>
+            <a:effectRef idx="0">
+              <a:schemeClr val="accent1"/>
+            </a:effectRef>
+            <a:fontRef idx="minor">
+              <a:schemeClr val="tx1"/>
+            </a:fontRef>
+          </p:style>
+        </p:cxnSp>
+      </p:grpSp>
+      <p:sp>
+        <p:nvSpPr>
+          <p:cNvPr id="72" name="Oval 71">
+            <a:extLst>
+              <a:ext uri="{FF2B5EF4-FFF2-40B4-BE49-F238E27FC236}">
+                <a16:creationId xmlns:a16="http://schemas.microsoft.com/office/drawing/2014/main" id="{3C25DDB6-9BEA-494B-A3A7-1D8181B62756}"/>
+              </a:ext>
+            </a:extLst>
+          </p:cNvPr>
+          <p:cNvSpPr/>
+          <p:nvPr/>
+        </p:nvSpPr>
+        <p:spPr>
+          <a:xfrm>
+            <a:off x="8308126" y="2500196"/>
+            <a:ext cx="147600" cy="147048"/>
+          </a:xfrm>
+          <a:prstGeom prst="ellipse">
+            <a:avLst/>
+          </a:prstGeom>
+          <a:solidFill>
+            <a:srgbClr val="FFC000"/>
+          </a:solidFill>
+          <a:ln w="76200">
+            <a:solidFill>
+              <a:schemeClr val="tx1">
+                <a:lumMod val="85000"/>
+                <a:lumOff val="15000"/>
+              </a:schemeClr>
+            </a:solidFill>
+          </a:ln>
+        </p:spPr>
+        <p:style>
+          <a:lnRef idx="2">
+            <a:schemeClr val="accent1">
+              <a:shade val="50000"/>
+            </a:schemeClr>
+          </a:lnRef>
+          <a:fillRef idx="1">
+            <a:schemeClr val="accent1"/>
+          </a:fillRef>
+          <a:effectRef idx="0">
+            <a:schemeClr val="accent1"/>
+          </a:effectRef>
+          <a:fontRef idx="minor">
+            <a:schemeClr val="lt1"/>
+          </a:fontRef>
+        </p:style>
+        <p:txBody>
+          <a:bodyPr rtlCol="0" anchor="ctr"/>
+          <a:lstStyle/>
+          <a:p>
+            <a:pPr algn="ctr"/>
+            <a:endParaRPr lang="fr-BE" dirty="0"/>
+          </a:p>
+        </p:txBody>
+      </p:sp>
+      <p:sp>
+        <p:nvSpPr>
+          <p:cNvPr id="73" name="Oval 72">
+            <a:extLst>
+              <a:ext uri="{FF2B5EF4-FFF2-40B4-BE49-F238E27FC236}">
+                <a16:creationId xmlns:a16="http://schemas.microsoft.com/office/drawing/2014/main" id="{F590600C-524D-4BF1-8B17-575B225282F0}"/>
+              </a:ext>
+            </a:extLst>
+          </p:cNvPr>
+          <p:cNvSpPr/>
+          <p:nvPr/>
+        </p:nvSpPr>
+        <p:spPr>
+          <a:xfrm rot="10800000">
+            <a:off x="8147534" y="2825901"/>
+            <a:ext cx="147600" cy="147048"/>
+          </a:xfrm>
+          <a:prstGeom prst="ellipse">
+            <a:avLst/>
+          </a:prstGeom>
+          <a:solidFill>
+            <a:srgbClr val="FFC000"/>
+          </a:solidFill>
+          <a:ln w="76200">
+            <a:solidFill>
+              <a:schemeClr val="tx1">
+                <a:lumMod val="85000"/>
+                <a:lumOff val="15000"/>
+              </a:schemeClr>
+            </a:solidFill>
+          </a:ln>
+        </p:spPr>
+        <p:style>
+          <a:lnRef idx="2">
+            <a:schemeClr val="accent1">
+              <a:shade val="50000"/>
+            </a:schemeClr>
+          </a:lnRef>
+          <a:fillRef idx="1">
+            <a:schemeClr val="accent1"/>
+          </a:fillRef>
+          <a:effectRef idx="0">
+            <a:schemeClr val="accent1"/>
+          </a:effectRef>
+          <a:fontRef idx="minor">
+            <a:schemeClr val="lt1"/>
+          </a:fontRef>
+        </p:style>
+        <p:txBody>
+          <a:bodyPr rtlCol="0" anchor="ctr"/>
+          <a:lstStyle/>
+          <a:p>
+            <a:pPr algn="ctr"/>
+            <a:endParaRPr lang="fr-BE"/>
+          </a:p>
+        </p:txBody>
+      </p:sp>
+      <p:grpSp>
+        <p:nvGrpSpPr>
+          <p:cNvPr id="74" name="Group 73">
+            <a:extLst>
+              <a:ext uri="{FF2B5EF4-FFF2-40B4-BE49-F238E27FC236}">
+                <a16:creationId xmlns:a16="http://schemas.microsoft.com/office/drawing/2014/main" id="{29E1F58F-D792-460E-BAD5-9B82AEFD4B97}"/>
+              </a:ext>
+            </a:extLst>
+          </p:cNvPr>
+          <p:cNvGrpSpPr/>
+          <p:nvPr/>
+        </p:nvGrpSpPr>
+        <p:grpSpPr>
+          <a:xfrm>
+            <a:off x="7660126" y="2761722"/>
+            <a:ext cx="460682" cy="143545"/>
+            <a:chOff x="3494087" y="1512707"/>
+            <a:chExt cx="460682" cy="143545"/>
+          </a:xfrm>
+        </p:grpSpPr>
+        <p:cxnSp>
+          <p:nvCxnSpPr>
+            <p:cNvPr id="75" name="Straight Connector 74">
+              <a:extLst>
+                <a:ext uri="{FF2B5EF4-FFF2-40B4-BE49-F238E27FC236}">
+                  <a16:creationId xmlns:a16="http://schemas.microsoft.com/office/drawing/2014/main" id="{69C6E4C6-79D6-4DAF-B9E4-76270C1291CD}"/>
+                </a:ext>
+              </a:extLst>
+            </p:cNvPr>
+            <p:cNvCxnSpPr>
+              <a:cxnSpLocks/>
+            </p:cNvCxnSpPr>
+            <p:nvPr/>
+          </p:nvCxnSpPr>
+          <p:spPr>
+            <a:xfrm rot="10800000" flipH="1">
+              <a:off x="3494087" y="1512707"/>
+              <a:ext cx="320422" cy="0"/>
+            </a:xfrm>
+            <a:prstGeom prst="line">
+              <a:avLst/>
+            </a:prstGeom>
+            <a:ln w="76200" cap="rnd">
+              <a:solidFill>
+                <a:schemeClr val="tx1">
+                  <a:lumMod val="85000"/>
+                  <a:lumOff val="15000"/>
+                </a:schemeClr>
+              </a:solidFill>
+            </a:ln>
+          </p:spPr>
+          <p:style>
+            <a:lnRef idx="1">
+              <a:schemeClr val="accent1"/>
+            </a:lnRef>
+            <a:fillRef idx="0">
+              <a:schemeClr val="accent1"/>
+            </a:fillRef>
+            <a:effectRef idx="0">
+              <a:schemeClr val="accent1"/>
+            </a:effectRef>
+            <a:fontRef idx="minor">
+              <a:schemeClr val="tx1"/>
+            </a:fontRef>
+          </p:style>
+        </p:cxnSp>
+        <p:cxnSp>
+          <p:nvCxnSpPr>
+            <p:cNvPr id="76" name="Straight Connector 75">
+              <a:extLst>
+                <a:ext uri="{FF2B5EF4-FFF2-40B4-BE49-F238E27FC236}">
+                  <a16:creationId xmlns:a16="http://schemas.microsoft.com/office/drawing/2014/main" id="{CB8C182C-CA2E-42B0-898D-516FD2A1F471}"/>
+                </a:ext>
+              </a:extLst>
+            </p:cNvPr>
+            <p:cNvCxnSpPr>
+              <a:cxnSpLocks/>
+            </p:cNvCxnSpPr>
+            <p:nvPr/>
+          </p:nvCxnSpPr>
+          <p:spPr>
+            <a:xfrm>
+              <a:off x="3814509" y="1512708"/>
+              <a:ext cx="0" cy="143544"/>
+            </a:xfrm>
+            <a:prstGeom prst="line">
+              <a:avLst/>
+            </a:prstGeom>
+            <a:ln w="76200" cap="rnd">
+              <a:solidFill>
+                <a:schemeClr val="tx1">
+                  <a:lumMod val="85000"/>
+                  <a:lumOff val="15000"/>
+                </a:schemeClr>
+              </a:solidFill>
+            </a:ln>
+          </p:spPr>
+          <p:style>
+            <a:lnRef idx="1">
+              <a:schemeClr val="accent1"/>
+            </a:lnRef>
+            <a:fillRef idx="0">
+              <a:schemeClr val="accent1"/>
+            </a:fillRef>
+            <a:effectRef idx="0">
+              <a:schemeClr val="accent1"/>
+            </a:effectRef>
+            <a:fontRef idx="minor">
+              <a:schemeClr val="tx1"/>
+            </a:fontRef>
+          </p:style>
+        </p:cxnSp>
+        <p:cxnSp>
+          <p:nvCxnSpPr>
+            <p:cNvPr id="77" name="Straight Connector 76">
+              <a:extLst>
+                <a:ext uri="{FF2B5EF4-FFF2-40B4-BE49-F238E27FC236}">
+                  <a16:creationId xmlns:a16="http://schemas.microsoft.com/office/drawing/2014/main" id="{35EE60FA-88C1-436C-963B-86C86F056B61}"/>
+                </a:ext>
+              </a:extLst>
+            </p:cNvPr>
+            <p:cNvCxnSpPr>
+              <a:cxnSpLocks/>
+            </p:cNvCxnSpPr>
+            <p:nvPr/>
+          </p:nvCxnSpPr>
+          <p:spPr>
+            <a:xfrm>
+              <a:off x="3814509" y="1656252"/>
+              <a:ext cx="140260" cy="0"/>
+            </a:xfrm>
+            <a:prstGeom prst="line">
+              <a:avLst/>
+            </a:prstGeom>
+            <a:ln w="76200" cap="rnd">
+              <a:solidFill>
+                <a:schemeClr val="tx1">
+                  <a:lumMod val="85000"/>
+                  <a:lumOff val="15000"/>
+                </a:schemeClr>
+              </a:solidFill>
+            </a:ln>
+          </p:spPr>
+          <p:style>
+            <a:lnRef idx="1">
+              <a:schemeClr val="accent1"/>
+            </a:lnRef>
+            <a:fillRef idx="0">
+              <a:schemeClr val="accent1"/>
+            </a:fillRef>
+            <a:effectRef idx="0">
+              <a:schemeClr val="accent1"/>
+            </a:effectRef>
+            <a:fontRef idx="minor">
+              <a:schemeClr val="tx1"/>
+            </a:fontRef>
+          </p:style>
+        </p:cxnSp>
+      </p:grpSp>
+      <p:sp>
+        <p:nvSpPr>
+          <p:cNvPr id="78" name="Oval 77">
+            <a:extLst>
+              <a:ext uri="{FF2B5EF4-FFF2-40B4-BE49-F238E27FC236}">
+                <a16:creationId xmlns:a16="http://schemas.microsoft.com/office/drawing/2014/main" id="{8C141836-B0D3-4D0F-BF13-133CB5371DBC}"/>
+              </a:ext>
+            </a:extLst>
+          </p:cNvPr>
+          <p:cNvSpPr/>
+          <p:nvPr/>
+        </p:nvSpPr>
+        <p:spPr>
+          <a:xfrm>
+            <a:off x="7844133" y="2513389"/>
+            <a:ext cx="83376" cy="86450"/>
+          </a:xfrm>
+          <a:prstGeom prst="ellipse">
+            <a:avLst/>
+          </a:prstGeom>
+          <a:solidFill>
+            <a:schemeClr val="tx1">
+              <a:lumMod val="85000"/>
+              <a:lumOff val="15000"/>
+            </a:schemeClr>
+          </a:solidFill>
+          <a:ln>
+            <a:noFill/>
+          </a:ln>
+        </p:spPr>
+        <p:style>
+          <a:lnRef idx="2">
+            <a:schemeClr val="accent1">
+              <a:shade val="50000"/>
+            </a:schemeClr>
+          </a:lnRef>
+          <a:fillRef idx="1">
+            <a:schemeClr val="accent1"/>
+          </a:fillRef>
+          <a:effectRef idx="0">
+            <a:schemeClr val="accent1"/>
+          </a:effectRef>
+          <a:fontRef idx="minor">
+            <a:schemeClr val="lt1"/>
+          </a:fontRef>
+        </p:style>
+        <p:txBody>
+          <a:bodyPr rtlCol="0" anchor="ctr"/>
+          <a:lstStyle/>
+          <a:p>
+            <a:pPr algn="ctr"/>
+            <a:endParaRPr lang="fr-BE"/>
+          </a:p>
+        </p:txBody>
+      </p:sp>
+      <p:sp>
+        <p:nvSpPr>
+          <p:cNvPr id="79" name="Oval 78">
+            <a:extLst>
+              <a:ext uri="{FF2B5EF4-FFF2-40B4-BE49-F238E27FC236}">
+                <a16:creationId xmlns:a16="http://schemas.microsoft.com/office/drawing/2014/main" id="{FED92D1A-1AE8-4D54-B3EF-24D3AEEDFC1A}"/>
+              </a:ext>
+            </a:extLst>
+          </p:cNvPr>
+          <p:cNvSpPr/>
+          <p:nvPr/>
+        </p:nvSpPr>
+        <p:spPr>
+          <a:xfrm>
+            <a:off x="7897172" y="3092834"/>
+            <a:ext cx="83376" cy="86450"/>
+          </a:xfrm>
+          <a:prstGeom prst="ellipse">
+            <a:avLst/>
+          </a:prstGeom>
+          <a:solidFill>
+            <a:schemeClr val="tx1">
+              <a:lumMod val="85000"/>
+              <a:lumOff val="15000"/>
+            </a:schemeClr>
+          </a:solidFill>
+          <a:ln>
+            <a:noFill/>
+          </a:ln>
+        </p:spPr>
+        <p:style>
+          <a:lnRef idx="2">
+            <a:schemeClr val="accent1">
+              <a:shade val="50000"/>
+            </a:schemeClr>
+          </a:lnRef>
+          <a:fillRef idx="1">
+            <a:schemeClr val="accent1"/>
+          </a:fillRef>
+          <a:effectRef idx="0">
+            <a:schemeClr val="accent1"/>
+          </a:effectRef>
+          <a:fontRef idx="minor">
+            <a:schemeClr val="lt1"/>
+          </a:fontRef>
+        </p:style>
+        <p:txBody>
+          <a:bodyPr rtlCol="0" anchor="ctr"/>
+          <a:lstStyle/>
+          <a:p>
+            <a:pPr algn="ctr"/>
+            <a:endParaRPr lang="fr-BE"/>
+          </a:p>
+        </p:txBody>
+      </p:sp>
+      <p:sp>
+        <p:nvSpPr>
+          <p:cNvPr id="80" name="Oval 79">
+            <a:extLst>
+              <a:ext uri="{FF2B5EF4-FFF2-40B4-BE49-F238E27FC236}">
+                <a16:creationId xmlns:a16="http://schemas.microsoft.com/office/drawing/2014/main" id="{47F8493F-3926-42B0-9DCF-AE91E2D3462A}"/>
+              </a:ext>
+            </a:extLst>
+          </p:cNvPr>
+          <p:cNvSpPr/>
+          <p:nvPr/>
+        </p:nvSpPr>
+        <p:spPr>
+          <a:xfrm>
+            <a:off x="8349397" y="2227412"/>
+            <a:ext cx="83376" cy="86450"/>
+          </a:xfrm>
+          <a:prstGeom prst="ellipse">
+            <a:avLst/>
+          </a:prstGeom>
+          <a:solidFill>
+            <a:schemeClr val="tx1">
+              <a:lumMod val="85000"/>
+              <a:lumOff val="15000"/>
+            </a:schemeClr>
+          </a:solidFill>
+          <a:ln>
+            <a:noFill/>
+          </a:ln>
+        </p:spPr>
+        <p:style>
+          <a:lnRef idx="2">
+            <a:schemeClr val="accent1">
+              <a:shade val="50000"/>
+            </a:schemeClr>
+          </a:lnRef>
+          <a:fillRef idx="1">
+            <a:schemeClr val="accent1"/>
+          </a:fillRef>
+          <a:effectRef idx="0">
+            <a:schemeClr val="accent1"/>
+          </a:effectRef>
+          <a:fontRef idx="minor">
+            <a:schemeClr val="lt1"/>
+          </a:fontRef>
+        </p:style>
+        <p:txBody>
+          <a:bodyPr rtlCol="0" anchor="ctr"/>
+          <a:lstStyle/>
+          <a:p>
+            <a:pPr algn="ctr"/>
+            <a:endParaRPr lang="fr-BE"/>
+          </a:p>
+        </p:txBody>
+      </p:sp>
+      <p:sp>
+        <p:nvSpPr>
+          <p:cNvPr id="81" name="Oval 80">
+            <a:extLst>
+              <a:ext uri="{FF2B5EF4-FFF2-40B4-BE49-F238E27FC236}">
+                <a16:creationId xmlns:a16="http://schemas.microsoft.com/office/drawing/2014/main" id="{0F0ACDB5-81A8-41B2-9CED-684A42BA4CF4}"/>
+              </a:ext>
+            </a:extLst>
+          </p:cNvPr>
+          <p:cNvSpPr/>
+          <p:nvPr/>
+        </p:nvSpPr>
+        <p:spPr>
+          <a:xfrm>
+            <a:off x="8662309" y="2548977"/>
+            <a:ext cx="83376" cy="86450"/>
+          </a:xfrm>
+          <a:prstGeom prst="ellipse">
+            <a:avLst/>
+          </a:prstGeom>
+          <a:solidFill>
+            <a:schemeClr val="tx1">
+              <a:lumMod val="85000"/>
+              <a:lumOff val="15000"/>
+            </a:schemeClr>
+          </a:solidFill>
+          <a:ln>
+            <a:noFill/>
+          </a:ln>
+        </p:spPr>
+        <p:style>
+          <a:lnRef idx="2">
+            <a:schemeClr val="accent1">
+              <a:shade val="50000"/>
+            </a:schemeClr>
+          </a:lnRef>
+          <a:fillRef idx="1">
+            <a:schemeClr val="accent1"/>
+          </a:fillRef>
+          <a:effectRef idx="0">
+            <a:schemeClr val="accent1"/>
+          </a:effectRef>
+          <a:fontRef idx="minor">
+            <a:schemeClr val="lt1"/>
+          </a:fontRef>
+        </p:style>
+        <p:txBody>
+          <a:bodyPr rtlCol="0" anchor="ctr"/>
+          <a:lstStyle/>
+          <a:p>
+            <a:pPr algn="ctr"/>
+            <a:endParaRPr lang="fr-BE"/>
+          </a:p>
+        </p:txBody>
+      </p:sp>
+      <p:grpSp>
+        <p:nvGrpSpPr>
+          <p:cNvPr id="82" name="Group 81">
+            <a:extLst>
+              <a:ext uri="{FF2B5EF4-FFF2-40B4-BE49-F238E27FC236}">
+                <a16:creationId xmlns:a16="http://schemas.microsoft.com/office/drawing/2014/main" id="{4A0A218C-D5D9-4CD1-A8B2-8B03534798FB}"/>
+              </a:ext>
+            </a:extLst>
+          </p:cNvPr>
+          <p:cNvGrpSpPr/>
+          <p:nvPr/>
+        </p:nvGrpSpPr>
+        <p:grpSpPr>
+          <a:xfrm>
+            <a:off x="7207716" y="1609421"/>
+            <a:ext cx="2121384" cy="2119132"/>
+            <a:chOff x="4322454" y="2326306"/>
+            <a:chExt cx="2121384" cy="2119132"/>
+          </a:xfrm>
+          <a:solidFill>
+            <a:srgbClr val="FF3737"/>
+          </a:solidFill>
+        </p:grpSpPr>
+        <p:grpSp>
+          <p:nvGrpSpPr>
+            <p:cNvPr id="83" name="Group 82">
+              <a:extLst>
+                <a:ext uri="{FF2B5EF4-FFF2-40B4-BE49-F238E27FC236}">
+                  <a16:creationId xmlns:a16="http://schemas.microsoft.com/office/drawing/2014/main" id="{CE252435-9754-401B-B3AA-9330608A25EE}"/>
+                </a:ext>
+              </a:extLst>
+            </p:cNvPr>
+            <p:cNvGrpSpPr/>
+            <p:nvPr/>
+          </p:nvGrpSpPr>
+          <p:grpSpPr>
+            <a:xfrm>
+              <a:off x="4871096" y="2326306"/>
+              <a:ext cx="1080000" cy="156845"/>
+              <a:chOff x="4860000" y="2304000"/>
+              <a:chExt cx="1080000" cy="156845"/>
+            </a:xfrm>
+            <a:grpFill/>
+          </p:grpSpPr>
+          <p:cxnSp>
+            <p:nvCxnSpPr>
+              <p:cNvPr id="109" name="Straight Connector 108">
+                <a:extLst>
+                  <a:ext uri="{FF2B5EF4-FFF2-40B4-BE49-F238E27FC236}">
+                    <a16:creationId xmlns:a16="http://schemas.microsoft.com/office/drawing/2014/main" id="{E0A5188C-2677-4B7A-AE76-F13BC6DE2A94}"/>
+                  </a:ext>
+                </a:extLst>
+              </p:cNvPr>
+              <p:cNvCxnSpPr/>
+              <p:nvPr/>
+            </p:nvCxnSpPr>
+            <p:spPr>
+              <a:xfrm flipV="1">
+                <a:off x="4860000" y="2304000"/>
+                <a:ext cx="0" cy="156845"/>
+              </a:xfrm>
+              <a:prstGeom prst="line">
+                <a:avLst/>
+              </a:prstGeom>
+              <a:grpFill/>
+              <a:ln w="76200" cap="rnd">
+                <a:solidFill>
+                  <a:schemeClr val="tx1">
+                    <a:lumMod val="85000"/>
+                    <a:lumOff val="15000"/>
+                  </a:schemeClr>
+                </a:solidFill>
+              </a:ln>
+            </p:spPr>
+            <p:style>
+              <a:lnRef idx="1">
+                <a:schemeClr val="accent1"/>
+              </a:lnRef>
+              <a:fillRef idx="0">
+                <a:schemeClr val="accent1"/>
+              </a:fillRef>
+              <a:effectRef idx="0">
+                <a:schemeClr val="accent1"/>
+              </a:effectRef>
+              <a:fontRef idx="minor">
+                <a:schemeClr val="tx1"/>
+              </a:fontRef>
+            </p:style>
+          </p:cxnSp>
+          <p:cxnSp>
+            <p:nvCxnSpPr>
+              <p:cNvPr id="110" name="Straight Connector 109">
+                <a:extLst>
+                  <a:ext uri="{FF2B5EF4-FFF2-40B4-BE49-F238E27FC236}">
+                    <a16:creationId xmlns:a16="http://schemas.microsoft.com/office/drawing/2014/main" id="{6B16E729-4BCF-4CEA-BD90-9203F85154E1}"/>
+                  </a:ext>
+                </a:extLst>
+              </p:cNvPr>
+              <p:cNvCxnSpPr/>
+              <p:nvPr/>
+            </p:nvCxnSpPr>
+            <p:spPr>
+              <a:xfrm flipV="1">
+                <a:off x="5040000" y="2304000"/>
+                <a:ext cx="0" cy="156845"/>
+              </a:xfrm>
+              <a:prstGeom prst="line">
+                <a:avLst/>
+              </a:prstGeom>
+              <a:grpFill/>
+              <a:ln w="76200" cap="rnd">
+                <a:solidFill>
+                  <a:schemeClr val="tx1">
+                    <a:lumMod val="85000"/>
+                    <a:lumOff val="15000"/>
+                  </a:schemeClr>
+                </a:solidFill>
+              </a:ln>
+            </p:spPr>
+            <p:style>
+              <a:lnRef idx="1">
+                <a:schemeClr val="accent1"/>
+              </a:lnRef>
+              <a:fillRef idx="0">
+                <a:schemeClr val="accent1"/>
+              </a:fillRef>
+              <a:effectRef idx="0">
+                <a:schemeClr val="accent1"/>
+              </a:effectRef>
+              <a:fontRef idx="minor">
+                <a:schemeClr val="tx1"/>
+              </a:fontRef>
+            </p:style>
+          </p:cxnSp>
+          <p:cxnSp>
+            <p:nvCxnSpPr>
+              <p:cNvPr id="111" name="Straight Connector 110">
+                <a:extLst>
+                  <a:ext uri="{FF2B5EF4-FFF2-40B4-BE49-F238E27FC236}">
+                    <a16:creationId xmlns:a16="http://schemas.microsoft.com/office/drawing/2014/main" id="{BBCA77F1-7765-410C-878E-CBAA9EB56E10}"/>
+                  </a:ext>
+                </a:extLst>
+              </p:cNvPr>
+              <p:cNvCxnSpPr/>
+              <p:nvPr/>
+            </p:nvCxnSpPr>
+            <p:spPr>
+              <a:xfrm flipV="1">
+                <a:off x="5220000" y="2304000"/>
+                <a:ext cx="0" cy="156845"/>
+              </a:xfrm>
+              <a:prstGeom prst="line">
+                <a:avLst/>
+              </a:prstGeom>
+              <a:grpFill/>
+              <a:ln w="76200" cap="rnd">
+                <a:solidFill>
+                  <a:schemeClr val="tx1">
+                    <a:lumMod val="85000"/>
+                    <a:lumOff val="15000"/>
+                  </a:schemeClr>
+                </a:solidFill>
+              </a:ln>
+            </p:spPr>
+            <p:style>
+              <a:lnRef idx="1">
+                <a:schemeClr val="accent1"/>
+              </a:lnRef>
+              <a:fillRef idx="0">
+                <a:schemeClr val="accent1"/>
+              </a:fillRef>
+              <a:effectRef idx="0">
+                <a:schemeClr val="accent1"/>
+              </a:effectRef>
+              <a:fontRef idx="minor">
+                <a:schemeClr val="tx1"/>
+              </a:fontRef>
+            </p:style>
+          </p:cxnSp>
+          <p:cxnSp>
+            <p:nvCxnSpPr>
+              <p:cNvPr id="112" name="Straight Connector 111">
+                <a:extLst>
+                  <a:ext uri="{FF2B5EF4-FFF2-40B4-BE49-F238E27FC236}">
+                    <a16:creationId xmlns:a16="http://schemas.microsoft.com/office/drawing/2014/main" id="{2877A6F6-03A1-4859-A39E-4BAD548F77B4}"/>
+                  </a:ext>
+                </a:extLst>
+              </p:cNvPr>
+              <p:cNvCxnSpPr/>
+              <p:nvPr/>
+            </p:nvCxnSpPr>
+            <p:spPr>
+              <a:xfrm flipV="1">
+                <a:off x="5400000" y="2304000"/>
+                <a:ext cx="0" cy="156845"/>
+              </a:xfrm>
+              <a:prstGeom prst="line">
+                <a:avLst/>
+              </a:prstGeom>
+              <a:grpFill/>
+              <a:ln w="76200" cap="rnd">
+                <a:solidFill>
+                  <a:schemeClr val="tx1">
+                    <a:lumMod val="85000"/>
+                    <a:lumOff val="15000"/>
+                  </a:schemeClr>
+                </a:solidFill>
+              </a:ln>
+            </p:spPr>
+            <p:style>
+              <a:lnRef idx="1">
+                <a:schemeClr val="accent1"/>
+              </a:lnRef>
+              <a:fillRef idx="0">
+                <a:schemeClr val="accent1"/>
+              </a:fillRef>
+              <a:effectRef idx="0">
+                <a:schemeClr val="accent1"/>
+              </a:effectRef>
+              <a:fontRef idx="minor">
+                <a:schemeClr val="tx1"/>
+              </a:fontRef>
+            </p:style>
+          </p:cxnSp>
+          <p:cxnSp>
+            <p:nvCxnSpPr>
+              <p:cNvPr id="113" name="Straight Connector 112">
+                <a:extLst>
+                  <a:ext uri="{FF2B5EF4-FFF2-40B4-BE49-F238E27FC236}">
+                    <a16:creationId xmlns:a16="http://schemas.microsoft.com/office/drawing/2014/main" id="{89F2E71B-F64B-4CAE-A30C-5490F99B31A0}"/>
+                  </a:ext>
+                </a:extLst>
+              </p:cNvPr>
+              <p:cNvCxnSpPr/>
+              <p:nvPr/>
+            </p:nvCxnSpPr>
+            <p:spPr>
+              <a:xfrm flipV="1">
+                <a:off x="5580000" y="2304000"/>
+                <a:ext cx="0" cy="156845"/>
+              </a:xfrm>
+              <a:prstGeom prst="line">
+                <a:avLst/>
+              </a:prstGeom>
+              <a:grpFill/>
+              <a:ln w="76200" cap="rnd">
+                <a:solidFill>
+                  <a:schemeClr val="tx1">
+                    <a:lumMod val="85000"/>
+                    <a:lumOff val="15000"/>
+                  </a:schemeClr>
+                </a:solidFill>
+              </a:ln>
+            </p:spPr>
+            <p:style>
+              <a:lnRef idx="1">
+                <a:schemeClr val="accent1"/>
+              </a:lnRef>
+              <a:fillRef idx="0">
+                <a:schemeClr val="accent1"/>
+              </a:fillRef>
+              <a:effectRef idx="0">
+                <a:schemeClr val="accent1"/>
+              </a:effectRef>
+              <a:fontRef idx="minor">
+                <a:schemeClr val="tx1"/>
+              </a:fontRef>
+            </p:style>
+          </p:cxnSp>
+          <p:cxnSp>
+            <p:nvCxnSpPr>
+              <p:cNvPr id="114" name="Straight Connector 113">
+                <a:extLst>
+                  <a:ext uri="{FF2B5EF4-FFF2-40B4-BE49-F238E27FC236}">
+                    <a16:creationId xmlns:a16="http://schemas.microsoft.com/office/drawing/2014/main" id="{9FC3CBDC-20FC-4E99-8E69-2DEDBE480992}"/>
+                  </a:ext>
+                </a:extLst>
+              </p:cNvPr>
+              <p:cNvCxnSpPr/>
+              <p:nvPr/>
+            </p:nvCxnSpPr>
+            <p:spPr>
+              <a:xfrm flipV="1">
+                <a:off x="5760000" y="2304000"/>
+                <a:ext cx="0" cy="156845"/>
+              </a:xfrm>
+              <a:prstGeom prst="line">
+                <a:avLst/>
+              </a:prstGeom>
+              <a:grpFill/>
+              <a:ln w="76200" cap="rnd">
+                <a:solidFill>
+                  <a:schemeClr val="tx1">
+                    <a:lumMod val="85000"/>
+                    <a:lumOff val="15000"/>
+                  </a:schemeClr>
+                </a:solidFill>
+              </a:ln>
+            </p:spPr>
+            <p:style>
+              <a:lnRef idx="1">
+                <a:schemeClr val="accent1"/>
+              </a:lnRef>
+              <a:fillRef idx="0">
+                <a:schemeClr val="accent1"/>
+              </a:fillRef>
+              <a:effectRef idx="0">
+                <a:schemeClr val="accent1"/>
+              </a:effectRef>
+              <a:fontRef idx="minor">
+                <a:schemeClr val="tx1"/>
+              </a:fontRef>
+            </p:style>
+          </p:cxnSp>
+          <p:cxnSp>
+            <p:nvCxnSpPr>
+              <p:cNvPr id="115" name="Straight Connector 114">
+                <a:extLst>
+                  <a:ext uri="{FF2B5EF4-FFF2-40B4-BE49-F238E27FC236}">
+                    <a16:creationId xmlns:a16="http://schemas.microsoft.com/office/drawing/2014/main" id="{3EF39CE2-5E55-4C95-B249-CE6DAB48184F}"/>
+                  </a:ext>
+                </a:extLst>
+              </p:cNvPr>
+              <p:cNvCxnSpPr/>
+              <p:nvPr/>
+            </p:nvCxnSpPr>
+            <p:spPr>
+              <a:xfrm flipV="1">
+                <a:off x="5940000" y="2304000"/>
+                <a:ext cx="0" cy="156845"/>
+              </a:xfrm>
+              <a:prstGeom prst="line">
+                <a:avLst/>
+              </a:prstGeom>
+              <a:grpFill/>
+              <a:ln w="76200" cap="rnd">
+                <a:solidFill>
+                  <a:schemeClr val="tx1">
+                    <a:lumMod val="85000"/>
+                    <a:lumOff val="15000"/>
+                  </a:schemeClr>
+                </a:solidFill>
+              </a:ln>
+            </p:spPr>
+            <p:style>
+              <a:lnRef idx="1">
+                <a:schemeClr val="accent1"/>
+              </a:lnRef>
+              <a:fillRef idx="0">
+                <a:schemeClr val="accent1"/>
+              </a:fillRef>
+              <a:effectRef idx="0">
+                <a:schemeClr val="accent1"/>
+              </a:effectRef>
+              <a:fontRef idx="minor">
+                <a:schemeClr val="tx1"/>
+              </a:fontRef>
+            </p:style>
+          </p:cxnSp>
+        </p:grpSp>
+        <p:grpSp>
+          <p:nvGrpSpPr>
+            <p:cNvPr id="84" name="Group 83">
+              <a:extLst>
+                <a:ext uri="{FF2B5EF4-FFF2-40B4-BE49-F238E27FC236}">
+                  <a16:creationId xmlns:a16="http://schemas.microsoft.com/office/drawing/2014/main" id="{45706DD4-C703-40D5-BD78-659CF7EA3DCA}"/>
+                </a:ext>
+              </a:extLst>
+            </p:cNvPr>
+            <p:cNvGrpSpPr/>
+            <p:nvPr/>
+          </p:nvGrpSpPr>
+          <p:grpSpPr>
+            <a:xfrm rot="5400000">
+              <a:off x="5825416" y="3285860"/>
+              <a:ext cx="1080000" cy="156845"/>
+              <a:chOff x="4860000" y="2304000"/>
+              <a:chExt cx="1080000" cy="156845"/>
+            </a:xfrm>
+            <a:grpFill/>
+          </p:grpSpPr>
+          <p:cxnSp>
+            <p:nvCxnSpPr>
+              <p:cNvPr id="102" name="Straight Connector 101">
+                <a:extLst>
+                  <a:ext uri="{FF2B5EF4-FFF2-40B4-BE49-F238E27FC236}">
+                    <a16:creationId xmlns:a16="http://schemas.microsoft.com/office/drawing/2014/main" id="{7D6964D0-BABC-4FFA-AC1D-6D0048F586E4}"/>
+                  </a:ext>
+                </a:extLst>
+              </p:cNvPr>
+              <p:cNvCxnSpPr/>
+              <p:nvPr/>
+            </p:nvCxnSpPr>
+            <p:spPr>
+              <a:xfrm flipV="1">
+                <a:off x="4860000" y="2304000"/>
+                <a:ext cx="0" cy="156845"/>
+              </a:xfrm>
+              <a:prstGeom prst="line">
+                <a:avLst/>
+              </a:prstGeom>
+              <a:grpFill/>
+              <a:ln w="76200" cap="rnd">
+                <a:solidFill>
+                  <a:schemeClr val="tx1">
+                    <a:lumMod val="85000"/>
+                    <a:lumOff val="15000"/>
+                  </a:schemeClr>
+                </a:solidFill>
+              </a:ln>
+            </p:spPr>
+            <p:style>
+              <a:lnRef idx="1">
+                <a:schemeClr val="accent1"/>
+              </a:lnRef>
+              <a:fillRef idx="0">
+                <a:schemeClr val="accent1"/>
+              </a:fillRef>
+              <a:effectRef idx="0">
+                <a:schemeClr val="accent1"/>
+              </a:effectRef>
+              <a:fontRef idx="minor">
+                <a:schemeClr val="tx1"/>
+              </a:fontRef>
+            </p:style>
+          </p:cxnSp>
+          <p:cxnSp>
+            <p:nvCxnSpPr>
+              <p:cNvPr id="103" name="Straight Connector 102">
+                <a:extLst>
+                  <a:ext uri="{FF2B5EF4-FFF2-40B4-BE49-F238E27FC236}">
+                    <a16:creationId xmlns:a16="http://schemas.microsoft.com/office/drawing/2014/main" id="{488E17E3-F048-4BFC-B684-2911ED7D6D07}"/>
+                  </a:ext>
+                </a:extLst>
+              </p:cNvPr>
+              <p:cNvCxnSpPr/>
+              <p:nvPr/>
+            </p:nvCxnSpPr>
+            <p:spPr>
+              <a:xfrm flipV="1">
+                <a:off x="5040000" y="2304000"/>
+                <a:ext cx="0" cy="156845"/>
+              </a:xfrm>
+              <a:prstGeom prst="line">
+                <a:avLst/>
+              </a:prstGeom>
+              <a:grpFill/>
+              <a:ln w="76200" cap="rnd">
+                <a:solidFill>
+                  <a:schemeClr val="tx1">
+                    <a:lumMod val="85000"/>
+                    <a:lumOff val="15000"/>
+                  </a:schemeClr>
+                </a:solidFill>
+              </a:ln>
+            </p:spPr>
+            <p:style>
+              <a:lnRef idx="1">
+                <a:schemeClr val="accent1"/>
+              </a:lnRef>
+              <a:fillRef idx="0">
+                <a:schemeClr val="accent1"/>
+              </a:fillRef>
+              <a:effectRef idx="0">
+                <a:schemeClr val="accent1"/>
+              </a:effectRef>
+              <a:fontRef idx="minor">
+                <a:schemeClr val="tx1"/>
+              </a:fontRef>
+            </p:style>
+          </p:cxnSp>
+          <p:cxnSp>
+            <p:nvCxnSpPr>
+              <p:cNvPr id="104" name="Straight Connector 103">
+                <a:extLst>
+                  <a:ext uri="{FF2B5EF4-FFF2-40B4-BE49-F238E27FC236}">
+                    <a16:creationId xmlns:a16="http://schemas.microsoft.com/office/drawing/2014/main" id="{100B48AC-D28B-4AC7-B199-5C6F7F629950}"/>
+                  </a:ext>
+                </a:extLst>
+              </p:cNvPr>
+              <p:cNvCxnSpPr/>
+              <p:nvPr/>
+            </p:nvCxnSpPr>
+            <p:spPr>
+              <a:xfrm flipV="1">
+                <a:off x="5220000" y="2304000"/>
+                <a:ext cx="0" cy="156845"/>
+              </a:xfrm>
+              <a:prstGeom prst="line">
+                <a:avLst/>
+              </a:prstGeom>
+              <a:grpFill/>
+              <a:ln w="76200" cap="rnd">
+                <a:solidFill>
+                  <a:schemeClr val="tx1">
+                    <a:lumMod val="85000"/>
+                    <a:lumOff val="15000"/>
+                  </a:schemeClr>
+                </a:solidFill>
+              </a:ln>
+            </p:spPr>
+            <p:style>
+              <a:lnRef idx="1">
+                <a:schemeClr val="accent1"/>
+              </a:lnRef>
+              <a:fillRef idx="0">
+                <a:schemeClr val="accent1"/>
+              </a:fillRef>
+              <a:effectRef idx="0">
+                <a:schemeClr val="accent1"/>
+              </a:effectRef>
+              <a:fontRef idx="minor">
+                <a:schemeClr val="tx1"/>
+              </a:fontRef>
+            </p:style>
+          </p:cxnSp>
+          <p:cxnSp>
+            <p:nvCxnSpPr>
+              <p:cNvPr id="105" name="Straight Connector 104">
+                <a:extLst>
+                  <a:ext uri="{FF2B5EF4-FFF2-40B4-BE49-F238E27FC236}">
+                    <a16:creationId xmlns:a16="http://schemas.microsoft.com/office/drawing/2014/main" id="{DFEC550A-C29C-4688-A271-B08A8F2E7149}"/>
+                  </a:ext>
+                </a:extLst>
+              </p:cNvPr>
+              <p:cNvCxnSpPr/>
+              <p:nvPr/>
+            </p:nvCxnSpPr>
+            <p:spPr>
+              <a:xfrm flipV="1">
+                <a:off x="5400000" y="2304000"/>
+                <a:ext cx="0" cy="156845"/>
+              </a:xfrm>
+              <a:prstGeom prst="line">
+                <a:avLst/>
+              </a:prstGeom>
+              <a:grpFill/>
+              <a:ln w="76200" cap="rnd">
+                <a:solidFill>
+                  <a:schemeClr val="tx1">
+                    <a:lumMod val="85000"/>
+                    <a:lumOff val="15000"/>
+                  </a:schemeClr>
+                </a:solidFill>
+              </a:ln>
+            </p:spPr>
+            <p:style>
+              <a:lnRef idx="1">
+                <a:schemeClr val="accent1"/>
+              </a:lnRef>
+              <a:fillRef idx="0">
+                <a:schemeClr val="accent1"/>
+              </a:fillRef>
+              <a:effectRef idx="0">
+                <a:schemeClr val="accent1"/>
+              </a:effectRef>
+              <a:fontRef idx="minor">
+                <a:schemeClr val="tx1"/>
+              </a:fontRef>
+            </p:style>
+          </p:cxnSp>
+          <p:cxnSp>
+            <p:nvCxnSpPr>
+              <p:cNvPr id="106" name="Straight Connector 105">
+                <a:extLst>
+                  <a:ext uri="{FF2B5EF4-FFF2-40B4-BE49-F238E27FC236}">
+                    <a16:creationId xmlns:a16="http://schemas.microsoft.com/office/drawing/2014/main" id="{3AA886D6-6962-4E34-8D39-41DDEBBF8952}"/>
+                  </a:ext>
+                </a:extLst>
+              </p:cNvPr>
+              <p:cNvCxnSpPr/>
+              <p:nvPr/>
+            </p:nvCxnSpPr>
+            <p:spPr>
+              <a:xfrm flipV="1">
+                <a:off x="5580000" y="2304000"/>
+                <a:ext cx="0" cy="156845"/>
+              </a:xfrm>
+              <a:prstGeom prst="line">
+                <a:avLst/>
+              </a:prstGeom>
+              <a:grpFill/>
+              <a:ln w="76200" cap="rnd">
+                <a:solidFill>
+                  <a:schemeClr val="tx1">
+                    <a:lumMod val="85000"/>
+                    <a:lumOff val="15000"/>
+                  </a:schemeClr>
+                </a:solidFill>
+              </a:ln>
+            </p:spPr>
+            <p:style>
+              <a:lnRef idx="1">
+                <a:schemeClr val="accent1"/>
+              </a:lnRef>
+              <a:fillRef idx="0">
+                <a:schemeClr val="accent1"/>
+              </a:fillRef>
+              <a:effectRef idx="0">
+                <a:schemeClr val="accent1"/>
+              </a:effectRef>
+              <a:fontRef idx="minor">
+                <a:schemeClr val="tx1"/>
+              </a:fontRef>
+            </p:style>
+          </p:cxnSp>
+          <p:cxnSp>
+            <p:nvCxnSpPr>
+              <p:cNvPr id="107" name="Straight Connector 106">
+                <a:extLst>
+                  <a:ext uri="{FF2B5EF4-FFF2-40B4-BE49-F238E27FC236}">
+                    <a16:creationId xmlns:a16="http://schemas.microsoft.com/office/drawing/2014/main" id="{3B84D497-D41A-4C4B-9E7B-569D716625A5}"/>
+                  </a:ext>
+                </a:extLst>
+              </p:cNvPr>
+              <p:cNvCxnSpPr/>
+              <p:nvPr/>
+            </p:nvCxnSpPr>
+            <p:spPr>
+              <a:xfrm flipV="1">
+                <a:off x="5760000" y="2304000"/>
+                <a:ext cx="0" cy="156845"/>
+              </a:xfrm>
+              <a:prstGeom prst="line">
+                <a:avLst/>
+              </a:prstGeom>
+              <a:grpFill/>
+              <a:ln w="76200" cap="rnd">
+                <a:solidFill>
+                  <a:schemeClr val="tx1">
+                    <a:lumMod val="85000"/>
+                    <a:lumOff val="15000"/>
+                  </a:schemeClr>
+                </a:solidFill>
+              </a:ln>
+            </p:spPr>
+            <p:style>
+              <a:lnRef idx="1">
+                <a:schemeClr val="accent1"/>
+              </a:lnRef>
+              <a:fillRef idx="0">
+                <a:schemeClr val="accent1"/>
+              </a:fillRef>
+              <a:effectRef idx="0">
+                <a:schemeClr val="accent1"/>
+              </a:effectRef>
+              <a:fontRef idx="minor">
+                <a:schemeClr val="tx1"/>
+              </a:fontRef>
+            </p:style>
+          </p:cxnSp>
+          <p:cxnSp>
+            <p:nvCxnSpPr>
+              <p:cNvPr id="108" name="Straight Connector 107">
+                <a:extLst>
+                  <a:ext uri="{FF2B5EF4-FFF2-40B4-BE49-F238E27FC236}">
+                    <a16:creationId xmlns:a16="http://schemas.microsoft.com/office/drawing/2014/main" id="{A240644A-F588-42D4-AB03-E9BDDF850D4A}"/>
+                  </a:ext>
+                </a:extLst>
+              </p:cNvPr>
+              <p:cNvCxnSpPr/>
+              <p:nvPr/>
+            </p:nvCxnSpPr>
+            <p:spPr>
+              <a:xfrm flipV="1">
+                <a:off x="5940000" y="2304000"/>
+                <a:ext cx="0" cy="156845"/>
+              </a:xfrm>
+              <a:prstGeom prst="line">
+                <a:avLst/>
+              </a:prstGeom>
+              <a:grpFill/>
+              <a:ln w="76200" cap="rnd">
+                <a:solidFill>
+                  <a:schemeClr val="tx1">
+                    <a:lumMod val="85000"/>
+                    <a:lumOff val="15000"/>
+                  </a:schemeClr>
+                </a:solidFill>
+              </a:ln>
+            </p:spPr>
+            <p:style>
+              <a:lnRef idx="1">
+                <a:schemeClr val="accent1"/>
+              </a:lnRef>
+              <a:fillRef idx="0">
+                <a:schemeClr val="accent1"/>
+              </a:fillRef>
+              <a:effectRef idx="0">
+                <a:schemeClr val="accent1"/>
+              </a:effectRef>
+              <a:fontRef idx="minor">
+                <a:schemeClr val="tx1"/>
+              </a:fontRef>
+            </p:style>
+          </p:cxnSp>
+        </p:grpSp>
+        <p:grpSp>
+          <p:nvGrpSpPr>
+            <p:cNvPr id="85" name="Group 84">
+              <a:extLst>
+                <a:ext uri="{FF2B5EF4-FFF2-40B4-BE49-F238E27FC236}">
+                  <a16:creationId xmlns:a16="http://schemas.microsoft.com/office/drawing/2014/main" id="{CCB242CA-F545-42A1-ADBD-0F7541ECE1BC}"/>
+                </a:ext>
+              </a:extLst>
+            </p:cNvPr>
+            <p:cNvGrpSpPr/>
+            <p:nvPr/>
+          </p:nvGrpSpPr>
+          <p:grpSpPr>
+            <a:xfrm>
+              <a:off x="4844370" y="4288593"/>
+              <a:ext cx="1080000" cy="156845"/>
+              <a:chOff x="4860000" y="2304000"/>
+              <a:chExt cx="1080000" cy="156845"/>
+            </a:xfrm>
+            <a:grpFill/>
+          </p:grpSpPr>
+          <p:cxnSp>
+            <p:nvCxnSpPr>
+              <p:cNvPr id="95" name="Straight Connector 94">
+                <a:extLst>
+                  <a:ext uri="{FF2B5EF4-FFF2-40B4-BE49-F238E27FC236}">
+                    <a16:creationId xmlns:a16="http://schemas.microsoft.com/office/drawing/2014/main" id="{EC6ADEF8-30B3-42EF-80B0-FBFEE74F8742}"/>
+                  </a:ext>
+                </a:extLst>
+              </p:cNvPr>
+              <p:cNvCxnSpPr/>
+              <p:nvPr/>
+            </p:nvCxnSpPr>
+            <p:spPr>
+              <a:xfrm flipV="1">
+                <a:off x="4860000" y="2304000"/>
+                <a:ext cx="0" cy="156845"/>
+              </a:xfrm>
+              <a:prstGeom prst="line">
+                <a:avLst/>
+              </a:prstGeom>
+              <a:grpFill/>
+              <a:ln w="76200" cap="rnd">
+                <a:solidFill>
+                  <a:schemeClr val="tx1">
+                    <a:lumMod val="85000"/>
+                    <a:lumOff val="15000"/>
+                  </a:schemeClr>
+                </a:solidFill>
+              </a:ln>
+            </p:spPr>
+            <p:style>
+              <a:lnRef idx="1">
+                <a:schemeClr val="accent1"/>
+              </a:lnRef>
+              <a:fillRef idx="0">
+                <a:schemeClr val="accent1"/>
+              </a:fillRef>
+              <a:effectRef idx="0">
+                <a:schemeClr val="accent1"/>
+              </a:effectRef>
+              <a:fontRef idx="minor">
+                <a:schemeClr val="tx1"/>
+              </a:fontRef>
+            </p:style>
+          </p:cxnSp>
+          <p:cxnSp>
+            <p:nvCxnSpPr>
+              <p:cNvPr id="96" name="Straight Connector 95">
+                <a:extLst>
+                  <a:ext uri="{FF2B5EF4-FFF2-40B4-BE49-F238E27FC236}">
+                    <a16:creationId xmlns:a16="http://schemas.microsoft.com/office/drawing/2014/main" id="{066EEEE9-E3F2-4250-A9B0-55EF2EB28C4B}"/>
+                  </a:ext>
+                </a:extLst>
+              </p:cNvPr>
+              <p:cNvCxnSpPr/>
+              <p:nvPr/>
+            </p:nvCxnSpPr>
+            <p:spPr>
+              <a:xfrm flipV="1">
+                <a:off x="5040000" y="2304000"/>
+                <a:ext cx="0" cy="156845"/>
+              </a:xfrm>
+              <a:prstGeom prst="line">
+                <a:avLst/>
+              </a:prstGeom>
+              <a:grpFill/>
+              <a:ln w="76200" cap="rnd">
+                <a:solidFill>
+                  <a:schemeClr val="tx1">
+                    <a:lumMod val="85000"/>
+                    <a:lumOff val="15000"/>
+                  </a:schemeClr>
+                </a:solidFill>
+              </a:ln>
+            </p:spPr>
+            <p:style>
+              <a:lnRef idx="1">
+                <a:schemeClr val="accent1"/>
+              </a:lnRef>
+              <a:fillRef idx="0">
+                <a:schemeClr val="accent1"/>
+              </a:fillRef>
+              <a:effectRef idx="0">
+                <a:schemeClr val="accent1"/>
+              </a:effectRef>
+              <a:fontRef idx="minor">
+                <a:schemeClr val="tx1"/>
+              </a:fontRef>
+            </p:style>
+          </p:cxnSp>
+          <p:cxnSp>
+            <p:nvCxnSpPr>
+              <p:cNvPr id="97" name="Straight Connector 96">
+                <a:extLst>
+                  <a:ext uri="{FF2B5EF4-FFF2-40B4-BE49-F238E27FC236}">
+                    <a16:creationId xmlns:a16="http://schemas.microsoft.com/office/drawing/2014/main" id="{9D8952E9-20D4-4852-A92F-D3CD4F410ACA}"/>
+                  </a:ext>
+                </a:extLst>
+              </p:cNvPr>
+              <p:cNvCxnSpPr/>
+              <p:nvPr/>
+            </p:nvCxnSpPr>
+            <p:spPr>
+              <a:xfrm flipV="1">
+                <a:off x="5220000" y="2304000"/>
+                <a:ext cx="0" cy="156845"/>
+              </a:xfrm>
+              <a:prstGeom prst="line">
+                <a:avLst/>
+              </a:prstGeom>
+              <a:grpFill/>
+              <a:ln w="76200" cap="rnd">
+                <a:solidFill>
+                  <a:schemeClr val="tx1">
+                    <a:lumMod val="85000"/>
+                    <a:lumOff val="15000"/>
+                  </a:schemeClr>
+                </a:solidFill>
+              </a:ln>
+            </p:spPr>
+            <p:style>
+              <a:lnRef idx="1">
+                <a:schemeClr val="accent1"/>
+              </a:lnRef>
+              <a:fillRef idx="0">
+                <a:schemeClr val="accent1"/>
+              </a:fillRef>
+              <a:effectRef idx="0">
+                <a:schemeClr val="accent1"/>
+              </a:effectRef>
+              <a:fontRef idx="minor">
+                <a:schemeClr val="tx1"/>
+              </a:fontRef>
+            </p:style>
+          </p:cxnSp>
+          <p:cxnSp>
+            <p:nvCxnSpPr>
+              <p:cNvPr id="98" name="Straight Connector 97">
+                <a:extLst>
+                  <a:ext uri="{FF2B5EF4-FFF2-40B4-BE49-F238E27FC236}">
+                    <a16:creationId xmlns:a16="http://schemas.microsoft.com/office/drawing/2014/main" id="{02D4527B-E8BE-499C-8932-218DF0B51A72}"/>
+                  </a:ext>
+                </a:extLst>
+              </p:cNvPr>
+              <p:cNvCxnSpPr/>
+              <p:nvPr/>
+            </p:nvCxnSpPr>
+            <p:spPr>
+              <a:xfrm flipV="1">
+                <a:off x="5400000" y="2304000"/>
+                <a:ext cx="0" cy="156845"/>
+              </a:xfrm>
+              <a:prstGeom prst="line">
+                <a:avLst/>
+              </a:prstGeom>
+              <a:grpFill/>
+              <a:ln w="76200" cap="rnd">
+                <a:solidFill>
+                  <a:schemeClr val="tx1">
+                    <a:lumMod val="85000"/>
+                    <a:lumOff val="15000"/>
+                  </a:schemeClr>
+                </a:solidFill>
+              </a:ln>
+            </p:spPr>
+            <p:style>
+              <a:lnRef idx="1">
+                <a:schemeClr val="accent1"/>
+              </a:lnRef>
+              <a:fillRef idx="0">
+                <a:schemeClr val="accent1"/>
+              </a:fillRef>
+              <a:effectRef idx="0">
+                <a:schemeClr val="accent1"/>
+              </a:effectRef>
+              <a:fontRef idx="minor">
+                <a:schemeClr val="tx1"/>
+              </a:fontRef>
+            </p:style>
+          </p:cxnSp>
+          <p:cxnSp>
+            <p:nvCxnSpPr>
+              <p:cNvPr id="99" name="Straight Connector 98">
+                <a:extLst>
+                  <a:ext uri="{FF2B5EF4-FFF2-40B4-BE49-F238E27FC236}">
+                    <a16:creationId xmlns:a16="http://schemas.microsoft.com/office/drawing/2014/main" id="{F8B451E4-EC54-404B-91EE-634E9B4D880D}"/>
+                  </a:ext>
+                </a:extLst>
+              </p:cNvPr>
+              <p:cNvCxnSpPr/>
+              <p:nvPr/>
+            </p:nvCxnSpPr>
+            <p:spPr>
+              <a:xfrm flipV="1">
+                <a:off x="5580000" y="2304000"/>
+                <a:ext cx="0" cy="156845"/>
+              </a:xfrm>
+              <a:prstGeom prst="line">
+                <a:avLst/>
+              </a:prstGeom>
+              <a:grpFill/>
+              <a:ln w="76200" cap="rnd">
+                <a:solidFill>
+                  <a:schemeClr val="tx1">
+                    <a:lumMod val="85000"/>
+                    <a:lumOff val="15000"/>
+                  </a:schemeClr>
+                </a:solidFill>
+              </a:ln>
+            </p:spPr>
+            <p:style>
+              <a:lnRef idx="1">
+                <a:schemeClr val="accent1"/>
+              </a:lnRef>
+              <a:fillRef idx="0">
+                <a:schemeClr val="accent1"/>
+              </a:fillRef>
+              <a:effectRef idx="0">
+                <a:schemeClr val="accent1"/>
+              </a:effectRef>
+              <a:fontRef idx="minor">
+                <a:schemeClr val="tx1"/>
+              </a:fontRef>
+            </p:style>
+          </p:cxnSp>
+          <p:cxnSp>
+            <p:nvCxnSpPr>
+              <p:cNvPr id="100" name="Straight Connector 99">
+                <a:extLst>
+                  <a:ext uri="{FF2B5EF4-FFF2-40B4-BE49-F238E27FC236}">
+                    <a16:creationId xmlns:a16="http://schemas.microsoft.com/office/drawing/2014/main" id="{B96F3C26-6A31-4AE3-A5BC-CD03A97B62E8}"/>
+                  </a:ext>
+                </a:extLst>
+              </p:cNvPr>
+              <p:cNvCxnSpPr/>
+              <p:nvPr/>
+            </p:nvCxnSpPr>
+            <p:spPr>
+              <a:xfrm flipV="1">
+                <a:off x="5760000" y="2304000"/>
+                <a:ext cx="0" cy="156845"/>
+              </a:xfrm>
+              <a:prstGeom prst="line">
+                <a:avLst/>
+              </a:prstGeom>
+              <a:grpFill/>
+              <a:ln w="76200" cap="rnd">
+                <a:solidFill>
+                  <a:schemeClr val="tx1">
+                    <a:lumMod val="85000"/>
+                    <a:lumOff val="15000"/>
+                  </a:schemeClr>
+                </a:solidFill>
+              </a:ln>
+            </p:spPr>
+            <p:style>
+              <a:lnRef idx="1">
+                <a:schemeClr val="accent1"/>
+              </a:lnRef>
+              <a:fillRef idx="0">
+                <a:schemeClr val="accent1"/>
+              </a:fillRef>
+              <a:effectRef idx="0">
+                <a:schemeClr val="accent1"/>
+              </a:effectRef>
+              <a:fontRef idx="minor">
+                <a:schemeClr val="tx1"/>
+              </a:fontRef>
+            </p:style>
+          </p:cxnSp>
+          <p:cxnSp>
+            <p:nvCxnSpPr>
+              <p:cNvPr id="101" name="Straight Connector 100">
+                <a:extLst>
+                  <a:ext uri="{FF2B5EF4-FFF2-40B4-BE49-F238E27FC236}">
+                    <a16:creationId xmlns:a16="http://schemas.microsoft.com/office/drawing/2014/main" id="{39FF402B-BAB1-4CFE-94AB-D7EF810313B7}"/>
+                  </a:ext>
+                </a:extLst>
+              </p:cNvPr>
+              <p:cNvCxnSpPr/>
+              <p:nvPr/>
+            </p:nvCxnSpPr>
+            <p:spPr>
+              <a:xfrm flipV="1">
+                <a:off x="5940000" y="2304000"/>
+                <a:ext cx="0" cy="156845"/>
+              </a:xfrm>
+              <a:prstGeom prst="line">
+                <a:avLst/>
+              </a:prstGeom>
+              <a:grpFill/>
+              <a:ln w="76200" cap="rnd">
+                <a:solidFill>
+                  <a:schemeClr val="tx1">
+                    <a:lumMod val="85000"/>
+                    <a:lumOff val="15000"/>
+                  </a:schemeClr>
+                </a:solidFill>
+              </a:ln>
+            </p:spPr>
+            <p:style>
+              <a:lnRef idx="1">
+                <a:schemeClr val="accent1"/>
+              </a:lnRef>
+              <a:fillRef idx="0">
+                <a:schemeClr val="accent1"/>
+              </a:fillRef>
+              <a:effectRef idx="0">
+                <a:schemeClr val="accent1"/>
+              </a:effectRef>
+              <a:fontRef idx="minor">
+                <a:schemeClr val="tx1"/>
+              </a:fontRef>
+            </p:style>
+          </p:cxnSp>
+        </p:grpSp>
+        <p:grpSp>
+          <p:nvGrpSpPr>
+            <p:cNvPr id="86" name="Group 85">
+              <a:extLst>
+                <a:ext uri="{FF2B5EF4-FFF2-40B4-BE49-F238E27FC236}">
+                  <a16:creationId xmlns:a16="http://schemas.microsoft.com/office/drawing/2014/main" id="{82746F72-FE07-480B-8EBE-779EA1C33E01}"/>
+                </a:ext>
+              </a:extLst>
+            </p:cNvPr>
+            <p:cNvGrpSpPr/>
+            <p:nvPr/>
+          </p:nvGrpSpPr>
+          <p:grpSpPr>
+            <a:xfrm rot="5400000">
+              <a:off x="3860877" y="3307603"/>
+              <a:ext cx="1080000" cy="156845"/>
+              <a:chOff x="4860000" y="2304000"/>
+              <a:chExt cx="1080000" cy="156845"/>
+            </a:xfrm>
+            <a:grpFill/>
+          </p:grpSpPr>
+          <p:cxnSp>
+            <p:nvCxnSpPr>
+              <p:cNvPr id="88" name="Straight Connector 87">
+                <a:extLst>
+                  <a:ext uri="{FF2B5EF4-FFF2-40B4-BE49-F238E27FC236}">
+                    <a16:creationId xmlns:a16="http://schemas.microsoft.com/office/drawing/2014/main" id="{83349F04-3AF9-41BF-956D-4E105E8145C7}"/>
+                  </a:ext>
+                </a:extLst>
+              </p:cNvPr>
+              <p:cNvCxnSpPr/>
+              <p:nvPr/>
+            </p:nvCxnSpPr>
+            <p:spPr>
+              <a:xfrm flipV="1">
+                <a:off x="4860000" y="2304000"/>
+                <a:ext cx="0" cy="156845"/>
+              </a:xfrm>
+              <a:prstGeom prst="line">
+                <a:avLst/>
+              </a:prstGeom>
+              <a:grpFill/>
+              <a:ln w="76200" cap="rnd">
+                <a:solidFill>
+                  <a:schemeClr val="tx1">
+                    <a:lumMod val="85000"/>
+                    <a:lumOff val="15000"/>
+                  </a:schemeClr>
+                </a:solidFill>
+              </a:ln>
+            </p:spPr>
+            <p:style>
+              <a:lnRef idx="1">
+                <a:schemeClr val="accent1"/>
+              </a:lnRef>
+              <a:fillRef idx="0">
+                <a:schemeClr val="accent1"/>
+              </a:fillRef>
+              <a:effectRef idx="0">
+                <a:schemeClr val="accent1"/>
+              </a:effectRef>
+              <a:fontRef idx="minor">
+                <a:schemeClr val="tx1"/>
+              </a:fontRef>
+            </p:style>
+          </p:cxnSp>
+          <p:cxnSp>
+            <p:nvCxnSpPr>
+              <p:cNvPr id="89" name="Straight Connector 88">
+                <a:extLst>
+                  <a:ext uri="{FF2B5EF4-FFF2-40B4-BE49-F238E27FC236}">
+                    <a16:creationId xmlns:a16="http://schemas.microsoft.com/office/drawing/2014/main" id="{6CC1264B-29BC-4837-9075-0539521D333E}"/>
+                  </a:ext>
+                </a:extLst>
+              </p:cNvPr>
+              <p:cNvCxnSpPr/>
+              <p:nvPr/>
+            </p:nvCxnSpPr>
+            <p:spPr>
+              <a:xfrm flipV="1">
+                <a:off x="5040000" y="2304000"/>
+                <a:ext cx="0" cy="156845"/>
+              </a:xfrm>
+              <a:prstGeom prst="line">
+                <a:avLst/>
+              </a:prstGeom>
+              <a:grpFill/>
+              <a:ln w="76200" cap="rnd">
+                <a:solidFill>
+                  <a:schemeClr val="tx1">
+                    <a:lumMod val="85000"/>
+                    <a:lumOff val="15000"/>
+                  </a:schemeClr>
+                </a:solidFill>
+              </a:ln>
+            </p:spPr>
+            <p:style>
+              <a:lnRef idx="1">
+                <a:schemeClr val="accent1"/>
+              </a:lnRef>
+              <a:fillRef idx="0">
+                <a:schemeClr val="accent1"/>
+              </a:fillRef>
+              <a:effectRef idx="0">
+                <a:schemeClr val="accent1"/>
+              </a:effectRef>
+              <a:fontRef idx="minor">
+                <a:schemeClr val="tx1"/>
+              </a:fontRef>
+            </p:style>
+          </p:cxnSp>
+          <p:cxnSp>
+            <p:nvCxnSpPr>
+              <p:cNvPr id="90" name="Straight Connector 89">
+                <a:extLst>
+                  <a:ext uri="{FF2B5EF4-FFF2-40B4-BE49-F238E27FC236}">
+                    <a16:creationId xmlns:a16="http://schemas.microsoft.com/office/drawing/2014/main" id="{73A7276D-84A5-4366-B5D4-A26729678E58}"/>
+                  </a:ext>
+                </a:extLst>
+              </p:cNvPr>
+              <p:cNvCxnSpPr/>
+              <p:nvPr/>
+            </p:nvCxnSpPr>
+            <p:spPr>
+              <a:xfrm flipV="1">
+                <a:off x="5220000" y="2304000"/>
+                <a:ext cx="0" cy="156845"/>
+              </a:xfrm>
+              <a:prstGeom prst="line">
+                <a:avLst/>
+              </a:prstGeom>
+              <a:grpFill/>
+              <a:ln w="76200" cap="rnd">
+                <a:solidFill>
+                  <a:schemeClr val="tx1">
+                    <a:lumMod val="85000"/>
+                    <a:lumOff val="15000"/>
+                  </a:schemeClr>
+                </a:solidFill>
+              </a:ln>
+            </p:spPr>
+            <p:style>
+              <a:lnRef idx="1">
+                <a:schemeClr val="accent1"/>
+              </a:lnRef>
+              <a:fillRef idx="0">
+                <a:schemeClr val="accent1"/>
+              </a:fillRef>
+              <a:effectRef idx="0">
+                <a:schemeClr val="accent1"/>
+              </a:effectRef>
+              <a:fontRef idx="minor">
+                <a:schemeClr val="tx1"/>
+              </a:fontRef>
+            </p:style>
+          </p:cxnSp>
+          <p:cxnSp>
+            <p:nvCxnSpPr>
+              <p:cNvPr id="91" name="Straight Connector 90">
+                <a:extLst>
+                  <a:ext uri="{FF2B5EF4-FFF2-40B4-BE49-F238E27FC236}">
+                    <a16:creationId xmlns:a16="http://schemas.microsoft.com/office/drawing/2014/main" id="{68C10289-494C-46AF-8744-D8ADBF6F9287}"/>
+                  </a:ext>
+                </a:extLst>
+              </p:cNvPr>
+              <p:cNvCxnSpPr/>
+              <p:nvPr/>
+            </p:nvCxnSpPr>
+            <p:spPr>
+              <a:xfrm flipV="1">
+                <a:off x="5400000" y="2304000"/>
+                <a:ext cx="0" cy="156845"/>
+              </a:xfrm>
+              <a:prstGeom prst="line">
+                <a:avLst/>
+              </a:prstGeom>
+              <a:grpFill/>
+              <a:ln w="76200" cap="rnd">
+                <a:solidFill>
+                  <a:schemeClr val="tx1">
+                    <a:lumMod val="85000"/>
+                    <a:lumOff val="15000"/>
+                  </a:schemeClr>
+                </a:solidFill>
+              </a:ln>
+            </p:spPr>
+            <p:style>
+              <a:lnRef idx="1">
+                <a:schemeClr val="accent1"/>
+              </a:lnRef>
+              <a:fillRef idx="0">
+                <a:schemeClr val="accent1"/>
+              </a:fillRef>
+              <a:effectRef idx="0">
+                <a:schemeClr val="accent1"/>
+              </a:effectRef>
+              <a:fontRef idx="minor">
+                <a:schemeClr val="tx1"/>
+              </a:fontRef>
+            </p:style>
+          </p:cxnSp>
+          <p:cxnSp>
+            <p:nvCxnSpPr>
+              <p:cNvPr id="92" name="Straight Connector 91">
+                <a:extLst>
+                  <a:ext uri="{FF2B5EF4-FFF2-40B4-BE49-F238E27FC236}">
+                    <a16:creationId xmlns:a16="http://schemas.microsoft.com/office/drawing/2014/main" id="{F0653296-4C01-4D7D-9DB7-B55F7A716B9E}"/>
+                  </a:ext>
+                </a:extLst>
+              </p:cNvPr>
+              <p:cNvCxnSpPr/>
+              <p:nvPr/>
+            </p:nvCxnSpPr>
+            <p:spPr>
+              <a:xfrm flipV="1">
+                <a:off x="5580000" y="2304000"/>
+                <a:ext cx="0" cy="156845"/>
+              </a:xfrm>
+              <a:prstGeom prst="line">
+                <a:avLst/>
+              </a:prstGeom>
+              <a:grpFill/>
+              <a:ln w="76200" cap="rnd">
+                <a:solidFill>
+                  <a:schemeClr val="tx1">
+                    <a:lumMod val="85000"/>
+                    <a:lumOff val="15000"/>
+                  </a:schemeClr>
+                </a:solidFill>
+              </a:ln>
+            </p:spPr>
+            <p:style>
+              <a:lnRef idx="1">
+                <a:schemeClr val="accent1"/>
+              </a:lnRef>
+              <a:fillRef idx="0">
+                <a:schemeClr val="accent1"/>
+              </a:fillRef>
+              <a:effectRef idx="0">
+                <a:schemeClr val="accent1"/>
+              </a:effectRef>
+              <a:fontRef idx="minor">
+                <a:schemeClr val="tx1"/>
+              </a:fontRef>
+            </p:style>
+          </p:cxnSp>
+          <p:cxnSp>
+            <p:nvCxnSpPr>
+              <p:cNvPr id="93" name="Straight Connector 92">
+                <a:extLst>
+                  <a:ext uri="{FF2B5EF4-FFF2-40B4-BE49-F238E27FC236}">
+                    <a16:creationId xmlns:a16="http://schemas.microsoft.com/office/drawing/2014/main" id="{AD478BB0-6A5C-442B-A0CC-D0101675075C}"/>
+                  </a:ext>
+                </a:extLst>
+              </p:cNvPr>
+              <p:cNvCxnSpPr/>
+              <p:nvPr/>
+            </p:nvCxnSpPr>
+            <p:spPr>
+              <a:xfrm flipV="1">
+                <a:off x="5760000" y="2304000"/>
+                <a:ext cx="0" cy="156845"/>
+              </a:xfrm>
+              <a:prstGeom prst="line">
+                <a:avLst/>
+              </a:prstGeom>
+              <a:grpFill/>
+              <a:ln w="76200" cap="rnd">
+                <a:solidFill>
+                  <a:schemeClr val="tx1">
+                    <a:lumMod val="85000"/>
+                    <a:lumOff val="15000"/>
+                  </a:schemeClr>
+                </a:solidFill>
+              </a:ln>
+            </p:spPr>
+            <p:style>
+              <a:lnRef idx="1">
+                <a:schemeClr val="accent1"/>
+              </a:lnRef>
+              <a:fillRef idx="0">
+                <a:schemeClr val="accent1"/>
+              </a:fillRef>
+              <a:effectRef idx="0">
+                <a:schemeClr val="accent1"/>
+              </a:effectRef>
+              <a:fontRef idx="minor">
+                <a:schemeClr val="tx1"/>
+              </a:fontRef>
+            </p:style>
+          </p:cxnSp>
+          <p:cxnSp>
+            <p:nvCxnSpPr>
+              <p:cNvPr id="94" name="Straight Connector 93">
+                <a:extLst>
+                  <a:ext uri="{FF2B5EF4-FFF2-40B4-BE49-F238E27FC236}">
+                    <a16:creationId xmlns:a16="http://schemas.microsoft.com/office/drawing/2014/main" id="{52E781EC-E927-4A7D-B4FA-8A14E0689EE4}"/>
+                  </a:ext>
+                </a:extLst>
+              </p:cNvPr>
+              <p:cNvCxnSpPr/>
+              <p:nvPr/>
+            </p:nvCxnSpPr>
+            <p:spPr>
+              <a:xfrm flipV="1">
+                <a:off x="5940000" y="2304000"/>
+                <a:ext cx="0" cy="156845"/>
+              </a:xfrm>
+              <a:prstGeom prst="line">
+                <a:avLst/>
+              </a:prstGeom>
+              <a:grpFill/>
+              <a:ln w="76200" cap="rnd">
+                <a:solidFill>
+                  <a:schemeClr val="tx1">
+                    <a:lumMod val="85000"/>
+                    <a:lumOff val="15000"/>
+                  </a:schemeClr>
+                </a:solidFill>
+              </a:ln>
+            </p:spPr>
+            <p:style>
+              <a:lnRef idx="1">
+                <a:schemeClr val="accent1"/>
+              </a:lnRef>
+              <a:fillRef idx="0">
+                <a:schemeClr val="accent1"/>
+              </a:fillRef>
+              <a:effectRef idx="0">
+                <a:schemeClr val="accent1"/>
+              </a:effectRef>
+              <a:fontRef idx="minor">
+                <a:schemeClr val="tx1"/>
+              </a:fontRef>
+            </p:style>
+          </p:cxnSp>
+        </p:grpSp>
+        <p:sp>
+          <p:nvSpPr>
+            <p:cNvPr id="87" name="Freeform: Shape 86">
+              <a:extLst>
+                <a:ext uri="{FF2B5EF4-FFF2-40B4-BE49-F238E27FC236}">
+                  <a16:creationId xmlns:a16="http://schemas.microsoft.com/office/drawing/2014/main" id="{77D37547-7481-4CD7-BABC-9D189E56D00C}"/>
+                </a:ext>
+              </a:extLst>
+            </p:cNvPr>
+            <p:cNvSpPr/>
+            <p:nvPr/>
+          </p:nvSpPr>
+          <p:spPr>
+            <a:xfrm>
+              <a:off x="4484370" y="2486025"/>
+              <a:ext cx="1800000" cy="1800000"/>
+            </a:xfrm>
+            <a:custGeom>
+              <a:avLst/>
+              <a:gdLst>
+                <a:gd name="connsiteX0" fmla="*/ 300006 w 1800000"/>
+                <a:gd name="connsiteY0" fmla="*/ 0 h 1800000"/>
+                <a:gd name="connsiteX1" fmla="*/ 1499994 w 1800000"/>
+                <a:gd name="connsiteY1" fmla="*/ 0 h 1800000"/>
+                <a:gd name="connsiteX2" fmla="*/ 1800000 w 1800000"/>
+                <a:gd name="connsiteY2" fmla="*/ 300006 h 1800000"/>
+                <a:gd name="connsiteX3" fmla="*/ 1800000 w 1800000"/>
+                <a:gd name="connsiteY3" fmla="*/ 1499994 h 1800000"/>
+                <a:gd name="connsiteX4" fmla="*/ 1499994 w 1800000"/>
+                <a:gd name="connsiteY4" fmla="*/ 1800000 h 1800000"/>
+                <a:gd name="connsiteX5" fmla="*/ 300006 w 1800000"/>
+                <a:gd name="connsiteY5" fmla="*/ 1800000 h 1800000"/>
+                <a:gd name="connsiteX6" fmla="*/ 0 w 1800000"/>
+                <a:gd name="connsiteY6" fmla="*/ 1499994 h 1800000"/>
+                <a:gd name="connsiteX7" fmla="*/ 0 w 1800000"/>
+                <a:gd name="connsiteY7" fmla="*/ 300006 h 1800000"/>
+                <a:gd name="connsiteX8" fmla="*/ 300006 w 1800000"/>
+                <a:gd name="connsiteY8" fmla="*/ 0 h 1800000"/>
+                <a:gd name="connsiteX9" fmla="*/ 364454 w 1800000"/>
+                <a:gd name="connsiteY9" fmla="*/ 252000 h 1800000"/>
+                <a:gd name="connsiteX10" fmla="*/ 252000 w 1800000"/>
+                <a:gd name="connsiteY10" fmla="*/ 364454 h 1800000"/>
+                <a:gd name="connsiteX11" fmla="*/ 252000 w 1800000"/>
+                <a:gd name="connsiteY11" fmla="*/ 1435546 h 1800000"/>
+                <a:gd name="connsiteX12" fmla="*/ 364454 w 1800000"/>
+                <a:gd name="connsiteY12" fmla="*/ 1548000 h 1800000"/>
+                <a:gd name="connsiteX13" fmla="*/ 1435546 w 1800000"/>
+                <a:gd name="connsiteY13" fmla="*/ 1548000 h 1800000"/>
+                <a:gd name="connsiteX14" fmla="*/ 1548000 w 1800000"/>
+                <a:gd name="connsiteY14" fmla="*/ 1435546 h 1800000"/>
+                <a:gd name="connsiteX15" fmla="*/ 1548000 w 1800000"/>
+                <a:gd name="connsiteY15" fmla="*/ 364454 h 1800000"/>
+                <a:gd name="connsiteX16" fmla="*/ 1435546 w 1800000"/>
+                <a:gd name="connsiteY16" fmla="*/ 252000 h 1800000"/>
+                <a:gd name="connsiteX17" fmla="*/ 364454 w 1800000"/>
+                <a:gd name="connsiteY17" fmla="*/ 252000 h 1800000"/>
+              </a:gdLst>
+              <a:ahLst/>
+              <a:cxnLst>
+                <a:cxn ang="0">
+                  <a:pos x="connsiteX0" y="connsiteY0"/>
+                </a:cxn>
+                <a:cxn ang="0">
+                  <a:pos x="connsiteX1" y="connsiteY1"/>
+                </a:cxn>
+                <a:cxn ang="0">
+                  <a:pos x="connsiteX2" y="connsiteY2"/>
+                </a:cxn>
+                <a:cxn ang="0">
+                  <a:pos x="connsiteX3" y="connsiteY3"/>
+                </a:cxn>
+                <a:cxn ang="0">
+                  <a:pos x="connsiteX4" y="connsiteY4"/>
+                </a:cxn>
+                <a:cxn ang="0">
+                  <a:pos x="connsiteX5" y="connsiteY5"/>
+                </a:cxn>
+                <a:cxn ang="0">
+                  <a:pos x="connsiteX6" y="connsiteY6"/>
+                </a:cxn>
+                <a:cxn ang="0">
+                  <a:pos x="connsiteX7" y="connsiteY7"/>
+                </a:cxn>
+                <a:cxn ang="0">
+                  <a:pos x="connsiteX8" y="connsiteY8"/>
+                </a:cxn>
+                <a:cxn ang="0">
+                  <a:pos x="connsiteX9" y="connsiteY9"/>
+                </a:cxn>
+                <a:cxn ang="0">
+                  <a:pos x="connsiteX10" y="connsiteY10"/>
+                </a:cxn>
+                <a:cxn ang="0">
+                  <a:pos x="connsiteX11" y="connsiteY11"/>
+                </a:cxn>
+                <a:cxn ang="0">
+                  <a:pos x="connsiteX12" y="connsiteY12"/>
+                </a:cxn>
+                <a:cxn ang="0">
+                  <a:pos x="connsiteX13" y="connsiteY13"/>
+                </a:cxn>
+                <a:cxn ang="0">
+                  <a:pos x="connsiteX14" y="connsiteY14"/>
+                </a:cxn>
+                <a:cxn ang="0">
+                  <a:pos x="connsiteX15" y="connsiteY15"/>
+                </a:cxn>
+                <a:cxn ang="0">
+                  <a:pos x="connsiteX16" y="connsiteY16"/>
+                </a:cxn>
+                <a:cxn ang="0">
+                  <a:pos x="connsiteX17" y="connsiteY17"/>
+                </a:cxn>
+              </a:cxnLst>
+              <a:rect l="l" t="t" r="r" b="b"/>
+              <a:pathLst>
+                <a:path w="1800000" h="1800000">
+                  <a:moveTo>
+                    <a:pt x="300006" y="0"/>
+                  </a:moveTo>
+                  <a:lnTo>
+                    <a:pt x="1499994" y="0"/>
+                  </a:lnTo>
+                  <a:cubicBezTo>
+                    <a:pt x="1665683" y="0"/>
+                    <a:pt x="1800000" y="134317"/>
+                    <a:pt x="1800000" y="300006"/>
+                  </a:cubicBezTo>
+                  <a:lnTo>
+                    <a:pt x="1800000" y="1499994"/>
+                  </a:lnTo>
+                  <a:cubicBezTo>
+                    <a:pt x="1800000" y="1665683"/>
+                    <a:pt x="1665683" y="1800000"/>
+                    <a:pt x="1499994" y="1800000"/>
+                  </a:cubicBezTo>
+                  <a:lnTo>
+                    <a:pt x="300006" y="1800000"/>
+                  </a:lnTo>
+                  <a:cubicBezTo>
+                    <a:pt x="134317" y="1800000"/>
+                    <a:pt x="0" y="1665683"/>
+                    <a:pt x="0" y="1499994"/>
+                  </a:cubicBezTo>
+                  <a:lnTo>
+                    <a:pt x="0" y="300006"/>
+                  </a:lnTo>
+                  <a:cubicBezTo>
+                    <a:pt x="0" y="134317"/>
+                    <a:pt x="134317" y="0"/>
+                    <a:pt x="300006" y="0"/>
+                  </a:cubicBezTo>
+                  <a:close/>
+                  <a:moveTo>
+                    <a:pt x="364454" y="252000"/>
+                  </a:moveTo>
+                  <a:cubicBezTo>
+                    <a:pt x="302347" y="252000"/>
+                    <a:pt x="252000" y="302347"/>
+                    <a:pt x="252000" y="364454"/>
+                  </a:cubicBezTo>
+                  <a:lnTo>
+                    <a:pt x="252000" y="1435546"/>
+                  </a:lnTo>
+                  <a:cubicBezTo>
+                    <a:pt x="252000" y="1497653"/>
+                    <a:pt x="302347" y="1548000"/>
+                    <a:pt x="364454" y="1548000"/>
+                  </a:cubicBezTo>
+                  <a:lnTo>
+                    <a:pt x="1435546" y="1548000"/>
+                  </a:lnTo>
+                  <a:cubicBezTo>
+                    <a:pt x="1497653" y="1548000"/>
+                    <a:pt x="1548000" y="1497653"/>
+                    <a:pt x="1548000" y="1435546"/>
+                  </a:cubicBezTo>
+                  <a:lnTo>
+                    <a:pt x="1548000" y="364454"/>
+                  </a:lnTo>
+                  <a:cubicBezTo>
+                    <a:pt x="1548000" y="302347"/>
+                    <a:pt x="1497653" y="252000"/>
+                    <a:pt x="1435546" y="252000"/>
+                  </a:cubicBezTo>
+                  <a:lnTo>
+                    <a:pt x="364454" y="252000"/>
+                  </a:lnTo>
+                  <a:close/>
+                </a:path>
+              </a:pathLst>
+            </a:custGeom>
+            <a:solidFill>
+              <a:srgbClr val="9933FF"/>
+            </a:solidFill>
+            <a:ln w="76200">
+              <a:solidFill>
+                <a:schemeClr val="tx1">
+                  <a:lumMod val="85000"/>
+                  <a:lumOff val="15000"/>
+                </a:schemeClr>
+              </a:solidFill>
+            </a:ln>
+            <a:scene3d>
+              <a:camera prst="orthographicFront"/>
+              <a:lightRig rig="threePt" dir="t"/>
+            </a:scene3d>
+            <a:sp3d extrusionH="44450"/>
+          </p:spPr>
+          <p:style>
+            <a:lnRef idx="2">
+              <a:schemeClr val="accent1">
+                <a:shade val="50000"/>
+              </a:schemeClr>
+            </a:lnRef>
+            <a:fillRef idx="1">
+              <a:schemeClr val="accent1"/>
+            </a:fillRef>
+            <a:effectRef idx="0">
+              <a:schemeClr val="accent1"/>
+            </a:effectRef>
+            <a:fontRef idx="minor">
+              <a:schemeClr val="lt1"/>
+            </a:fontRef>
+          </p:style>
+          <p:txBody>
+            <a:bodyPr wrap="square" rtlCol="0" anchor="ctr">
+              <a:noAutofit/>
+            </a:bodyPr>
+            <a:lstStyle/>
+            <a:p>
+              <a:pPr algn="ctr"/>
+              <a:endParaRPr lang="fr-BE"/>
+            </a:p>
+          </p:txBody>
+        </p:sp>
+      </p:grpSp>
     </p:spTree>
     <p:extLst>
       <p:ext uri="{BB962C8B-B14F-4D97-AF65-F5344CB8AC3E}">
@@ -6299,6 +9010,210 @@
                                         <p:cTn id="20" dur="1600" fill="hold"/>
                                         <p:tgtEl>
                                           <p:spTgt spid="17"/>
+                                        </p:tgtEl>
+                                        <p:attrNameLst>
+                                          <p:attrName>fill.on</p:attrName>
+                                        </p:attrNameLst>
+                                      </p:cBhvr>
+                                      <p:to>
+                                        <p:strVal val="true"/>
+                                      </p:to>
+                                    </p:set>
+                                  </p:childTnLst>
+                                </p:cTn>
+                              </p:par>
+                              <p:par>
+                                <p:cTn id="21" presetID="1" presetClass="emph" presetSubtype="10" repeatCount="indefinite" accel="9000" decel="26000" fill="remove" nodeType="withEffect">
+                                  <p:stCondLst>
+                                    <p:cond delay="0"/>
+                                  </p:stCondLst>
+                                  <p:childTnLst>
+                                    <p:animClr clrSpc="hsl" dir="ccw">
+                                      <p:cBhvr>
+                                        <p:cTn id="22" dur="900" fill="hold"/>
+                                        <p:tgtEl>
+                                          <p:spTgt spid="72"/>
+                                        </p:tgtEl>
+                                        <p:attrNameLst>
+                                          <p:attrName>fillcolor</p:attrName>
+                                        </p:attrNameLst>
+                                      </p:cBhvr>
+                                      <p:to>
+                                        <a:srgbClr val="67D04E"/>
+                                      </p:to>
+                                    </p:animClr>
+                                    <p:set>
+                                      <p:cBhvr>
+                                        <p:cTn id="23" dur="900" fill="hold"/>
+                                        <p:tgtEl>
+                                          <p:spTgt spid="72"/>
+                                        </p:tgtEl>
+                                        <p:attrNameLst>
+                                          <p:attrName>fill.type</p:attrName>
+                                        </p:attrNameLst>
+                                      </p:cBhvr>
+                                      <p:to>
+                                        <p:strVal val="solid"/>
+                                      </p:to>
+                                    </p:set>
+                                    <p:set>
+                                      <p:cBhvr>
+                                        <p:cTn id="24" dur="900" fill="hold"/>
+                                        <p:tgtEl>
+                                          <p:spTgt spid="72"/>
+                                        </p:tgtEl>
+                                        <p:attrNameLst>
+                                          <p:attrName>fill.on</p:attrName>
+                                        </p:attrNameLst>
+                                      </p:cBhvr>
+                                      <p:to>
+                                        <p:strVal val="true"/>
+                                      </p:to>
+                                    </p:set>
+                                  </p:childTnLst>
+                                </p:cTn>
+                              </p:par>
+                              <p:par>
+                                <p:cTn id="25" presetID="1" presetClass="emph" presetSubtype="10" repeatCount="indefinite" accel="9000" decel="26000" fill="remove" nodeType="withEffect">
+                                  <p:stCondLst>
+                                    <p:cond delay="0"/>
+                                  </p:stCondLst>
+                                  <p:childTnLst>
+                                    <p:animClr clrSpc="hsl" dir="ccw">
+                                      <p:cBhvr>
+                                        <p:cTn id="26" dur="2200" fill="hold"/>
+                                        <p:tgtEl>
+                                          <p:spTgt spid="64"/>
+                                        </p:tgtEl>
+                                        <p:attrNameLst>
+                                          <p:attrName>fillcolor</p:attrName>
+                                        </p:attrNameLst>
+                                      </p:cBhvr>
+                                      <p:to>
+                                        <a:srgbClr val="67D04E"/>
+                                      </p:to>
+                                    </p:animClr>
+                                    <p:set>
+                                      <p:cBhvr>
+                                        <p:cTn id="27" dur="2200" fill="hold"/>
+                                        <p:tgtEl>
+                                          <p:spTgt spid="64"/>
+                                        </p:tgtEl>
+                                        <p:attrNameLst>
+                                          <p:attrName>fill.type</p:attrName>
+                                        </p:attrNameLst>
+                                      </p:cBhvr>
+                                      <p:to>
+                                        <p:strVal val="solid"/>
+                                      </p:to>
+                                    </p:set>
+                                    <p:set>
+                                      <p:cBhvr>
+                                        <p:cTn id="28" dur="2200" fill="hold"/>
+                                        <p:tgtEl>
+                                          <p:spTgt spid="64"/>
+                                        </p:tgtEl>
+                                        <p:attrNameLst>
+                                          <p:attrName>fill.on</p:attrName>
+                                        </p:attrNameLst>
+                                      </p:cBhvr>
+                                      <p:to>
+                                        <p:strVal val="true"/>
+                                      </p:to>
+                                    </p:set>
+                                  </p:childTnLst>
+                                </p:cTn>
+                              </p:par>
+                              <p:par>
+                                <p:cTn id="29" presetID="1" presetClass="emph" presetSubtype="10" repeatCount="indefinite" accel="9000" decel="26000" fill="remove" nodeType="withEffect">
+                                  <p:stCondLst>
+                                    <p:cond delay="0"/>
+                                  </p:stCondLst>
+                                  <p:childTnLst>
+                                    <p:animClr clrSpc="hsl" dir="ccw">
+                                      <p:cBhvr>
+                                        <p:cTn id="30" dur="1300" fill="hold"/>
+                                        <p:tgtEl>
+                                          <p:spTgt spid="68"/>
+                                        </p:tgtEl>
+                                        <p:attrNameLst>
+                                          <p:attrName>fillcolor</p:attrName>
+                                        </p:attrNameLst>
+                                      </p:cBhvr>
+                                      <p:to>
+                                        <a:srgbClr val="67D04E"/>
+                                      </p:to>
+                                    </p:animClr>
+                                    <p:set>
+                                      <p:cBhvr>
+                                        <p:cTn id="31" dur="1300" fill="hold"/>
+                                        <p:tgtEl>
+                                          <p:spTgt spid="68"/>
+                                        </p:tgtEl>
+                                        <p:attrNameLst>
+                                          <p:attrName>fill.type</p:attrName>
+                                        </p:attrNameLst>
+                                      </p:cBhvr>
+                                      <p:to>
+                                        <p:strVal val="solid"/>
+                                      </p:to>
+                                    </p:set>
+                                    <p:set>
+                                      <p:cBhvr>
+                                        <p:cTn id="32" dur="1300" fill="hold"/>
+                                        <p:tgtEl>
+                                          <p:spTgt spid="68"/>
+                                        </p:tgtEl>
+                                        <p:attrNameLst>
+                                          <p:attrName>fill.on</p:attrName>
+                                        </p:attrNameLst>
+                                      </p:cBhvr>
+                                      <p:to>
+                                        <p:strVal val="true"/>
+                                      </p:to>
+                                    </p:set>
+                                  </p:childTnLst>
+                                </p:cTn>
+                              </p:par>
+                              <p:par>
+                                <p:cTn id="33" presetID="1" presetClass="emph" presetSubtype="10" repeatCount="indefinite" accel="9000" decel="26000" fill="remove" nodeType="withEffect">
+                                  <p:stCondLst>
+                                    <p:cond delay="0"/>
+                                  </p:stCondLst>
+                                  <p:childTnLst>
+                                    <p:animClr clrSpc="hsl" dir="ccw">
+                                      <p:cBhvr>
+                                        <p:cTn id="34" dur="1600" fill="hold"/>
+                                        <p:tgtEl>
+                                          <p:spTgt spid="73"/>
+                                        </p:tgtEl>
+                                        <p:attrNameLst>
+                                          <p:attrName>fillcolor</p:attrName>
+                                        </p:attrNameLst>
+                                      </p:cBhvr>
+                                      <p:to>
+                                        <a:srgbClr val="67D04E"/>
+                                      </p:to>
+                                    </p:animClr>
+                                    <p:set>
+                                      <p:cBhvr>
+                                        <p:cTn id="35" dur="1600" fill="hold"/>
+                                        <p:tgtEl>
+                                          <p:spTgt spid="73"/>
+                                        </p:tgtEl>
+                                        <p:attrNameLst>
+                                          <p:attrName>fill.type</p:attrName>
+                                        </p:attrNameLst>
+                                      </p:cBhvr>
+                                      <p:to>
+                                        <p:strVal val="solid"/>
+                                      </p:to>
+                                    </p:set>
+                                    <p:set>
+                                      <p:cBhvr>
+                                        <p:cTn id="36" dur="1600" fill="hold"/>
+                                        <p:tgtEl>
+                                          <p:spTgt spid="73"/>
                                         </p:tgtEl>
                                         <p:attrNameLst>
                                           <p:attrName>fill.on</p:attrName>
@@ -45358,6 +48273,872 @@
 </p:sld>
 </file>
 
+<file path=ppt/slides/slide9.xml><?xml version="1.0" encoding="utf-8"?>
+<p:sld xmlns:a="http://schemas.openxmlformats.org/drawingml/2006/main" xmlns:r="http://schemas.openxmlformats.org/officeDocument/2006/relationships" xmlns:p="http://schemas.openxmlformats.org/presentationml/2006/main">
+  <p:cSld>
+    <p:spTree>
+      <p:nvGrpSpPr>
+        <p:cNvPr id="1" name=""/>
+        <p:cNvGrpSpPr/>
+        <p:nvPr/>
+      </p:nvGrpSpPr>
+      <p:grpSpPr>
+        <a:xfrm>
+          <a:off x="0" y="0"/>
+          <a:ext cx="0" cy="0"/>
+          <a:chOff x="0" y="0"/>
+          <a:chExt cx="0" cy="0"/>
+        </a:xfrm>
+      </p:grpSpPr>
+      <p:cxnSp>
+        <p:nvCxnSpPr>
+          <p:cNvPr id="205" name="Straight Connector 204">
+            <a:extLst>
+              <a:ext uri="{FF2B5EF4-FFF2-40B4-BE49-F238E27FC236}">
+                <a16:creationId xmlns:a16="http://schemas.microsoft.com/office/drawing/2014/main" id="{BB86F8D0-E0DD-456B-836E-9F54AEC88B20}"/>
+              </a:ext>
+            </a:extLst>
+          </p:cNvPr>
+          <p:cNvCxnSpPr>
+            <a:cxnSpLocks/>
+          </p:cNvCxnSpPr>
+          <p:nvPr/>
+        </p:nvCxnSpPr>
+        <p:spPr>
+          <a:xfrm flipV="1">
+            <a:off x="8248943" y="5495925"/>
+            <a:ext cx="1224714" cy="333375"/>
+          </a:xfrm>
+          <a:prstGeom prst="line">
+            <a:avLst/>
+          </a:prstGeom>
+          <a:ln w="76200" cap="rnd">
+            <a:solidFill>
+              <a:srgbClr val="FF3737"/>
+            </a:solidFill>
+            <a:round/>
+          </a:ln>
+          <a:scene3d>
+            <a:camera prst="orthographicFront">
+              <a:rot lat="0" lon="21000000" rev="0"/>
+            </a:camera>
+            <a:lightRig rig="threePt" dir="t"/>
+          </a:scene3d>
+        </p:spPr>
+        <p:style>
+          <a:lnRef idx="1">
+            <a:schemeClr val="accent1"/>
+          </a:lnRef>
+          <a:fillRef idx="0">
+            <a:schemeClr val="accent1"/>
+          </a:fillRef>
+          <a:effectRef idx="0">
+            <a:schemeClr val="accent1"/>
+          </a:effectRef>
+          <a:fontRef idx="minor">
+            <a:schemeClr val="tx1"/>
+          </a:fontRef>
+        </p:style>
+      </p:cxnSp>
+      <p:grpSp>
+        <p:nvGrpSpPr>
+          <p:cNvPr id="195" name="Group 194">
+            <a:extLst>
+              <a:ext uri="{FF2B5EF4-FFF2-40B4-BE49-F238E27FC236}">
+                <a16:creationId xmlns:a16="http://schemas.microsoft.com/office/drawing/2014/main" id="{8CADD062-2B57-4EF3-9A28-0523C8886264}"/>
+              </a:ext>
+            </a:extLst>
+          </p:cNvPr>
+          <p:cNvGrpSpPr/>
+          <p:nvPr/>
+        </p:nvGrpSpPr>
+        <p:grpSpPr>
+          <a:xfrm>
+            <a:off x="5962368" y="3753432"/>
+            <a:ext cx="2962713" cy="3707933"/>
+            <a:chOff x="7424257" y="2056701"/>
+            <a:chExt cx="2962713" cy="3707933"/>
+          </a:xfrm>
+          <a:scene3d>
+            <a:camera prst="orthographicFront">
+              <a:rot lat="19254000" lon="16962000" rev="5202000"/>
+            </a:camera>
+            <a:lightRig rig="threePt" dir="t"/>
+          </a:scene3d>
+        </p:grpSpPr>
+        <p:sp>
+          <p:nvSpPr>
+            <p:cNvPr id="196" name="Rectangle: Rounded Corners 195">
+              <a:extLst>
+                <a:ext uri="{FF2B5EF4-FFF2-40B4-BE49-F238E27FC236}">
+                  <a16:creationId xmlns:a16="http://schemas.microsoft.com/office/drawing/2014/main" id="{23094423-B15E-4DFC-8B58-840C5FC66DD5}"/>
+                </a:ext>
+              </a:extLst>
+            </p:cNvPr>
+            <p:cNvSpPr/>
+            <p:nvPr/>
+          </p:nvSpPr>
+          <p:spPr>
+            <a:xfrm>
+              <a:off x="7424257" y="2056701"/>
+              <a:ext cx="192947" cy="3707933"/>
+            </a:xfrm>
+            <a:prstGeom prst="roundRect">
+              <a:avLst>
+                <a:gd name="adj" fmla="val 50000"/>
+              </a:avLst>
+            </a:prstGeom>
+            <a:solidFill>
+              <a:schemeClr val="bg1">
+                <a:lumMod val="85000"/>
+              </a:schemeClr>
+            </a:solidFill>
+            <a:ln w="76200">
+              <a:noFill/>
+            </a:ln>
+            <a:sp3d/>
+          </p:spPr>
+          <p:style>
+            <a:lnRef idx="2">
+              <a:schemeClr val="accent1">
+                <a:shade val="50000"/>
+              </a:schemeClr>
+            </a:lnRef>
+            <a:fillRef idx="1">
+              <a:schemeClr val="accent1"/>
+            </a:fillRef>
+            <a:effectRef idx="0">
+              <a:schemeClr val="accent1"/>
+            </a:effectRef>
+            <a:fontRef idx="minor">
+              <a:schemeClr val="lt1"/>
+            </a:fontRef>
+          </p:style>
+          <p:txBody>
+            <a:bodyPr rtlCol="0" anchor="ctr"/>
+            <a:lstStyle/>
+            <a:p>
+              <a:pPr algn="ctr"/>
+              <a:endParaRPr lang="fr-BE" dirty="0"/>
+            </a:p>
+          </p:txBody>
+        </p:sp>
+        <p:sp>
+          <p:nvSpPr>
+            <p:cNvPr id="197" name="Rectangle: Rounded Corners 196">
+              <a:extLst>
+                <a:ext uri="{FF2B5EF4-FFF2-40B4-BE49-F238E27FC236}">
+                  <a16:creationId xmlns:a16="http://schemas.microsoft.com/office/drawing/2014/main" id="{99337243-BFD1-416C-A207-C5F2880B82F0}"/>
+                </a:ext>
+              </a:extLst>
+            </p:cNvPr>
+            <p:cNvSpPr/>
+            <p:nvPr/>
+          </p:nvSpPr>
+          <p:spPr>
+            <a:xfrm>
+              <a:off x="10194023" y="2056701"/>
+              <a:ext cx="192947" cy="3707933"/>
+            </a:xfrm>
+            <a:prstGeom prst="roundRect">
+              <a:avLst>
+                <a:gd name="adj" fmla="val 50000"/>
+              </a:avLst>
+            </a:prstGeom>
+            <a:solidFill>
+              <a:schemeClr val="bg1">
+                <a:lumMod val="85000"/>
+              </a:schemeClr>
+            </a:solidFill>
+            <a:ln w="76200">
+              <a:noFill/>
+            </a:ln>
+            <a:sp3d/>
+          </p:spPr>
+          <p:style>
+            <a:lnRef idx="2">
+              <a:schemeClr val="accent1">
+                <a:shade val="50000"/>
+              </a:schemeClr>
+            </a:lnRef>
+            <a:fillRef idx="1">
+              <a:schemeClr val="accent1"/>
+            </a:fillRef>
+            <a:effectRef idx="0">
+              <a:schemeClr val="accent1"/>
+            </a:effectRef>
+            <a:fontRef idx="minor">
+              <a:schemeClr val="lt1"/>
+            </a:fontRef>
+          </p:style>
+          <p:txBody>
+            <a:bodyPr rtlCol="0" anchor="ctr"/>
+            <a:lstStyle/>
+            <a:p>
+              <a:pPr algn="ctr"/>
+              <a:endParaRPr lang="fr-BE" dirty="0"/>
+            </a:p>
+          </p:txBody>
+        </p:sp>
+        <p:sp>
+          <p:nvSpPr>
+            <p:cNvPr id="198" name="Flowchart: Stored Data 197">
+              <a:extLst>
+                <a:ext uri="{FF2B5EF4-FFF2-40B4-BE49-F238E27FC236}">
+                  <a16:creationId xmlns:a16="http://schemas.microsoft.com/office/drawing/2014/main" id="{E5844B16-64C7-4A5B-A8EA-D0247E81E401}"/>
+                </a:ext>
+              </a:extLst>
+            </p:cNvPr>
+            <p:cNvSpPr/>
+            <p:nvPr/>
+          </p:nvSpPr>
+          <p:spPr>
+            <a:xfrm rot="16200000">
+              <a:off x="8320836" y="1448847"/>
+              <a:ext cx="1169562" cy="2576819"/>
+            </a:xfrm>
+            <a:prstGeom prst="flowChartOnlineStorage">
+              <a:avLst/>
+            </a:prstGeom>
+            <a:solidFill>
+              <a:schemeClr val="bg1">
+                <a:lumMod val="85000"/>
+              </a:schemeClr>
+            </a:solidFill>
+            <a:ln w="76200">
+              <a:noFill/>
+            </a:ln>
+            <a:sp3d/>
+          </p:spPr>
+          <p:style>
+            <a:lnRef idx="2">
+              <a:schemeClr val="accent1">
+                <a:shade val="50000"/>
+              </a:schemeClr>
+            </a:lnRef>
+            <a:fillRef idx="1">
+              <a:schemeClr val="accent1"/>
+            </a:fillRef>
+            <a:effectRef idx="0">
+              <a:schemeClr val="accent1"/>
+            </a:effectRef>
+            <a:fontRef idx="minor">
+              <a:schemeClr val="lt1"/>
+            </a:fontRef>
+          </p:style>
+          <p:txBody>
+            <a:bodyPr vert="vert" wrap="none" rtlCol="0" anchor="ctr"/>
+            <a:lstStyle/>
+            <a:p>
+              <a:pPr algn="ctr"/>
+              <a:endParaRPr lang="fr-BE" sz="2800" dirty="0"/>
+            </a:p>
+          </p:txBody>
+        </p:sp>
+      </p:grpSp>
+      <p:pic>
+        <p:nvPicPr>
+          <p:cNvPr id="192" name="Picture 191" descr="A picture containing object, clock, train&#10;&#10;Description automatically generated">
+            <a:extLst>
+              <a:ext uri="{FF2B5EF4-FFF2-40B4-BE49-F238E27FC236}">
+                <a16:creationId xmlns:a16="http://schemas.microsoft.com/office/drawing/2014/main" id="{C8E548D0-0177-41D5-8C6A-4C284B08EC97}"/>
+              </a:ext>
+            </a:extLst>
+          </p:cNvPr>
+          <p:cNvPicPr>
+            <a:picLocks noChangeAspect="1"/>
+          </p:cNvPicPr>
+          <p:nvPr/>
+        </p:nvPicPr>
+        <p:blipFill>
+          <a:blip r:embed="rId2">
+            <a:extLst>
+              <a:ext uri="{28A0092B-C50C-407E-A947-70E740481C1C}">
+                <a14:useLocalDpi xmlns:a14="http://schemas.microsoft.com/office/drawing/2010/main" val="0"/>
+              </a:ext>
+            </a:extLst>
+          </a:blip>
+          <a:stretch>
+            <a:fillRect/>
+          </a:stretch>
+        </p:blipFill>
+        <p:spPr>
+          <a:xfrm>
+            <a:off x="7787145" y="4075232"/>
+            <a:ext cx="1587732" cy="1587730"/>
+          </a:xfrm>
+          <a:prstGeom prst="rect">
+            <a:avLst/>
+          </a:prstGeom>
+        </p:spPr>
+      </p:pic>
+      <p:grpSp>
+        <p:nvGrpSpPr>
+          <p:cNvPr id="78" name="Group 77">
+            <a:extLst>
+              <a:ext uri="{FF2B5EF4-FFF2-40B4-BE49-F238E27FC236}">
+                <a16:creationId xmlns:a16="http://schemas.microsoft.com/office/drawing/2014/main" id="{F467CC1D-52B8-494A-9047-C3D40C52A40B}"/>
+              </a:ext>
+            </a:extLst>
+          </p:cNvPr>
+          <p:cNvGrpSpPr/>
+          <p:nvPr/>
+        </p:nvGrpSpPr>
+        <p:grpSpPr>
+          <a:xfrm>
+            <a:off x="7424257" y="2056701"/>
+            <a:ext cx="2962713" cy="3707933"/>
+            <a:chOff x="7424257" y="2056701"/>
+            <a:chExt cx="2962713" cy="3707933"/>
+          </a:xfrm>
+          <a:scene3d>
+            <a:camera prst="orthographicFront">
+              <a:rot lat="900000" lon="18599975" rev="0"/>
+            </a:camera>
+            <a:lightRig rig="threePt" dir="t"/>
+          </a:scene3d>
+        </p:grpSpPr>
+        <p:sp>
+          <p:nvSpPr>
+            <p:cNvPr id="2" name="Rectangle: Rounded Corners 1">
+              <a:extLst>
+                <a:ext uri="{FF2B5EF4-FFF2-40B4-BE49-F238E27FC236}">
+                  <a16:creationId xmlns:a16="http://schemas.microsoft.com/office/drawing/2014/main" id="{8596BD3A-379C-40A6-B491-A05F79B1AF61}"/>
+                </a:ext>
+              </a:extLst>
+            </p:cNvPr>
+            <p:cNvSpPr/>
+            <p:nvPr/>
+          </p:nvSpPr>
+          <p:spPr>
+            <a:xfrm>
+              <a:off x="7424257" y="2056701"/>
+              <a:ext cx="192947" cy="3707933"/>
+            </a:xfrm>
+            <a:prstGeom prst="roundRect">
+              <a:avLst>
+                <a:gd name="adj" fmla="val 50000"/>
+              </a:avLst>
+            </a:prstGeom>
+            <a:solidFill>
+              <a:srgbClr val="996633"/>
+            </a:solidFill>
+            <a:ln w="76200">
+              <a:noFill/>
+            </a:ln>
+            <a:sp3d extrusionH="127000"/>
+          </p:spPr>
+          <p:style>
+            <a:lnRef idx="2">
+              <a:schemeClr val="accent1">
+                <a:shade val="50000"/>
+              </a:schemeClr>
+            </a:lnRef>
+            <a:fillRef idx="1">
+              <a:schemeClr val="accent1"/>
+            </a:fillRef>
+            <a:effectRef idx="0">
+              <a:schemeClr val="accent1"/>
+            </a:effectRef>
+            <a:fontRef idx="minor">
+              <a:schemeClr val="lt1"/>
+            </a:fontRef>
+          </p:style>
+          <p:txBody>
+            <a:bodyPr rtlCol="0" anchor="ctr"/>
+            <a:lstStyle/>
+            <a:p>
+              <a:pPr algn="ctr"/>
+              <a:endParaRPr lang="fr-BE" dirty="0"/>
+            </a:p>
+          </p:txBody>
+        </p:sp>
+        <p:sp>
+          <p:nvSpPr>
+            <p:cNvPr id="3" name="Rectangle: Rounded Corners 2">
+              <a:extLst>
+                <a:ext uri="{FF2B5EF4-FFF2-40B4-BE49-F238E27FC236}">
+                  <a16:creationId xmlns:a16="http://schemas.microsoft.com/office/drawing/2014/main" id="{E24FAFD3-AEB4-4C23-BE6A-E4D985DDAC69}"/>
+                </a:ext>
+              </a:extLst>
+            </p:cNvPr>
+            <p:cNvSpPr/>
+            <p:nvPr/>
+          </p:nvSpPr>
+          <p:spPr>
+            <a:xfrm>
+              <a:off x="10194023" y="2056701"/>
+              <a:ext cx="192947" cy="3707933"/>
+            </a:xfrm>
+            <a:prstGeom prst="roundRect">
+              <a:avLst>
+                <a:gd name="adj" fmla="val 50000"/>
+              </a:avLst>
+            </a:prstGeom>
+            <a:solidFill>
+              <a:srgbClr val="996633"/>
+            </a:solidFill>
+            <a:ln w="76200">
+              <a:noFill/>
+            </a:ln>
+            <a:sp3d extrusionH="127000"/>
+          </p:spPr>
+          <p:style>
+            <a:lnRef idx="2">
+              <a:schemeClr val="accent1">
+                <a:shade val="50000"/>
+              </a:schemeClr>
+            </a:lnRef>
+            <a:fillRef idx="1">
+              <a:schemeClr val="accent1"/>
+            </a:fillRef>
+            <a:effectRef idx="0">
+              <a:schemeClr val="accent1"/>
+            </a:effectRef>
+            <a:fontRef idx="minor">
+              <a:schemeClr val="lt1"/>
+            </a:fontRef>
+          </p:style>
+          <p:txBody>
+            <a:bodyPr rtlCol="0" anchor="ctr"/>
+            <a:lstStyle/>
+            <a:p>
+              <a:pPr algn="ctr"/>
+              <a:endParaRPr lang="fr-BE" dirty="0"/>
+            </a:p>
+          </p:txBody>
+        </p:sp>
+        <p:sp>
+          <p:nvSpPr>
+            <p:cNvPr id="4" name="Flowchart: Stored Data 3">
+              <a:extLst>
+                <a:ext uri="{FF2B5EF4-FFF2-40B4-BE49-F238E27FC236}">
+                  <a16:creationId xmlns:a16="http://schemas.microsoft.com/office/drawing/2014/main" id="{6D8F361A-58CD-452F-B8D2-59A635F7662B}"/>
+                </a:ext>
+              </a:extLst>
+            </p:cNvPr>
+            <p:cNvSpPr/>
+            <p:nvPr/>
+          </p:nvSpPr>
+          <p:spPr>
+            <a:xfrm rot="16200000">
+              <a:off x="8320836" y="1448847"/>
+              <a:ext cx="1169562" cy="2576819"/>
+            </a:xfrm>
+            <a:prstGeom prst="flowChartOnlineStorage">
+              <a:avLst/>
+            </a:prstGeom>
+            <a:solidFill>
+              <a:srgbClr val="FFC000"/>
+            </a:solidFill>
+            <a:ln w="76200">
+              <a:noFill/>
+            </a:ln>
+            <a:sp3d extrusionH="63500"/>
+          </p:spPr>
+          <p:style>
+            <a:lnRef idx="2">
+              <a:schemeClr val="accent1">
+                <a:shade val="50000"/>
+              </a:schemeClr>
+            </a:lnRef>
+            <a:fillRef idx="1">
+              <a:schemeClr val="accent1"/>
+            </a:fillRef>
+            <a:effectRef idx="0">
+              <a:schemeClr val="accent1"/>
+            </a:effectRef>
+            <a:fontRef idx="minor">
+              <a:schemeClr val="lt1"/>
+            </a:fontRef>
+          </p:style>
+          <p:txBody>
+            <a:bodyPr vert="vert" wrap="none" rtlCol="0" anchor="ctr"/>
+            <a:lstStyle/>
+            <a:p>
+              <a:pPr algn="ctr"/>
+              <a:endParaRPr lang="fr-BE" sz="2800" dirty="0"/>
+            </a:p>
+          </p:txBody>
+        </p:sp>
+        <p:sp>
+          <p:nvSpPr>
+            <p:cNvPr id="5" name="TextBox 4">
+              <a:extLst>
+                <a:ext uri="{FF2B5EF4-FFF2-40B4-BE49-F238E27FC236}">
+                  <a16:creationId xmlns:a16="http://schemas.microsoft.com/office/drawing/2014/main" id="{6FD684C3-2422-41A4-8BEB-AE0CC78BC015}"/>
+                </a:ext>
+              </a:extLst>
+            </p:cNvPr>
+            <p:cNvSpPr txBox="1"/>
+            <p:nvPr/>
+          </p:nvSpPr>
+          <p:spPr>
+            <a:xfrm>
+              <a:off x="7667765" y="2314468"/>
+              <a:ext cx="2475697" cy="422788"/>
+            </a:xfrm>
+            <a:prstGeom prst="rect">
+              <a:avLst/>
+            </a:prstGeom>
+            <a:noFill/>
+            <a:sp3d extrusionH="25400"/>
+          </p:spPr>
+          <p:txBody>
+            <a:bodyPr wrap="square" rtlCol="0">
+              <a:prstTxWarp prst="textArchDown">
+                <a:avLst>
+                  <a:gd name="adj" fmla="val 1012121"/>
+                </a:avLst>
+              </a:prstTxWarp>
+              <a:spAutoFit/>
+            </a:bodyPr>
+            <a:lstStyle/>
+            <a:p>
+              <a:pPr algn="ctr"/>
+              <a:r>
+                <a:rPr lang="en-US" sz="3200" dirty="0">
+                  <a:solidFill>
+                    <a:schemeClr val="bg1"/>
+                  </a:solidFill>
+                  <a:latin typeface="Roboto" panose="02000000000000000000" pitchFamily="2" charset="0"/>
+                  <a:ea typeface="Roboto" panose="02000000000000000000" pitchFamily="2" charset="0"/>
+                </a:rPr>
+                <a:t>WAIT FOR LOCK</a:t>
+              </a:r>
+              <a:endParaRPr lang="fr-BE" sz="3200" dirty="0">
+                <a:solidFill>
+                  <a:schemeClr val="bg1"/>
+                </a:solidFill>
+                <a:latin typeface="Roboto" panose="02000000000000000000" pitchFamily="2" charset="0"/>
+                <a:ea typeface="Roboto" panose="02000000000000000000" pitchFamily="2" charset="0"/>
+              </a:endParaRPr>
+            </a:p>
+          </p:txBody>
+        </p:sp>
+        <p:sp>
+          <p:nvSpPr>
+            <p:cNvPr id="12" name="TextBox 11">
+              <a:extLst>
+                <a:ext uri="{FF2B5EF4-FFF2-40B4-BE49-F238E27FC236}">
+                  <a16:creationId xmlns:a16="http://schemas.microsoft.com/office/drawing/2014/main" id="{5DE80379-3682-47E9-AD1A-59D82D24CC14}"/>
+                </a:ext>
+              </a:extLst>
+            </p:cNvPr>
+            <p:cNvSpPr txBox="1"/>
+            <p:nvPr/>
+          </p:nvSpPr>
+          <p:spPr>
+            <a:xfrm>
+              <a:off x="8534605" y="2840439"/>
+              <a:ext cx="746125" cy="307777"/>
+            </a:xfrm>
+            <a:prstGeom prst="rect">
+              <a:avLst/>
+            </a:prstGeom>
+            <a:noFill/>
+            <a:sp3d extrusionH="25400"/>
+          </p:spPr>
+          <p:txBody>
+            <a:bodyPr wrap="square" rtlCol="0">
+              <a:spAutoFit/>
+            </a:bodyPr>
+            <a:lstStyle/>
+            <a:p>
+              <a:pPr algn="ctr"/>
+              <a:r>
+                <a:rPr lang="en-US" sz="1400" dirty="0">
+                  <a:solidFill>
+                    <a:schemeClr val="bg1"/>
+                  </a:solidFill>
+                  <a:latin typeface="Roboto" panose="02000000000000000000" pitchFamily="2" charset="0"/>
+                  <a:ea typeface="Roboto" panose="02000000000000000000" pitchFamily="2" charset="0"/>
+                </a:rPr>
+                <a:t>1.5 m</a:t>
+              </a:r>
+              <a:endParaRPr lang="fr-BE" sz="1400" dirty="0">
+                <a:solidFill>
+                  <a:schemeClr val="bg1"/>
+                </a:solidFill>
+                <a:latin typeface="Roboto" panose="02000000000000000000" pitchFamily="2" charset="0"/>
+                <a:ea typeface="Roboto" panose="02000000000000000000" pitchFamily="2" charset="0"/>
+              </a:endParaRPr>
+            </a:p>
+          </p:txBody>
+        </p:sp>
+        <p:pic>
+          <p:nvPicPr>
+            <p:cNvPr id="72" name="Picture 71" descr="A picture containing object, clock, train&#10;&#10;Description automatically generated">
+              <a:extLst>
+                <a:ext uri="{FF2B5EF4-FFF2-40B4-BE49-F238E27FC236}">
+                  <a16:creationId xmlns:a16="http://schemas.microsoft.com/office/drawing/2014/main" id="{AAA967B7-2EB9-4B54-81B7-E2E5DCE46A30}"/>
+                </a:ext>
+              </a:extLst>
+            </p:cNvPr>
+            <p:cNvPicPr>
+              <a:picLocks noChangeAspect="1"/>
+            </p:cNvPicPr>
+            <p:nvPr/>
+          </p:nvPicPr>
+          <p:blipFill>
+            <a:blip r:embed="rId2">
+              <a:extLst>
+                <a:ext uri="{28A0092B-C50C-407E-A947-70E740481C1C}">
+                  <a14:useLocalDpi xmlns:a14="http://schemas.microsoft.com/office/drawing/2010/main" val="0"/>
+                </a:ext>
+              </a:extLst>
+            </a:blip>
+            <a:stretch>
+              <a:fillRect/>
+            </a:stretch>
+          </p:blipFill>
+          <p:spPr>
+            <a:xfrm rot="20872119">
+              <a:off x="9725038" y="2824033"/>
+              <a:ext cx="338423" cy="338423"/>
+            </a:xfrm>
+            <a:prstGeom prst="rect">
+              <a:avLst/>
+            </a:prstGeom>
+            <a:sp3d extrusionH="25400"/>
+          </p:spPr>
+        </p:pic>
+        <p:pic>
+          <p:nvPicPr>
+            <p:cNvPr id="74" name="Picture 73" descr="A close up of a sign&#10;&#10;Description automatically generated">
+              <a:extLst>
+                <a:ext uri="{FF2B5EF4-FFF2-40B4-BE49-F238E27FC236}">
+                  <a16:creationId xmlns:a16="http://schemas.microsoft.com/office/drawing/2014/main" id="{4A4B1687-2E11-403D-9BE9-945CAD94273B}"/>
+                </a:ext>
+              </a:extLst>
+            </p:cNvPr>
+            <p:cNvPicPr>
+              <a:picLocks noChangeAspect="1"/>
+            </p:cNvPicPr>
+            <p:nvPr/>
+          </p:nvPicPr>
+          <p:blipFill>
+            <a:blip r:embed="rId3">
+              <a:extLst>
+                <a:ext uri="{28A0092B-C50C-407E-A947-70E740481C1C}">
+                  <a14:useLocalDpi xmlns:a14="http://schemas.microsoft.com/office/drawing/2010/main" val="0"/>
+                </a:ext>
+              </a:extLst>
+            </a:blip>
+            <a:stretch>
+              <a:fillRect/>
+            </a:stretch>
+          </p:blipFill>
+          <p:spPr>
+            <a:xfrm rot="715763">
+              <a:off x="7741882" y="2833030"/>
+              <a:ext cx="344305" cy="342434"/>
+            </a:xfrm>
+            <a:prstGeom prst="rect">
+              <a:avLst/>
+            </a:prstGeom>
+            <a:sp3d extrusionH="25400"/>
+          </p:spPr>
+        </p:pic>
+        <p:sp>
+          <p:nvSpPr>
+            <p:cNvPr id="77" name="Freeform: Shape 76">
+              <a:extLst>
+                <a:ext uri="{FF2B5EF4-FFF2-40B4-BE49-F238E27FC236}">
+                  <a16:creationId xmlns:a16="http://schemas.microsoft.com/office/drawing/2014/main" id="{2BE7DCFD-01E8-40EA-8E93-DCB36227A2CB}"/>
+                </a:ext>
+              </a:extLst>
+            </p:cNvPr>
+            <p:cNvSpPr/>
+            <p:nvPr/>
+          </p:nvSpPr>
+          <p:spPr>
+            <a:xfrm>
+              <a:off x="8210862" y="3054350"/>
+              <a:ext cx="1428438" cy="93866"/>
+            </a:xfrm>
+            <a:custGeom>
+              <a:avLst/>
+              <a:gdLst>
+                <a:gd name="connsiteX0" fmla="*/ 0 w 1352550"/>
+                <a:gd name="connsiteY0" fmla="*/ 0 h 72712"/>
+                <a:gd name="connsiteX1" fmla="*/ 1352550 w 1352550"/>
+                <a:gd name="connsiteY1" fmla="*/ 0 h 72712"/>
+                <a:gd name="connsiteX0" fmla="*/ 0 w 1352550"/>
+                <a:gd name="connsiteY0" fmla="*/ 0 h 79028"/>
+                <a:gd name="connsiteX1" fmla="*/ 1352550 w 1352550"/>
+                <a:gd name="connsiteY1" fmla="*/ 0 h 79028"/>
+                <a:gd name="connsiteX0" fmla="*/ 0 w 1352550"/>
+                <a:gd name="connsiteY0" fmla="*/ 0 h 88477"/>
+                <a:gd name="connsiteX1" fmla="*/ 1352550 w 1352550"/>
+                <a:gd name="connsiteY1" fmla="*/ 0 h 88477"/>
+                <a:gd name="connsiteX0" fmla="*/ 0 w 1352550"/>
+                <a:gd name="connsiteY0" fmla="*/ 0 h 83627"/>
+                <a:gd name="connsiteX1" fmla="*/ 1352550 w 1352550"/>
+                <a:gd name="connsiteY1" fmla="*/ 0 h 83627"/>
+                <a:gd name="connsiteX0" fmla="*/ 0 w 1352550"/>
+                <a:gd name="connsiteY0" fmla="*/ 0 h 71382"/>
+                <a:gd name="connsiteX1" fmla="*/ 1352550 w 1352550"/>
+                <a:gd name="connsiteY1" fmla="*/ 0 h 71382"/>
+              </a:gdLst>
+              <a:ahLst/>
+              <a:cxnLst>
+                <a:cxn ang="0">
+                  <a:pos x="connsiteX0" y="connsiteY0"/>
+                </a:cxn>
+                <a:cxn ang="0">
+                  <a:pos x="connsiteX1" y="connsiteY1"/>
+                </a:cxn>
+              </a:cxnLst>
+              <a:rect l="l" t="t" r="r" b="b"/>
+              <a:pathLst>
+                <a:path w="1352550" h="71382">
+                  <a:moveTo>
+                    <a:pt x="0" y="0"/>
+                  </a:moveTo>
+                  <a:cubicBezTo>
+                    <a:pt x="350308" y="77838"/>
+                    <a:pt x="783167" y="111076"/>
+                    <a:pt x="1352550" y="0"/>
+                  </a:cubicBezTo>
+                </a:path>
+              </a:pathLst>
+            </a:custGeom>
+            <a:noFill/>
+            <a:ln w="76200" cap="rnd">
+              <a:solidFill>
+                <a:schemeClr val="bg1"/>
+              </a:solidFill>
+              <a:headEnd type="triangle"/>
+              <a:tailEnd type="triangle"/>
+            </a:ln>
+            <a:sp3d extrusionH="25400"/>
+          </p:spPr>
+          <p:style>
+            <a:lnRef idx="2">
+              <a:schemeClr val="accent1">
+                <a:shade val="50000"/>
+              </a:schemeClr>
+            </a:lnRef>
+            <a:fillRef idx="1">
+              <a:schemeClr val="accent1"/>
+            </a:fillRef>
+            <a:effectRef idx="0">
+              <a:schemeClr val="accent1"/>
+            </a:effectRef>
+            <a:fontRef idx="minor">
+              <a:schemeClr val="lt1"/>
+            </a:fontRef>
+          </p:style>
+          <p:txBody>
+            <a:bodyPr rtlCol="0" anchor="ctr"/>
+            <a:lstStyle/>
+            <a:p>
+              <a:pPr algn="ctr"/>
+              <a:endParaRPr lang="fr-BE"/>
+            </a:p>
+          </p:txBody>
+        </p:sp>
+      </p:grpSp>
+      <p:cxnSp>
+        <p:nvCxnSpPr>
+          <p:cNvPr id="213" name="Straight Connector 212">
+            <a:extLst>
+              <a:ext uri="{FF2B5EF4-FFF2-40B4-BE49-F238E27FC236}">
+                <a16:creationId xmlns:a16="http://schemas.microsoft.com/office/drawing/2014/main" id="{968C53C5-0537-4CF7-8152-04CD7F35D245}"/>
+              </a:ext>
+            </a:extLst>
+          </p:cNvPr>
+          <p:cNvCxnSpPr>
+            <a:cxnSpLocks/>
+          </p:cNvCxnSpPr>
+          <p:nvPr/>
+        </p:nvCxnSpPr>
+        <p:spPr>
+          <a:xfrm flipV="1">
+            <a:off x="5724000" y="5292000"/>
+            <a:ext cx="1259752" cy="329816"/>
+          </a:xfrm>
+          <a:prstGeom prst="line">
+            <a:avLst/>
+          </a:prstGeom>
+          <a:ln w="76200" cap="rnd">
+            <a:solidFill>
+              <a:srgbClr val="FF3737"/>
+            </a:solidFill>
+            <a:round/>
+          </a:ln>
+          <a:scene3d>
+            <a:camera prst="orthographicFront">
+              <a:rot lat="0" lon="21000000" rev="0"/>
+            </a:camera>
+            <a:lightRig rig="threePt" dir="t"/>
+          </a:scene3d>
+        </p:spPr>
+        <p:style>
+          <a:lnRef idx="1">
+            <a:schemeClr val="accent1"/>
+          </a:lnRef>
+          <a:fillRef idx="0">
+            <a:schemeClr val="accent1"/>
+          </a:fillRef>
+          <a:effectRef idx="0">
+            <a:schemeClr val="accent1"/>
+          </a:effectRef>
+          <a:fontRef idx="minor">
+            <a:schemeClr val="tx1"/>
+          </a:fontRef>
+        </p:style>
+      </p:cxnSp>
+      <p:pic>
+        <p:nvPicPr>
+          <p:cNvPr id="194" name="Picture 193" descr="A close up of a sign&#10;&#10;Description automatically generated">
+            <a:extLst>
+              <a:ext uri="{FF2B5EF4-FFF2-40B4-BE49-F238E27FC236}">
+                <a16:creationId xmlns:a16="http://schemas.microsoft.com/office/drawing/2014/main" id="{75EA9F79-AC27-419A-A589-6BAA14D95D67}"/>
+              </a:ext>
+            </a:extLst>
+          </p:cNvPr>
+          <p:cNvPicPr>
+            <a:picLocks noChangeAspect="1"/>
+          </p:cNvPicPr>
+          <p:nvPr/>
+        </p:nvPicPr>
+        <p:blipFill>
+          <a:blip r:embed="rId3">
+            <a:extLst>
+              <a:ext uri="{28A0092B-C50C-407E-A947-70E740481C1C}">
+                <a14:useLocalDpi xmlns:a14="http://schemas.microsoft.com/office/drawing/2010/main" val="0"/>
+              </a:ext>
+            </a:extLst>
+          </a:blip>
+          <a:stretch>
+            <a:fillRect/>
+          </a:stretch>
+        </p:blipFill>
+        <p:spPr>
+          <a:xfrm>
+            <a:off x="5313762" y="4224015"/>
+            <a:ext cx="1297212" cy="1290163"/>
+          </a:xfrm>
+          <a:prstGeom prst="rect">
+            <a:avLst/>
+          </a:prstGeom>
+        </p:spPr>
+      </p:pic>
+    </p:spTree>
+    <p:extLst>
+      <p:ext uri="{BB962C8B-B14F-4D97-AF65-F5344CB8AC3E}">
+        <p14:creationId xmlns:p14="http://schemas.microsoft.com/office/powerpoint/2010/main" val="2441813283"/>
+      </p:ext>
+    </p:extLst>
+  </p:cSld>
+  <p:clrMapOvr>
+    <a:masterClrMapping/>
+  </p:clrMapOvr>
+</p:sld>
+</file>
+
 <file path=ppt/theme/theme1.xml><?xml version="1.0" encoding="utf-8"?>
 <a:theme xmlns:a="http://schemas.openxmlformats.org/drawingml/2006/main" name="Office Theme">
   <a:themeElements>
